--- a/images/Image-Bank.pptx
+++ b/images/Image-Bank.pptx
@@ -6,6 +6,7 @@
   </p:sldMasterIdLst>
   <p:sldIdLst>
     <p:sldId id="256" r:id="rId2"/>
+    <p:sldId id="257" r:id="rId3"/>
   </p:sldIdLst>
   <p:sldSz cx="12192000" cy="6858000"/>
   <p:notesSz cx="6858000" cy="9144000"/>
@@ -104,6 +105,11 @@
       </a:defRPr>
     </a:lvl9pPr>
   </p:defaultTextStyle>
+  <p:extLst>
+    <p:ext uri="{EFAFB233-063F-42B5-8137-9DF3F51BA10A}">
+      <p15:sldGuideLst xmlns:p15="http://schemas.microsoft.com/office/powerpoint/2012/main"/>
+    </p:ext>
+  </p:extLst>
 </p:presentation>
 </file>
 
@@ -3335,8 +3341,8 @@
         </p:nvSpPr>
         <p:spPr>
           <a:xfrm>
-            <a:off x="737937" y="1507958"/>
-            <a:ext cx="1909010" cy="850231"/>
+            <a:off x="1045029" y="360292"/>
+            <a:ext cx="2933495" cy="1921042"/>
           </a:xfrm>
           <a:prstGeom prst="rect">
             <a:avLst/>
@@ -3364,12 +3370,50 @@
           <a:p>
             <a:pPr algn="ctr"/>
             <a:r>
+              <a:rPr lang="en-US" dirty="0" err="1">
+                <a:solidFill>
+                  <a:sysClr val="windowText" lastClr="000000"/>
+                </a:solidFill>
+              </a:rPr>
+              <a:t>passengerEntryRate</a:t>
+            </a:r>
+            <a:r>
               <a:rPr lang="en-US" dirty="0">
                 <a:solidFill>
                   <a:sysClr val="windowText" lastClr="000000"/>
                 </a:solidFill>
               </a:rPr>
-              <a:t>Population @ Starting Position</a:t>
+              <a:t>(t)</a:t>
+            </a:r>
+          </a:p>
+          <a:p>
+            <a:pPr algn="ctr"/>
+            <a:r>
+              <a:rPr lang="en-US" dirty="0" err="1">
+                <a:solidFill>
+                  <a:sysClr val="windowText" lastClr="000000"/>
+                </a:solidFill>
+              </a:rPr>
+              <a:t>passengerExitRate</a:t>
+            </a:r>
+            <a:r>
+              <a:rPr lang="en-US" dirty="0">
+                <a:solidFill>
+                  <a:sysClr val="windowText" lastClr="000000"/>
+                </a:solidFill>
+              </a:rPr>
+              <a:t>(t)</a:t>
+            </a:r>
+          </a:p>
+          <a:p>
+            <a:pPr algn="ctr"/>
+            <a:r>
+              <a:rPr lang="en-US" dirty="0">
+                <a:solidFill>
+                  <a:sysClr val="windowText" lastClr="000000"/>
+                </a:solidFill>
+              </a:rPr>
+              <a:t>[note these rates necessarily limited by acceptable walking pack density and available space]</a:t>
             </a:r>
           </a:p>
         </p:txBody>
@@ -3388,8 +3432,8 @@
         </p:nvSpPr>
         <p:spPr>
           <a:xfrm>
-            <a:off x="3569368" y="1507957"/>
-            <a:ext cx="1909010" cy="850231"/>
+            <a:off x="4423691" y="360291"/>
+            <a:ext cx="3344617" cy="1921043"/>
           </a:xfrm>
           <a:prstGeom prst="rect">
             <a:avLst/>
@@ -3417,13 +3461,98 @@
           <a:p>
             <a:pPr algn="ctr"/>
             <a:r>
-              <a:rPr lang="en-US" dirty="0">
+              <a:rPr lang="en-US" dirty="0" err="1">
                 <a:solidFill>
                   <a:sysClr val="windowText" lastClr="000000"/>
                 </a:solidFill>
               </a:rPr>
-              <a:t>Subway System</a:t>
-            </a:r>
+              <a:t>escalatorWidth</a:t>
+            </a:r>
+            <a:endParaRPr lang="en-US" dirty="0">
+              <a:solidFill>
+                <a:sysClr val="windowText" lastClr="000000"/>
+              </a:solidFill>
+            </a:endParaRPr>
+          </a:p>
+          <a:p>
+            <a:pPr algn="ctr"/>
+            <a:r>
+              <a:rPr lang="en-US" dirty="0" err="1">
+                <a:solidFill>
+                  <a:sysClr val="windowText" lastClr="000000"/>
+                </a:solidFill>
+              </a:rPr>
+              <a:t>escalatorPassiveTanslateRate</a:t>
+            </a:r>
+            <a:endParaRPr lang="en-US" dirty="0">
+              <a:solidFill>
+                <a:sysClr val="windowText" lastClr="000000"/>
+              </a:solidFill>
+            </a:endParaRPr>
+          </a:p>
+          <a:p>
+            <a:pPr algn="ctr"/>
+            <a:r>
+              <a:rPr lang="en-US" dirty="0" err="1">
+                <a:solidFill>
+                  <a:sysClr val="windowText" lastClr="000000"/>
+                </a:solidFill>
+              </a:rPr>
+              <a:t>escalatorEntryNumber</a:t>
+            </a:r>
+            <a:endParaRPr lang="en-US" dirty="0">
+              <a:solidFill>
+                <a:sysClr val="windowText" lastClr="000000"/>
+              </a:solidFill>
+            </a:endParaRPr>
+          </a:p>
+          <a:p>
+            <a:pPr algn="ctr"/>
+            <a:r>
+              <a:rPr lang="en-US" dirty="0" err="1">
+                <a:solidFill>
+                  <a:sysClr val="windowText" lastClr="000000"/>
+                </a:solidFill>
+              </a:rPr>
+              <a:t>escalatorExitNumber</a:t>
+            </a:r>
+            <a:endParaRPr lang="en-US" dirty="0">
+              <a:solidFill>
+                <a:sysClr val="windowText" lastClr="000000"/>
+              </a:solidFill>
+            </a:endParaRPr>
+          </a:p>
+          <a:p>
+            <a:pPr algn="ctr"/>
+            <a:r>
+              <a:rPr lang="en-US" dirty="0" err="1">
+                <a:solidFill>
+                  <a:sysClr val="windowText" lastClr="000000"/>
+                </a:solidFill>
+              </a:rPr>
+              <a:t>escalatorAllowsActiveTranslate</a:t>
+            </a:r>
+            <a:endParaRPr lang="en-US" dirty="0">
+              <a:solidFill>
+                <a:sysClr val="windowText" lastClr="000000"/>
+              </a:solidFill>
+            </a:endParaRPr>
+          </a:p>
+          <a:p>
+            <a:pPr algn="ctr"/>
+            <a:r>
+              <a:rPr lang="en-US" dirty="0" err="1">
+                <a:solidFill>
+                  <a:sysClr val="windowText" lastClr="000000"/>
+                </a:solidFill>
+              </a:rPr>
+              <a:t>escalatorAcceptablePackDensity</a:t>
+            </a:r>
+            <a:endParaRPr lang="en-US" dirty="0">
+              <a:solidFill>
+                <a:sysClr val="windowText" lastClr="000000"/>
+              </a:solidFill>
+            </a:endParaRPr>
           </a:p>
         </p:txBody>
       </p:sp>
@@ -3441,8 +3570,8 @@
         </p:nvSpPr>
         <p:spPr>
           <a:xfrm>
-            <a:off x="6400799" y="1507956"/>
-            <a:ext cx="1909010" cy="850231"/>
+            <a:off x="8076391" y="360292"/>
+            <a:ext cx="2887134" cy="1921042"/>
           </a:xfrm>
           <a:prstGeom prst="rect">
             <a:avLst/>
@@ -3470,12 +3599,58 @@
           <a:p>
             <a:pPr algn="ctr"/>
             <a:r>
+              <a:rPr lang="en-US" dirty="0" err="1">
+                <a:solidFill>
+                  <a:sysClr val="windowText" lastClr="000000"/>
+                </a:solidFill>
+              </a:rPr>
+              <a:t>passengersTranslated</a:t>
+            </a:r>
+            <a:r>
               <a:rPr lang="en-US" dirty="0">
                 <a:solidFill>
                   <a:sysClr val="windowText" lastClr="000000"/>
                 </a:solidFill>
               </a:rPr>
-              <a:t>Population @ Final Position</a:t>
+              <a:t>(t)</a:t>
+            </a:r>
+          </a:p>
+          <a:p>
+            <a:pPr algn="ctr"/>
+            <a:r>
+              <a:rPr lang="en-US" dirty="0" err="1">
+                <a:solidFill>
+                  <a:sysClr val="windowText" lastClr="000000"/>
+                </a:solidFill>
+              </a:rPr>
+              <a:t>passengerAvgComfort</a:t>
+            </a:r>
+            <a:r>
+              <a:rPr lang="en-US" dirty="0">
+                <a:solidFill>
+                  <a:sysClr val="windowText" lastClr="000000"/>
+                </a:solidFill>
+              </a:rPr>
+              <a:t>(t)</a:t>
+            </a:r>
+          </a:p>
+          <a:p>
+            <a:pPr algn="ctr"/>
+            <a:r>
+              <a:rPr lang="en-US" dirty="0" err="1">
+                <a:solidFill>
+                  <a:sysClr val="windowText" lastClr="000000"/>
+                </a:solidFill>
+              </a:rPr>
+              <a:t>passengerTransitRate</a:t>
+            </a:r>
+            <a:r>
+              <a:rPr lang="en-US" dirty="0">
+                <a:solidFill>
+                  <a:sysClr val="windowText" lastClr="000000"/>
+                </a:solidFill>
+              </a:rPr>
+              <a:t>(t)</a:t>
             </a:r>
           </a:p>
         </p:txBody>
@@ -3497,9 +3672,9 @@
           <p:nvPr/>
         </p:nvCxnSpPr>
         <p:spPr>
-          <a:xfrm flipV="1">
-            <a:off x="2646947" y="1933073"/>
-            <a:ext cx="922421" cy="1"/>
+          <a:xfrm>
+            <a:off x="3978524" y="1320813"/>
+            <a:ext cx="445167" cy="0"/>
           </a:xfrm>
           <a:prstGeom prst="straightConnector1">
             <a:avLst/>
@@ -3533,15 +3708,16 @@
             </a:extLst>
           </p:cNvPr>
           <p:cNvCxnSpPr>
+            <a:cxnSpLocks/>
             <a:stCxn id="5" idx="3"/>
             <a:endCxn id="6" idx="1"/>
           </p:cNvCxnSpPr>
           <p:nvPr/>
         </p:nvCxnSpPr>
         <p:spPr>
-          <a:xfrm flipV="1">
-            <a:off x="5478378" y="1933072"/>
-            <a:ext cx="922421" cy="1"/>
+          <a:xfrm>
+            <a:off x="7768308" y="1320813"/>
+            <a:ext cx="308083" cy="0"/>
           </a:xfrm>
           <a:prstGeom prst="straightConnector1">
             <a:avLst/>
@@ -3565,10 +3741,411 @@
           </a:fontRef>
         </p:style>
       </p:cxnSp>
+      <p:pic>
+        <p:nvPicPr>
+          <p:cNvPr id="34" name="Picture 33">
+            <a:extLst>
+              <a:ext uri="{FF2B5EF4-FFF2-40B4-BE49-F238E27FC236}">
+                <a16:creationId xmlns:a16="http://schemas.microsoft.com/office/drawing/2014/main" id="{FC39C7DD-B7B5-4E8F-ACA2-FB06737BEB6D}"/>
+              </a:ext>
+            </a:extLst>
+          </p:cNvPr>
+          <p:cNvPicPr>
+            <a:picLocks noChangeAspect="1"/>
+          </p:cNvPicPr>
+          <p:nvPr/>
+        </p:nvPicPr>
+        <p:blipFill>
+          <a:blip r:embed="rId2"/>
+          <a:stretch>
+            <a:fillRect/>
+          </a:stretch>
+        </p:blipFill>
+        <p:spPr>
+          <a:xfrm>
+            <a:off x="5329657" y="2397967"/>
+            <a:ext cx="1532686" cy="1387345"/>
+          </a:xfrm>
+          <a:prstGeom prst="rect">
+            <a:avLst/>
+          </a:prstGeom>
+        </p:spPr>
+      </p:pic>
+      <p:pic>
+        <p:nvPicPr>
+          <p:cNvPr id="35" name="Picture 34">
+            <a:extLst>
+              <a:ext uri="{FF2B5EF4-FFF2-40B4-BE49-F238E27FC236}">
+                <a16:creationId xmlns:a16="http://schemas.microsoft.com/office/drawing/2014/main" id="{8E339406-BB8A-4BA5-BE90-EB6F0BAD08D5}"/>
+              </a:ext>
+            </a:extLst>
+          </p:cNvPr>
+          <p:cNvPicPr>
+            <a:picLocks noChangeAspect="1"/>
+          </p:cNvPicPr>
+          <p:nvPr/>
+        </p:nvPicPr>
+        <p:blipFill>
+          <a:blip r:embed="rId3"/>
+          <a:stretch>
+            <a:fillRect/>
+          </a:stretch>
+        </p:blipFill>
+        <p:spPr>
+          <a:xfrm>
+            <a:off x="5329657" y="3901945"/>
+            <a:ext cx="1526080" cy="1354313"/>
+          </a:xfrm>
+          <a:prstGeom prst="rect">
+            <a:avLst/>
+          </a:prstGeom>
+        </p:spPr>
+      </p:pic>
+      <p:pic>
+        <p:nvPicPr>
+          <p:cNvPr id="37" name="Picture 36">
+            <a:extLst>
+              <a:ext uri="{FF2B5EF4-FFF2-40B4-BE49-F238E27FC236}">
+                <a16:creationId xmlns:a16="http://schemas.microsoft.com/office/drawing/2014/main" id="{6D65BD29-CF5F-4C13-B10F-6EF42F7B36D3}"/>
+              </a:ext>
+            </a:extLst>
+          </p:cNvPr>
+          <p:cNvPicPr>
+            <a:picLocks noChangeAspect="1"/>
+          </p:cNvPicPr>
+          <p:nvPr/>
+        </p:nvPicPr>
+        <p:blipFill>
+          <a:blip r:embed="rId4"/>
+          <a:stretch>
+            <a:fillRect/>
+          </a:stretch>
+        </p:blipFill>
+        <p:spPr>
+          <a:xfrm>
+            <a:off x="2076833" y="4289770"/>
+            <a:ext cx="869885" cy="961824"/>
+          </a:xfrm>
+          <a:prstGeom prst="rect">
+            <a:avLst/>
+          </a:prstGeom>
+        </p:spPr>
+      </p:pic>
+      <p:pic>
+        <p:nvPicPr>
+          <p:cNvPr id="38" name="Picture 37">
+            <a:extLst>
+              <a:ext uri="{FF2B5EF4-FFF2-40B4-BE49-F238E27FC236}">
+                <a16:creationId xmlns:a16="http://schemas.microsoft.com/office/drawing/2014/main" id="{3436D92E-C438-48E4-9A42-6EA01442A168}"/>
+              </a:ext>
+            </a:extLst>
+          </p:cNvPr>
+          <p:cNvPicPr>
+            <a:picLocks noChangeAspect="1"/>
+          </p:cNvPicPr>
+          <p:nvPr/>
+        </p:nvPicPr>
+        <p:blipFill>
+          <a:blip r:embed="rId4"/>
+          <a:stretch>
+            <a:fillRect/>
+          </a:stretch>
+        </p:blipFill>
+        <p:spPr>
+          <a:xfrm flipH="1">
+            <a:off x="2076833" y="2689570"/>
+            <a:ext cx="869885" cy="961824"/>
+          </a:xfrm>
+          <a:prstGeom prst="rect">
+            <a:avLst/>
+          </a:prstGeom>
+        </p:spPr>
+      </p:pic>
+      <p:sp>
+        <p:nvSpPr>
+          <p:cNvPr id="39" name="Rectangle: Rounded Corners 38">
+            <a:extLst>
+              <a:ext uri="{FF2B5EF4-FFF2-40B4-BE49-F238E27FC236}">
+                <a16:creationId xmlns:a16="http://schemas.microsoft.com/office/drawing/2014/main" id="{07656906-B900-4108-81C1-2B79C03966FF}"/>
+              </a:ext>
+            </a:extLst>
+          </p:cNvPr>
+          <p:cNvSpPr/>
+          <p:nvPr/>
+        </p:nvSpPr>
+        <p:spPr>
+          <a:xfrm>
+            <a:off x="1117600" y="2514600"/>
+            <a:ext cx="2734733" cy="1270712"/>
+          </a:xfrm>
+          <a:prstGeom prst="roundRect">
+            <a:avLst/>
+          </a:prstGeom>
+          <a:noFill/>
+          <a:ln w="38100"/>
+        </p:spPr>
+        <p:style>
+          <a:lnRef idx="2">
+            <a:schemeClr val="dk1">
+              <a:shade val="50000"/>
+            </a:schemeClr>
+          </a:lnRef>
+          <a:fillRef idx="1">
+            <a:schemeClr val="dk1"/>
+          </a:fillRef>
+          <a:effectRef idx="0">
+            <a:schemeClr val="dk1"/>
+          </a:effectRef>
+          <a:fontRef idx="minor">
+            <a:schemeClr val="lt1"/>
+          </a:fontRef>
+        </p:style>
+        <p:txBody>
+          <a:bodyPr rtlCol="0" anchor="ctr"/>
+          <a:lstStyle/>
+          <a:p>
+            <a:pPr algn="ctr"/>
+            <a:endParaRPr lang="en-US"/>
+          </a:p>
+        </p:txBody>
+      </p:sp>
+      <p:sp>
+        <p:nvSpPr>
+          <p:cNvPr id="40" name="Rectangle: Rounded Corners 39">
+            <a:extLst>
+              <a:ext uri="{FF2B5EF4-FFF2-40B4-BE49-F238E27FC236}">
+                <a16:creationId xmlns:a16="http://schemas.microsoft.com/office/drawing/2014/main" id="{B3E836D8-2A18-4208-B9C8-0879F13DE421}"/>
+              </a:ext>
+            </a:extLst>
+          </p:cNvPr>
+          <p:cNvSpPr/>
+          <p:nvPr/>
+        </p:nvSpPr>
+        <p:spPr>
+          <a:xfrm>
+            <a:off x="1144408" y="4135326"/>
+            <a:ext cx="2734733" cy="1270712"/>
+          </a:xfrm>
+          <a:prstGeom prst="roundRect">
+            <a:avLst/>
+          </a:prstGeom>
+          <a:noFill/>
+          <a:ln w="38100"/>
+        </p:spPr>
+        <p:style>
+          <a:lnRef idx="2">
+            <a:schemeClr val="dk1">
+              <a:shade val="50000"/>
+            </a:schemeClr>
+          </a:lnRef>
+          <a:fillRef idx="1">
+            <a:schemeClr val="dk1"/>
+          </a:fillRef>
+          <a:effectRef idx="0">
+            <a:schemeClr val="dk1"/>
+          </a:effectRef>
+          <a:fontRef idx="minor">
+            <a:schemeClr val="lt1"/>
+          </a:fontRef>
+        </p:style>
+        <p:txBody>
+          <a:bodyPr rtlCol="0" anchor="ctr"/>
+          <a:lstStyle/>
+          <a:p>
+            <a:pPr algn="ctr"/>
+            <a:endParaRPr lang="en-US"/>
+          </a:p>
+        </p:txBody>
+      </p:sp>
+      <p:pic>
+        <p:nvPicPr>
+          <p:cNvPr id="41" name="Picture 40">
+            <a:extLst>
+              <a:ext uri="{FF2B5EF4-FFF2-40B4-BE49-F238E27FC236}">
+                <a16:creationId xmlns:a16="http://schemas.microsoft.com/office/drawing/2014/main" id="{AF955712-E247-4E85-964C-B9F88DAF6CE2}"/>
+              </a:ext>
+            </a:extLst>
+          </p:cNvPr>
+          <p:cNvPicPr>
+            <a:picLocks noChangeAspect="1"/>
+          </p:cNvPicPr>
+          <p:nvPr/>
+        </p:nvPicPr>
+        <p:blipFill>
+          <a:blip r:embed="rId5"/>
+          <a:stretch>
+            <a:fillRect/>
+          </a:stretch>
+        </p:blipFill>
+        <p:spPr>
+          <a:xfrm>
+            <a:off x="8708496" y="2887673"/>
+            <a:ext cx="1595008" cy="1795278"/>
+          </a:xfrm>
+          <a:prstGeom prst="rect">
+            <a:avLst/>
+          </a:prstGeom>
+        </p:spPr>
+      </p:pic>
+      <p:pic>
+        <p:nvPicPr>
+          <p:cNvPr id="42" name="Picture 41">
+            <a:extLst>
+              <a:ext uri="{FF2B5EF4-FFF2-40B4-BE49-F238E27FC236}">
+                <a16:creationId xmlns:a16="http://schemas.microsoft.com/office/drawing/2014/main" id="{1FB243C1-B731-40EB-A94B-56F93702C527}"/>
+              </a:ext>
+            </a:extLst>
+          </p:cNvPr>
+          <p:cNvPicPr>
+            <a:picLocks noChangeAspect="1"/>
+          </p:cNvPicPr>
+          <p:nvPr/>
+        </p:nvPicPr>
+        <p:blipFill>
+          <a:blip r:embed="rId6"/>
+          <a:stretch>
+            <a:fillRect/>
+          </a:stretch>
+        </p:blipFill>
+        <p:spPr>
+          <a:xfrm>
+            <a:off x="9840871" y="4983038"/>
+            <a:ext cx="1039250" cy="306252"/>
+          </a:xfrm>
+          <a:prstGeom prst="rect">
+            <a:avLst/>
+          </a:prstGeom>
+        </p:spPr>
+      </p:pic>
+      <p:sp>
+        <p:nvSpPr>
+          <p:cNvPr id="43" name="TextBox 42">
+            <a:extLst>
+              <a:ext uri="{FF2B5EF4-FFF2-40B4-BE49-F238E27FC236}">
+                <a16:creationId xmlns:a16="http://schemas.microsoft.com/office/drawing/2014/main" id="{8FDACB86-81CC-4672-8027-D4FE26A20785}"/>
+              </a:ext>
+            </a:extLst>
+          </p:cNvPr>
+          <p:cNvSpPr txBox="1"/>
+          <p:nvPr/>
+        </p:nvSpPr>
+        <p:spPr>
+          <a:xfrm>
+            <a:off x="9137481" y="5023165"/>
+            <a:ext cx="764953" cy="215444"/>
+          </a:xfrm>
+          <a:prstGeom prst="rect">
+            <a:avLst/>
+          </a:prstGeom>
+          <a:noFill/>
+        </p:spPr>
+        <p:txBody>
+          <a:bodyPr wrap="none" rtlCol="0">
+            <a:spAutoFit/>
+          </a:bodyPr>
+          <a:lstStyle/>
+          <a:p>
+            <a:r>
+              <a:rPr lang="en-US" sz="800" dirty="0"/>
+              <a:t>Icon credit to:</a:t>
+            </a:r>
+          </a:p>
+        </p:txBody>
+      </p:sp>
     </p:spTree>
     <p:extLst>
       <p:ext uri="{BB962C8B-B14F-4D97-AF65-F5344CB8AC3E}">
         <p14:creationId xmlns:p14="http://schemas.microsoft.com/office/powerpoint/2010/main" val="2923303638"/>
+      </p:ext>
+    </p:extLst>
+  </p:cSld>
+  <p:clrMapOvr>
+    <a:masterClrMapping/>
+  </p:clrMapOvr>
+</p:sld>
+</file>
+
+<file path=ppt/slides/slide2.xml><?xml version="1.0" encoding="utf-8"?>
+<p:sld xmlns:a="http://schemas.openxmlformats.org/drawingml/2006/main" xmlns:r="http://schemas.openxmlformats.org/officeDocument/2006/relationships" xmlns:p="http://schemas.openxmlformats.org/presentationml/2006/main">
+  <p:cSld>
+    <p:spTree>
+      <p:nvGrpSpPr>
+        <p:cNvPr id="1" name=""/>
+        <p:cNvGrpSpPr/>
+        <p:nvPr/>
+      </p:nvGrpSpPr>
+      <p:grpSpPr>
+        <a:xfrm>
+          <a:off x="0" y="0"/>
+          <a:ext cx="0" cy="0"/>
+          <a:chOff x="0" y="0"/>
+          <a:chExt cx="0" cy="0"/>
+        </a:xfrm>
+      </p:grpSpPr>
+      <p:pic>
+        <p:nvPicPr>
+          <p:cNvPr id="4" name="Picture 3">
+            <a:extLst>
+              <a:ext uri="{FF2B5EF4-FFF2-40B4-BE49-F238E27FC236}">
+                <a16:creationId xmlns:a16="http://schemas.microsoft.com/office/drawing/2014/main" id="{9C92945C-F9EB-4751-BAA6-5C0EE4CD9FA8}"/>
+              </a:ext>
+            </a:extLst>
+          </p:cNvPr>
+          <p:cNvPicPr>
+            <a:picLocks noChangeAspect="1"/>
+          </p:cNvPicPr>
+          <p:nvPr/>
+        </p:nvPicPr>
+        <p:blipFill>
+          <a:blip r:embed="rId2"/>
+          <a:stretch>
+            <a:fillRect/>
+          </a:stretch>
+        </p:blipFill>
+        <p:spPr>
+          <a:xfrm>
+            <a:off x="3227614" y="1251468"/>
+            <a:ext cx="2209800" cy="2000250"/>
+          </a:xfrm>
+          <a:prstGeom prst="rect">
+            <a:avLst/>
+          </a:prstGeom>
+        </p:spPr>
+      </p:pic>
+      <p:pic>
+        <p:nvPicPr>
+          <p:cNvPr id="5" name="Picture 4">
+            <a:extLst>
+              <a:ext uri="{FF2B5EF4-FFF2-40B4-BE49-F238E27FC236}">
+                <a16:creationId xmlns:a16="http://schemas.microsoft.com/office/drawing/2014/main" id="{B00E8CB9-E031-4AFF-ADFE-D6ECC3A2B1E7}"/>
+              </a:ext>
+            </a:extLst>
+          </p:cNvPr>
+          <p:cNvPicPr>
+            <a:picLocks noChangeAspect="1"/>
+          </p:cNvPicPr>
+          <p:nvPr/>
+        </p:nvPicPr>
+        <p:blipFill>
+          <a:blip r:embed="rId3"/>
+          <a:stretch>
+            <a:fillRect/>
+          </a:stretch>
+        </p:blipFill>
+        <p:spPr>
+          <a:xfrm>
+            <a:off x="3227614" y="3542266"/>
+            <a:ext cx="2200275" cy="1952625"/>
+          </a:xfrm>
+          <a:prstGeom prst="rect">
+            <a:avLst/>
+          </a:prstGeom>
+        </p:spPr>
+      </p:pic>
+    </p:spTree>
+    <p:extLst>
+      <p:ext uri="{BB962C8B-B14F-4D97-AF65-F5344CB8AC3E}">
+        <p14:creationId xmlns:p14="http://schemas.microsoft.com/office/powerpoint/2010/main" val="3116251049"/>
       </p:ext>
     </p:extLst>
   </p:cSld>

--- a/images/Image-Bank.pptx
+++ b/images/Image-Bank.pptx
@@ -7,6 +7,10 @@
   <p:sldIdLst>
     <p:sldId id="256" r:id="rId2"/>
     <p:sldId id="257" r:id="rId3"/>
+    <p:sldId id="259" r:id="rId4"/>
+    <p:sldId id="260" r:id="rId5"/>
+    <p:sldId id="258" r:id="rId6"/>
+    <p:sldId id="261" r:id="rId7"/>
   </p:sldIdLst>
   <p:sldSz cx="12192000" cy="6858000"/>
   <p:notesSz cx="6858000" cy="9144000"/>
@@ -260,9 +264,9 @@
           <a:p>
             <a:fld id="{F91AC8E1-66F4-4D62-98DF-EBF70E550C22}" type="datetimeFigureOut">
               <a:rPr lang="en-US" smtClean="0"/>
-              <a:t>9/3/2019</a:t>
+              <a:t>9/4/2019</a:t>
             </a:fld>
-            <a:endParaRPr lang="en-US"/>
+            <a:endParaRPr lang="en-US" dirty="0"/>
           </a:p>
         </p:txBody>
       </p:sp>
@@ -287,7 +291,7 @@
           <a:bodyPr/>
           <a:lstStyle/>
           <a:p>
-            <a:endParaRPr lang="en-US"/>
+            <a:endParaRPr lang="en-US" dirty="0"/>
           </a:p>
         </p:txBody>
       </p:sp>
@@ -316,7 +320,7 @@
               <a:rPr lang="en-US" smtClean="0"/>
               <a:t>‹#›</a:t>
             </a:fld>
-            <a:endParaRPr lang="en-US"/>
+            <a:endParaRPr lang="en-US" dirty="0"/>
           </a:p>
         </p:txBody>
       </p:sp>
@@ -458,9 +462,9 @@
           <a:p>
             <a:fld id="{F91AC8E1-66F4-4D62-98DF-EBF70E550C22}" type="datetimeFigureOut">
               <a:rPr lang="en-US" smtClean="0"/>
-              <a:t>9/3/2019</a:t>
+              <a:t>9/4/2019</a:t>
             </a:fld>
-            <a:endParaRPr lang="en-US"/>
+            <a:endParaRPr lang="en-US" dirty="0"/>
           </a:p>
         </p:txBody>
       </p:sp>
@@ -485,7 +489,7 @@
           <a:bodyPr/>
           <a:lstStyle/>
           <a:p>
-            <a:endParaRPr lang="en-US"/>
+            <a:endParaRPr lang="en-US" dirty="0"/>
           </a:p>
         </p:txBody>
       </p:sp>
@@ -514,7 +518,7 @@
               <a:rPr lang="en-US" smtClean="0"/>
               <a:t>‹#›</a:t>
             </a:fld>
-            <a:endParaRPr lang="en-US"/>
+            <a:endParaRPr lang="en-US" dirty="0"/>
           </a:p>
         </p:txBody>
       </p:sp>
@@ -666,9 +670,9 @@
           <a:p>
             <a:fld id="{F91AC8E1-66F4-4D62-98DF-EBF70E550C22}" type="datetimeFigureOut">
               <a:rPr lang="en-US" smtClean="0"/>
-              <a:t>9/3/2019</a:t>
+              <a:t>9/4/2019</a:t>
             </a:fld>
-            <a:endParaRPr lang="en-US"/>
+            <a:endParaRPr lang="en-US" dirty="0"/>
           </a:p>
         </p:txBody>
       </p:sp>
@@ -693,7 +697,7 @@
           <a:bodyPr/>
           <a:lstStyle/>
           <a:p>
-            <a:endParaRPr lang="en-US"/>
+            <a:endParaRPr lang="en-US" dirty="0"/>
           </a:p>
         </p:txBody>
       </p:sp>
@@ -722,7 +726,7 @@
               <a:rPr lang="en-US" smtClean="0"/>
               <a:t>‹#›</a:t>
             </a:fld>
-            <a:endParaRPr lang="en-US"/>
+            <a:endParaRPr lang="en-US" dirty="0"/>
           </a:p>
         </p:txBody>
       </p:sp>
@@ -864,9 +868,9 @@
           <a:p>
             <a:fld id="{F91AC8E1-66F4-4D62-98DF-EBF70E550C22}" type="datetimeFigureOut">
               <a:rPr lang="en-US" smtClean="0"/>
-              <a:t>9/3/2019</a:t>
+              <a:t>9/4/2019</a:t>
             </a:fld>
-            <a:endParaRPr lang="en-US"/>
+            <a:endParaRPr lang="en-US" dirty="0"/>
           </a:p>
         </p:txBody>
       </p:sp>
@@ -891,7 +895,7 @@
           <a:bodyPr/>
           <a:lstStyle/>
           <a:p>
-            <a:endParaRPr lang="en-US"/>
+            <a:endParaRPr lang="en-US" dirty="0"/>
           </a:p>
         </p:txBody>
       </p:sp>
@@ -920,7 +924,7 @@
               <a:rPr lang="en-US" smtClean="0"/>
               <a:t>‹#›</a:t>
             </a:fld>
-            <a:endParaRPr lang="en-US"/>
+            <a:endParaRPr lang="en-US" dirty="0"/>
           </a:p>
         </p:txBody>
       </p:sp>
@@ -1139,9 +1143,9 @@
           <a:p>
             <a:fld id="{F91AC8E1-66F4-4D62-98DF-EBF70E550C22}" type="datetimeFigureOut">
               <a:rPr lang="en-US" smtClean="0"/>
-              <a:t>9/3/2019</a:t>
+              <a:t>9/4/2019</a:t>
             </a:fld>
-            <a:endParaRPr lang="en-US"/>
+            <a:endParaRPr lang="en-US" dirty="0"/>
           </a:p>
         </p:txBody>
       </p:sp>
@@ -1166,7 +1170,7 @@
           <a:bodyPr/>
           <a:lstStyle/>
           <a:p>
-            <a:endParaRPr lang="en-US"/>
+            <a:endParaRPr lang="en-US" dirty="0"/>
           </a:p>
         </p:txBody>
       </p:sp>
@@ -1195,7 +1199,7 @@
               <a:rPr lang="en-US" smtClean="0"/>
               <a:t>‹#›</a:t>
             </a:fld>
-            <a:endParaRPr lang="en-US"/>
+            <a:endParaRPr lang="en-US" dirty="0"/>
           </a:p>
         </p:txBody>
       </p:sp>
@@ -1404,9 +1408,9 @@
           <a:p>
             <a:fld id="{F91AC8E1-66F4-4D62-98DF-EBF70E550C22}" type="datetimeFigureOut">
               <a:rPr lang="en-US" smtClean="0"/>
-              <a:t>9/3/2019</a:t>
+              <a:t>9/4/2019</a:t>
             </a:fld>
-            <a:endParaRPr lang="en-US"/>
+            <a:endParaRPr lang="en-US" dirty="0"/>
           </a:p>
         </p:txBody>
       </p:sp>
@@ -1431,7 +1435,7 @@
           <a:bodyPr/>
           <a:lstStyle/>
           <a:p>
-            <a:endParaRPr lang="en-US"/>
+            <a:endParaRPr lang="en-US" dirty="0"/>
           </a:p>
         </p:txBody>
       </p:sp>
@@ -1460,7 +1464,7 @@
               <a:rPr lang="en-US" smtClean="0"/>
               <a:t>‹#›</a:t>
             </a:fld>
-            <a:endParaRPr lang="en-US"/>
+            <a:endParaRPr lang="en-US" dirty="0"/>
           </a:p>
         </p:txBody>
       </p:sp>
@@ -1816,9 +1820,9 @@
           <a:p>
             <a:fld id="{F91AC8E1-66F4-4D62-98DF-EBF70E550C22}" type="datetimeFigureOut">
               <a:rPr lang="en-US" smtClean="0"/>
-              <a:t>9/3/2019</a:t>
+              <a:t>9/4/2019</a:t>
             </a:fld>
-            <a:endParaRPr lang="en-US"/>
+            <a:endParaRPr lang="en-US" dirty="0"/>
           </a:p>
         </p:txBody>
       </p:sp>
@@ -1843,7 +1847,7 @@
           <a:bodyPr/>
           <a:lstStyle/>
           <a:p>
-            <a:endParaRPr lang="en-US"/>
+            <a:endParaRPr lang="en-US" dirty="0"/>
           </a:p>
         </p:txBody>
       </p:sp>
@@ -1872,7 +1876,7 @@
               <a:rPr lang="en-US" smtClean="0"/>
               <a:t>‹#›</a:t>
             </a:fld>
-            <a:endParaRPr lang="en-US"/>
+            <a:endParaRPr lang="en-US" dirty="0"/>
           </a:p>
         </p:txBody>
       </p:sp>
@@ -1957,9 +1961,9 @@
           <a:p>
             <a:fld id="{F91AC8E1-66F4-4D62-98DF-EBF70E550C22}" type="datetimeFigureOut">
               <a:rPr lang="en-US" smtClean="0"/>
-              <a:t>9/3/2019</a:t>
+              <a:t>9/4/2019</a:t>
             </a:fld>
-            <a:endParaRPr lang="en-US"/>
+            <a:endParaRPr lang="en-US" dirty="0"/>
           </a:p>
         </p:txBody>
       </p:sp>
@@ -1984,7 +1988,7 @@
           <a:bodyPr/>
           <a:lstStyle/>
           <a:p>
-            <a:endParaRPr lang="en-US"/>
+            <a:endParaRPr lang="en-US" dirty="0"/>
           </a:p>
         </p:txBody>
       </p:sp>
@@ -2013,7 +2017,7 @@
               <a:rPr lang="en-US" smtClean="0"/>
               <a:t>‹#›</a:t>
             </a:fld>
-            <a:endParaRPr lang="en-US"/>
+            <a:endParaRPr lang="en-US" dirty="0"/>
           </a:p>
         </p:txBody>
       </p:sp>
@@ -2070,9 +2074,9 @@
           <a:p>
             <a:fld id="{F91AC8E1-66F4-4D62-98DF-EBF70E550C22}" type="datetimeFigureOut">
               <a:rPr lang="en-US" smtClean="0"/>
-              <a:t>9/3/2019</a:t>
+              <a:t>9/4/2019</a:t>
             </a:fld>
-            <a:endParaRPr lang="en-US"/>
+            <a:endParaRPr lang="en-US" dirty="0"/>
           </a:p>
         </p:txBody>
       </p:sp>
@@ -2097,7 +2101,7 @@
           <a:bodyPr/>
           <a:lstStyle/>
           <a:p>
-            <a:endParaRPr lang="en-US"/>
+            <a:endParaRPr lang="en-US" dirty="0"/>
           </a:p>
         </p:txBody>
       </p:sp>
@@ -2126,7 +2130,7 @@
               <a:rPr lang="en-US" smtClean="0"/>
               <a:t>‹#›</a:t>
             </a:fld>
-            <a:endParaRPr lang="en-US"/>
+            <a:endParaRPr lang="en-US" dirty="0"/>
           </a:p>
         </p:txBody>
       </p:sp>
@@ -2381,9 +2385,9 @@
           <a:p>
             <a:fld id="{F91AC8E1-66F4-4D62-98DF-EBF70E550C22}" type="datetimeFigureOut">
               <a:rPr lang="en-US" smtClean="0"/>
-              <a:t>9/3/2019</a:t>
+              <a:t>9/4/2019</a:t>
             </a:fld>
-            <a:endParaRPr lang="en-US"/>
+            <a:endParaRPr lang="en-US" dirty="0"/>
           </a:p>
         </p:txBody>
       </p:sp>
@@ -2408,7 +2412,7 @@
           <a:bodyPr/>
           <a:lstStyle/>
           <a:p>
-            <a:endParaRPr lang="en-US"/>
+            <a:endParaRPr lang="en-US" dirty="0"/>
           </a:p>
         </p:txBody>
       </p:sp>
@@ -2437,7 +2441,7 @@
               <a:rPr lang="en-US" smtClean="0"/>
               <a:t>‹#›</a:t>
             </a:fld>
-            <a:endParaRPr lang="en-US"/>
+            <a:endParaRPr lang="en-US" dirty="0"/>
           </a:p>
         </p:txBody>
       </p:sp>
@@ -2571,7 +2575,7 @@
             </a:lvl9pPr>
           </a:lstStyle>
           <a:p>
-            <a:endParaRPr lang="en-US"/>
+            <a:endParaRPr lang="en-US" dirty="0"/>
           </a:p>
         </p:txBody>
       </p:sp>
@@ -2669,9 +2673,9 @@
           <a:p>
             <a:fld id="{F91AC8E1-66F4-4D62-98DF-EBF70E550C22}" type="datetimeFigureOut">
               <a:rPr lang="en-US" smtClean="0"/>
-              <a:t>9/3/2019</a:t>
+              <a:t>9/4/2019</a:t>
             </a:fld>
-            <a:endParaRPr lang="en-US"/>
+            <a:endParaRPr lang="en-US" dirty="0"/>
           </a:p>
         </p:txBody>
       </p:sp>
@@ -2696,7 +2700,7 @@
           <a:bodyPr/>
           <a:lstStyle/>
           <a:p>
-            <a:endParaRPr lang="en-US"/>
+            <a:endParaRPr lang="en-US" dirty="0"/>
           </a:p>
         </p:txBody>
       </p:sp>
@@ -2725,7 +2729,7 @@
               <a:rPr lang="en-US" smtClean="0"/>
               <a:t>‹#›</a:t>
             </a:fld>
-            <a:endParaRPr lang="en-US"/>
+            <a:endParaRPr lang="en-US" dirty="0"/>
           </a:p>
         </p:txBody>
       </p:sp>
@@ -2910,9 +2914,9 @@
           <a:p>
             <a:fld id="{F91AC8E1-66F4-4D62-98DF-EBF70E550C22}" type="datetimeFigureOut">
               <a:rPr lang="en-US" smtClean="0"/>
-              <a:t>9/3/2019</a:t>
+              <a:t>9/4/2019</a:t>
             </a:fld>
-            <a:endParaRPr lang="en-US"/>
+            <a:endParaRPr lang="en-US" dirty="0"/>
           </a:p>
         </p:txBody>
       </p:sp>
@@ -2955,7 +2959,7 @@
             </a:lvl1pPr>
           </a:lstStyle>
           <a:p>
-            <a:endParaRPr lang="en-US"/>
+            <a:endParaRPr lang="en-US" dirty="0"/>
           </a:p>
         </p:txBody>
       </p:sp>
@@ -3002,7 +3006,7 @@
               <a:rPr lang="en-US" smtClean="0"/>
               <a:t>‹#›</a:t>
             </a:fld>
-            <a:endParaRPr lang="en-US"/>
+            <a:endParaRPr lang="en-US" dirty="0"/>
           </a:p>
         </p:txBody>
       </p:sp>
@@ -3341,12 +3345,17 @@
         </p:nvSpPr>
         <p:spPr>
           <a:xfrm>
-            <a:off x="1045029" y="360292"/>
-            <a:ext cx="2933495" cy="1921042"/>
+            <a:off x="1045029" y="360291"/>
+            <a:ext cx="2933495" cy="2388349"/>
           </a:xfrm>
           <a:prstGeom prst="rect">
             <a:avLst/>
           </a:prstGeom>
+          <a:solidFill>
+            <a:schemeClr val="bg1">
+              <a:lumMod val="95000"/>
+            </a:schemeClr>
+          </a:solidFill>
         </p:spPr>
         <p:style>
           <a:lnRef idx="2">
@@ -3370,39 +3379,42 @@
           <a:p>
             <a:pPr algn="ctr"/>
             <a:r>
-              <a:rPr lang="en-US" dirty="0" err="1">
+              <a:rPr lang="en-US" b="1" dirty="0">
                 <a:solidFill>
                   <a:sysClr val="windowText" lastClr="000000"/>
                 </a:solidFill>
               </a:rPr>
-              <a:t>passengerEntryRate</a:t>
-            </a:r>
+              <a:t>INPUTS</a:t>
+            </a:r>
+          </a:p>
+          <a:p>
+            <a:pPr algn="ctr"/>
+            <a:endParaRPr lang="en-US" b="1" dirty="0">
+              <a:solidFill>
+                <a:sysClr val="windowText" lastClr="000000"/>
+              </a:solidFill>
+            </a:endParaRPr>
+          </a:p>
+          <a:p>
+            <a:pPr algn="ctr"/>
             <a:r>
               <a:rPr lang="en-US" dirty="0">
                 <a:solidFill>
                   <a:sysClr val="windowText" lastClr="000000"/>
                 </a:solidFill>
               </a:rPr>
-              <a:t>(t)</a:t>
-            </a:r>
-          </a:p>
-          <a:p>
-            <a:pPr algn="ctr"/>
-            <a:r>
-              <a:rPr lang="en-US" dirty="0" err="1">
-                <a:solidFill>
-                  <a:sysClr val="windowText" lastClr="000000"/>
-                </a:solidFill>
-              </a:rPr>
-              <a:t>passengerExitRate</a:t>
-            </a:r>
+              <a:t>passEntryRate</a:t>
+            </a:r>
+          </a:p>
+          <a:p>
+            <a:pPr algn="ctr"/>
             <a:r>
               <a:rPr lang="en-US" dirty="0">
                 <a:solidFill>
                   <a:sysClr val="windowText" lastClr="000000"/>
                 </a:solidFill>
               </a:rPr>
-              <a:t>(t)</a:t>
+              <a:t>passExitRate</a:t>
             </a:r>
           </a:p>
           <a:p>
@@ -3413,8 +3425,35 @@
                   <a:sysClr val="windowText" lastClr="000000"/>
                 </a:solidFill>
               </a:rPr>
-              <a:t>[note these rates necessarily limited by acceptable walking pack density and available space]</a:t>
-            </a:r>
+              <a:t>passengerMoveRate</a:t>
+            </a:r>
+          </a:p>
+          <a:p>
+            <a:pPr algn="ctr"/>
+            <a:r>
+              <a:rPr lang="en-US" dirty="0">
+                <a:solidFill>
+                  <a:sysClr val="windowText" lastClr="000000"/>
+                </a:solidFill>
+              </a:rPr>
+              <a:t>passengerIsActiveRider</a:t>
+            </a:r>
+          </a:p>
+          <a:p>
+            <a:pPr algn="ctr"/>
+            <a:endParaRPr lang="en-US" dirty="0">
+              <a:solidFill>
+                <a:sysClr val="windowText" lastClr="000000"/>
+              </a:solidFill>
+            </a:endParaRPr>
+          </a:p>
+          <a:p>
+            <a:pPr algn="ctr"/>
+            <a:endParaRPr lang="en-US" dirty="0">
+              <a:solidFill>
+                <a:sysClr val="windowText" lastClr="000000"/>
+              </a:solidFill>
+            </a:endParaRPr>
           </a:p>
         </p:txBody>
       </p:sp>
@@ -3433,7 +3472,7 @@
         <p:spPr>
           <a:xfrm>
             <a:off x="4423691" y="360291"/>
-            <a:ext cx="3344617" cy="1921043"/>
+            <a:ext cx="3344617" cy="2388350"/>
           </a:xfrm>
           <a:prstGeom prst="rect">
             <a:avLst/>
@@ -3461,99 +3500,88 @@
           <a:p>
             <a:pPr algn="ctr"/>
             <a:r>
-              <a:rPr lang="en-US" dirty="0" err="1">
+              <a:rPr lang="en-US" b="1" dirty="0">
                 <a:solidFill>
                   <a:sysClr val="windowText" lastClr="000000"/>
                 </a:solidFill>
               </a:rPr>
-              <a:t>escalatorWidth</a:t>
-            </a:r>
+              <a:t>SYSTEM</a:t>
+            </a:r>
+          </a:p>
+          <a:p>
+            <a:pPr algn="ctr"/>
+            <a:r>
+              <a:rPr lang="en-US" dirty="0">
+                <a:solidFill>
+                  <a:sysClr val="windowText" lastClr="000000"/>
+                </a:solidFill>
+              </a:rPr>
+              <a:t>escalatorBaseSpeed</a:t>
+            </a:r>
+          </a:p>
+          <a:p>
+            <a:pPr algn="ctr"/>
+            <a:r>
+              <a:rPr lang="en-US" dirty="0">
+                <a:solidFill>
+                  <a:sysClr val="windowText" lastClr="000000"/>
+                </a:solidFill>
+              </a:rPr>
+              <a:t>escalatorLength</a:t>
+            </a:r>
+          </a:p>
+          <a:p>
+            <a:pPr algn="ctr"/>
+            <a:r>
+              <a:rPr lang="en-US" dirty="0">
+                <a:solidFill>
+                  <a:sysClr val="windowText" lastClr="000000"/>
+                </a:solidFill>
+              </a:rPr>
+              <a:t>escalatorEntryLength</a:t>
+            </a:r>
+          </a:p>
+          <a:p>
+            <a:pPr algn="ctr"/>
+            <a:r>
+              <a:rPr lang="en-US" dirty="0">
+                <a:solidFill>
+                  <a:sysClr val="windowText" lastClr="000000"/>
+                </a:solidFill>
+              </a:rPr>
+              <a:t>escalatorExitLength</a:t>
+            </a:r>
+          </a:p>
+          <a:p>
+            <a:pPr algn="ctr"/>
+            <a:r>
+              <a:rPr lang="en-US" dirty="0">
+                <a:solidFill>
+                  <a:sysClr val="windowText" lastClr="000000"/>
+                </a:solidFill>
+              </a:rPr>
+              <a:t>escalatorAllowsActiveTranslate</a:t>
+            </a:r>
+          </a:p>
+          <a:p>
+            <a:pPr algn="ctr"/>
+            <a:r>
+              <a:rPr lang="en-US" dirty="0">
+                <a:solidFill>
+                  <a:sysClr val="windowText" lastClr="000000"/>
+                </a:solidFill>
+              </a:rPr>
+              <a:t>escalatorCapacity</a:t>
+            </a:r>
+          </a:p>
+          <a:p>
+            <a:pPr algn="ctr"/>
             <a:endParaRPr lang="en-US" dirty="0">
               <a:solidFill>
                 <a:sysClr val="windowText" lastClr="000000"/>
               </a:solidFill>
             </a:endParaRPr>
           </a:p>
-          <a:p>
-            <a:pPr algn="ctr"/>
-            <a:r>
-              <a:rPr lang="en-US" dirty="0" err="1">
-                <a:solidFill>
-                  <a:sysClr val="windowText" lastClr="000000"/>
-                </a:solidFill>
-              </a:rPr>
-              <a:t>escalatorPassiveTanslateRate</a:t>
-            </a:r>
-            <a:endParaRPr lang="en-US" dirty="0">
-              <a:solidFill>
-                <a:sysClr val="windowText" lastClr="000000"/>
-              </a:solidFill>
-            </a:endParaRPr>
-          </a:p>
-          <a:p>
-            <a:pPr algn="ctr"/>
-            <a:r>
-              <a:rPr lang="en-US" dirty="0" err="1">
-                <a:solidFill>
-                  <a:sysClr val="windowText" lastClr="000000"/>
-                </a:solidFill>
-              </a:rPr>
-              <a:t>escalatorEntryNumber</a:t>
-            </a:r>
-            <a:endParaRPr lang="en-US" dirty="0">
-              <a:solidFill>
-                <a:sysClr val="windowText" lastClr="000000"/>
-              </a:solidFill>
-            </a:endParaRPr>
-          </a:p>
-          <a:p>
-            <a:pPr algn="ctr"/>
-            <a:r>
-              <a:rPr lang="en-US" dirty="0" err="1">
-                <a:solidFill>
-                  <a:sysClr val="windowText" lastClr="000000"/>
-                </a:solidFill>
-              </a:rPr>
-              <a:t>escalatorExitNumber</a:t>
-            </a:r>
-            <a:endParaRPr lang="en-US" dirty="0">
-              <a:solidFill>
-                <a:sysClr val="windowText" lastClr="000000"/>
-              </a:solidFill>
-            </a:endParaRPr>
-          </a:p>
-          <a:p>
-            <a:pPr algn="ctr"/>
-            <a:r>
-              <a:rPr lang="en-US" dirty="0" err="1">
-                <a:solidFill>
-                  <a:sysClr val="windowText" lastClr="000000"/>
-                </a:solidFill>
-              </a:rPr>
-              <a:t>escalatorAllowsActiveTranslate</a:t>
-            </a:r>
-            <a:endParaRPr lang="en-US" dirty="0">
-              <a:solidFill>
-                <a:sysClr val="windowText" lastClr="000000"/>
-              </a:solidFill>
-            </a:endParaRPr>
-          </a:p>
-          <a:p>
-            <a:pPr algn="ctr"/>
-            <a:r>
-              <a:rPr lang="en-US" dirty="0" err="1">
-                <a:solidFill>
-                  <a:sysClr val="windowText" lastClr="000000"/>
-                </a:solidFill>
-              </a:rPr>
-              <a:t>escalatorAcceptablePackDensity</a:t>
-            </a:r>
-            <a:endParaRPr lang="en-US" dirty="0">
-              <a:solidFill>
-                <a:sysClr val="windowText" lastClr="000000"/>
-              </a:solidFill>
-            </a:endParaRPr>
-          </a:p>
         </p:txBody>
       </p:sp>
       <p:sp>
@@ -3571,11 +3599,17 @@
         <p:spPr>
           <a:xfrm>
             <a:off x="8076391" y="360292"/>
-            <a:ext cx="2887134" cy="1921042"/>
+            <a:ext cx="2887134" cy="2388348"/>
           </a:xfrm>
           <a:prstGeom prst="rect">
             <a:avLst/>
           </a:prstGeom>
+          <a:solidFill>
+            <a:schemeClr val="tx1">
+              <a:lumMod val="65000"/>
+              <a:lumOff val="35000"/>
+            </a:schemeClr>
+          </a:solidFill>
         </p:spPr>
         <p:style>
           <a:lnRef idx="2">
@@ -3599,59 +3633,74 @@
           <a:p>
             <a:pPr algn="ctr"/>
             <a:r>
-              <a:rPr lang="en-US" dirty="0" err="1">
+              <a:rPr lang="en-US" b="1" dirty="0">
                 <a:solidFill>
-                  <a:sysClr val="windowText" lastClr="000000"/>
+                  <a:schemeClr val="bg1"/>
                 </a:solidFill>
               </a:rPr>
-              <a:t>passengersTranslated</a:t>
-            </a:r>
-            <a:r>
+              <a:t>OUTPUTS</a:t>
+            </a:r>
+          </a:p>
+          <a:p>
+            <a:pPr algn="ctr"/>
+            <a:br>
               <a:rPr lang="en-US" dirty="0">
                 <a:solidFill>
-                  <a:sysClr val="windowText" lastClr="000000"/>
+                  <a:schemeClr val="bg1"/>
                 </a:solidFill>
               </a:rPr>
-              <a:t>(t)</a:t>
-            </a:r>
-          </a:p>
-          <a:p>
-            <a:pPr algn="ctr"/>
-            <a:r>
-              <a:rPr lang="en-US" dirty="0" err="1">
+            </a:br>
+            <a:br>
+              <a:rPr lang="en-US" dirty="0">
                 <a:solidFill>
-                  <a:sysClr val="windowText" lastClr="000000"/>
+                  <a:schemeClr val="bg1"/>
                 </a:solidFill>
               </a:rPr>
-              <a:t>passengerAvgComfort</a:t>
-            </a:r>
+            </a:br>
             <a:r>
               <a:rPr lang="en-US" dirty="0">
                 <a:solidFill>
-                  <a:sysClr val="windowText" lastClr="000000"/>
+                  <a:schemeClr val="bg1"/>
                 </a:solidFill>
               </a:rPr>
-              <a:t>(t)</a:t>
-            </a:r>
-          </a:p>
-          <a:p>
-            <a:pPr algn="ctr"/>
-            <a:r>
-              <a:rPr lang="en-US" dirty="0" err="1">
+              <a:t>passengersTranslated(t)</a:t>
+            </a:r>
+            <a:br>
+              <a:rPr lang="en-US" dirty="0">
                 <a:solidFill>
-                  <a:sysClr val="windowText" lastClr="000000"/>
+                  <a:schemeClr val="bg1"/>
                 </a:solidFill>
               </a:rPr>
-              <a:t>passengerTransitRate</a:t>
-            </a:r>
-            <a:r>
-              <a:rPr lang="en-US" dirty="0">
-                <a:solidFill>
-                  <a:sysClr val="windowText" lastClr="000000"/>
-                </a:solidFill>
-              </a:rPr>
-              <a:t>(t)</a:t>
-            </a:r>
+            </a:br>
+            <a:endParaRPr lang="en-US" dirty="0">
+              <a:solidFill>
+                <a:schemeClr val="bg1"/>
+              </a:solidFill>
+            </a:endParaRPr>
+          </a:p>
+          <a:p>
+            <a:pPr algn="ctr"/>
+            <a:endParaRPr lang="en-US" dirty="0">
+              <a:solidFill>
+                <a:schemeClr val="bg1"/>
+              </a:solidFill>
+            </a:endParaRPr>
+          </a:p>
+          <a:p>
+            <a:pPr algn="ctr"/>
+            <a:endParaRPr lang="en-US" dirty="0">
+              <a:solidFill>
+                <a:schemeClr val="bg1"/>
+              </a:solidFill>
+            </a:endParaRPr>
+          </a:p>
+          <a:p>
+            <a:pPr algn="ctr"/>
+            <a:endParaRPr lang="en-US" dirty="0">
+              <a:solidFill>
+                <a:schemeClr val="bg1"/>
+              </a:solidFill>
+            </a:endParaRPr>
           </a:p>
         </p:txBody>
       </p:sp>
@@ -3673,7 +3722,7 @@
         </p:nvCxnSpPr>
         <p:spPr>
           <a:xfrm>
-            <a:off x="3978524" y="1320813"/>
+            <a:off x="3978524" y="1554466"/>
             <a:ext cx="445167" cy="0"/>
           </a:xfrm>
           <a:prstGeom prst="straightConnector1">
@@ -3716,7 +3765,7 @@
         </p:nvCxnSpPr>
         <p:spPr>
           <a:xfrm>
-            <a:off x="7768308" y="1320813"/>
+            <a:off x="7768308" y="1554466"/>
             <a:ext cx="308083" cy="0"/>
           </a:xfrm>
           <a:prstGeom prst="straightConnector1">
@@ -3763,7 +3812,7 @@
         </p:blipFill>
         <p:spPr>
           <a:xfrm>
-            <a:off x="5329657" y="2397967"/>
+            <a:off x="5390273" y="2865274"/>
             <a:ext cx="1532686" cy="1387345"/>
           </a:xfrm>
           <a:prstGeom prst="rect">
@@ -3793,7 +3842,7 @@
         </p:blipFill>
         <p:spPr>
           <a:xfrm>
-            <a:off x="5329657" y="3901945"/>
+            <a:off x="5390273" y="4369252"/>
             <a:ext cx="1526080" cy="1354313"/>
           </a:xfrm>
           <a:prstGeom prst="rect">
@@ -3823,7 +3872,7 @@
         </p:blipFill>
         <p:spPr>
           <a:xfrm>
-            <a:off x="2076833" y="4289770"/>
+            <a:off x="2076833" y="4632670"/>
             <a:ext cx="869885" cy="961824"/>
           </a:xfrm>
           <a:prstGeom prst="rect">
@@ -3853,7 +3902,7 @@
         </p:blipFill>
         <p:spPr>
           <a:xfrm flipH="1">
-            <a:off x="2076833" y="2689570"/>
+            <a:off x="2076833" y="3032470"/>
             <a:ext cx="869885" cy="961824"/>
           </a:xfrm>
           <a:prstGeom prst="rect">
@@ -3875,7 +3924,7 @@
         </p:nvSpPr>
         <p:spPr>
           <a:xfrm>
-            <a:off x="1117600" y="2514600"/>
+            <a:off x="1117600" y="2857500"/>
             <a:ext cx="2734733" cy="1270712"/>
           </a:xfrm>
           <a:prstGeom prst="roundRect">
@@ -3905,7 +3954,7 @@
           <a:lstStyle/>
           <a:p>
             <a:pPr algn="ctr"/>
-            <a:endParaRPr lang="en-US"/>
+            <a:endParaRPr lang="en-US" dirty="0"/>
           </a:p>
         </p:txBody>
       </p:sp>
@@ -3923,7 +3972,7 @@
         </p:nvSpPr>
         <p:spPr>
           <a:xfrm>
-            <a:off x="1144408" y="4135326"/>
+            <a:off x="1144408" y="4478226"/>
             <a:ext cx="2734733" cy="1270712"/>
           </a:xfrm>
           <a:prstGeom prst="roundRect">
@@ -3953,7 +4002,7 @@
           <a:lstStyle/>
           <a:p>
             <a:pPr algn="ctr"/>
-            <a:endParaRPr lang="en-US"/>
+            <a:endParaRPr lang="en-US" dirty="0"/>
           </a:p>
         </p:txBody>
       </p:sp>
@@ -3979,7 +4028,7 @@
         </p:blipFill>
         <p:spPr>
           <a:xfrm>
-            <a:off x="8708496" y="2887673"/>
+            <a:off x="8708496" y="3192473"/>
             <a:ext cx="1595008" cy="1795278"/>
           </a:xfrm>
           <a:prstGeom prst="rect">
@@ -4009,7 +4058,7 @@
         </p:blipFill>
         <p:spPr>
           <a:xfrm>
-            <a:off x="9840871" y="4983038"/>
+            <a:off x="9840871" y="5287838"/>
             <a:ext cx="1039250" cy="306252"/>
           </a:xfrm>
           <a:prstGeom prst="rect">
@@ -4031,7 +4080,7 @@
         </p:nvSpPr>
         <p:spPr>
           <a:xfrm>
-            <a:off x="9137481" y="5023165"/>
+            <a:off x="9137481" y="5327965"/>
             <a:ext cx="764953" cy="215444"/>
           </a:xfrm>
           <a:prstGeom prst="rect">
@@ -4146,6 +4195,4943 @@
     <p:extLst>
       <p:ext uri="{BB962C8B-B14F-4D97-AF65-F5344CB8AC3E}">
         <p14:creationId xmlns:p14="http://schemas.microsoft.com/office/powerpoint/2010/main" val="3116251049"/>
+      </p:ext>
+    </p:extLst>
+  </p:cSld>
+  <p:clrMapOvr>
+    <a:masterClrMapping/>
+  </p:clrMapOvr>
+</p:sld>
+</file>
+
+<file path=ppt/slides/slide3.xml><?xml version="1.0" encoding="utf-8"?>
+<p:sld xmlns:a="http://schemas.openxmlformats.org/drawingml/2006/main" xmlns:r="http://schemas.openxmlformats.org/officeDocument/2006/relationships" xmlns:p="http://schemas.openxmlformats.org/presentationml/2006/main">
+  <p:cSld>
+    <p:spTree>
+      <p:nvGrpSpPr>
+        <p:cNvPr id="1" name=""/>
+        <p:cNvGrpSpPr/>
+        <p:nvPr/>
+      </p:nvGrpSpPr>
+      <p:grpSpPr>
+        <a:xfrm>
+          <a:off x="0" y="0"/>
+          <a:ext cx="0" cy="0"/>
+          <a:chOff x="0" y="0"/>
+          <a:chExt cx="0" cy="0"/>
+        </a:xfrm>
+      </p:grpSpPr>
+      <p:graphicFrame>
+        <p:nvGraphicFramePr>
+          <p:cNvPr id="4" name="Table 4">
+            <a:extLst>
+              <a:ext uri="{FF2B5EF4-FFF2-40B4-BE49-F238E27FC236}">
+                <a16:creationId xmlns:a16="http://schemas.microsoft.com/office/drawing/2014/main" id="{5CD75538-BBEF-4F02-BBE0-C6B6725AFB67}"/>
+              </a:ext>
+            </a:extLst>
+          </p:cNvPr>
+          <p:cNvGraphicFramePr>
+            <a:graphicFrameLocks noGrp="1"/>
+          </p:cNvGraphicFramePr>
+          <p:nvPr>
+            <p:extLst>
+              <p:ext uri="{D42A27DB-BD31-4B8C-83A1-F6EECF244321}">
+                <p14:modId xmlns:p14="http://schemas.microsoft.com/office/powerpoint/2010/main" val="2543098254"/>
+              </p:ext>
+            </p:extLst>
+          </p:nvPr>
+        </p:nvGraphicFramePr>
+        <p:xfrm>
+          <a:off x="2032000" y="719666"/>
+          <a:ext cx="8127999" cy="1483360"/>
+        </p:xfrm>
+        <a:graphic>
+          <a:graphicData uri="http://schemas.openxmlformats.org/drawingml/2006/table">
+            <a:tbl>
+              <a:tblPr firstRow="1" bandRow="1">
+                <a:tableStyleId>{F5AB1C69-6EDB-4FF4-983F-18BD219EF322}</a:tableStyleId>
+              </a:tblPr>
+              <a:tblGrid>
+                <a:gridCol w="2709333">
+                  <a:extLst>
+                    <a:ext uri="{9D8B030D-6E8A-4147-A177-3AD203B41FA5}">
+                      <a16:colId xmlns:a16="http://schemas.microsoft.com/office/drawing/2014/main" val="3825315507"/>
+                    </a:ext>
+                  </a:extLst>
+                </a:gridCol>
+                <a:gridCol w="2709333">
+                  <a:extLst>
+                    <a:ext uri="{9D8B030D-6E8A-4147-A177-3AD203B41FA5}">
+                      <a16:colId xmlns:a16="http://schemas.microsoft.com/office/drawing/2014/main" val="3368081190"/>
+                    </a:ext>
+                  </a:extLst>
+                </a:gridCol>
+                <a:gridCol w="2709333">
+                  <a:extLst>
+                    <a:ext uri="{9D8B030D-6E8A-4147-A177-3AD203B41FA5}">
+                      <a16:colId xmlns:a16="http://schemas.microsoft.com/office/drawing/2014/main" val="619235252"/>
+                    </a:ext>
+                  </a:extLst>
+                </a:gridCol>
+              </a:tblGrid>
+              <a:tr h="370840">
+                <a:tc>
+                  <a:txBody>
+                    <a:bodyPr/>
+                    <a:lstStyle/>
+                    <a:p>
+                      <a:pPr algn="ctr"/>
+                      <a:endParaRPr lang="en-US" dirty="0"/>
+                    </a:p>
+                  </a:txBody>
+                  <a:tcPr/>
+                </a:tc>
+                <a:tc>
+                  <a:txBody>
+                    <a:bodyPr/>
+                    <a:lstStyle/>
+                    <a:p>
+                      <a:pPr algn="ctr"/>
+                      <a:r>
+                        <a:rPr lang="en-US" dirty="0">
+                          <a:solidFill>
+                            <a:schemeClr val="tx1"/>
+                          </a:solidFill>
+                        </a:rPr>
+                        <a:t>Entrance/Exit Rate Low</a:t>
+                      </a:r>
+                    </a:p>
+                  </a:txBody>
+                  <a:tcPr/>
+                </a:tc>
+                <a:tc>
+                  <a:txBody>
+                    <a:bodyPr/>
+                    <a:lstStyle/>
+                    <a:p>
+                      <a:pPr algn="ctr"/>
+                      <a:r>
+                        <a:rPr lang="en-US" dirty="0">
+                          <a:solidFill>
+                            <a:schemeClr val="tx1"/>
+                          </a:solidFill>
+                        </a:rPr>
+                        <a:t>Entrance/Exit Rate High</a:t>
+                      </a:r>
+                    </a:p>
+                  </a:txBody>
+                  <a:tcPr/>
+                </a:tc>
+                <a:extLst>
+                  <a:ext uri="{0D108BD9-81ED-4DB2-BD59-A6C34878D82A}">
+                    <a16:rowId xmlns:a16="http://schemas.microsoft.com/office/drawing/2014/main" val="4214982113"/>
+                  </a:ext>
+                </a:extLst>
+              </a:tr>
+              <a:tr h="370840">
+                <a:tc>
+                  <a:txBody>
+                    <a:bodyPr/>
+                    <a:lstStyle/>
+                    <a:p>
+                      <a:pPr algn="ctr"/>
+                      <a:r>
+                        <a:rPr lang="en-US" b="1" dirty="0">
+                          <a:solidFill>
+                            <a:schemeClr val="tx1"/>
+                          </a:solidFill>
+                        </a:rPr>
+                        <a:t>Active Walk Speed Null</a:t>
+                      </a:r>
+                    </a:p>
+                  </a:txBody>
+                  <a:tcPr/>
+                </a:tc>
+                <a:tc>
+                  <a:txBody>
+                    <a:bodyPr/>
+                    <a:lstStyle/>
+                    <a:p>
+                      <a:pPr algn="ctr"/>
+                      <a:r>
+                        <a:rPr lang="en-US" dirty="0"/>
+                        <a:t>Transport Count: Medium</a:t>
+                      </a:r>
+                    </a:p>
+                  </a:txBody>
+                  <a:tcPr/>
+                </a:tc>
+                <a:tc>
+                  <a:txBody>
+                    <a:bodyPr/>
+                    <a:lstStyle/>
+                    <a:p>
+                      <a:pPr algn="ctr"/>
+                      <a:r>
+                        <a:rPr lang="en-US" dirty="0"/>
+                        <a:t>Transport Count: High</a:t>
+                      </a:r>
+                    </a:p>
+                  </a:txBody>
+                  <a:tcPr/>
+                </a:tc>
+                <a:extLst>
+                  <a:ext uri="{0D108BD9-81ED-4DB2-BD59-A6C34878D82A}">
+                    <a16:rowId xmlns:a16="http://schemas.microsoft.com/office/drawing/2014/main" val="4293290504"/>
+                  </a:ext>
+                </a:extLst>
+              </a:tr>
+              <a:tr h="370840">
+                <a:tc>
+                  <a:txBody>
+                    <a:bodyPr/>
+                    <a:lstStyle/>
+                    <a:p>
+                      <a:pPr algn="ctr"/>
+                      <a:r>
+                        <a:rPr lang="en-US" b="1" dirty="0">
+                          <a:solidFill>
+                            <a:schemeClr val="tx1"/>
+                          </a:solidFill>
+                        </a:rPr>
+                        <a:t>Active Walk Speed Low</a:t>
+                      </a:r>
+                    </a:p>
+                  </a:txBody>
+                  <a:tcPr/>
+                </a:tc>
+                <a:tc>
+                  <a:txBody>
+                    <a:bodyPr/>
+                    <a:lstStyle/>
+                    <a:p>
+                      <a:pPr algn="ctr"/>
+                      <a:r>
+                        <a:rPr lang="en-US" dirty="0"/>
+                        <a:t>Transport Count: Low</a:t>
+                      </a:r>
+                    </a:p>
+                  </a:txBody>
+                  <a:tcPr/>
+                </a:tc>
+                <a:tc>
+                  <a:txBody>
+                    <a:bodyPr/>
+                    <a:lstStyle/>
+                    <a:p>
+                      <a:pPr algn="ctr"/>
+                      <a:r>
+                        <a:rPr lang="en-US" dirty="0"/>
+                        <a:t>Transport Count: Medium</a:t>
+                      </a:r>
+                    </a:p>
+                  </a:txBody>
+                  <a:tcPr/>
+                </a:tc>
+                <a:extLst>
+                  <a:ext uri="{0D108BD9-81ED-4DB2-BD59-A6C34878D82A}">
+                    <a16:rowId xmlns:a16="http://schemas.microsoft.com/office/drawing/2014/main" val="132567958"/>
+                  </a:ext>
+                </a:extLst>
+              </a:tr>
+              <a:tr h="370840">
+                <a:tc>
+                  <a:txBody>
+                    <a:bodyPr/>
+                    <a:lstStyle/>
+                    <a:p>
+                      <a:pPr algn="ctr"/>
+                      <a:r>
+                        <a:rPr lang="en-US" b="1" dirty="0">
+                          <a:solidFill>
+                            <a:schemeClr val="tx1"/>
+                          </a:solidFill>
+                        </a:rPr>
+                        <a:t>Active Walk Speed High</a:t>
+                      </a:r>
+                    </a:p>
+                  </a:txBody>
+                  <a:tcPr/>
+                </a:tc>
+                <a:tc>
+                  <a:txBody>
+                    <a:bodyPr/>
+                    <a:lstStyle/>
+                    <a:p>
+                      <a:pPr algn="ctr"/>
+                      <a:r>
+                        <a:rPr lang="en-US" dirty="0"/>
+                        <a:t>Transport Count: Medium</a:t>
+                      </a:r>
+                    </a:p>
+                  </a:txBody>
+                  <a:tcPr/>
+                </a:tc>
+                <a:tc>
+                  <a:txBody>
+                    <a:bodyPr/>
+                    <a:lstStyle/>
+                    <a:p>
+                      <a:pPr algn="ctr"/>
+                      <a:r>
+                        <a:rPr lang="en-US" dirty="0"/>
+                        <a:t>Transport Count: High</a:t>
+                      </a:r>
+                    </a:p>
+                  </a:txBody>
+                  <a:tcPr/>
+                </a:tc>
+                <a:extLst>
+                  <a:ext uri="{0D108BD9-81ED-4DB2-BD59-A6C34878D82A}">
+                    <a16:rowId xmlns:a16="http://schemas.microsoft.com/office/drawing/2014/main" val="1698718756"/>
+                  </a:ext>
+                </a:extLst>
+              </a:tr>
+            </a:tbl>
+          </a:graphicData>
+        </a:graphic>
+      </p:graphicFrame>
+    </p:spTree>
+    <p:extLst>
+      <p:ext uri="{BB962C8B-B14F-4D97-AF65-F5344CB8AC3E}">
+        <p14:creationId xmlns:p14="http://schemas.microsoft.com/office/powerpoint/2010/main" val="4005462966"/>
+      </p:ext>
+    </p:extLst>
+  </p:cSld>
+  <p:clrMapOvr>
+    <a:masterClrMapping/>
+  </p:clrMapOvr>
+</p:sld>
+</file>
+
+<file path=ppt/slides/slide4.xml><?xml version="1.0" encoding="utf-8"?>
+<p:sld xmlns:a="http://schemas.openxmlformats.org/drawingml/2006/main" xmlns:r="http://schemas.openxmlformats.org/officeDocument/2006/relationships" xmlns:p="http://schemas.openxmlformats.org/presentationml/2006/main">
+  <p:cSld>
+    <p:spTree>
+      <p:nvGrpSpPr>
+        <p:cNvPr id="1" name=""/>
+        <p:cNvGrpSpPr/>
+        <p:nvPr/>
+      </p:nvGrpSpPr>
+      <p:grpSpPr>
+        <a:xfrm>
+          <a:off x="0" y="0"/>
+          <a:ext cx="0" cy="0"/>
+          <a:chOff x="0" y="0"/>
+          <a:chExt cx="0" cy="0"/>
+        </a:xfrm>
+      </p:grpSpPr>
+      <p:sp>
+        <p:nvSpPr>
+          <p:cNvPr id="4" name="Rectangle 3">
+            <a:extLst>
+              <a:ext uri="{FF2B5EF4-FFF2-40B4-BE49-F238E27FC236}">
+                <a16:creationId xmlns:a16="http://schemas.microsoft.com/office/drawing/2014/main" id="{54EF2305-C831-4363-92F1-979E70DAB51F}"/>
+              </a:ext>
+            </a:extLst>
+          </p:cNvPr>
+          <p:cNvSpPr/>
+          <p:nvPr/>
+        </p:nvSpPr>
+        <p:spPr>
+          <a:xfrm>
+            <a:off x="7213603" y="397931"/>
+            <a:ext cx="1913467" cy="1532467"/>
+          </a:xfrm>
+          <a:prstGeom prst="rect">
+            <a:avLst/>
+          </a:prstGeom>
+          <a:noFill/>
+          <a:ln>
+            <a:solidFill>
+              <a:schemeClr val="tx1"/>
+            </a:solidFill>
+          </a:ln>
+        </p:spPr>
+        <p:style>
+          <a:lnRef idx="2">
+            <a:schemeClr val="accent1">
+              <a:shade val="50000"/>
+            </a:schemeClr>
+          </a:lnRef>
+          <a:fillRef idx="1">
+            <a:schemeClr val="accent1"/>
+          </a:fillRef>
+          <a:effectRef idx="0">
+            <a:schemeClr val="accent1"/>
+          </a:effectRef>
+          <a:fontRef idx="minor">
+            <a:schemeClr val="lt1"/>
+          </a:fontRef>
+        </p:style>
+        <p:txBody>
+          <a:bodyPr rtlCol="0" anchor="ctr"/>
+          <a:lstStyle/>
+          <a:p>
+            <a:pPr algn="ctr"/>
+            <a:endParaRPr lang="en-US" dirty="0"/>
+          </a:p>
+        </p:txBody>
+      </p:sp>
+      <p:sp>
+        <p:nvSpPr>
+          <p:cNvPr id="5" name="Rectangle 4">
+            <a:extLst>
+              <a:ext uri="{FF2B5EF4-FFF2-40B4-BE49-F238E27FC236}">
+                <a16:creationId xmlns:a16="http://schemas.microsoft.com/office/drawing/2014/main" id="{2C9ED25A-B2B4-49E9-8FC7-68624DA6D979}"/>
+              </a:ext>
+            </a:extLst>
+          </p:cNvPr>
+          <p:cNvSpPr/>
+          <p:nvPr/>
+        </p:nvSpPr>
+        <p:spPr>
+          <a:xfrm>
+            <a:off x="7213602" y="397932"/>
+            <a:ext cx="1913467" cy="270935"/>
+          </a:xfrm>
+          <a:prstGeom prst="rect">
+            <a:avLst/>
+          </a:prstGeom>
+          <a:noFill/>
+          <a:ln>
+            <a:solidFill>
+              <a:schemeClr val="tx1"/>
+            </a:solidFill>
+          </a:ln>
+        </p:spPr>
+        <p:style>
+          <a:lnRef idx="2">
+            <a:schemeClr val="accent1">
+              <a:shade val="50000"/>
+            </a:schemeClr>
+          </a:lnRef>
+          <a:fillRef idx="1">
+            <a:schemeClr val="accent1"/>
+          </a:fillRef>
+          <a:effectRef idx="0">
+            <a:schemeClr val="accent1"/>
+          </a:effectRef>
+          <a:fontRef idx="minor">
+            <a:schemeClr val="lt1"/>
+          </a:fontRef>
+        </p:style>
+        <p:txBody>
+          <a:bodyPr rtlCol="0" anchor="ctr"/>
+          <a:lstStyle/>
+          <a:p>
+            <a:pPr algn="ctr"/>
+            <a:r>
+              <a:rPr lang="en-US" b="1" dirty="0">
+                <a:solidFill>
+                  <a:schemeClr val="tx1"/>
+                </a:solidFill>
+              </a:rPr>
+              <a:t>Escalator</a:t>
+            </a:r>
+          </a:p>
+        </p:txBody>
+      </p:sp>
+      <p:sp>
+        <p:nvSpPr>
+          <p:cNvPr id="6" name="Rectangle 5">
+            <a:extLst>
+              <a:ext uri="{FF2B5EF4-FFF2-40B4-BE49-F238E27FC236}">
+                <a16:creationId xmlns:a16="http://schemas.microsoft.com/office/drawing/2014/main" id="{BE43B17A-BE0B-4518-8F57-4151611F6CC9}"/>
+              </a:ext>
+            </a:extLst>
+          </p:cNvPr>
+          <p:cNvSpPr/>
+          <p:nvPr/>
+        </p:nvSpPr>
+        <p:spPr>
+          <a:xfrm>
+            <a:off x="4438843" y="1601343"/>
+            <a:ext cx="1913467" cy="1532467"/>
+          </a:xfrm>
+          <a:prstGeom prst="rect">
+            <a:avLst/>
+          </a:prstGeom>
+          <a:noFill/>
+          <a:ln>
+            <a:solidFill>
+              <a:schemeClr val="tx1"/>
+            </a:solidFill>
+          </a:ln>
+        </p:spPr>
+        <p:style>
+          <a:lnRef idx="2">
+            <a:schemeClr val="accent1">
+              <a:shade val="50000"/>
+            </a:schemeClr>
+          </a:lnRef>
+          <a:fillRef idx="1">
+            <a:schemeClr val="accent1"/>
+          </a:fillRef>
+          <a:effectRef idx="0">
+            <a:schemeClr val="accent1"/>
+          </a:effectRef>
+          <a:fontRef idx="minor">
+            <a:schemeClr val="lt1"/>
+          </a:fontRef>
+        </p:style>
+        <p:txBody>
+          <a:bodyPr rtlCol="0" anchor="ctr"/>
+          <a:lstStyle/>
+          <a:p>
+            <a:pPr algn="ctr"/>
+            <a:r>
+              <a:rPr lang="en-US" dirty="0">
+                <a:solidFill>
+                  <a:schemeClr val="tx1"/>
+                </a:solidFill>
+              </a:rPr>
+              <a:t>maxFlowRate</a:t>
+            </a:r>
+          </a:p>
+        </p:txBody>
+      </p:sp>
+      <p:sp>
+        <p:nvSpPr>
+          <p:cNvPr id="7" name="Rectangle 6">
+            <a:extLst>
+              <a:ext uri="{FF2B5EF4-FFF2-40B4-BE49-F238E27FC236}">
+                <a16:creationId xmlns:a16="http://schemas.microsoft.com/office/drawing/2014/main" id="{DB71D561-81FF-4B23-ABFD-670835A660F1}"/>
+              </a:ext>
+            </a:extLst>
+          </p:cNvPr>
+          <p:cNvSpPr/>
+          <p:nvPr/>
+        </p:nvSpPr>
+        <p:spPr>
+          <a:xfrm>
+            <a:off x="4438842" y="1601344"/>
+            <a:ext cx="1913467" cy="287868"/>
+          </a:xfrm>
+          <a:prstGeom prst="rect">
+            <a:avLst/>
+          </a:prstGeom>
+          <a:noFill/>
+          <a:ln>
+            <a:solidFill>
+              <a:schemeClr val="tx1"/>
+            </a:solidFill>
+          </a:ln>
+        </p:spPr>
+        <p:style>
+          <a:lnRef idx="2">
+            <a:schemeClr val="accent1">
+              <a:shade val="50000"/>
+            </a:schemeClr>
+          </a:lnRef>
+          <a:fillRef idx="1">
+            <a:schemeClr val="accent1"/>
+          </a:fillRef>
+          <a:effectRef idx="0">
+            <a:schemeClr val="accent1"/>
+          </a:effectRef>
+          <a:fontRef idx="minor">
+            <a:schemeClr val="lt1"/>
+          </a:fontRef>
+        </p:style>
+        <p:txBody>
+          <a:bodyPr rtlCol="0" anchor="ctr"/>
+          <a:lstStyle/>
+          <a:p>
+            <a:pPr algn="ctr"/>
+            <a:r>
+              <a:rPr lang="en-US" b="1" dirty="0">
+                <a:solidFill>
+                  <a:schemeClr val="tx1"/>
+                </a:solidFill>
+              </a:rPr>
+              <a:t>entranceArea</a:t>
+            </a:r>
+          </a:p>
+        </p:txBody>
+      </p:sp>
+      <p:sp>
+        <p:nvSpPr>
+          <p:cNvPr id="8" name="Rectangle 7">
+            <a:extLst>
+              <a:ext uri="{FF2B5EF4-FFF2-40B4-BE49-F238E27FC236}">
+                <a16:creationId xmlns:a16="http://schemas.microsoft.com/office/drawing/2014/main" id="{4E3D67F5-27D3-4ACD-A6BA-A59253B4D0AE}"/>
+              </a:ext>
+            </a:extLst>
+          </p:cNvPr>
+          <p:cNvSpPr/>
+          <p:nvPr/>
+        </p:nvSpPr>
+        <p:spPr>
+          <a:xfrm>
+            <a:off x="9999139" y="913989"/>
+            <a:ext cx="1913467" cy="1532467"/>
+          </a:xfrm>
+          <a:prstGeom prst="rect">
+            <a:avLst/>
+          </a:prstGeom>
+          <a:noFill/>
+          <a:ln>
+            <a:solidFill>
+              <a:schemeClr val="tx1"/>
+            </a:solidFill>
+          </a:ln>
+        </p:spPr>
+        <p:style>
+          <a:lnRef idx="2">
+            <a:schemeClr val="accent1">
+              <a:shade val="50000"/>
+            </a:schemeClr>
+          </a:lnRef>
+          <a:fillRef idx="1">
+            <a:schemeClr val="accent1"/>
+          </a:fillRef>
+          <a:effectRef idx="0">
+            <a:schemeClr val="accent1"/>
+          </a:effectRef>
+          <a:fontRef idx="minor">
+            <a:schemeClr val="lt1"/>
+          </a:fontRef>
+        </p:style>
+        <p:txBody>
+          <a:bodyPr rtlCol="0" anchor="ctr"/>
+          <a:lstStyle/>
+          <a:p>
+            <a:pPr algn="ctr"/>
+            <a:r>
+              <a:rPr lang="en-US" dirty="0">
+                <a:solidFill>
+                  <a:schemeClr val="tx1"/>
+                </a:solidFill>
+              </a:rPr>
+              <a:t>maxFlowRate</a:t>
+            </a:r>
+          </a:p>
+        </p:txBody>
+      </p:sp>
+      <p:sp>
+        <p:nvSpPr>
+          <p:cNvPr id="9" name="Rectangle 8">
+            <a:extLst>
+              <a:ext uri="{FF2B5EF4-FFF2-40B4-BE49-F238E27FC236}">
+                <a16:creationId xmlns:a16="http://schemas.microsoft.com/office/drawing/2014/main" id="{5AC6E276-08BA-4158-85F9-8BDE57206502}"/>
+              </a:ext>
+            </a:extLst>
+          </p:cNvPr>
+          <p:cNvSpPr/>
+          <p:nvPr/>
+        </p:nvSpPr>
+        <p:spPr>
+          <a:xfrm>
+            <a:off x="9999138" y="913990"/>
+            <a:ext cx="1913467" cy="287868"/>
+          </a:xfrm>
+          <a:prstGeom prst="rect">
+            <a:avLst/>
+          </a:prstGeom>
+          <a:noFill/>
+          <a:ln>
+            <a:solidFill>
+              <a:schemeClr val="tx1"/>
+            </a:solidFill>
+          </a:ln>
+        </p:spPr>
+        <p:style>
+          <a:lnRef idx="2">
+            <a:schemeClr val="accent1">
+              <a:shade val="50000"/>
+            </a:schemeClr>
+          </a:lnRef>
+          <a:fillRef idx="1">
+            <a:schemeClr val="accent1"/>
+          </a:fillRef>
+          <a:effectRef idx="0">
+            <a:schemeClr val="accent1"/>
+          </a:effectRef>
+          <a:fontRef idx="minor">
+            <a:schemeClr val="lt1"/>
+          </a:fontRef>
+        </p:style>
+        <p:txBody>
+          <a:bodyPr rtlCol="0" anchor="ctr"/>
+          <a:lstStyle/>
+          <a:p>
+            <a:pPr algn="ctr"/>
+            <a:r>
+              <a:rPr lang="en-US" b="1" dirty="0">
+                <a:solidFill>
+                  <a:schemeClr val="tx1"/>
+                </a:solidFill>
+              </a:rPr>
+              <a:t>exitArea</a:t>
+            </a:r>
+          </a:p>
+        </p:txBody>
+      </p:sp>
+      <p:sp>
+        <p:nvSpPr>
+          <p:cNvPr id="10" name="Rectangle 9">
+            <a:extLst>
+              <a:ext uri="{FF2B5EF4-FFF2-40B4-BE49-F238E27FC236}">
+                <a16:creationId xmlns:a16="http://schemas.microsoft.com/office/drawing/2014/main" id="{B4B264E4-FB6B-435E-9A3C-59CFA958D8C5}"/>
+              </a:ext>
+            </a:extLst>
+          </p:cNvPr>
+          <p:cNvSpPr/>
+          <p:nvPr/>
+        </p:nvSpPr>
+        <p:spPr>
+          <a:xfrm>
+            <a:off x="7213603" y="2226731"/>
+            <a:ext cx="1913467" cy="1532467"/>
+          </a:xfrm>
+          <a:prstGeom prst="rect">
+            <a:avLst/>
+          </a:prstGeom>
+          <a:noFill/>
+          <a:ln>
+            <a:solidFill>
+              <a:schemeClr val="tx1"/>
+            </a:solidFill>
+          </a:ln>
+        </p:spPr>
+        <p:style>
+          <a:lnRef idx="2">
+            <a:schemeClr val="accent1">
+              <a:shade val="50000"/>
+            </a:schemeClr>
+          </a:lnRef>
+          <a:fillRef idx="1">
+            <a:schemeClr val="accent1"/>
+          </a:fillRef>
+          <a:effectRef idx="0">
+            <a:schemeClr val="accent1"/>
+          </a:effectRef>
+          <a:fontRef idx="minor">
+            <a:schemeClr val="lt1"/>
+          </a:fontRef>
+        </p:style>
+        <p:txBody>
+          <a:bodyPr rtlCol="0" anchor="ctr"/>
+          <a:lstStyle/>
+          <a:p>
+            <a:pPr algn="ctr"/>
+            <a:r>
+              <a:rPr lang="en-US" dirty="0">
+                <a:solidFill>
+                  <a:schemeClr val="tx1"/>
+                </a:solidFill>
+              </a:rPr>
+              <a:t>maxOccupancy</a:t>
+            </a:r>
+          </a:p>
+          <a:p>
+            <a:pPr algn="ctr"/>
+            <a:r>
+              <a:rPr lang="en-US" dirty="0">
+                <a:solidFill>
+                  <a:schemeClr val="tx1"/>
+                </a:solidFill>
+              </a:rPr>
+              <a:t>baseMoveRate</a:t>
+            </a:r>
+          </a:p>
+        </p:txBody>
+      </p:sp>
+      <p:sp>
+        <p:nvSpPr>
+          <p:cNvPr id="11" name="Rectangle 10">
+            <a:extLst>
+              <a:ext uri="{FF2B5EF4-FFF2-40B4-BE49-F238E27FC236}">
+                <a16:creationId xmlns:a16="http://schemas.microsoft.com/office/drawing/2014/main" id="{BCA381D9-BED3-490C-B4EE-B2B8F40D0E69}"/>
+              </a:ext>
+            </a:extLst>
+          </p:cNvPr>
+          <p:cNvSpPr/>
+          <p:nvPr/>
+        </p:nvSpPr>
+        <p:spPr>
+          <a:xfrm>
+            <a:off x="7213602" y="2226732"/>
+            <a:ext cx="1913467" cy="287868"/>
+          </a:xfrm>
+          <a:prstGeom prst="rect">
+            <a:avLst/>
+          </a:prstGeom>
+          <a:noFill/>
+          <a:ln>
+            <a:solidFill>
+              <a:schemeClr val="tx1"/>
+            </a:solidFill>
+          </a:ln>
+        </p:spPr>
+        <p:style>
+          <a:lnRef idx="2">
+            <a:schemeClr val="accent1">
+              <a:shade val="50000"/>
+            </a:schemeClr>
+          </a:lnRef>
+          <a:fillRef idx="1">
+            <a:schemeClr val="accent1"/>
+          </a:fillRef>
+          <a:effectRef idx="0">
+            <a:schemeClr val="accent1"/>
+          </a:effectRef>
+          <a:fontRef idx="minor">
+            <a:schemeClr val="lt1"/>
+          </a:fontRef>
+        </p:style>
+        <p:txBody>
+          <a:bodyPr rtlCol="0" anchor="ctr"/>
+          <a:lstStyle/>
+          <a:p>
+            <a:pPr algn="ctr"/>
+            <a:r>
+              <a:rPr lang="en-US" b="1" dirty="0">
+                <a:solidFill>
+                  <a:schemeClr val="tx1"/>
+                </a:solidFill>
+              </a:rPr>
+              <a:t>passengerSection</a:t>
+            </a:r>
+          </a:p>
+        </p:txBody>
+      </p:sp>
+      <p:sp>
+        <p:nvSpPr>
+          <p:cNvPr id="12" name="Rectangle 11">
+            <a:extLst>
+              <a:ext uri="{FF2B5EF4-FFF2-40B4-BE49-F238E27FC236}">
+                <a16:creationId xmlns:a16="http://schemas.microsoft.com/office/drawing/2014/main" id="{F414A45E-62FA-4BD0-B6F7-F3E6066EDAEE}"/>
+              </a:ext>
+            </a:extLst>
+          </p:cNvPr>
+          <p:cNvSpPr/>
+          <p:nvPr/>
+        </p:nvSpPr>
+        <p:spPr>
+          <a:xfrm>
+            <a:off x="5452535" y="4389964"/>
+            <a:ext cx="2226736" cy="1532467"/>
+          </a:xfrm>
+          <a:prstGeom prst="rect">
+            <a:avLst/>
+          </a:prstGeom>
+          <a:noFill/>
+          <a:ln>
+            <a:solidFill>
+              <a:schemeClr val="tx1"/>
+            </a:solidFill>
+          </a:ln>
+        </p:spPr>
+        <p:style>
+          <a:lnRef idx="2">
+            <a:schemeClr val="accent1">
+              <a:shade val="50000"/>
+            </a:schemeClr>
+          </a:lnRef>
+          <a:fillRef idx="1">
+            <a:schemeClr val="accent1"/>
+          </a:fillRef>
+          <a:effectRef idx="0">
+            <a:schemeClr val="accent1"/>
+          </a:effectRef>
+          <a:fontRef idx="minor">
+            <a:schemeClr val="lt1"/>
+          </a:fontRef>
+        </p:style>
+        <p:txBody>
+          <a:bodyPr rtlCol="0" anchor="ctr"/>
+          <a:lstStyle/>
+          <a:p>
+            <a:pPr algn="ctr"/>
+            <a:r>
+              <a:rPr lang="en-US" dirty="0">
+                <a:solidFill>
+                  <a:schemeClr val="tx1"/>
+                </a:solidFill>
+              </a:rPr>
+              <a:t>baseMoveRate</a:t>
+            </a:r>
+          </a:p>
+          <a:p>
+            <a:pPr algn="ctr"/>
+            <a:r>
+              <a:rPr lang="en-US" dirty="0">
+                <a:solidFill>
+                  <a:schemeClr val="tx1"/>
+                </a:solidFill>
+              </a:rPr>
+              <a:t>maxOccupancy</a:t>
+            </a:r>
+          </a:p>
+        </p:txBody>
+      </p:sp>
+      <p:sp>
+        <p:nvSpPr>
+          <p:cNvPr id="13" name="Rectangle 12">
+            <a:extLst>
+              <a:ext uri="{FF2B5EF4-FFF2-40B4-BE49-F238E27FC236}">
+                <a16:creationId xmlns:a16="http://schemas.microsoft.com/office/drawing/2014/main" id="{6644493C-ED9F-4133-B74D-D22557B53216}"/>
+              </a:ext>
+            </a:extLst>
+          </p:cNvPr>
+          <p:cNvSpPr/>
+          <p:nvPr/>
+        </p:nvSpPr>
+        <p:spPr>
+          <a:xfrm>
+            <a:off x="5452534" y="4389965"/>
+            <a:ext cx="2226736" cy="275168"/>
+          </a:xfrm>
+          <a:prstGeom prst="rect">
+            <a:avLst/>
+          </a:prstGeom>
+          <a:noFill/>
+          <a:ln>
+            <a:solidFill>
+              <a:schemeClr val="tx1"/>
+            </a:solidFill>
+          </a:ln>
+        </p:spPr>
+        <p:style>
+          <a:lnRef idx="2">
+            <a:schemeClr val="accent1">
+              <a:shade val="50000"/>
+            </a:schemeClr>
+          </a:lnRef>
+          <a:fillRef idx="1">
+            <a:schemeClr val="accent1"/>
+          </a:fillRef>
+          <a:effectRef idx="0">
+            <a:schemeClr val="accent1"/>
+          </a:effectRef>
+          <a:fontRef idx="minor">
+            <a:schemeClr val="lt1"/>
+          </a:fontRef>
+        </p:style>
+        <p:txBody>
+          <a:bodyPr rtlCol="0" anchor="ctr"/>
+          <a:lstStyle/>
+          <a:p>
+            <a:pPr algn="ctr"/>
+            <a:r>
+              <a:rPr lang="en-US" b="1" dirty="0">
+                <a:solidFill>
+                  <a:schemeClr val="tx1"/>
+                </a:solidFill>
+              </a:rPr>
+              <a:t>passiveRideSection</a:t>
+            </a:r>
+          </a:p>
+        </p:txBody>
+      </p:sp>
+      <p:sp>
+        <p:nvSpPr>
+          <p:cNvPr id="14" name="Rectangle 13">
+            <a:extLst>
+              <a:ext uri="{FF2B5EF4-FFF2-40B4-BE49-F238E27FC236}">
+                <a16:creationId xmlns:a16="http://schemas.microsoft.com/office/drawing/2014/main" id="{A7824828-8129-4453-8D27-EE184CEB6F4C}"/>
+              </a:ext>
+            </a:extLst>
+          </p:cNvPr>
+          <p:cNvSpPr/>
+          <p:nvPr/>
+        </p:nvSpPr>
+        <p:spPr>
+          <a:xfrm>
+            <a:off x="8729138" y="4389964"/>
+            <a:ext cx="2226736" cy="1532467"/>
+          </a:xfrm>
+          <a:prstGeom prst="rect">
+            <a:avLst/>
+          </a:prstGeom>
+          <a:noFill/>
+          <a:ln>
+            <a:solidFill>
+              <a:schemeClr val="tx1"/>
+            </a:solidFill>
+          </a:ln>
+        </p:spPr>
+        <p:style>
+          <a:lnRef idx="2">
+            <a:schemeClr val="accent1">
+              <a:shade val="50000"/>
+            </a:schemeClr>
+          </a:lnRef>
+          <a:fillRef idx="1">
+            <a:schemeClr val="accent1"/>
+          </a:fillRef>
+          <a:effectRef idx="0">
+            <a:schemeClr val="accent1"/>
+          </a:effectRef>
+          <a:fontRef idx="minor">
+            <a:schemeClr val="lt1"/>
+          </a:fontRef>
+        </p:style>
+        <p:txBody>
+          <a:bodyPr rtlCol="0" anchor="ctr"/>
+          <a:lstStyle/>
+          <a:p>
+            <a:pPr algn="ctr"/>
+            <a:r>
+              <a:rPr lang="en-US" dirty="0">
+                <a:solidFill>
+                  <a:schemeClr val="tx1"/>
+                </a:solidFill>
+              </a:rPr>
+              <a:t>baseMoveRate</a:t>
+            </a:r>
+          </a:p>
+          <a:p>
+            <a:pPr algn="ctr"/>
+            <a:r>
+              <a:rPr lang="en-US" dirty="0">
+                <a:solidFill>
+                  <a:schemeClr val="tx1"/>
+                </a:solidFill>
+              </a:rPr>
+              <a:t>maxOccupancy</a:t>
+            </a:r>
+            <a:endParaRPr lang="en-US" dirty="0"/>
+          </a:p>
+        </p:txBody>
+      </p:sp>
+      <p:sp>
+        <p:nvSpPr>
+          <p:cNvPr id="15" name="Rectangle 14">
+            <a:extLst>
+              <a:ext uri="{FF2B5EF4-FFF2-40B4-BE49-F238E27FC236}">
+                <a16:creationId xmlns:a16="http://schemas.microsoft.com/office/drawing/2014/main" id="{86106C70-6BB3-420F-B107-699285BFE536}"/>
+              </a:ext>
+            </a:extLst>
+          </p:cNvPr>
+          <p:cNvSpPr/>
+          <p:nvPr/>
+        </p:nvSpPr>
+        <p:spPr>
+          <a:xfrm>
+            <a:off x="8729137" y="4389965"/>
+            <a:ext cx="2226736" cy="275168"/>
+          </a:xfrm>
+          <a:prstGeom prst="rect">
+            <a:avLst/>
+          </a:prstGeom>
+          <a:noFill/>
+          <a:ln>
+            <a:solidFill>
+              <a:schemeClr val="tx1"/>
+            </a:solidFill>
+          </a:ln>
+        </p:spPr>
+        <p:style>
+          <a:lnRef idx="2">
+            <a:schemeClr val="accent1">
+              <a:shade val="50000"/>
+            </a:schemeClr>
+          </a:lnRef>
+          <a:fillRef idx="1">
+            <a:schemeClr val="accent1"/>
+          </a:fillRef>
+          <a:effectRef idx="0">
+            <a:schemeClr val="accent1"/>
+          </a:effectRef>
+          <a:fontRef idx="minor">
+            <a:schemeClr val="lt1"/>
+          </a:fontRef>
+        </p:style>
+        <p:txBody>
+          <a:bodyPr rtlCol="0" anchor="ctr"/>
+          <a:lstStyle/>
+          <a:p>
+            <a:pPr algn="ctr"/>
+            <a:r>
+              <a:rPr lang="en-US" b="1" dirty="0">
+                <a:solidFill>
+                  <a:schemeClr val="tx1"/>
+                </a:solidFill>
+              </a:rPr>
+              <a:t>activeRideSection</a:t>
+            </a:r>
+          </a:p>
+        </p:txBody>
+      </p:sp>
+      <p:sp>
+        <p:nvSpPr>
+          <p:cNvPr id="16" name="Rectangle 15">
+            <a:extLst>
+              <a:ext uri="{FF2B5EF4-FFF2-40B4-BE49-F238E27FC236}">
+                <a16:creationId xmlns:a16="http://schemas.microsoft.com/office/drawing/2014/main" id="{D5A026FC-E071-4F77-A5A8-6490C0544112}"/>
+              </a:ext>
+            </a:extLst>
+          </p:cNvPr>
+          <p:cNvSpPr/>
+          <p:nvPr/>
+        </p:nvSpPr>
+        <p:spPr>
+          <a:xfrm>
+            <a:off x="1930403" y="397931"/>
+            <a:ext cx="1913467" cy="1532467"/>
+          </a:xfrm>
+          <a:prstGeom prst="rect">
+            <a:avLst/>
+          </a:prstGeom>
+          <a:noFill/>
+          <a:ln>
+            <a:solidFill>
+              <a:schemeClr val="tx1"/>
+            </a:solidFill>
+          </a:ln>
+        </p:spPr>
+        <p:style>
+          <a:lnRef idx="2">
+            <a:schemeClr val="accent1">
+              <a:shade val="50000"/>
+            </a:schemeClr>
+          </a:lnRef>
+          <a:fillRef idx="1">
+            <a:schemeClr val="accent1"/>
+          </a:fillRef>
+          <a:effectRef idx="0">
+            <a:schemeClr val="accent1"/>
+          </a:effectRef>
+          <a:fontRef idx="minor">
+            <a:schemeClr val="lt1"/>
+          </a:fontRef>
+        </p:style>
+        <p:txBody>
+          <a:bodyPr rtlCol="0" anchor="ctr"/>
+          <a:lstStyle/>
+          <a:p>
+            <a:pPr algn="ctr"/>
+            <a:endParaRPr lang="en-US" dirty="0"/>
+          </a:p>
+        </p:txBody>
+      </p:sp>
+      <p:sp>
+        <p:nvSpPr>
+          <p:cNvPr id="17" name="Rectangle 16">
+            <a:extLst>
+              <a:ext uri="{FF2B5EF4-FFF2-40B4-BE49-F238E27FC236}">
+                <a16:creationId xmlns:a16="http://schemas.microsoft.com/office/drawing/2014/main" id="{E455359F-36E2-48C3-92F7-D51CC4239CF3}"/>
+              </a:ext>
+            </a:extLst>
+          </p:cNvPr>
+          <p:cNvSpPr/>
+          <p:nvPr/>
+        </p:nvSpPr>
+        <p:spPr>
+          <a:xfrm>
+            <a:off x="1930402" y="397932"/>
+            <a:ext cx="1913467" cy="270935"/>
+          </a:xfrm>
+          <a:prstGeom prst="rect">
+            <a:avLst/>
+          </a:prstGeom>
+          <a:noFill/>
+          <a:ln>
+            <a:solidFill>
+              <a:schemeClr val="tx1"/>
+            </a:solidFill>
+          </a:ln>
+        </p:spPr>
+        <p:style>
+          <a:lnRef idx="2">
+            <a:schemeClr val="accent1">
+              <a:shade val="50000"/>
+            </a:schemeClr>
+          </a:lnRef>
+          <a:fillRef idx="1">
+            <a:schemeClr val="accent1"/>
+          </a:fillRef>
+          <a:effectRef idx="0">
+            <a:schemeClr val="accent1"/>
+          </a:effectRef>
+          <a:fontRef idx="minor">
+            <a:schemeClr val="lt1"/>
+          </a:fontRef>
+        </p:style>
+        <p:txBody>
+          <a:bodyPr rtlCol="0" anchor="ctr"/>
+          <a:lstStyle/>
+          <a:p>
+            <a:pPr algn="ctr"/>
+            <a:r>
+              <a:rPr lang="en-US" b="1" dirty="0">
+                <a:solidFill>
+                  <a:schemeClr val="tx1"/>
+                </a:solidFill>
+              </a:rPr>
+              <a:t>Passengers</a:t>
+            </a:r>
+          </a:p>
+        </p:txBody>
+      </p:sp>
+      <p:sp>
+        <p:nvSpPr>
+          <p:cNvPr id="18" name="Rectangle 17">
+            <a:extLst>
+              <a:ext uri="{FF2B5EF4-FFF2-40B4-BE49-F238E27FC236}">
+                <a16:creationId xmlns:a16="http://schemas.microsoft.com/office/drawing/2014/main" id="{B73E63E4-5763-44F0-AB11-766DE6E2E805}"/>
+              </a:ext>
+            </a:extLst>
+          </p:cNvPr>
+          <p:cNvSpPr/>
+          <p:nvPr/>
+        </p:nvSpPr>
+        <p:spPr>
+          <a:xfrm>
+            <a:off x="701965" y="3395136"/>
+            <a:ext cx="2007370" cy="1532467"/>
+          </a:xfrm>
+          <a:prstGeom prst="rect">
+            <a:avLst/>
+          </a:prstGeom>
+          <a:noFill/>
+          <a:ln>
+            <a:solidFill>
+              <a:schemeClr val="tx1"/>
+            </a:solidFill>
+          </a:ln>
+        </p:spPr>
+        <p:style>
+          <a:lnRef idx="2">
+            <a:schemeClr val="accent1">
+              <a:shade val="50000"/>
+            </a:schemeClr>
+          </a:lnRef>
+          <a:fillRef idx="1">
+            <a:schemeClr val="accent1"/>
+          </a:fillRef>
+          <a:effectRef idx="0">
+            <a:schemeClr val="accent1"/>
+          </a:effectRef>
+          <a:fontRef idx="minor">
+            <a:schemeClr val="lt1"/>
+          </a:fontRef>
+        </p:style>
+        <p:txBody>
+          <a:bodyPr rtlCol="0" anchor="ctr"/>
+          <a:lstStyle/>
+          <a:p>
+            <a:pPr algn="ctr"/>
+            <a:r>
+              <a:rPr lang="en-US" dirty="0">
+                <a:solidFill>
+                  <a:schemeClr val="tx1"/>
+                </a:solidFill>
+              </a:rPr>
+              <a:t>activeMoveRate</a:t>
+            </a:r>
+          </a:p>
+          <a:p>
+            <a:pPr algn="ctr"/>
+            <a:r>
+              <a:rPr lang="en-US" dirty="0">
+                <a:solidFill>
+                  <a:schemeClr val="tx1"/>
+                </a:solidFill>
+              </a:rPr>
+              <a:t>entranceMoveRate</a:t>
+            </a:r>
+          </a:p>
+          <a:p>
+            <a:pPr algn="ctr"/>
+            <a:r>
+              <a:rPr lang="en-US" dirty="0">
+                <a:solidFill>
+                  <a:schemeClr val="tx1"/>
+                </a:solidFill>
+              </a:rPr>
+              <a:t>exitMoveRate</a:t>
+            </a:r>
+          </a:p>
+        </p:txBody>
+      </p:sp>
+      <p:sp>
+        <p:nvSpPr>
+          <p:cNvPr id="19" name="Rectangle 18">
+            <a:extLst>
+              <a:ext uri="{FF2B5EF4-FFF2-40B4-BE49-F238E27FC236}">
+                <a16:creationId xmlns:a16="http://schemas.microsoft.com/office/drawing/2014/main" id="{0E62F4EC-DFB9-41EC-BFFC-3CE11E0CFF6F}"/>
+              </a:ext>
+            </a:extLst>
+          </p:cNvPr>
+          <p:cNvSpPr/>
+          <p:nvPr/>
+        </p:nvSpPr>
+        <p:spPr>
+          <a:xfrm>
+            <a:off x="701964" y="3395137"/>
+            <a:ext cx="2007370" cy="279396"/>
+          </a:xfrm>
+          <a:prstGeom prst="rect">
+            <a:avLst/>
+          </a:prstGeom>
+          <a:noFill/>
+          <a:ln>
+            <a:solidFill>
+              <a:schemeClr val="tx1"/>
+            </a:solidFill>
+          </a:ln>
+        </p:spPr>
+        <p:style>
+          <a:lnRef idx="2">
+            <a:schemeClr val="accent1">
+              <a:shade val="50000"/>
+            </a:schemeClr>
+          </a:lnRef>
+          <a:fillRef idx="1">
+            <a:schemeClr val="accent1"/>
+          </a:fillRef>
+          <a:effectRef idx="0">
+            <a:schemeClr val="accent1"/>
+          </a:effectRef>
+          <a:fontRef idx="minor">
+            <a:schemeClr val="lt1"/>
+          </a:fontRef>
+        </p:style>
+        <p:txBody>
+          <a:bodyPr rtlCol="0" anchor="ctr"/>
+          <a:lstStyle/>
+          <a:p>
+            <a:pPr algn="ctr"/>
+            <a:r>
+              <a:rPr lang="en-US" b="1" dirty="0">
+                <a:solidFill>
+                  <a:schemeClr val="tx1"/>
+                </a:solidFill>
+              </a:rPr>
+              <a:t>activePassengers</a:t>
+            </a:r>
+          </a:p>
+        </p:txBody>
+      </p:sp>
+      <p:sp>
+        <p:nvSpPr>
+          <p:cNvPr id="20" name="Rectangle 19">
+            <a:extLst>
+              <a:ext uri="{FF2B5EF4-FFF2-40B4-BE49-F238E27FC236}">
+                <a16:creationId xmlns:a16="http://schemas.microsoft.com/office/drawing/2014/main" id="{838B106F-F7C3-4F89-92CA-A4ECAB125A65}"/>
+              </a:ext>
+            </a:extLst>
+          </p:cNvPr>
+          <p:cNvSpPr/>
+          <p:nvPr/>
+        </p:nvSpPr>
+        <p:spPr>
+          <a:xfrm>
+            <a:off x="2512291" y="5096930"/>
+            <a:ext cx="2110509" cy="1532467"/>
+          </a:xfrm>
+          <a:prstGeom prst="rect">
+            <a:avLst/>
+          </a:prstGeom>
+          <a:noFill/>
+          <a:ln>
+            <a:solidFill>
+              <a:schemeClr val="tx1"/>
+            </a:solidFill>
+          </a:ln>
+        </p:spPr>
+        <p:style>
+          <a:lnRef idx="2">
+            <a:schemeClr val="accent1">
+              <a:shade val="50000"/>
+            </a:schemeClr>
+          </a:lnRef>
+          <a:fillRef idx="1">
+            <a:schemeClr val="accent1"/>
+          </a:fillRef>
+          <a:effectRef idx="0">
+            <a:schemeClr val="accent1"/>
+          </a:effectRef>
+          <a:fontRef idx="minor">
+            <a:schemeClr val="lt1"/>
+          </a:fontRef>
+        </p:style>
+        <p:txBody>
+          <a:bodyPr rtlCol="0" anchor="ctr"/>
+          <a:lstStyle/>
+          <a:p>
+            <a:pPr algn="ctr"/>
+            <a:r>
+              <a:rPr lang="en-US" dirty="0">
+                <a:solidFill>
+                  <a:schemeClr val="tx1"/>
+                </a:solidFill>
+              </a:rPr>
+              <a:t>entranceMoveRate</a:t>
+            </a:r>
+          </a:p>
+          <a:p>
+            <a:pPr algn="ctr"/>
+            <a:r>
+              <a:rPr lang="en-US" dirty="0">
+                <a:solidFill>
+                  <a:schemeClr val="tx1"/>
+                </a:solidFill>
+              </a:rPr>
+              <a:t>exitMoveRate</a:t>
+            </a:r>
+          </a:p>
+        </p:txBody>
+      </p:sp>
+      <p:sp>
+        <p:nvSpPr>
+          <p:cNvPr id="21" name="Rectangle 20">
+            <a:extLst>
+              <a:ext uri="{FF2B5EF4-FFF2-40B4-BE49-F238E27FC236}">
+                <a16:creationId xmlns:a16="http://schemas.microsoft.com/office/drawing/2014/main" id="{2FD74B04-B0CE-438E-B4F7-8FBABAD622AE}"/>
+              </a:ext>
+            </a:extLst>
+          </p:cNvPr>
+          <p:cNvSpPr/>
+          <p:nvPr/>
+        </p:nvSpPr>
+        <p:spPr>
+          <a:xfrm>
+            <a:off x="2512290" y="5096931"/>
+            <a:ext cx="2110509" cy="279402"/>
+          </a:xfrm>
+          <a:prstGeom prst="rect">
+            <a:avLst/>
+          </a:prstGeom>
+          <a:noFill/>
+          <a:ln>
+            <a:solidFill>
+              <a:schemeClr val="tx1"/>
+            </a:solidFill>
+          </a:ln>
+        </p:spPr>
+        <p:style>
+          <a:lnRef idx="2">
+            <a:schemeClr val="accent1">
+              <a:shade val="50000"/>
+            </a:schemeClr>
+          </a:lnRef>
+          <a:fillRef idx="1">
+            <a:schemeClr val="accent1"/>
+          </a:fillRef>
+          <a:effectRef idx="0">
+            <a:schemeClr val="accent1"/>
+          </a:effectRef>
+          <a:fontRef idx="minor">
+            <a:schemeClr val="lt1"/>
+          </a:fontRef>
+        </p:style>
+        <p:txBody>
+          <a:bodyPr rtlCol="0" anchor="ctr"/>
+          <a:lstStyle/>
+          <a:p>
+            <a:pPr algn="ctr"/>
+            <a:r>
+              <a:rPr lang="en-US" b="1" dirty="0">
+                <a:solidFill>
+                  <a:schemeClr val="tx1"/>
+                </a:solidFill>
+              </a:rPr>
+              <a:t>passivePassengers</a:t>
+            </a:r>
+          </a:p>
+        </p:txBody>
+      </p:sp>
+      <p:cxnSp>
+        <p:nvCxnSpPr>
+          <p:cNvPr id="23" name="Connector: Elbow 22">
+            <a:extLst>
+              <a:ext uri="{FF2B5EF4-FFF2-40B4-BE49-F238E27FC236}">
+                <a16:creationId xmlns:a16="http://schemas.microsoft.com/office/drawing/2014/main" id="{DED9B4C6-1475-4437-A094-3553D37640E3}"/>
+              </a:ext>
+            </a:extLst>
+          </p:cNvPr>
+          <p:cNvCxnSpPr>
+            <a:cxnSpLocks/>
+            <a:stCxn id="19" idx="0"/>
+          </p:cNvCxnSpPr>
+          <p:nvPr/>
+        </p:nvCxnSpPr>
+        <p:spPr>
+          <a:xfrm rot="5400000" flipH="1" flipV="1">
+            <a:off x="1474064" y="2159868"/>
+            <a:ext cx="1466854" cy="1003684"/>
+          </a:xfrm>
+          <a:prstGeom prst="bentConnector3">
+            <a:avLst/>
+          </a:prstGeom>
+          <a:ln>
+            <a:tailEnd type="triangle"/>
+          </a:ln>
+        </p:spPr>
+        <p:style>
+          <a:lnRef idx="1">
+            <a:schemeClr val="dk1"/>
+          </a:lnRef>
+          <a:fillRef idx="0">
+            <a:schemeClr val="dk1"/>
+          </a:fillRef>
+          <a:effectRef idx="0">
+            <a:schemeClr val="dk1"/>
+          </a:effectRef>
+          <a:fontRef idx="minor">
+            <a:schemeClr val="tx1"/>
+          </a:fontRef>
+        </p:style>
+      </p:cxnSp>
+      <p:cxnSp>
+        <p:nvCxnSpPr>
+          <p:cNvPr id="25" name="Connector: Elbow 24">
+            <a:extLst>
+              <a:ext uri="{FF2B5EF4-FFF2-40B4-BE49-F238E27FC236}">
+                <a16:creationId xmlns:a16="http://schemas.microsoft.com/office/drawing/2014/main" id="{056EE83C-447F-4C9E-BEC8-2C954D08A8AE}"/>
+              </a:ext>
+            </a:extLst>
+          </p:cNvPr>
+          <p:cNvCxnSpPr>
+            <a:cxnSpLocks/>
+            <a:stCxn id="21" idx="0"/>
+            <a:endCxn id="16" idx="2"/>
+          </p:cNvCxnSpPr>
+          <p:nvPr/>
+        </p:nvCxnSpPr>
+        <p:spPr>
+          <a:xfrm rot="16200000" flipV="1">
+            <a:off x="1644075" y="3173461"/>
+            <a:ext cx="3166533" cy="680408"/>
+          </a:xfrm>
+          <a:prstGeom prst="bentConnector3">
+            <a:avLst/>
+          </a:prstGeom>
+          <a:ln>
+            <a:tailEnd type="triangle"/>
+          </a:ln>
+        </p:spPr>
+        <p:style>
+          <a:lnRef idx="1">
+            <a:schemeClr val="dk1"/>
+          </a:lnRef>
+          <a:fillRef idx="0">
+            <a:schemeClr val="dk1"/>
+          </a:fillRef>
+          <a:effectRef idx="0">
+            <a:schemeClr val="dk1"/>
+          </a:effectRef>
+          <a:fontRef idx="minor">
+            <a:schemeClr val="tx1"/>
+          </a:fontRef>
+        </p:style>
+      </p:cxnSp>
+      <p:cxnSp>
+        <p:nvCxnSpPr>
+          <p:cNvPr id="27" name="Connector: Elbow 26">
+            <a:extLst>
+              <a:ext uri="{FF2B5EF4-FFF2-40B4-BE49-F238E27FC236}">
+                <a16:creationId xmlns:a16="http://schemas.microsoft.com/office/drawing/2014/main" id="{DE275337-63C7-4EF2-A586-011E0C6AB03F}"/>
+              </a:ext>
+            </a:extLst>
+          </p:cNvPr>
+          <p:cNvCxnSpPr>
+            <a:stCxn id="7" idx="0"/>
+            <a:endCxn id="16" idx="3"/>
+          </p:cNvCxnSpPr>
+          <p:nvPr/>
+        </p:nvCxnSpPr>
+        <p:spPr>
+          <a:xfrm rot="16200000" flipV="1">
+            <a:off x="4401134" y="606902"/>
+            <a:ext cx="437179" cy="1551706"/>
+          </a:xfrm>
+          <a:prstGeom prst="bentConnector2">
+            <a:avLst/>
+          </a:prstGeom>
+          <a:ln>
+            <a:headEnd type="none"/>
+            <a:tailEnd type="diamond"/>
+          </a:ln>
+        </p:spPr>
+        <p:style>
+          <a:lnRef idx="1">
+            <a:schemeClr val="dk1"/>
+          </a:lnRef>
+          <a:fillRef idx="0">
+            <a:schemeClr val="dk1"/>
+          </a:fillRef>
+          <a:effectRef idx="0">
+            <a:schemeClr val="dk1"/>
+          </a:effectRef>
+          <a:fontRef idx="minor">
+            <a:schemeClr val="tx1"/>
+          </a:fontRef>
+        </p:style>
+      </p:cxnSp>
+      <p:cxnSp>
+        <p:nvCxnSpPr>
+          <p:cNvPr id="29" name="Connector: Elbow 28">
+            <a:extLst>
+              <a:ext uri="{FF2B5EF4-FFF2-40B4-BE49-F238E27FC236}">
+                <a16:creationId xmlns:a16="http://schemas.microsoft.com/office/drawing/2014/main" id="{C372A251-0EC2-4253-9391-AE31CD88FE75}"/>
+              </a:ext>
+            </a:extLst>
+          </p:cNvPr>
+          <p:cNvCxnSpPr>
+            <a:cxnSpLocks/>
+            <a:stCxn id="9" idx="0"/>
+          </p:cNvCxnSpPr>
+          <p:nvPr/>
+        </p:nvCxnSpPr>
+        <p:spPr>
+          <a:xfrm rot="16200000" flipH="1" flipV="1">
+            <a:off x="7348295" y="-2590436"/>
+            <a:ext cx="103152" cy="7112003"/>
+          </a:xfrm>
+          <a:prstGeom prst="bentConnector4">
+            <a:avLst>
+              <a:gd name="adj1" fmla="val -642459"/>
+              <a:gd name="adj2" fmla="val 56726"/>
+            </a:avLst>
+          </a:prstGeom>
+          <a:ln>
+            <a:tailEnd type="diamond"/>
+          </a:ln>
+        </p:spPr>
+        <p:style>
+          <a:lnRef idx="1">
+            <a:schemeClr val="dk1"/>
+          </a:lnRef>
+          <a:fillRef idx="0">
+            <a:schemeClr val="dk1"/>
+          </a:fillRef>
+          <a:effectRef idx="0">
+            <a:schemeClr val="dk1"/>
+          </a:effectRef>
+          <a:fontRef idx="minor">
+            <a:schemeClr val="tx1"/>
+          </a:fontRef>
+        </p:style>
+      </p:cxnSp>
+      <p:cxnSp>
+        <p:nvCxnSpPr>
+          <p:cNvPr id="33" name="Connector: Elbow 32">
+            <a:extLst>
+              <a:ext uri="{FF2B5EF4-FFF2-40B4-BE49-F238E27FC236}">
+                <a16:creationId xmlns:a16="http://schemas.microsoft.com/office/drawing/2014/main" id="{E26C3D2A-ECF8-4077-A112-18D559692D86}"/>
+              </a:ext>
+            </a:extLst>
+          </p:cNvPr>
+          <p:cNvCxnSpPr>
+            <a:stCxn id="4" idx="3"/>
+            <a:endCxn id="8" idx="1"/>
+          </p:cNvCxnSpPr>
+          <p:nvPr/>
+        </p:nvCxnSpPr>
+        <p:spPr>
+          <a:xfrm>
+            <a:off x="9127070" y="1164165"/>
+            <a:ext cx="872069" cy="516058"/>
+          </a:xfrm>
+          <a:prstGeom prst="bentConnector3">
+            <a:avLst/>
+          </a:prstGeom>
+          <a:ln>
+            <a:headEnd type="diamond"/>
+            <a:tailEnd type="none"/>
+          </a:ln>
+        </p:spPr>
+        <p:style>
+          <a:lnRef idx="1">
+            <a:schemeClr val="dk1"/>
+          </a:lnRef>
+          <a:fillRef idx="0">
+            <a:schemeClr val="dk1"/>
+          </a:fillRef>
+          <a:effectRef idx="0">
+            <a:schemeClr val="dk1"/>
+          </a:effectRef>
+          <a:fontRef idx="minor">
+            <a:schemeClr val="tx1"/>
+          </a:fontRef>
+        </p:style>
+      </p:cxnSp>
+      <p:cxnSp>
+        <p:nvCxnSpPr>
+          <p:cNvPr id="35" name="Connector: Elbow 34">
+            <a:extLst>
+              <a:ext uri="{FF2B5EF4-FFF2-40B4-BE49-F238E27FC236}">
+                <a16:creationId xmlns:a16="http://schemas.microsoft.com/office/drawing/2014/main" id="{BC06C4F4-976E-45BB-B02E-17950C5DAC94}"/>
+              </a:ext>
+            </a:extLst>
+          </p:cNvPr>
+          <p:cNvCxnSpPr>
+            <a:stCxn id="4" idx="2"/>
+            <a:endCxn id="11" idx="0"/>
+          </p:cNvCxnSpPr>
+          <p:nvPr/>
+        </p:nvCxnSpPr>
+        <p:spPr>
+          <a:xfrm rot="5400000">
+            <a:off x="8022170" y="2078565"/>
+            <a:ext cx="296334" cy="1"/>
+          </a:xfrm>
+          <a:prstGeom prst="bentConnector3">
+            <a:avLst/>
+          </a:prstGeom>
+          <a:ln>
+            <a:headEnd type="diamond"/>
+            <a:tailEnd type="none"/>
+          </a:ln>
+        </p:spPr>
+        <p:style>
+          <a:lnRef idx="1">
+            <a:schemeClr val="dk1"/>
+          </a:lnRef>
+          <a:fillRef idx="0">
+            <a:schemeClr val="dk1"/>
+          </a:fillRef>
+          <a:effectRef idx="0">
+            <a:schemeClr val="dk1"/>
+          </a:effectRef>
+          <a:fontRef idx="minor">
+            <a:schemeClr val="tx1"/>
+          </a:fontRef>
+        </p:style>
+      </p:cxnSp>
+      <p:cxnSp>
+        <p:nvCxnSpPr>
+          <p:cNvPr id="37" name="Connector: Elbow 36">
+            <a:extLst>
+              <a:ext uri="{FF2B5EF4-FFF2-40B4-BE49-F238E27FC236}">
+                <a16:creationId xmlns:a16="http://schemas.microsoft.com/office/drawing/2014/main" id="{6FA4F132-2588-4B7C-9116-4D5CC2B82B59}"/>
+              </a:ext>
+            </a:extLst>
+          </p:cNvPr>
+          <p:cNvCxnSpPr>
+            <a:stCxn id="6" idx="3"/>
+            <a:endCxn id="4" idx="1"/>
+          </p:cNvCxnSpPr>
+          <p:nvPr/>
+        </p:nvCxnSpPr>
+        <p:spPr>
+          <a:xfrm flipV="1">
+            <a:off x="6352310" y="1164165"/>
+            <a:ext cx="861293" cy="1203412"/>
+          </a:xfrm>
+          <a:prstGeom prst="bentConnector3">
+            <a:avLst/>
+          </a:prstGeom>
+          <a:ln>
+            <a:tailEnd type="diamond"/>
+          </a:ln>
+        </p:spPr>
+        <p:style>
+          <a:lnRef idx="1">
+            <a:schemeClr val="dk1"/>
+          </a:lnRef>
+          <a:fillRef idx="0">
+            <a:schemeClr val="dk1"/>
+          </a:fillRef>
+          <a:effectRef idx="0">
+            <a:schemeClr val="dk1"/>
+          </a:effectRef>
+          <a:fontRef idx="minor">
+            <a:schemeClr val="tx1"/>
+          </a:fontRef>
+        </p:style>
+      </p:cxnSp>
+      <p:cxnSp>
+        <p:nvCxnSpPr>
+          <p:cNvPr id="46" name="Connector: Elbow 45">
+            <a:extLst>
+              <a:ext uri="{FF2B5EF4-FFF2-40B4-BE49-F238E27FC236}">
+                <a16:creationId xmlns:a16="http://schemas.microsoft.com/office/drawing/2014/main" id="{3141268E-CC34-485B-A5DD-C698775FBDA0}"/>
+              </a:ext>
+            </a:extLst>
+          </p:cNvPr>
+          <p:cNvCxnSpPr>
+            <a:cxnSpLocks/>
+          </p:cNvCxnSpPr>
+          <p:nvPr/>
+        </p:nvCxnSpPr>
+        <p:spPr>
+          <a:xfrm rot="10800000">
+            <a:off x="3838482" y="1327722"/>
+            <a:ext cx="3385896" cy="2063181"/>
+          </a:xfrm>
+          <a:prstGeom prst="bentConnector3">
+            <a:avLst>
+              <a:gd name="adj1" fmla="val 89009"/>
+            </a:avLst>
+          </a:prstGeom>
+          <a:ln>
+            <a:tailEnd type="diamond"/>
+          </a:ln>
+        </p:spPr>
+        <p:style>
+          <a:lnRef idx="1">
+            <a:schemeClr val="dk1"/>
+          </a:lnRef>
+          <a:fillRef idx="0">
+            <a:schemeClr val="dk1"/>
+          </a:fillRef>
+          <a:effectRef idx="0">
+            <a:schemeClr val="dk1"/>
+          </a:effectRef>
+          <a:fontRef idx="minor">
+            <a:schemeClr val="tx1"/>
+          </a:fontRef>
+        </p:style>
+      </p:cxnSp>
+      <p:cxnSp>
+        <p:nvCxnSpPr>
+          <p:cNvPr id="63" name="Connector: Elbow 62">
+            <a:extLst>
+              <a:ext uri="{FF2B5EF4-FFF2-40B4-BE49-F238E27FC236}">
+                <a16:creationId xmlns:a16="http://schemas.microsoft.com/office/drawing/2014/main" id="{5059128A-405C-4E57-A235-472542C69F3E}"/>
+              </a:ext>
+            </a:extLst>
+          </p:cNvPr>
+          <p:cNvCxnSpPr>
+            <a:stCxn id="13" idx="0"/>
+            <a:endCxn id="10" idx="2"/>
+          </p:cNvCxnSpPr>
+          <p:nvPr/>
+        </p:nvCxnSpPr>
+        <p:spPr>
+          <a:xfrm rot="5400000" flipH="1" flipV="1">
+            <a:off x="7052736" y="3272365"/>
+            <a:ext cx="630767" cy="1604435"/>
+          </a:xfrm>
+          <a:prstGeom prst="bentConnector3">
+            <a:avLst/>
+          </a:prstGeom>
+          <a:ln>
+            <a:tailEnd type="diamond"/>
+          </a:ln>
+        </p:spPr>
+        <p:style>
+          <a:lnRef idx="1">
+            <a:schemeClr val="dk1"/>
+          </a:lnRef>
+          <a:fillRef idx="0">
+            <a:schemeClr val="dk1"/>
+          </a:fillRef>
+          <a:effectRef idx="0">
+            <a:schemeClr val="dk1"/>
+          </a:effectRef>
+          <a:fontRef idx="minor">
+            <a:schemeClr val="tx1"/>
+          </a:fontRef>
+        </p:style>
+      </p:cxnSp>
+      <p:cxnSp>
+        <p:nvCxnSpPr>
+          <p:cNvPr id="65" name="Connector: Elbow 64">
+            <a:extLst>
+              <a:ext uri="{FF2B5EF4-FFF2-40B4-BE49-F238E27FC236}">
+                <a16:creationId xmlns:a16="http://schemas.microsoft.com/office/drawing/2014/main" id="{01E7C287-5E71-4D4C-A87C-9CE6D8C23D5C}"/>
+              </a:ext>
+            </a:extLst>
+          </p:cNvPr>
+          <p:cNvCxnSpPr>
+            <a:cxnSpLocks/>
+            <a:stCxn id="15" idx="0"/>
+            <a:endCxn id="10" idx="2"/>
+          </p:cNvCxnSpPr>
+          <p:nvPr/>
+        </p:nvCxnSpPr>
+        <p:spPr>
+          <a:xfrm rot="16200000" flipV="1">
+            <a:off x="8691038" y="3238498"/>
+            <a:ext cx="630767" cy="1672168"/>
+          </a:xfrm>
+          <a:prstGeom prst="bentConnector3">
+            <a:avLst/>
+          </a:prstGeom>
+          <a:ln>
+            <a:tailEnd type="diamond"/>
+          </a:ln>
+        </p:spPr>
+        <p:style>
+          <a:lnRef idx="1">
+            <a:schemeClr val="dk1"/>
+          </a:lnRef>
+          <a:fillRef idx="0">
+            <a:schemeClr val="dk1"/>
+          </a:fillRef>
+          <a:effectRef idx="0">
+            <a:schemeClr val="dk1"/>
+          </a:effectRef>
+          <a:fontRef idx="minor">
+            <a:schemeClr val="tx1"/>
+          </a:fontRef>
+        </p:style>
+      </p:cxnSp>
+      <p:pic>
+        <p:nvPicPr>
+          <p:cNvPr id="69" name="Picture 68" descr="A close up of a logo&#10;&#10;Description automatically generated">
+            <a:extLst>
+              <a:ext uri="{FF2B5EF4-FFF2-40B4-BE49-F238E27FC236}">
+                <a16:creationId xmlns:a16="http://schemas.microsoft.com/office/drawing/2014/main" id="{4B980FED-FD6A-4077-BA1F-58CF18135209}"/>
+              </a:ext>
+            </a:extLst>
+          </p:cNvPr>
+          <p:cNvPicPr>
+            <a:picLocks noChangeAspect="1"/>
+          </p:cNvPicPr>
+          <p:nvPr/>
+        </p:nvPicPr>
+        <p:blipFill>
+          <a:blip r:embed="rId2">
+            <a:extLst>
+              <a:ext uri="{28A0092B-C50C-407E-A947-70E740481C1C}">
+                <a14:useLocalDpi xmlns:a14="http://schemas.microsoft.com/office/drawing/2010/main" val="0"/>
+              </a:ext>
+            </a:extLst>
+          </a:blip>
+          <a:stretch>
+            <a:fillRect/>
+          </a:stretch>
+        </p:blipFill>
+        <p:spPr>
+          <a:xfrm>
+            <a:off x="779235" y="4534351"/>
+            <a:ext cx="321434" cy="321434"/>
+          </a:xfrm>
+          <a:prstGeom prst="rect">
+            <a:avLst/>
+          </a:prstGeom>
+        </p:spPr>
+      </p:pic>
+      <p:pic>
+        <p:nvPicPr>
+          <p:cNvPr id="70" name="Picture 69" descr="A close up of a logo&#10;&#10;Description automatically generated">
+            <a:extLst>
+              <a:ext uri="{FF2B5EF4-FFF2-40B4-BE49-F238E27FC236}">
+                <a16:creationId xmlns:a16="http://schemas.microsoft.com/office/drawing/2014/main" id="{23CAAD0F-24D0-4BD8-BB5D-FB667394BD76}"/>
+              </a:ext>
+            </a:extLst>
+          </p:cNvPr>
+          <p:cNvPicPr>
+            <a:picLocks noChangeAspect="1"/>
+          </p:cNvPicPr>
+          <p:nvPr/>
+        </p:nvPicPr>
+        <p:blipFill>
+          <a:blip r:embed="rId2">
+            <a:extLst>
+              <a:ext uri="{28A0092B-C50C-407E-A947-70E740481C1C}">
+                <a14:useLocalDpi xmlns:a14="http://schemas.microsoft.com/office/drawing/2010/main" val="0"/>
+              </a:ext>
+            </a:extLst>
+          </a:blip>
+          <a:stretch>
+            <a:fillRect/>
+          </a:stretch>
+        </p:blipFill>
+        <p:spPr>
+          <a:xfrm>
+            <a:off x="1919628" y="1565241"/>
+            <a:ext cx="321434" cy="321434"/>
+          </a:xfrm>
+          <a:prstGeom prst="rect">
+            <a:avLst/>
+          </a:prstGeom>
+        </p:spPr>
+      </p:pic>
+      <p:pic>
+        <p:nvPicPr>
+          <p:cNvPr id="71" name="Picture 70" descr="A close up of a logo&#10;&#10;Description automatically generated">
+            <a:extLst>
+              <a:ext uri="{FF2B5EF4-FFF2-40B4-BE49-F238E27FC236}">
+                <a16:creationId xmlns:a16="http://schemas.microsoft.com/office/drawing/2014/main" id="{3A277E56-D514-4FA7-B7DD-15559B8D61A4}"/>
+              </a:ext>
+            </a:extLst>
+          </p:cNvPr>
+          <p:cNvPicPr>
+            <a:picLocks noChangeAspect="1"/>
+          </p:cNvPicPr>
+          <p:nvPr/>
+        </p:nvPicPr>
+        <p:blipFill>
+          <a:blip r:embed="rId2">
+            <a:extLst>
+              <a:ext uri="{28A0092B-C50C-407E-A947-70E740481C1C}">
+                <a14:useLocalDpi xmlns:a14="http://schemas.microsoft.com/office/drawing/2010/main" val="0"/>
+              </a:ext>
+            </a:extLst>
+          </a:blip>
+          <a:stretch>
+            <a:fillRect/>
+          </a:stretch>
+        </p:blipFill>
+        <p:spPr>
+          <a:xfrm>
+            <a:off x="2689561" y="6240235"/>
+            <a:ext cx="321434" cy="321434"/>
+          </a:xfrm>
+          <a:prstGeom prst="rect">
+            <a:avLst/>
+          </a:prstGeom>
+        </p:spPr>
+      </p:pic>
+      <p:sp>
+        <p:nvSpPr>
+          <p:cNvPr id="72" name="Rectangle: Rounded Corners 71">
+            <a:extLst>
+              <a:ext uri="{FF2B5EF4-FFF2-40B4-BE49-F238E27FC236}">
+                <a16:creationId xmlns:a16="http://schemas.microsoft.com/office/drawing/2014/main" id="{CE91F5E8-E12B-4471-BDF3-8E23C98870C4}"/>
+              </a:ext>
+            </a:extLst>
+          </p:cNvPr>
+          <p:cNvSpPr/>
+          <p:nvPr/>
+        </p:nvSpPr>
+        <p:spPr>
+          <a:xfrm>
+            <a:off x="4504268" y="2850956"/>
+            <a:ext cx="457200" cy="228600"/>
+          </a:xfrm>
+          <a:prstGeom prst="roundRect">
+            <a:avLst/>
+          </a:prstGeom>
+          <a:noFill/>
+          <a:ln w="38100"/>
+        </p:spPr>
+        <p:style>
+          <a:lnRef idx="2">
+            <a:schemeClr val="dk1">
+              <a:shade val="50000"/>
+            </a:schemeClr>
+          </a:lnRef>
+          <a:fillRef idx="1">
+            <a:schemeClr val="dk1"/>
+          </a:fillRef>
+          <a:effectRef idx="0">
+            <a:schemeClr val="dk1"/>
+          </a:effectRef>
+          <a:fontRef idx="minor">
+            <a:schemeClr val="lt1"/>
+          </a:fontRef>
+        </p:style>
+        <p:txBody>
+          <a:bodyPr rtlCol="0" anchor="ctr"/>
+          <a:lstStyle/>
+          <a:p>
+            <a:pPr algn="ctr"/>
+            <a:endParaRPr lang="en-US" dirty="0"/>
+          </a:p>
+        </p:txBody>
+      </p:sp>
+      <p:sp>
+        <p:nvSpPr>
+          <p:cNvPr id="73" name="Rectangle: Rounded Corners 72">
+            <a:extLst>
+              <a:ext uri="{FF2B5EF4-FFF2-40B4-BE49-F238E27FC236}">
+                <a16:creationId xmlns:a16="http://schemas.microsoft.com/office/drawing/2014/main" id="{D34ABA7B-7DA9-4918-878D-4D4625B03F4D}"/>
+              </a:ext>
+            </a:extLst>
+          </p:cNvPr>
+          <p:cNvSpPr/>
+          <p:nvPr/>
+        </p:nvSpPr>
+        <p:spPr>
+          <a:xfrm>
+            <a:off x="7263633" y="3483833"/>
+            <a:ext cx="457200" cy="228600"/>
+          </a:xfrm>
+          <a:prstGeom prst="roundRect">
+            <a:avLst/>
+          </a:prstGeom>
+          <a:noFill/>
+          <a:ln w="38100"/>
+        </p:spPr>
+        <p:style>
+          <a:lnRef idx="2">
+            <a:schemeClr val="dk1">
+              <a:shade val="50000"/>
+            </a:schemeClr>
+          </a:lnRef>
+          <a:fillRef idx="1">
+            <a:schemeClr val="dk1"/>
+          </a:fillRef>
+          <a:effectRef idx="0">
+            <a:schemeClr val="dk1"/>
+          </a:effectRef>
+          <a:fontRef idx="minor">
+            <a:schemeClr val="lt1"/>
+          </a:fontRef>
+        </p:style>
+        <p:txBody>
+          <a:bodyPr rtlCol="0" anchor="ctr"/>
+          <a:lstStyle/>
+          <a:p>
+            <a:pPr algn="ctr"/>
+            <a:endParaRPr lang="en-US" dirty="0"/>
+          </a:p>
+        </p:txBody>
+      </p:sp>
+      <p:sp>
+        <p:nvSpPr>
+          <p:cNvPr id="74" name="Rectangle: Rounded Corners 73">
+            <a:extLst>
+              <a:ext uri="{FF2B5EF4-FFF2-40B4-BE49-F238E27FC236}">
+                <a16:creationId xmlns:a16="http://schemas.microsoft.com/office/drawing/2014/main" id="{BC5C17DF-2C75-43FD-9097-4D3FEE0D3D35}"/>
+              </a:ext>
+            </a:extLst>
+          </p:cNvPr>
+          <p:cNvSpPr/>
+          <p:nvPr/>
+        </p:nvSpPr>
+        <p:spPr>
+          <a:xfrm>
+            <a:off x="5531430" y="5635424"/>
+            <a:ext cx="457200" cy="228600"/>
+          </a:xfrm>
+          <a:prstGeom prst="roundRect">
+            <a:avLst/>
+          </a:prstGeom>
+          <a:noFill/>
+          <a:ln w="38100"/>
+        </p:spPr>
+        <p:style>
+          <a:lnRef idx="2">
+            <a:schemeClr val="dk1">
+              <a:shade val="50000"/>
+            </a:schemeClr>
+          </a:lnRef>
+          <a:fillRef idx="1">
+            <a:schemeClr val="dk1"/>
+          </a:fillRef>
+          <a:effectRef idx="0">
+            <a:schemeClr val="dk1"/>
+          </a:effectRef>
+          <a:fontRef idx="minor">
+            <a:schemeClr val="lt1"/>
+          </a:fontRef>
+        </p:style>
+        <p:txBody>
+          <a:bodyPr rtlCol="0" anchor="ctr"/>
+          <a:lstStyle/>
+          <a:p>
+            <a:pPr algn="ctr"/>
+            <a:endParaRPr lang="en-US" dirty="0"/>
+          </a:p>
+        </p:txBody>
+      </p:sp>
+      <p:sp>
+        <p:nvSpPr>
+          <p:cNvPr id="75" name="Rectangle: Rounded Corners 74">
+            <a:extLst>
+              <a:ext uri="{FF2B5EF4-FFF2-40B4-BE49-F238E27FC236}">
+                <a16:creationId xmlns:a16="http://schemas.microsoft.com/office/drawing/2014/main" id="{B1B6ECA4-CE7D-4AB4-9ECC-02EB810AFC5E}"/>
+              </a:ext>
+            </a:extLst>
+          </p:cNvPr>
+          <p:cNvSpPr/>
+          <p:nvPr/>
+        </p:nvSpPr>
+        <p:spPr>
+          <a:xfrm>
+            <a:off x="8796293" y="5635424"/>
+            <a:ext cx="457200" cy="228600"/>
+          </a:xfrm>
+          <a:prstGeom prst="roundRect">
+            <a:avLst/>
+          </a:prstGeom>
+          <a:noFill/>
+          <a:ln w="38100"/>
+        </p:spPr>
+        <p:style>
+          <a:lnRef idx="2">
+            <a:schemeClr val="dk1">
+              <a:shade val="50000"/>
+            </a:schemeClr>
+          </a:lnRef>
+          <a:fillRef idx="1">
+            <a:schemeClr val="dk1"/>
+          </a:fillRef>
+          <a:effectRef idx="0">
+            <a:schemeClr val="dk1"/>
+          </a:effectRef>
+          <a:fontRef idx="minor">
+            <a:schemeClr val="lt1"/>
+          </a:fontRef>
+        </p:style>
+        <p:txBody>
+          <a:bodyPr rtlCol="0" anchor="ctr"/>
+          <a:lstStyle/>
+          <a:p>
+            <a:pPr algn="ctr"/>
+            <a:endParaRPr lang="en-US" dirty="0"/>
+          </a:p>
+        </p:txBody>
+      </p:sp>
+      <p:sp>
+        <p:nvSpPr>
+          <p:cNvPr id="76" name="Rectangle: Rounded Corners 75">
+            <a:extLst>
+              <a:ext uri="{FF2B5EF4-FFF2-40B4-BE49-F238E27FC236}">
+                <a16:creationId xmlns:a16="http://schemas.microsoft.com/office/drawing/2014/main" id="{89803962-B39C-4796-B2E3-D10FAC1F4EC4}"/>
+              </a:ext>
+            </a:extLst>
+          </p:cNvPr>
+          <p:cNvSpPr/>
+          <p:nvPr/>
+        </p:nvSpPr>
+        <p:spPr>
+          <a:xfrm>
+            <a:off x="10073027" y="2172537"/>
+            <a:ext cx="457200" cy="228600"/>
+          </a:xfrm>
+          <a:prstGeom prst="roundRect">
+            <a:avLst/>
+          </a:prstGeom>
+          <a:noFill/>
+          <a:ln w="38100"/>
+        </p:spPr>
+        <p:style>
+          <a:lnRef idx="2">
+            <a:schemeClr val="dk1">
+              <a:shade val="50000"/>
+            </a:schemeClr>
+          </a:lnRef>
+          <a:fillRef idx="1">
+            <a:schemeClr val="dk1"/>
+          </a:fillRef>
+          <a:effectRef idx="0">
+            <a:schemeClr val="dk1"/>
+          </a:effectRef>
+          <a:fontRef idx="minor">
+            <a:schemeClr val="lt1"/>
+          </a:fontRef>
+        </p:style>
+        <p:txBody>
+          <a:bodyPr rtlCol="0" anchor="ctr"/>
+          <a:lstStyle/>
+          <a:p>
+            <a:pPr algn="ctr"/>
+            <a:endParaRPr lang="en-US" dirty="0"/>
+          </a:p>
+        </p:txBody>
+      </p:sp>
+    </p:spTree>
+    <p:extLst>
+      <p:ext uri="{BB962C8B-B14F-4D97-AF65-F5344CB8AC3E}">
+        <p14:creationId xmlns:p14="http://schemas.microsoft.com/office/powerpoint/2010/main" val="1838303880"/>
+      </p:ext>
+    </p:extLst>
+  </p:cSld>
+  <p:clrMapOvr>
+    <a:masterClrMapping/>
+  </p:clrMapOvr>
+</p:sld>
+</file>
+
+<file path=ppt/slides/slide5.xml><?xml version="1.0" encoding="utf-8"?>
+<p:sld xmlns:a="http://schemas.openxmlformats.org/drawingml/2006/main" xmlns:r="http://schemas.openxmlformats.org/officeDocument/2006/relationships" xmlns:p="http://schemas.openxmlformats.org/presentationml/2006/main">
+  <p:cSld>
+    <p:spTree>
+      <p:nvGrpSpPr>
+        <p:cNvPr id="1" name=""/>
+        <p:cNvGrpSpPr/>
+        <p:nvPr/>
+      </p:nvGrpSpPr>
+      <p:grpSpPr>
+        <a:xfrm>
+          <a:off x="0" y="0"/>
+          <a:ext cx="0" cy="0"/>
+          <a:chOff x="0" y="0"/>
+          <a:chExt cx="0" cy="0"/>
+        </a:xfrm>
+      </p:grpSpPr>
+      <p:sp>
+        <p:nvSpPr>
+          <p:cNvPr id="4" name="Rectangle 3">
+            <a:extLst>
+              <a:ext uri="{FF2B5EF4-FFF2-40B4-BE49-F238E27FC236}">
+                <a16:creationId xmlns:a16="http://schemas.microsoft.com/office/drawing/2014/main" id="{54EF2305-C831-4363-92F1-979E70DAB51F}"/>
+              </a:ext>
+            </a:extLst>
+          </p:cNvPr>
+          <p:cNvSpPr/>
+          <p:nvPr/>
+        </p:nvSpPr>
+        <p:spPr>
+          <a:xfrm>
+            <a:off x="7213603" y="397931"/>
+            <a:ext cx="1913467" cy="1532467"/>
+          </a:xfrm>
+          <a:prstGeom prst="rect">
+            <a:avLst/>
+          </a:prstGeom>
+          <a:noFill/>
+          <a:ln>
+            <a:solidFill>
+              <a:schemeClr val="tx1"/>
+            </a:solidFill>
+          </a:ln>
+        </p:spPr>
+        <p:style>
+          <a:lnRef idx="2">
+            <a:schemeClr val="accent1">
+              <a:shade val="50000"/>
+            </a:schemeClr>
+          </a:lnRef>
+          <a:fillRef idx="1">
+            <a:schemeClr val="accent1"/>
+          </a:fillRef>
+          <a:effectRef idx="0">
+            <a:schemeClr val="accent1"/>
+          </a:effectRef>
+          <a:fontRef idx="minor">
+            <a:schemeClr val="lt1"/>
+          </a:fontRef>
+        </p:style>
+        <p:txBody>
+          <a:bodyPr rtlCol="0" anchor="ctr"/>
+          <a:lstStyle/>
+          <a:p>
+            <a:pPr algn="ctr"/>
+            <a:endParaRPr lang="en-US" dirty="0"/>
+          </a:p>
+        </p:txBody>
+      </p:sp>
+      <p:sp>
+        <p:nvSpPr>
+          <p:cNvPr id="5" name="Rectangle 4">
+            <a:extLst>
+              <a:ext uri="{FF2B5EF4-FFF2-40B4-BE49-F238E27FC236}">
+                <a16:creationId xmlns:a16="http://schemas.microsoft.com/office/drawing/2014/main" id="{2C9ED25A-B2B4-49E9-8FC7-68624DA6D979}"/>
+              </a:ext>
+            </a:extLst>
+          </p:cNvPr>
+          <p:cNvSpPr/>
+          <p:nvPr/>
+        </p:nvSpPr>
+        <p:spPr>
+          <a:xfrm>
+            <a:off x="7213602" y="397932"/>
+            <a:ext cx="1913467" cy="270935"/>
+          </a:xfrm>
+          <a:prstGeom prst="rect">
+            <a:avLst/>
+          </a:prstGeom>
+          <a:noFill/>
+          <a:ln>
+            <a:solidFill>
+              <a:schemeClr val="tx1"/>
+            </a:solidFill>
+          </a:ln>
+        </p:spPr>
+        <p:style>
+          <a:lnRef idx="2">
+            <a:schemeClr val="accent1">
+              <a:shade val="50000"/>
+            </a:schemeClr>
+          </a:lnRef>
+          <a:fillRef idx="1">
+            <a:schemeClr val="accent1"/>
+          </a:fillRef>
+          <a:effectRef idx="0">
+            <a:schemeClr val="accent1"/>
+          </a:effectRef>
+          <a:fontRef idx="minor">
+            <a:schemeClr val="lt1"/>
+          </a:fontRef>
+        </p:style>
+        <p:txBody>
+          <a:bodyPr rtlCol="0" anchor="ctr"/>
+          <a:lstStyle/>
+          <a:p>
+            <a:pPr algn="ctr"/>
+            <a:r>
+              <a:rPr lang="en-US" b="1" dirty="0">
+                <a:solidFill>
+                  <a:schemeClr val="tx1"/>
+                </a:solidFill>
+              </a:rPr>
+              <a:t>Escalator</a:t>
+            </a:r>
+          </a:p>
+        </p:txBody>
+      </p:sp>
+      <p:sp>
+        <p:nvSpPr>
+          <p:cNvPr id="6" name="Rectangle 5">
+            <a:extLst>
+              <a:ext uri="{FF2B5EF4-FFF2-40B4-BE49-F238E27FC236}">
+                <a16:creationId xmlns:a16="http://schemas.microsoft.com/office/drawing/2014/main" id="{BE43B17A-BE0B-4518-8F57-4151611F6CC9}"/>
+              </a:ext>
+            </a:extLst>
+          </p:cNvPr>
+          <p:cNvSpPr/>
+          <p:nvPr/>
+        </p:nvSpPr>
+        <p:spPr>
+          <a:xfrm>
+            <a:off x="4438843" y="1601343"/>
+            <a:ext cx="1913467" cy="658857"/>
+          </a:xfrm>
+          <a:prstGeom prst="rect">
+            <a:avLst/>
+          </a:prstGeom>
+          <a:noFill/>
+          <a:ln>
+            <a:solidFill>
+              <a:schemeClr val="tx1"/>
+            </a:solidFill>
+          </a:ln>
+        </p:spPr>
+        <p:style>
+          <a:lnRef idx="2">
+            <a:schemeClr val="accent1">
+              <a:shade val="50000"/>
+            </a:schemeClr>
+          </a:lnRef>
+          <a:fillRef idx="1">
+            <a:schemeClr val="accent1"/>
+          </a:fillRef>
+          <a:effectRef idx="0">
+            <a:schemeClr val="accent1"/>
+          </a:effectRef>
+          <a:fontRef idx="minor">
+            <a:schemeClr val="lt1"/>
+          </a:fontRef>
+        </p:style>
+        <p:txBody>
+          <a:bodyPr rtlCol="0" anchor="ctr"/>
+          <a:lstStyle/>
+          <a:p>
+            <a:pPr algn="ctr"/>
+            <a:endParaRPr lang="en-US" dirty="0">
+              <a:solidFill>
+                <a:schemeClr val="tx1"/>
+              </a:solidFill>
+            </a:endParaRPr>
+          </a:p>
+        </p:txBody>
+      </p:sp>
+      <p:sp>
+        <p:nvSpPr>
+          <p:cNvPr id="7" name="Rectangle 6">
+            <a:extLst>
+              <a:ext uri="{FF2B5EF4-FFF2-40B4-BE49-F238E27FC236}">
+                <a16:creationId xmlns:a16="http://schemas.microsoft.com/office/drawing/2014/main" id="{DB71D561-81FF-4B23-ABFD-670835A660F1}"/>
+              </a:ext>
+            </a:extLst>
+          </p:cNvPr>
+          <p:cNvSpPr/>
+          <p:nvPr/>
+        </p:nvSpPr>
+        <p:spPr>
+          <a:xfrm>
+            <a:off x="4438842" y="1601344"/>
+            <a:ext cx="1913467" cy="287868"/>
+          </a:xfrm>
+          <a:prstGeom prst="rect">
+            <a:avLst/>
+          </a:prstGeom>
+          <a:noFill/>
+          <a:ln>
+            <a:solidFill>
+              <a:schemeClr val="tx1"/>
+            </a:solidFill>
+          </a:ln>
+        </p:spPr>
+        <p:style>
+          <a:lnRef idx="2">
+            <a:schemeClr val="accent1">
+              <a:shade val="50000"/>
+            </a:schemeClr>
+          </a:lnRef>
+          <a:fillRef idx="1">
+            <a:schemeClr val="accent1"/>
+          </a:fillRef>
+          <a:effectRef idx="0">
+            <a:schemeClr val="accent1"/>
+          </a:effectRef>
+          <a:fontRef idx="minor">
+            <a:schemeClr val="lt1"/>
+          </a:fontRef>
+        </p:style>
+        <p:txBody>
+          <a:bodyPr rtlCol="0" anchor="ctr"/>
+          <a:lstStyle/>
+          <a:p>
+            <a:pPr algn="ctr"/>
+            <a:r>
+              <a:rPr lang="en-US" b="1" dirty="0">
+                <a:solidFill>
+                  <a:schemeClr val="tx1"/>
+                </a:solidFill>
+              </a:rPr>
+              <a:t>entranceArea</a:t>
+            </a:r>
+          </a:p>
+        </p:txBody>
+      </p:sp>
+      <p:sp>
+        <p:nvSpPr>
+          <p:cNvPr id="8" name="Rectangle 7">
+            <a:extLst>
+              <a:ext uri="{FF2B5EF4-FFF2-40B4-BE49-F238E27FC236}">
+                <a16:creationId xmlns:a16="http://schemas.microsoft.com/office/drawing/2014/main" id="{4E3D67F5-27D3-4ACD-A6BA-A59253B4D0AE}"/>
+              </a:ext>
+            </a:extLst>
+          </p:cNvPr>
+          <p:cNvSpPr/>
+          <p:nvPr/>
+        </p:nvSpPr>
+        <p:spPr>
+          <a:xfrm>
+            <a:off x="9999139" y="913989"/>
+            <a:ext cx="1913467" cy="798697"/>
+          </a:xfrm>
+          <a:prstGeom prst="rect">
+            <a:avLst/>
+          </a:prstGeom>
+          <a:noFill/>
+          <a:ln>
+            <a:solidFill>
+              <a:schemeClr val="tx1"/>
+            </a:solidFill>
+          </a:ln>
+        </p:spPr>
+        <p:style>
+          <a:lnRef idx="2">
+            <a:schemeClr val="accent1">
+              <a:shade val="50000"/>
+            </a:schemeClr>
+          </a:lnRef>
+          <a:fillRef idx="1">
+            <a:schemeClr val="accent1"/>
+          </a:fillRef>
+          <a:effectRef idx="0">
+            <a:schemeClr val="accent1"/>
+          </a:effectRef>
+          <a:fontRef idx="minor">
+            <a:schemeClr val="lt1"/>
+          </a:fontRef>
+        </p:style>
+        <p:txBody>
+          <a:bodyPr rtlCol="0" anchor="ctr"/>
+          <a:lstStyle/>
+          <a:p>
+            <a:pPr algn="ctr"/>
+            <a:endParaRPr lang="en-US" dirty="0">
+              <a:solidFill>
+                <a:schemeClr val="tx1"/>
+              </a:solidFill>
+            </a:endParaRPr>
+          </a:p>
+        </p:txBody>
+      </p:sp>
+      <p:sp>
+        <p:nvSpPr>
+          <p:cNvPr id="9" name="Rectangle 8">
+            <a:extLst>
+              <a:ext uri="{FF2B5EF4-FFF2-40B4-BE49-F238E27FC236}">
+                <a16:creationId xmlns:a16="http://schemas.microsoft.com/office/drawing/2014/main" id="{5AC6E276-08BA-4158-85F9-8BDE57206502}"/>
+              </a:ext>
+            </a:extLst>
+          </p:cNvPr>
+          <p:cNvSpPr/>
+          <p:nvPr/>
+        </p:nvSpPr>
+        <p:spPr>
+          <a:xfrm>
+            <a:off x="9999138" y="913990"/>
+            <a:ext cx="1913467" cy="287868"/>
+          </a:xfrm>
+          <a:prstGeom prst="rect">
+            <a:avLst/>
+          </a:prstGeom>
+          <a:noFill/>
+          <a:ln>
+            <a:solidFill>
+              <a:schemeClr val="tx1"/>
+            </a:solidFill>
+          </a:ln>
+        </p:spPr>
+        <p:style>
+          <a:lnRef idx="2">
+            <a:schemeClr val="accent1">
+              <a:shade val="50000"/>
+            </a:schemeClr>
+          </a:lnRef>
+          <a:fillRef idx="1">
+            <a:schemeClr val="accent1"/>
+          </a:fillRef>
+          <a:effectRef idx="0">
+            <a:schemeClr val="accent1"/>
+          </a:effectRef>
+          <a:fontRef idx="minor">
+            <a:schemeClr val="lt1"/>
+          </a:fontRef>
+        </p:style>
+        <p:txBody>
+          <a:bodyPr rtlCol="0" anchor="ctr"/>
+          <a:lstStyle/>
+          <a:p>
+            <a:pPr algn="ctr"/>
+            <a:r>
+              <a:rPr lang="en-US" b="1" dirty="0">
+                <a:solidFill>
+                  <a:schemeClr val="tx1"/>
+                </a:solidFill>
+              </a:rPr>
+              <a:t>exitArea</a:t>
+            </a:r>
+          </a:p>
+        </p:txBody>
+      </p:sp>
+      <p:sp>
+        <p:nvSpPr>
+          <p:cNvPr id="10" name="Rectangle 9">
+            <a:extLst>
+              <a:ext uri="{FF2B5EF4-FFF2-40B4-BE49-F238E27FC236}">
+                <a16:creationId xmlns:a16="http://schemas.microsoft.com/office/drawing/2014/main" id="{B4B264E4-FB6B-435E-9A3C-59CFA958D8C5}"/>
+              </a:ext>
+            </a:extLst>
+          </p:cNvPr>
+          <p:cNvSpPr/>
+          <p:nvPr/>
+        </p:nvSpPr>
+        <p:spPr>
+          <a:xfrm>
+            <a:off x="7213603" y="2226731"/>
+            <a:ext cx="1913467" cy="658857"/>
+          </a:xfrm>
+          <a:prstGeom prst="rect">
+            <a:avLst/>
+          </a:prstGeom>
+          <a:noFill/>
+          <a:ln>
+            <a:solidFill>
+              <a:schemeClr val="tx1"/>
+            </a:solidFill>
+          </a:ln>
+        </p:spPr>
+        <p:style>
+          <a:lnRef idx="2">
+            <a:schemeClr val="accent1">
+              <a:shade val="50000"/>
+            </a:schemeClr>
+          </a:lnRef>
+          <a:fillRef idx="1">
+            <a:schemeClr val="accent1"/>
+          </a:fillRef>
+          <a:effectRef idx="0">
+            <a:schemeClr val="accent1"/>
+          </a:effectRef>
+          <a:fontRef idx="minor">
+            <a:schemeClr val="lt1"/>
+          </a:fontRef>
+        </p:style>
+        <p:txBody>
+          <a:bodyPr rtlCol="0" anchor="ctr"/>
+          <a:lstStyle/>
+          <a:p>
+            <a:pPr algn="ctr"/>
+            <a:endParaRPr lang="en-US" dirty="0">
+              <a:solidFill>
+                <a:schemeClr val="tx1"/>
+              </a:solidFill>
+            </a:endParaRPr>
+          </a:p>
+        </p:txBody>
+      </p:sp>
+      <p:sp>
+        <p:nvSpPr>
+          <p:cNvPr id="11" name="Rectangle 10">
+            <a:extLst>
+              <a:ext uri="{FF2B5EF4-FFF2-40B4-BE49-F238E27FC236}">
+                <a16:creationId xmlns:a16="http://schemas.microsoft.com/office/drawing/2014/main" id="{BCA381D9-BED3-490C-B4EE-B2B8F40D0E69}"/>
+              </a:ext>
+            </a:extLst>
+          </p:cNvPr>
+          <p:cNvSpPr/>
+          <p:nvPr/>
+        </p:nvSpPr>
+        <p:spPr>
+          <a:xfrm>
+            <a:off x="7213602" y="2226732"/>
+            <a:ext cx="1913467" cy="287868"/>
+          </a:xfrm>
+          <a:prstGeom prst="rect">
+            <a:avLst/>
+          </a:prstGeom>
+          <a:noFill/>
+          <a:ln>
+            <a:solidFill>
+              <a:schemeClr val="tx1"/>
+            </a:solidFill>
+          </a:ln>
+        </p:spPr>
+        <p:style>
+          <a:lnRef idx="2">
+            <a:schemeClr val="accent1">
+              <a:shade val="50000"/>
+            </a:schemeClr>
+          </a:lnRef>
+          <a:fillRef idx="1">
+            <a:schemeClr val="accent1"/>
+          </a:fillRef>
+          <a:effectRef idx="0">
+            <a:schemeClr val="accent1"/>
+          </a:effectRef>
+          <a:fontRef idx="minor">
+            <a:schemeClr val="lt1"/>
+          </a:fontRef>
+        </p:style>
+        <p:txBody>
+          <a:bodyPr rtlCol="0" anchor="ctr"/>
+          <a:lstStyle/>
+          <a:p>
+            <a:pPr algn="ctr"/>
+            <a:r>
+              <a:rPr lang="en-US" b="1" dirty="0">
+                <a:solidFill>
+                  <a:schemeClr val="tx1"/>
+                </a:solidFill>
+              </a:rPr>
+              <a:t>passengerSection</a:t>
+            </a:r>
+          </a:p>
+        </p:txBody>
+      </p:sp>
+      <p:sp>
+        <p:nvSpPr>
+          <p:cNvPr id="12" name="Rectangle 11">
+            <a:extLst>
+              <a:ext uri="{FF2B5EF4-FFF2-40B4-BE49-F238E27FC236}">
+                <a16:creationId xmlns:a16="http://schemas.microsoft.com/office/drawing/2014/main" id="{F414A45E-62FA-4BD0-B6F7-F3E6066EDAEE}"/>
+              </a:ext>
+            </a:extLst>
+          </p:cNvPr>
+          <p:cNvSpPr/>
+          <p:nvPr/>
+        </p:nvSpPr>
+        <p:spPr>
+          <a:xfrm>
+            <a:off x="5452535" y="4389965"/>
+            <a:ext cx="2226736" cy="706966"/>
+          </a:xfrm>
+          <a:prstGeom prst="rect">
+            <a:avLst/>
+          </a:prstGeom>
+          <a:noFill/>
+          <a:ln>
+            <a:solidFill>
+              <a:schemeClr val="tx1"/>
+            </a:solidFill>
+          </a:ln>
+        </p:spPr>
+        <p:style>
+          <a:lnRef idx="2">
+            <a:schemeClr val="accent1">
+              <a:shade val="50000"/>
+            </a:schemeClr>
+          </a:lnRef>
+          <a:fillRef idx="1">
+            <a:schemeClr val="accent1"/>
+          </a:fillRef>
+          <a:effectRef idx="0">
+            <a:schemeClr val="accent1"/>
+          </a:effectRef>
+          <a:fontRef idx="minor">
+            <a:schemeClr val="lt1"/>
+          </a:fontRef>
+        </p:style>
+        <p:txBody>
+          <a:bodyPr rtlCol="0" anchor="ctr"/>
+          <a:lstStyle/>
+          <a:p>
+            <a:pPr algn="ctr"/>
+            <a:endParaRPr lang="en-US" dirty="0">
+              <a:solidFill>
+                <a:schemeClr val="tx1"/>
+              </a:solidFill>
+            </a:endParaRPr>
+          </a:p>
+        </p:txBody>
+      </p:sp>
+      <p:sp>
+        <p:nvSpPr>
+          <p:cNvPr id="13" name="Rectangle 12">
+            <a:extLst>
+              <a:ext uri="{FF2B5EF4-FFF2-40B4-BE49-F238E27FC236}">
+                <a16:creationId xmlns:a16="http://schemas.microsoft.com/office/drawing/2014/main" id="{6644493C-ED9F-4133-B74D-D22557B53216}"/>
+              </a:ext>
+            </a:extLst>
+          </p:cNvPr>
+          <p:cNvSpPr/>
+          <p:nvPr/>
+        </p:nvSpPr>
+        <p:spPr>
+          <a:xfrm>
+            <a:off x="5452534" y="4389965"/>
+            <a:ext cx="2226736" cy="275168"/>
+          </a:xfrm>
+          <a:prstGeom prst="rect">
+            <a:avLst/>
+          </a:prstGeom>
+          <a:noFill/>
+          <a:ln>
+            <a:solidFill>
+              <a:schemeClr val="tx1"/>
+            </a:solidFill>
+          </a:ln>
+        </p:spPr>
+        <p:style>
+          <a:lnRef idx="2">
+            <a:schemeClr val="accent1">
+              <a:shade val="50000"/>
+            </a:schemeClr>
+          </a:lnRef>
+          <a:fillRef idx="1">
+            <a:schemeClr val="accent1"/>
+          </a:fillRef>
+          <a:effectRef idx="0">
+            <a:schemeClr val="accent1"/>
+          </a:effectRef>
+          <a:fontRef idx="minor">
+            <a:schemeClr val="lt1"/>
+          </a:fontRef>
+        </p:style>
+        <p:txBody>
+          <a:bodyPr rtlCol="0" anchor="ctr"/>
+          <a:lstStyle/>
+          <a:p>
+            <a:pPr algn="ctr"/>
+            <a:r>
+              <a:rPr lang="en-US" b="1" dirty="0">
+                <a:solidFill>
+                  <a:schemeClr val="tx1"/>
+                </a:solidFill>
+              </a:rPr>
+              <a:t>passiveRideSection</a:t>
+            </a:r>
+          </a:p>
+        </p:txBody>
+      </p:sp>
+      <p:sp>
+        <p:nvSpPr>
+          <p:cNvPr id="14" name="Rectangle 13">
+            <a:extLst>
+              <a:ext uri="{FF2B5EF4-FFF2-40B4-BE49-F238E27FC236}">
+                <a16:creationId xmlns:a16="http://schemas.microsoft.com/office/drawing/2014/main" id="{A7824828-8129-4453-8D27-EE184CEB6F4C}"/>
+              </a:ext>
+            </a:extLst>
+          </p:cNvPr>
+          <p:cNvSpPr/>
+          <p:nvPr/>
+        </p:nvSpPr>
+        <p:spPr>
+          <a:xfrm>
+            <a:off x="8729138" y="4389965"/>
+            <a:ext cx="2226736" cy="706966"/>
+          </a:xfrm>
+          <a:prstGeom prst="rect">
+            <a:avLst/>
+          </a:prstGeom>
+          <a:noFill/>
+          <a:ln>
+            <a:solidFill>
+              <a:schemeClr val="tx1"/>
+            </a:solidFill>
+          </a:ln>
+        </p:spPr>
+        <p:style>
+          <a:lnRef idx="2">
+            <a:schemeClr val="accent1">
+              <a:shade val="50000"/>
+            </a:schemeClr>
+          </a:lnRef>
+          <a:fillRef idx="1">
+            <a:schemeClr val="accent1"/>
+          </a:fillRef>
+          <a:effectRef idx="0">
+            <a:schemeClr val="accent1"/>
+          </a:effectRef>
+          <a:fontRef idx="minor">
+            <a:schemeClr val="lt1"/>
+          </a:fontRef>
+        </p:style>
+        <p:txBody>
+          <a:bodyPr rtlCol="0" anchor="ctr"/>
+          <a:lstStyle/>
+          <a:p>
+            <a:pPr algn="ctr"/>
+            <a:endParaRPr lang="en-US" dirty="0"/>
+          </a:p>
+        </p:txBody>
+      </p:sp>
+      <p:sp>
+        <p:nvSpPr>
+          <p:cNvPr id="15" name="Rectangle 14">
+            <a:extLst>
+              <a:ext uri="{FF2B5EF4-FFF2-40B4-BE49-F238E27FC236}">
+                <a16:creationId xmlns:a16="http://schemas.microsoft.com/office/drawing/2014/main" id="{86106C70-6BB3-420F-B107-699285BFE536}"/>
+              </a:ext>
+            </a:extLst>
+          </p:cNvPr>
+          <p:cNvSpPr/>
+          <p:nvPr/>
+        </p:nvSpPr>
+        <p:spPr>
+          <a:xfrm>
+            <a:off x="8729137" y="4389965"/>
+            <a:ext cx="2226736" cy="275168"/>
+          </a:xfrm>
+          <a:prstGeom prst="rect">
+            <a:avLst/>
+          </a:prstGeom>
+          <a:noFill/>
+          <a:ln>
+            <a:solidFill>
+              <a:schemeClr val="tx1"/>
+            </a:solidFill>
+          </a:ln>
+        </p:spPr>
+        <p:style>
+          <a:lnRef idx="2">
+            <a:schemeClr val="accent1">
+              <a:shade val="50000"/>
+            </a:schemeClr>
+          </a:lnRef>
+          <a:fillRef idx="1">
+            <a:schemeClr val="accent1"/>
+          </a:fillRef>
+          <a:effectRef idx="0">
+            <a:schemeClr val="accent1"/>
+          </a:effectRef>
+          <a:fontRef idx="minor">
+            <a:schemeClr val="lt1"/>
+          </a:fontRef>
+        </p:style>
+        <p:txBody>
+          <a:bodyPr rtlCol="0" anchor="ctr"/>
+          <a:lstStyle/>
+          <a:p>
+            <a:pPr algn="ctr"/>
+            <a:r>
+              <a:rPr lang="en-US" b="1" dirty="0">
+                <a:solidFill>
+                  <a:schemeClr val="tx1"/>
+                </a:solidFill>
+              </a:rPr>
+              <a:t>activeRideSection</a:t>
+            </a:r>
+          </a:p>
+        </p:txBody>
+      </p:sp>
+      <p:sp>
+        <p:nvSpPr>
+          <p:cNvPr id="16" name="Rectangle 15">
+            <a:extLst>
+              <a:ext uri="{FF2B5EF4-FFF2-40B4-BE49-F238E27FC236}">
+                <a16:creationId xmlns:a16="http://schemas.microsoft.com/office/drawing/2014/main" id="{D5A026FC-E071-4F77-A5A8-6490C0544112}"/>
+              </a:ext>
+            </a:extLst>
+          </p:cNvPr>
+          <p:cNvSpPr/>
+          <p:nvPr/>
+        </p:nvSpPr>
+        <p:spPr>
+          <a:xfrm>
+            <a:off x="1930403" y="397931"/>
+            <a:ext cx="1913467" cy="1532467"/>
+          </a:xfrm>
+          <a:prstGeom prst="rect">
+            <a:avLst/>
+          </a:prstGeom>
+          <a:noFill/>
+          <a:ln>
+            <a:solidFill>
+              <a:schemeClr val="tx1"/>
+            </a:solidFill>
+          </a:ln>
+        </p:spPr>
+        <p:style>
+          <a:lnRef idx="2">
+            <a:schemeClr val="accent1">
+              <a:shade val="50000"/>
+            </a:schemeClr>
+          </a:lnRef>
+          <a:fillRef idx="1">
+            <a:schemeClr val="accent1"/>
+          </a:fillRef>
+          <a:effectRef idx="0">
+            <a:schemeClr val="accent1"/>
+          </a:effectRef>
+          <a:fontRef idx="minor">
+            <a:schemeClr val="lt1"/>
+          </a:fontRef>
+        </p:style>
+        <p:txBody>
+          <a:bodyPr rtlCol="0" anchor="ctr"/>
+          <a:lstStyle/>
+          <a:p>
+            <a:pPr algn="ctr"/>
+            <a:endParaRPr lang="en-US" dirty="0"/>
+          </a:p>
+        </p:txBody>
+      </p:sp>
+      <p:sp>
+        <p:nvSpPr>
+          <p:cNvPr id="17" name="Rectangle 16">
+            <a:extLst>
+              <a:ext uri="{FF2B5EF4-FFF2-40B4-BE49-F238E27FC236}">
+                <a16:creationId xmlns:a16="http://schemas.microsoft.com/office/drawing/2014/main" id="{E455359F-36E2-48C3-92F7-D51CC4239CF3}"/>
+              </a:ext>
+            </a:extLst>
+          </p:cNvPr>
+          <p:cNvSpPr/>
+          <p:nvPr/>
+        </p:nvSpPr>
+        <p:spPr>
+          <a:xfrm>
+            <a:off x="1930402" y="397932"/>
+            <a:ext cx="1913467" cy="270935"/>
+          </a:xfrm>
+          <a:prstGeom prst="rect">
+            <a:avLst/>
+          </a:prstGeom>
+          <a:noFill/>
+          <a:ln>
+            <a:solidFill>
+              <a:schemeClr val="tx1"/>
+            </a:solidFill>
+          </a:ln>
+        </p:spPr>
+        <p:style>
+          <a:lnRef idx="2">
+            <a:schemeClr val="accent1">
+              <a:shade val="50000"/>
+            </a:schemeClr>
+          </a:lnRef>
+          <a:fillRef idx="1">
+            <a:schemeClr val="accent1"/>
+          </a:fillRef>
+          <a:effectRef idx="0">
+            <a:schemeClr val="accent1"/>
+          </a:effectRef>
+          <a:fontRef idx="minor">
+            <a:schemeClr val="lt1"/>
+          </a:fontRef>
+        </p:style>
+        <p:txBody>
+          <a:bodyPr rtlCol="0" anchor="ctr"/>
+          <a:lstStyle/>
+          <a:p>
+            <a:pPr algn="ctr"/>
+            <a:r>
+              <a:rPr lang="en-US" b="1" dirty="0">
+                <a:solidFill>
+                  <a:schemeClr val="tx1"/>
+                </a:solidFill>
+              </a:rPr>
+              <a:t>Passengers</a:t>
+            </a:r>
+          </a:p>
+        </p:txBody>
+      </p:sp>
+      <p:sp>
+        <p:nvSpPr>
+          <p:cNvPr id="18" name="Rectangle 17">
+            <a:extLst>
+              <a:ext uri="{FF2B5EF4-FFF2-40B4-BE49-F238E27FC236}">
+                <a16:creationId xmlns:a16="http://schemas.microsoft.com/office/drawing/2014/main" id="{B73E63E4-5763-44F0-AB11-766DE6E2E805}"/>
+              </a:ext>
+            </a:extLst>
+          </p:cNvPr>
+          <p:cNvSpPr/>
+          <p:nvPr/>
+        </p:nvSpPr>
+        <p:spPr>
+          <a:xfrm>
+            <a:off x="701965" y="3395136"/>
+            <a:ext cx="2007370" cy="863903"/>
+          </a:xfrm>
+          <a:prstGeom prst="rect">
+            <a:avLst/>
+          </a:prstGeom>
+          <a:noFill/>
+          <a:ln>
+            <a:solidFill>
+              <a:schemeClr val="tx1"/>
+            </a:solidFill>
+          </a:ln>
+        </p:spPr>
+        <p:style>
+          <a:lnRef idx="2">
+            <a:schemeClr val="accent1">
+              <a:shade val="50000"/>
+            </a:schemeClr>
+          </a:lnRef>
+          <a:fillRef idx="1">
+            <a:schemeClr val="accent1"/>
+          </a:fillRef>
+          <a:effectRef idx="0">
+            <a:schemeClr val="accent1"/>
+          </a:effectRef>
+          <a:fontRef idx="minor">
+            <a:schemeClr val="lt1"/>
+          </a:fontRef>
+        </p:style>
+        <p:txBody>
+          <a:bodyPr rtlCol="0" anchor="ctr"/>
+          <a:lstStyle/>
+          <a:p>
+            <a:pPr algn="ctr"/>
+            <a:endParaRPr lang="en-US" dirty="0">
+              <a:solidFill>
+                <a:schemeClr val="tx1"/>
+              </a:solidFill>
+            </a:endParaRPr>
+          </a:p>
+        </p:txBody>
+      </p:sp>
+      <p:sp>
+        <p:nvSpPr>
+          <p:cNvPr id="19" name="Rectangle 18">
+            <a:extLst>
+              <a:ext uri="{FF2B5EF4-FFF2-40B4-BE49-F238E27FC236}">
+                <a16:creationId xmlns:a16="http://schemas.microsoft.com/office/drawing/2014/main" id="{0E62F4EC-DFB9-41EC-BFFC-3CE11E0CFF6F}"/>
+              </a:ext>
+            </a:extLst>
+          </p:cNvPr>
+          <p:cNvSpPr/>
+          <p:nvPr/>
+        </p:nvSpPr>
+        <p:spPr>
+          <a:xfrm>
+            <a:off x="701964" y="3395137"/>
+            <a:ext cx="2007370" cy="279396"/>
+          </a:xfrm>
+          <a:prstGeom prst="rect">
+            <a:avLst/>
+          </a:prstGeom>
+          <a:noFill/>
+          <a:ln>
+            <a:solidFill>
+              <a:schemeClr val="tx1"/>
+            </a:solidFill>
+          </a:ln>
+        </p:spPr>
+        <p:style>
+          <a:lnRef idx="2">
+            <a:schemeClr val="accent1">
+              <a:shade val="50000"/>
+            </a:schemeClr>
+          </a:lnRef>
+          <a:fillRef idx="1">
+            <a:schemeClr val="accent1"/>
+          </a:fillRef>
+          <a:effectRef idx="0">
+            <a:schemeClr val="accent1"/>
+          </a:effectRef>
+          <a:fontRef idx="minor">
+            <a:schemeClr val="lt1"/>
+          </a:fontRef>
+        </p:style>
+        <p:txBody>
+          <a:bodyPr rtlCol="0" anchor="ctr"/>
+          <a:lstStyle/>
+          <a:p>
+            <a:pPr algn="ctr"/>
+            <a:r>
+              <a:rPr lang="en-US" b="1" dirty="0">
+                <a:solidFill>
+                  <a:schemeClr val="tx1"/>
+                </a:solidFill>
+              </a:rPr>
+              <a:t>activePassengers</a:t>
+            </a:r>
+          </a:p>
+        </p:txBody>
+      </p:sp>
+      <p:sp>
+        <p:nvSpPr>
+          <p:cNvPr id="20" name="Rectangle 19">
+            <a:extLst>
+              <a:ext uri="{FF2B5EF4-FFF2-40B4-BE49-F238E27FC236}">
+                <a16:creationId xmlns:a16="http://schemas.microsoft.com/office/drawing/2014/main" id="{838B106F-F7C3-4F89-92CA-A4ECAB125A65}"/>
+              </a:ext>
+            </a:extLst>
+          </p:cNvPr>
+          <p:cNvSpPr/>
+          <p:nvPr/>
+        </p:nvSpPr>
+        <p:spPr>
+          <a:xfrm>
+            <a:off x="2993738" y="4235444"/>
+            <a:ext cx="2110509" cy="863903"/>
+          </a:xfrm>
+          <a:prstGeom prst="rect">
+            <a:avLst/>
+          </a:prstGeom>
+          <a:noFill/>
+          <a:ln>
+            <a:solidFill>
+              <a:schemeClr val="tx1"/>
+            </a:solidFill>
+          </a:ln>
+        </p:spPr>
+        <p:style>
+          <a:lnRef idx="2">
+            <a:schemeClr val="accent1">
+              <a:shade val="50000"/>
+            </a:schemeClr>
+          </a:lnRef>
+          <a:fillRef idx="1">
+            <a:schemeClr val="accent1"/>
+          </a:fillRef>
+          <a:effectRef idx="0">
+            <a:schemeClr val="accent1"/>
+          </a:effectRef>
+          <a:fontRef idx="minor">
+            <a:schemeClr val="lt1"/>
+          </a:fontRef>
+        </p:style>
+        <p:txBody>
+          <a:bodyPr rtlCol="0" anchor="ctr"/>
+          <a:lstStyle/>
+          <a:p>
+            <a:pPr algn="ctr"/>
+            <a:endParaRPr lang="en-US" dirty="0">
+              <a:solidFill>
+                <a:schemeClr val="tx1"/>
+              </a:solidFill>
+            </a:endParaRPr>
+          </a:p>
+        </p:txBody>
+      </p:sp>
+      <p:sp>
+        <p:nvSpPr>
+          <p:cNvPr id="21" name="Rectangle 20">
+            <a:extLst>
+              <a:ext uri="{FF2B5EF4-FFF2-40B4-BE49-F238E27FC236}">
+                <a16:creationId xmlns:a16="http://schemas.microsoft.com/office/drawing/2014/main" id="{2FD74B04-B0CE-438E-B4F7-8FBABAD622AE}"/>
+              </a:ext>
+            </a:extLst>
+          </p:cNvPr>
+          <p:cNvSpPr/>
+          <p:nvPr/>
+        </p:nvSpPr>
+        <p:spPr>
+          <a:xfrm>
+            <a:off x="2993737" y="4235445"/>
+            <a:ext cx="2110509" cy="279402"/>
+          </a:xfrm>
+          <a:prstGeom prst="rect">
+            <a:avLst/>
+          </a:prstGeom>
+          <a:noFill/>
+          <a:ln>
+            <a:solidFill>
+              <a:schemeClr val="tx1"/>
+            </a:solidFill>
+          </a:ln>
+        </p:spPr>
+        <p:style>
+          <a:lnRef idx="2">
+            <a:schemeClr val="accent1">
+              <a:shade val="50000"/>
+            </a:schemeClr>
+          </a:lnRef>
+          <a:fillRef idx="1">
+            <a:schemeClr val="accent1"/>
+          </a:fillRef>
+          <a:effectRef idx="0">
+            <a:schemeClr val="accent1"/>
+          </a:effectRef>
+          <a:fontRef idx="minor">
+            <a:schemeClr val="lt1"/>
+          </a:fontRef>
+        </p:style>
+        <p:txBody>
+          <a:bodyPr rtlCol="0" anchor="ctr"/>
+          <a:lstStyle/>
+          <a:p>
+            <a:pPr algn="ctr"/>
+            <a:r>
+              <a:rPr lang="en-US" b="1" dirty="0">
+                <a:solidFill>
+                  <a:schemeClr val="tx1"/>
+                </a:solidFill>
+              </a:rPr>
+              <a:t>passivePassengers</a:t>
+            </a:r>
+          </a:p>
+        </p:txBody>
+      </p:sp>
+      <p:cxnSp>
+        <p:nvCxnSpPr>
+          <p:cNvPr id="23" name="Connector: Elbow 22">
+            <a:extLst>
+              <a:ext uri="{FF2B5EF4-FFF2-40B4-BE49-F238E27FC236}">
+                <a16:creationId xmlns:a16="http://schemas.microsoft.com/office/drawing/2014/main" id="{DED9B4C6-1475-4437-A094-3553D37640E3}"/>
+              </a:ext>
+            </a:extLst>
+          </p:cNvPr>
+          <p:cNvCxnSpPr>
+            <a:cxnSpLocks/>
+            <a:stCxn id="19" idx="0"/>
+          </p:cNvCxnSpPr>
+          <p:nvPr/>
+        </p:nvCxnSpPr>
+        <p:spPr>
+          <a:xfrm rot="5400000" flipH="1" flipV="1">
+            <a:off x="1474064" y="2159868"/>
+            <a:ext cx="1466854" cy="1003684"/>
+          </a:xfrm>
+          <a:prstGeom prst="bentConnector3">
+            <a:avLst/>
+          </a:prstGeom>
+          <a:ln>
+            <a:tailEnd type="triangle"/>
+          </a:ln>
+        </p:spPr>
+        <p:style>
+          <a:lnRef idx="1">
+            <a:schemeClr val="dk1"/>
+          </a:lnRef>
+          <a:fillRef idx="0">
+            <a:schemeClr val="dk1"/>
+          </a:fillRef>
+          <a:effectRef idx="0">
+            <a:schemeClr val="dk1"/>
+          </a:effectRef>
+          <a:fontRef idx="minor">
+            <a:schemeClr val="tx1"/>
+          </a:fontRef>
+        </p:style>
+      </p:cxnSp>
+      <p:cxnSp>
+        <p:nvCxnSpPr>
+          <p:cNvPr id="25" name="Connector: Elbow 24">
+            <a:extLst>
+              <a:ext uri="{FF2B5EF4-FFF2-40B4-BE49-F238E27FC236}">
+                <a16:creationId xmlns:a16="http://schemas.microsoft.com/office/drawing/2014/main" id="{056EE83C-447F-4C9E-BEC8-2C954D08A8AE}"/>
+              </a:ext>
+            </a:extLst>
+          </p:cNvPr>
+          <p:cNvCxnSpPr>
+            <a:cxnSpLocks/>
+            <a:stCxn id="21" idx="0"/>
+            <a:endCxn id="16" idx="2"/>
+          </p:cNvCxnSpPr>
+          <p:nvPr/>
+        </p:nvCxnSpPr>
+        <p:spPr>
+          <a:xfrm rot="16200000" flipV="1">
+            <a:off x="2315542" y="2501994"/>
+            <a:ext cx="2305047" cy="1161855"/>
+          </a:xfrm>
+          <a:prstGeom prst="bentConnector3">
+            <a:avLst/>
+          </a:prstGeom>
+          <a:ln>
+            <a:tailEnd type="triangle"/>
+          </a:ln>
+        </p:spPr>
+        <p:style>
+          <a:lnRef idx="1">
+            <a:schemeClr val="dk1"/>
+          </a:lnRef>
+          <a:fillRef idx="0">
+            <a:schemeClr val="dk1"/>
+          </a:fillRef>
+          <a:effectRef idx="0">
+            <a:schemeClr val="dk1"/>
+          </a:effectRef>
+          <a:fontRef idx="minor">
+            <a:schemeClr val="tx1"/>
+          </a:fontRef>
+        </p:style>
+      </p:cxnSp>
+      <p:cxnSp>
+        <p:nvCxnSpPr>
+          <p:cNvPr id="27" name="Connector: Elbow 26">
+            <a:extLst>
+              <a:ext uri="{FF2B5EF4-FFF2-40B4-BE49-F238E27FC236}">
+                <a16:creationId xmlns:a16="http://schemas.microsoft.com/office/drawing/2014/main" id="{DE275337-63C7-4EF2-A586-011E0C6AB03F}"/>
+              </a:ext>
+            </a:extLst>
+          </p:cNvPr>
+          <p:cNvCxnSpPr>
+            <a:stCxn id="7" idx="0"/>
+            <a:endCxn id="16" idx="3"/>
+          </p:cNvCxnSpPr>
+          <p:nvPr/>
+        </p:nvCxnSpPr>
+        <p:spPr>
+          <a:xfrm rot="16200000" flipV="1">
+            <a:off x="4401134" y="606902"/>
+            <a:ext cx="437179" cy="1551706"/>
+          </a:xfrm>
+          <a:prstGeom prst="bentConnector2">
+            <a:avLst/>
+          </a:prstGeom>
+          <a:ln>
+            <a:headEnd type="none"/>
+            <a:tailEnd type="diamond"/>
+          </a:ln>
+        </p:spPr>
+        <p:style>
+          <a:lnRef idx="1">
+            <a:schemeClr val="dk1"/>
+          </a:lnRef>
+          <a:fillRef idx="0">
+            <a:schemeClr val="dk1"/>
+          </a:fillRef>
+          <a:effectRef idx="0">
+            <a:schemeClr val="dk1"/>
+          </a:effectRef>
+          <a:fontRef idx="minor">
+            <a:schemeClr val="tx1"/>
+          </a:fontRef>
+        </p:style>
+      </p:cxnSp>
+      <p:cxnSp>
+        <p:nvCxnSpPr>
+          <p:cNvPr id="29" name="Connector: Elbow 28">
+            <a:extLst>
+              <a:ext uri="{FF2B5EF4-FFF2-40B4-BE49-F238E27FC236}">
+                <a16:creationId xmlns:a16="http://schemas.microsoft.com/office/drawing/2014/main" id="{C372A251-0EC2-4253-9391-AE31CD88FE75}"/>
+              </a:ext>
+            </a:extLst>
+          </p:cNvPr>
+          <p:cNvCxnSpPr>
+            <a:cxnSpLocks/>
+            <a:stCxn id="9" idx="0"/>
+          </p:cNvCxnSpPr>
+          <p:nvPr/>
+        </p:nvCxnSpPr>
+        <p:spPr>
+          <a:xfrm rot="16200000" flipH="1" flipV="1">
+            <a:off x="7348295" y="-2590436"/>
+            <a:ext cx="103152" cy="7112003"/>
+          </a:xfrm>
+          <a:prstGeom prst="bentConnector4">
+            <a:avLst>
+              <a:gd name="adj1" fmla="val -642459"/>
+              <a:gd name="adj2" fmla="val 56726"/>
+            </a:avLst>
+          </a:prstGeom>
+          <a:ln>
+            <a:tailEnd type="diamond"/>
+          </a:ln>
+        </p:spPr>
+        <p:style>
+          <a:lnRef idx="1">
+            <a:schemeClr val="dk1"/>
+          </a:lnRef>
+          <a:fillRef idx="0">
+            <a:schemeClr val="dk1"/>
+          </a:fillRef>
+          <a:effectRef idx="0">
+            <a:schemeClr val="dk1"/>
+          </a:effectRef>
+          <a:fontRef idx="minor">
+            <a:schemeClr val="tx1"/>
+          </a:fontRef>
+        </p:style>
+      </p:cxnSp>
+      <p:cxnSp>
+        <p:nvCxnSpPr>
+          <p:cNvPr id="33" name="Connector: Elbow 32">
+            <a:extLst>
+              <a:ext uri="{FF2B5EF4-FFF2-40B4-BE49-F238E27FC236}">
+                <a16:creationId xmlns:a16="http://schemas.microsoft.com/office/drawing/2014/main" id="{E26C3D2A-ECF8-4077-A112-18D559692D86}"/>
+              </a:ext>
+            </a:extLst>
+          </p:cNvPr>
+          <p:cNvCxnSpPr>
+            <a:cxnSpLocks/>
+            <a:stCxn id="4" idx="3"/>
+            <a:endCxn id="8" idx="1"/>
+          </p:cNvCxnSpPr>
+          <p:nvPr/>
+        </p:nvCxnSpPr>
+        <p:spPr>
+          <a:xfrm>
+            <a:off x="9127070" y="1164165"/>
+            <a:ext cx="872069" cy="149173"/>
+          </a:xfrm>
+          <a:prstGeom prst="bentConnector3">
+            <a:avLst/>
+          </a:prstGeom>
+          <a:ln>
+            <a:headEnd type="diamond"/>
+            <a:tailEnd type="none"/>
+          </a:ln>
+        </p:spPr>
+        <p:style>
+          <a:lnRef idx="1">
+            <a:schemeClr val="dk1"/>
+          </a:lnRef>
+          <a:fillRef idx="0">
+            <a:schemeClr val="dk1"/>
+          </a:fillRef>
+          <a:effectRef idx="0">
+            <a:schemeClr val="dk1"/>
+          </a:effectRef>
+          <a:fontRef idx="minor">
+            <a:schemeClr val="tx1"/>
+          </a:fontRef>
+        </p:style>
+      </p:cxnSp>
+      <p:cxnSp>
+        <p:nvCxnSpPr>
+          <p:cNvPr id="35" name="Connector: Elbow 34">
+            <a:extLst>
+              <a:ext uri="{FF2B5EF4-FFF2-40B4-BE49-F238E27FC236}">
+                <a16:creationId xmlns:a16="http://schemas.microsoft.com/office/drawing/2014/main" id="{BC06C4F4-976E-45BB-B02E-17950C5DAC94}"/>
+              </a:ext>
+            </a:extLst>
+          </p:cNvPr>
+          <p:cNvCxnSpPr>
+            <a:stCxn id="4" idx="2"/>
+            <a:endCxn id="11" idx="0"/>
+          </p:cNvCxnSpPr>
+          <p:nvPr/>
+        </p:nvCxnSpPr>
+        <p:spPr>
+          <a:xfrm rot="5400000">
+            <a:off x="8022170" y="2078565"/>
+            <a:ext cx="296334" cy="1"/>
+          </a:xfrm>
+          <a:prstGeom prst="bentConnector3">
+            <a:avLst/>
+          </a:prstGeom>
+          <a:ln>
+            <a:headEnd type="diamond"/>
+            <a:tailEnd type="none"/>
+          </a:ln>
+        </p:spPr>
+        <p:style>
+          <a:lnRef idx="1">
+            <a:schemeClr val="dk1"/>
+          </a:lnRef>
+          <a:fillRef idx="0">
+            <a:schemeClr val="dk1"/>
+          </a:fillRef>
+          <a:effectRef idx="0">
+            <a:schemeClr val="dk1"/>
+          </a:effectRef>
+          <a:fontRef idx="minor">
+            <a:schemeClr val="tx1"/>
+          </a:fontRef>
+        </p:style>
+      </p:cxnSp>
+      <p:cxnSp>
+        <p:nvCxnSpPr>
+          <p:cNvPr id="37" name="Connector: Elbow 36">
+            <a:extLst>
+              <a:ext uri="{FF2B5EF4-FFF2-40B4-BE49-F238E27FC236}">
+                <a16:creationId xmlns:a16="http://schemas.microsoft.com/office/drawing/2014/main" id="{6FA4F132-2588-4B7C-9116-4D5CC2B82B59}"/>
+              </a:ext>
+            </a:extLst>
+          </p:cNvPr>
+          <p:cNvCxnSpPr>
+            <a:cxnSpLocks/>
+            <a:stCxn id="6" idx="3"/>
+            <a:endCxn id="4" idx="1"/>
+          </p:cNvCxnSpPr>
+          <p:nvPr/>
+        </p:nvCxnSpPr>
+        <p:spPr>
+          <a:xfrm flipV="1">
+            <a:off x="6352310" y="1164165"/>
+            <a:ext cx="861293" cy="766607"/>
+          </a:xfrm>
+          <a:prstGeom prst="bentConnector3">
+            <a:avLst/>
+          </a:prstGeom>
+          <a:ln>
+            <a:tailEnd type="diamond"/>
+          </a:ln>
+        </p:spPr>
+        <p:style>
+          <a:lnRef idx="1">
+            <a:schemeClr val="dk1"/>
+          </a:lnRef>
+          <a:fillRef idx="0">
+            <a:schemeClr val="dk1"/>
+          </a:fillRef>
+          <a:effectRef idx="0">
+            <a:schemeClr val="dk1"/>
+          </a:effectRef>
+          <a:fontRef idx="minor">
+            <a:schemeClr val="tx1"/>
+          </a:fontRef>
+        </p:style>
+      </p:cxnSp>
+      <p:cxnSp>
+        <p:nvCxnSpPr>
+          <p:cNvPr id="46" name="Connector: Elbow 45">
+            <a:extLst>
+              <a:ext uri="{FF2B5EF4-FFF2-40B4-BE49-F238E27FC236}">
+                <a16:creationId xmlns:a16="http://schemas.microsoft.com/office/drawing/2014/main" id="{3141268E-CC34-485B-A5DD-C698775FBDA0}"/>
+              </a:ext>
+            </a:extLst>
+          </p:cNvPr>
+          <p:cNvCxnSpPr>
+            <a:cxnSpLocks/>
+          </p:cNvCxnSpPr>
+          <p:nvPr/>
+        </p:nvCxnSpPr>
+        <p:spPr>
+          <a:xfrm rot="10800000">
+            <a:off x="3838483" y="1327724"/>
+            <a:ext cx="3393205" cy="1368907"/>
+          </a:xfrm>
+          <a:prstGeom prst="bentConnector3">
+            <a:avLst>
+              <a:gd name="adj1" fmla="val 86358"/>
+            </a:avLst>
+          </a:prstGeom>
+          <a:ln>
+            <a:tailEnd type="diamond"/>
+          </a:ln>
+        </p:spPr>
+        <p:style>
+          <a:lnRef idx="1">
+            <a:schemeClr val="dk1"/>
+          </a:lnRef>
+          <a:fillRef idx="0">
+            <a:schemeClr val="dk1"/>
+          </a:fillRef>
+          <a:effectRef idx="0">
+            <a:schemeClr val="dk1"/>
+          </a:effectRef>
+          <a:fontRef idx="minor">
+            <a:schemeClr val="tx1"/>
+          </a:fontRef>
+        </p:style>
+      </p:cxnSp>
+      <p:cxnSp>
+        <p:nvCxnSpPr>
+          <p:cNvPr id="63" name="Connector: Elbow 62">
+            <a:extLst>
+              <a:ext uri="{FF2B5EF4-FFF2-40B4-BE49-F238E27FC236}">
+                <a16:creationId xmlns:a16="http://schemas.microsoft.com/office/drawing/2014/main" id="{5059128A-405C-4E57-A235-472542C69F3E}"/>
+              </a:ext>
+            </a:extLst>
+          </p:cNvPr>
+          <p:cNvCxnSpPr>
+            <a:cxnSpLocks/>
+            <a:stCxn id="13" idx="0"/>
+            <a:endCxn id="10" idx="2"/>
+          </p:cNvCxnSpPr>
+          <p:nvPr/>
+        </p:nvCxnSpPr>
+        <p:spPr>
+          <a:xfrm rot="5400000" flipH="1" flipV="1">
+            <a:off x="6615931" y="2835560"/>
+            <a:ext cx="1504377" cy="1604435"/>
+          </a:xfrm>
+          <a:prstGeom prst="bentConnector3">
+            <a:avLst/>
+          </a:prstGeom>
+          <a:ln>
+            <a:tailEnd type="diamond"/>
+          </a:ln>
+        </p:spPr>
+        <p:style>
+          <a:lnRef idx="1">
+            <a:schemeClr val="dk1"/>
+          </a:lnRef>
+          <a:fillRef idx="0">
+            <a:schemeClr val="dk1"/>
+          </a:fillRef>
+          <a:effectRef idx="0">
+            <a:schemeClr val="dk1"/>
+          </a:effectRef>
+          <a:fontRef idx="minor">
+            <a:schemeClr val="tx1"/>
+          </a:fontRef>
+        </p:style>
+      </p:cxnSp>
+      <p:cxnSp>
+        <p:nvCxnSpPr>
+          <p:cNvPr id="65" name="Connector: Elbow 64">
+            <a:extLst>
+              <a:ext uri="{FF2B5EF4-FFF2-40B4-BE49-F238E27FC236}">
+                <a16:creationId xmlns:a16="http://schemas.microsoft.com/office/drawing/2014/main" id="{01E7C287-5E71-4D4C-A87C-9CE6D8C23D5C}"/>
+              </a:ext>
+            </a:extLst>
+          </p:cNvPr>
+          <p:cNvCxnSpPr>
+            <a:cxnSpLocks/>
+            <a:stCxn id="15" idx="0"/>
+            <a:endCxn id="10" idx="2"/>
+          </p:cNvCxnSpPr>
+          <p:nvPr/>
+        </p:nvCxnSpPr>
+        <p:spPr>
+          <a:xfrm rot="16200000" flipV="1">
+            <a:off x="8254233" y="2801693"/>
+            <a:ext cx="1504377" cy="1672168"/>
+          </a:xfrm>
+          <a:prstGeom prst="bentConnector3">
+            <a:avLst/>
+          </a:prstGeom>
+          <a:ln>
+            <a:tailEnd type="diamond"/>
+          </a:ln>
+        </p:spPr>
+        <p:style>
+          <a:lnRef idx="1">
+            <a:schemeClr val="dk1"/>
+          </a:lnRef>
+          <a:fillRef idx="0">
+            <a:schemeClr val="dk1"/>
+          </a:fillRef>
+          <a:effectRef idx="0">
+            <a:schemeClr val="dk1"/>
+          </a:effectRef>
+          <a:fontRef idx="minor">
+            <a:schemeClr val="tx1"/>
+          </a:fontRef>
+        </p:style>
+      </p:cxnSp>
+      <p:pic>
+        <p:nvPicPr>
+          <p:cNvPr id="69" name="Picture 68" descr="A close up of a logo&#10;&#10;Description automatically generated">
+            <a:extLst>
+              <a:ext uri="{FF2B5EF4-FFF2-40B4-BE49-F238E27FC236}">
+                <a16:creationId xmlns:a16="http://schemas.microsoft.com/office/drawing/2014/main" id="{4B980FED-FD6A-4077-BA1F-58CF18135209}"/>
+              </a:ext>
+            </a:extLst>
+          </p:cNvPr>
+          <p:cNvPicPr>
+            <a:picLocks noChangeAspect="1"/>
+          </p:cNvPicPr>
+          <p:nvPr/>
+        </p:nvPicPr>
+        <p:blipFill>
+          <a:blip r:embed="rId2">
+            <a:extLst>
+              <a:ext uri="{28A0092B-C50C-407E-A947-70E740481C1C}">
+                <a14:useLocalDpi xmlns:a14="http://schemas.microsoft.com/office/drawing/2010/main" val="0"/>
+              </a:ext>
+            </a:extLst>
+          </a:blip>
+          <a:stretch>
+            <a:fillRect/>
+          </a:stretch>
+        </p:blipFill>
+        <p:spPr>
+          <a:xfrm>
+            <a:off x="1550515" y="3839935"/>
+            <a:ext cx="321434" cy="321434"/>
+          </a:xfrm>
+          <a:prstGeom prst="rect">
+            <a:avLst/>
+          </a:prstGeom>
+        </p:spPr>
+      </p:pic>
+      <p:pic>
+        <p:nvPicPr>
+          <p:cNvPr id="70" name="Picture 69" descr="A close up of a logo&#10;&#10;Description automatically generated">
+            <a:extLst>
+              <a:ext uri="{FF2B5EF4-FFF2-40B4-BE49-F238E27FC236}">
+                <a16:creationId xmlns:a16="http://schemas.microsoft.com/office/drawing/2014/main" id="{23CAAD0F-24D0-4BD8-BB5D-FB667394BD76}"/>
+              </a:ext>
+            </a:extLst>
+          </p:cNvPr>
+          <p:cNvPicPr>
+            <a:picLocks noChangeAspect="1"/>
+          </p:cNvPicPr>
+          <p:nvPr/>
+        </p:nvPicPr>
+        <p:blipFill>
+          <a:blip r:embed="rId2">
+            <a:extLst>
+              <a:ext uri="{28A0092B-C50C-407E-A947-70E740481C1C}">
+                <a14:useLocalDpi xmlns:a14="http://schemas.microsoft.com/office/drawing/2010/main" val="0"/>
+              </a:ext>
+            </a:extLst>
+          </a:blip>
+          <a:stretch>
+            <a:fillRect/>
+          </a:stretch>
+        </p:blipFill>
+        <p:spPr>
+          <a:xfrm>
+            <a:off x="2728649" y="1016296"/>
+            <a:ext cx="321434" cy="321434"/>
+          </a:xfrm>
+          <a:prstGeom prst="rect">
+            <a:avLst/>
+          </a:prstGeom>
+        </p:spPr>
+      </p:pic>
+      <p:pic>
+        <p:nvPicPr>
+          <p:cNvPr id="71" name="Picture 70" descr="A close up of a logo&#10;&#10;Description automatically generated">
+            <a:extLst>
+              <a:ext uri="{FF2B5EF4-FFF2-40B4-BE49-F238E27FC236}">
+                <a16:creationId xmlns:a16="http://schemas.microsoft.com/office/drawing/2014/main" id="{3A277E56-D514-4FA7-B7DD-15559B8D61A4}"/>
+              </a:ext>
+            </a:extLst>
+          </p:cNvPr>
+          <p:cNvPicPr>
+            <a:picLocks noChangeAspect="1"/>
+          </p:cNvPicPr>
+          <p:nvPr/>
+        </p:nvPicPr>
+        <p:blipFill>
+          <a:blip r:embed="rId2">
+            <a:extLst>
+              <a:ext uri="{28A0092B-C50C-407E-A947-70E740481C1C}">
+                <a14:useLocalDpi xmlns:a14="http://schemas.microsoft.com/office/drawing/2010/main" val="0"/>
+              </a:ext>
+            </a:extLst>
+          </a:blip>
+          <a:stretch>
+            <a:fillRect/>
+          </a:stretch>
+        </p:blipFill>
+        <p:spPr>
+          <a:xfrm>
+            <a:off x="3910167" y="4667397"/>
+            <a:ext cx="321434" cy="321434"/>
+          </a:xfrm>
+          <a:prstGeom prst="rect">
+            <a:avLst/>
+          </a:prstGeom>
+        </p:spPr>
+      </p:pic>
+      <p:sp>
+        <p:nvSpPr>
+          <p:cNvPr id="72" name="Rectangle: Rounded Corners 71">
+            <a:extLst>
+              <a:ext uri="{FF2B5EF4-FFF2-40B4-BE49-F238E27FC236}">
+                <a16:creationId xmlns:a16="http://schemas.microsoft.com/office/drawing/2014/main" id="{CE91F5E8-E12B-4471-BDF3-8E23C98870C4}"/>
+              </a:ext>
+            </a:extLst>
+          </p:cNvPr>
+          <p:cNvSpPr/>
+          <p:nvPr/>
+        </p:nvSpPr>
+        <p:spPr>
+          <a:xfrm>
+            <a:off x="5212169" y="1965214"/>
+            <a:ext cx="457200" cy="228600"/>
+          </a:xfrm>
+          <a:prstGeom prst="roundRect">
+            <a:avLst/>
+          </a:prstGeom>
+          <a:noFill/>
+          <a:ln w="38100"/>
+        </p:spPr>
+        <p:style>
+          <a:lnRef idx="2">
+            <a:schemeClr val="dk1">
+              <a:shade val="50000"/>
+            </a:schemeClr>
+          </a:lnRef>
+          <a:fillRef idx="1">
+            <a:schemeClr val="dk1"/>
+          </a:fillRef>
+          <a:effectRef idx="0">
+            <a:schemeClr val="dk1"/>
+          </a:effectRef>
+          <a:fontRef idx="minor">
+            <a:schemeClr val="lt1"/>
+          </a:fontRef>
+        </p:style>
+        <p:txBody>
+          <a:bodyPr rtlCol="0" anchor="ctr"/>
+          <a:lstStyle/>
+          <a:p>
+            <a:pPr algn="ctr"/>
+            <a:endParaRPr lang="en-US" dirty="0"/>
+          </a:p>
+        </p:txBody>
+      </p:sp>
+      <p:sp>
+        <p:nvSpPr>
+          <p:cNvPr id="73" name="Rectangle: Rounded Corners 72">
+            <a:extLst>
+              <a:ext uri="{FF2B5EF4-FFF2-40B4-BE49-F238E27FC236}">
+                <a16:creationId xmlns:a16="http://schemas.microsoft.com/office/drawing/2014/main" id="{D34ABA7B-7DA9-4918-878D-4D4625B03F4D}"/>
+              </a:ext>
+            </a:extLst>
+          </p:cNvPr>
+          <p:cNvSpPr/>
+          <p:nvPr/>
+        </p:nvSpPr>
+        <p:spPr>
+          <a:xfrm>
+            <a:off x="7947123" y="2582330"/>
+            <a:ext cx="457200" cy="228600"/>
+          </a:xfrm>
+          <a:prstGeom prst="roundRect">
+            <a:avLst/>
+          </a:prstGeom>
+          <a:noFill/>
+          <a:ln w="38100"/>
+        </p:spPr>
+        <p:style>
+          <a:lnRef idx="2">
+            <a:schemeClr val="dk1">
+              <a:shade val="50000"/>
+            </a:schemeClr>
+          </a:lnRef>
+          <a:fillRef idx="1">
+            <a:schemeClr val="dk1"/>
+          </a:fillRef>
+          <a:effectRef idx="0">
+            <a:schemeClr val="dk1"/>
+          </a:effectRef>
+          <a:fontRef idx="minor">
+            <a:schemeClr val="lt1"/>
+          </a:fontRef>
+        </p:style>
+        <p:txBody>
+          <a:bodyPr rtlCol="0" anchor="ctr"/>
+          <a:lstStyle/>
+          <a:p>
+            <a:pPr algn="ctr"/>
+            <a:endParaRPr lang="en-US" dirty="0"/>
+          </a:p>
+        </p:txBody>
+      </p:sp>
+      <p:sp>
+        <p:nvSpPr>
+          <p:cNvPr id="74" name="Rectangle: Rounded Corners 73">
+            <a:extLst>
+              <a:ext uri="{FF2B5EF4-FFF2-40B4-BE49-F238E27FC236}">
+                <a16:creationId xmlns:a16="http://schemas.microsoft.com/office/drawing/2014/main" id="{BC5C17DF-2C75-43FD-9097-4D3FEE0D3D35}"/>
+              </a:ext>
+            </a:extLst>
+          </p:cNvPr>
+          <p:cNvSpPr/>
+          <p:nvPr/>
+        </p:nvSpPr>
+        <p:spPr>
+          <a:xfrm>
+            <a:off x="6337302" y="4773990"/>
+            <a:ext cx="457200" cy="228600"/>
+          </a:xfrm>
+          <a:prstGeom prst="roundRect">
+            <a:avLst/>
+          </a:prstGeom>
+          <a:noFill/>
+          <a:ln w="38100"/>
+        </p:spPr>
+        <p:style>
+          <a:lnRef idx="2">
+            <a:schemeClr val="dk1">
+              <a:shade val="50000"/>
+            </a:schemeClr>
+          </a:lnRef>
+          <a:fillRef idx="1">
+            <a:schemeClr val="dk1"/>
+          </a:fillRef>
+          <a:effectRef idx="0">
+            <a:schemeClr val="dk1"/>
+          </a:effectRef>
+          <a:fontRef idx="minor">
+            <a:schemeClr val="lt1"/>
+          </a:fontRef>
+        </p:style>
+        <p:txBody>
+          <a:bodyPr rtlCol="0" anchor="ctr"/>
+          <a:lstStyle/>
+          <a:p>
+            <a:pPr algn="ctr"/>
+            <a:endParaRPr lang="en-US" dirty="0"/>
+          </a:p>
+        </p:txBody>
+      </p:sp>
+      <p:sp>
+        <p:nvSpPr>
+          <p:cNvPr id="75" name="Rectangle: Rounded Corners 74">
+            <a:extLst>
+              <a:ext uri="{FF2B5EF4-FFF2-40B4-BE49-F238E27FC236}">
+                <a16:creationId xmlns:a16="http://schemas.microsoft.com/office/drawing/2014/main" id="{B1B6ECA4-CE7D-4AB4-9ECC-02EB810AFC5E}"/>
+              </a:ext>
+            </a:extLst>
+          </p:cNvPr>
+          <p:cNvSpPr/>
+          <p:nvPr/>
+        </p:nvSpPr>
+        <p:spPr>
+          <a:xfrm>
+            <a:off x="9613905" y="4771870"/>
+            <a:ext cx="457200" cy="228600"/>
+          </a:xfrm>
+          <a:prstGeom prst="roundRect">
+            <a:avLst/>
+          </a:prstGeom>
+          <a:noFill/>
+          <a:ln w="38100"/>
+        </p:spPr>
+        <p:style>
+          <a:lnRef idx="2">
+            <a:schemeClr val="dk1">
+              <a:shade val="50000"/>
+            </a:schemeClr>
+          </a:lnRef>
+          <a:fillRef idx="1">
+            <a:schemeClr val="dk1"/>
+          </a:fillRef>
+          <a:effectRef idx="0">
+            <a:schemeClr val="dk1"/>
+          </a:effectRef>
+          <a:fontRef idx="minor">
+            <a:schemeClr val="lt1"/>
+          </a:fontRef>
+        </p:style>
+        <p:txBody>
+          <a:bodyPr rtlCol="0" anchor="ctr"/>
+          <a:lstStyle/>
+          <a:p>
+            <a:pPr algn="ctr"/>
+            <a:endParaRPr lang="en-US" dirty="0"/>
+          </a:p>
+        </p:txBody>
+      </p:sp>
+      <p:sp>
+        <p:nvSpPr>
+          <p:cNvPr id="76" name="Rectangle: Rounded Corners 75">
+            <a:extLst>
+              <a:ext uri="{FF2B5EF4-FFF2-40B4-BE49-F238E27FC236}">
+                <a16:creationId xmlns:a16="http://schemas.microsoft.com/office/drawing/2014/main" id="{89803962-B39C-4796-B2E3-D10FAC1F4EC4}"/>
+              </a:ext>
+            </a:extLst>
+          </p:cNvPr>
+          <p:cNvSpPr/>
+          <p:nvPr/>
+        </p:nvSpPr>
+        <p:spPr>
+          <a:xfrm>
+            <a:off x="10727271" y="1344103"/>
+            <a:ext cx="457200" cy="228600"/>
+          </a:xfrm>
+          <a:prstGeom prst="roundRect">
+            <a:avLst/>
+          </a:prstGeom>
+          <a:noFill/>
+          <a:ln w="38100"/>
+        </p:spPr>
+        <p:style>
+          <a:lnRef idx="2">
+            <a:schemeClr val="dk1">
+              <a:shade val="50000"/>
+            </a:schemeClr>
+          </a:lnRef>
+          <a:fillRef idx="1">
+            <a:schemeClr val="dk1"/>
+          </a:fillRef>
+          <a:effectRef idx="0">
+            <a:schemeClr val="dk1"/>
+          </a:effectRef>
+          <a:fontRef idx="minor">
+            <a:schemeClr val="lt1"/>
+          </a:fontRef>
+        </p:style>
+        <p:txBody>
+          <a:bodyPr rtlCol="0" anchor="ctr"/>
+          <a:lstStyle/>
+          <a:p>
+            <a:pPr algn="ctr"/>
+            <a:endParaRPr lang="en-US" dirty="0"/>
+          </a:p>
+        </p:txBody>
+      </p:sp>
+    </p:spTree>
+    <p:extLst>
+      <p:ext uri="{BB962C8B-B14F-4D97-AF65-F5344CB8AC3E}">
+        <p14:creationId xmlns:p14="http://schemas.microsoft.com/office/powerpoint/2010/main" val="2389394514"/>
+      </p:ext>
+    </p:extLst>
+  </p:cSld>
+  <p:clrMapOvr>
+    <a:masterClrMapping/>
+  </p:clrMapOvr>
+</p:sld>
+</file>
+
+<file path=ppt/slides/slide6.xml><?xml version="1.0" encoding="utf-8"?>
+<p:sld xmlns:a="http://schemas.openxmlformats.org/drawingml/2006/main" xmlns:r="http://schemas.openxmlformats.org/officeDocument/2006/relationships" xmlns:p="http://schemas.openxmlformats.org/presentationml/2006/main">
+  <p:cSld>
+    <p:spTree>
+      <p:nvGrpSpPr>
+        <p:cNvPr id="1" name=""/>
+        <p:cNvGrpSpPr/>
+        <p:nvPr/>
+      </p:nvGrpSpPr>
+      <p:grpSpPr>
+        <a:xfrm>
+          <a:off x="0" y="0"/>
+          <a:ext cx="0" cy="0"/>
+          <a:chOff x="0" y="0"/>
+          <a:chExt cx="0" cy="0"/>
+        </a:xfrm>
+      </p:grpSpPr>
+      <p:sp>
+        <p:nvSpPr>
+          <p:cNvPr id="4" name="Rectangle 3">
+            <a:extLst>
+              <a:ext uri="{FF2B5EF4-FFF2-40B4-BE49-F238E27FC236}">
+                <a16:creationId xmlns:a16="http://schemas.microsoft.com/office/drawing/2014/main" id="{3E7B79BF-CFE7-4F60-BA71-048D3ADC9FEB}"/>
+              </a:ext>
+            </a:extLst>
+          </p:cNvPr>
+          <p:cNvSpPr/>
+          <p:nvPr/>
+        </p:nvSpPr>
+        <p:spPr>
+          <a:xfrm>
+            <a:off x="3282649" y="636207"/>
+            <a:ext cx="1913467" cy="287868"/>
+          </a:xfrm>
+          <a:prstGeom prst="rect">
+            <a:avLst/>
+          </a:prstGeom>
+          <a:noFill/>
+          <a:ln>
+            <a:solidFill>
+              <a:schemeClr val="tx1"/>
+            </a:solidFill>
+          </a:ln>
+        </p:spPr>
+        <p:style>
+          <a:lnRef idx="2">
+            <a:schemeClr val="accent1">
+              <a:shade val="50000"/>
+            </a:schemeClr>
+          </a:lnRef>
+          <a:fillRef idx="1">
+            <a:schemeClr val="accent1"/>
+          </a:fillRef>
+          <a:effectRef idx="0">
+            <a:schemeClr val="accent1"/>
+          </a:effectRef>
+          <a:fontRef idx="minor">
+            <a:schemeClr val="lt1"/>
+          </a:fontRef>
+        </p:style>
+        <p:txBody>
+          <a:bodyPr rtlCol="0" anchor="ctr"/>
+          <a:lstStyle/>
+          <a:p>
+            <a:pPr algn="ctr"/>
+            <a:r>
+              <a:rPr lang="en-US" b="1" dirty="0">
+                <a:solidFill>
+                  <a:schemeClr val="tx1"/>
+                </a:solidFill>
+              </a:rPr>
+              <a:t>entranceArea</a:t>
+            </a:r>
+          </a:p>
+        </p:txBody>
+      </p:sp>
+      <p:sp>
+        <p:nvSpPr>
+          <p:cNvPr id="5" name="Rectangle 4">
+            <a:extLst>
+              <a:ext uri="{FF2B5EF4-FFF2-40B4-BE49-F238E27FC236}">
+                <a16:creationId xmlns:a16="http://schemas.microsoft.com/office/drawing/2014/main" id="{E3732578-AFD3-4B1E-AF6C-1740D294282E}"/>
+              </a:ext>
+            </a:extLst>
+          </p:cNvPr>
+          <p:cNvSpPr/>
+          <p:nvPr/>
+        </p:nvSpPr>
+        <p:spPr>
+          <a:xfrm>
+            <a:off x="5791207" y="644673"/>
+            <a:ext cx="1913467" cy="270935"/>
+          </a:xfrm>
+          <a:prstGeom prst="rect">
+            <a:avLst/>
+          </a:prstGeom>
+          <a:noFill/>
+          <a:ln>
+            <a:solidFill>
+              <a:schemeClr val="tx1"/>
+            </a:solidFill>
+          </a:ln>
+        </p:spPr>
+        <p:style>
+          <a:lnRef idx="2">
+            <a:schemeClr val="accent1">
+              <a:shade val="50000"/>
+            </a:schemeClr>
+          </a:lnRef>
+          <a:fillRef idx="1">
+            <a:schemeClr val="accent1"/>
+          </a:fillRef>
+          <a:effectRef idx="0">
+            <a:schemeClr val="accent1"/>
+          </a:effectRef>
+          <a:fontRef idx="minor">
+            <a:schemeClr val="lt1"/>
+          </a:fontRef>
+        </p:style>
+        <p:txBody>
+          <a:bodyPr rtlCol="0" anchor="ctr"/>
+          <a:lstStyle/>
+          <a:p>
+            <a:pPr algn="ctr"/>
+            <a:r>
+              <a:rPr lang="en-US" b="1" dirty="0">
+                <a:solidFill>
+                  <a:schemeClr val="tx1"/>
+                </a:solidFill>
+              </a:rPr>
+              <a:t>Escalator</a:t>
+            </a:r>
+          </a:p>
+        </p:txBody>
+      </p:sp>
+      <p:sp>
+        <p:nvSpPr>
+          <p:cNvPr id="6" name="Rectangle 5">
+            <a:extLst>
+              <a:ext uri="{FF2B5EF4-FFF2-40B4-BE49-F238E27FC236}">
+                <a16:creationId xmlns:a16="http://schemas.microsoft.com/office/drawing/2014/main" id="{8A34EEBD-08B9-45AA-9272-5D88C4C87812}"/>
+              </a:ext>
+            </a:extLst>
+          </p:cNvPr>
+          <p:cNvSpPr/>
+          <p:nvPr/>
+        </p:nvSpPr>
+        <p:spPr>
+          <a:xfrm>
+            <a:off x="774091" y="631366"/>
+            <a:ext cx="1913467" cy="270935"/>
+          </a:xfrm>
+          <a:prstGeom prst="rect">
+            <a:avLst/>
+          </a:prstGeom>
+          <a:noFill/>
+          <a:ln>
+            <a:solidFill>
+              <a:schemeClr val="tx1"/>
+            </a:solidFill>
+          </a:ln>
+        </p:spPr>
+        <p:style>
+          <a:lnRef idx="2">
+            <a:schemeClr val="accent1">
+              <a:shade val="50000"/>
+            </a:schemeClr>
+          </a:lnRef>
+          <a:fillRef idx="1">
+            <a:schemeClr val="accent1"/>
+          </a:fillRef>
+          <a:effectRef idx="0">
+            <a:schemeClr val="accent1"/>
+          </a:effectRef>
+          <a:fontRef idx="minor">
+            <a:schemeClr val="lt1"/>
+          </a:fontRef>
+        </p:style>
+        <p:txBody>
+          <a:bodyPr rtlCol="0" anchor="ctr"/>
+          <a:lstStyle/>
+          <a:p>
+            <a:pPr algn="ctr"/>
+            <a:r>
+              <a:rPr lang="en-US" b="1" dirty="0">
+                <a:solidFill>
+                  <a:schemeClr val="tx1"/>
+                </a:solidFill>
+              </a:rPr>
+              <a:t>Passengers</a:t>
+            </a:r>
+          </a:p>
+        </p:txBody>
+      </p:sp>
+      <p:sp>
+        <p:nvSpPr>
+          <p:cNvPr id="7" name="Rectangle 6">
+            <a:extLst>
+              <a:ext uri="{FF2B5EF4-FFF2-40B4-BE49-F238E27FC236}">
+                <a16:creationId xmlns:a16="http://schemas.microsoft.com/office/drawing/2014/main" id="{C4B08EC9-084F-459E-802B-7EBEBCE67E49}"/>
+              </a:ext>
+            </a:extLst>
+          </p:cNvPr>
+          <p:cNvSpPr/>
+          <p:nvPr/>
+        </p:nvSpPr>
+        <p:spPr>
+          <a:xfrm>
+            <a:off x="8299765" y="627740"/>
+            <a:ext cx="1913467" cy="287868"/>
+          </a:xfrm>
+          <a:prstGeom prst="rect">
+            <a:avLst/>
+          </a:prstGeom>
+          <a:noFill/>
+          <a:ln>
+            <a:solidFill>
+              <a:schemeClr val="tx1"/>
+            </a:solidFill>
+          </a:ln>
+        </p:spPr>
+        <p:style>
+          <a:lnRef idx="2">
+            <a:schemeClr val="accent1">
+              <a:shade val="50000"/>
+            </a:schemeClr>
+          </a:lnRef>
+          <a:fillRef idx="1">
+            <a:schemeClr val="accent1"/>
+          </a:fillRef>
+          <a:effectRef idx="0">
+            <a:schemeClr val="accent1"/>
+          </a:effectRef>
+          <a:fontRef idx="minor">
+            <a:schemeClr val="lt1"/>
+          </a:fontRef>
+        </p:style>
+        <p:txBody>
+          <a:bodyPr rtlCol="0" anchor="ctr"/>
+          <a:lstStyle/>
+          <a:p>
+            <a:pPr algn="ctr"/>
+            <a:r>
+              <a:rPr lang="en-US" b="1" dirty="0">
+                <a:solidFill>
+                  <a:schemeClr val="tx1"/>
+                </a:solidFill>
+              </a:rPr>
+              <a:t>exitArea</a:t>
+            </a:r>
+          </a:p>
+        </p:txBody>
+      </p:sp>
+      <p:sp>
+        <p:nvSpPr>
+          <p:cNvPr id="8" name="Rectangle 7">
+            <a:extLst>
+              <a:ext uri="{FF2B5EF4-FFF2-40B4-BE49-F238E27FC236}">
+                <a16:creationId xmlns:a16="http://schemas.microsoft.com/office/drawing/2014/main" id="{4E2868CC-8F64-476E-8629-DBE207ECB021}"/>
+              </a:ext>
+            </a:extLst>
+          </p:cNvPr>
+          <p:cNvSpPr/>
+          <p:nvPr/>
+        </p:nvSpPr>
+        <p:spPr>
+          <a:xfrm>
+            <a:off x="774091" y="915608"/>
+            <a:ext cx="1913467" cy="2074335"/>
+          </a:xfrm>
+          <a:prstGeom prst="rect">
+            <a:avLst/>
+          </a:prstGeom>
+          <a:noFill/>
+          <a:ln>
+            <a:solidFill>
+              <a:schemeClr val="tx1"/>
+            </a:solidFill>
+          </a:ln>
+        </p:spPr>
+        <p:style>
+          <a:lnRef idx="2">
+            <a:schemeClr val="accent1">
+              <a:shade val="50000"/>
+            </a:schemeClr>
+          </a:lnRef>
+          <a:fillRef idx="1">
+            <a:schemeClr val="accent1"/>
+          </a:fillRef>
+          <a:effectRef idx="0">
+            <a:schemeClr val="accent1"/>
+          </a:effectRef>
+          <a:fontRef idx="minor">
+            <a:schemeClr val="lt1"/>
+          </a:fontRef>
+        </p:style>
+        <p:txBody>
+          <a:bodyPr rtlCol="0" anchor="ctr"/>
+          <a:lstStyle/>
+          <a:p>
+            <a:pPr algn="ctr"/>
+            <a:r>
+              <a:rPr lang="en-US" dirty="0">
+                <a:solidFill>
+                  <a:schemeClr val="tx1"/>
+                </a:solidFill>
+              </a:rPr>
+              <a:t>walkSpeed</a:t>
+            </a:r>
+          </a:p>
+          <a:p>
+            <a:pPr algn="ctr"/>
+            <a:r>
+              <a:rPr lang="en-US" dirty="0">
+                <a:solidFill>
+                  <a:schemeClr val="tx1"/>
+                </a:solidFill>
+              </a:rPr>
+              <a:t>isPassive</a:t>
+            </a:r>
+          </a:p>
+          <a:p>
+            <a:pPr algn="ctr"/>
+            <a:r>
+              <a:rPr lang="en-US" dirty="0">
+                <a:solidFill>
+                  <a:schemeClr val="tx1"/>
+                </a:solidFill>
+              </a:rPr>
+              <a:t>isEntering</a:t>
+            </a:r>
+          </a:p>
+          <a:p>
+            <a:pPr algn="ctr"/>
+            <a:r>
+              <a:rPr lang="en-US" dirty="0">
+                <a:solidFill>
+                  <a:schemeClr val="tx1"/>
+                </a:solidFill>
+              </a:rPr>
+              <a:t>isRiding</a:t>
+            </a:r>
+          </a:p>
+          <a:p>
+            <a:pPr algn="ctr"/>
+            <a:r>
+              <a:rPr lang="en-US" dirty="0">
+                <a:solidFill>
+                  <a:schemeClr val="tx1"/>
+                </a:solidFill>
+              </a:rPr>
+              <a:t>isExiting</a:t>
+            </a:r>
+          </a:p>
+        </p:txBody>
+      </p:sp>
+      <p:sp>
+        <p:nvSpPr>
+          <p:cNvPr id="9" name="Rectangle 8">
+            <a:extLst>
+              <a:ext uri="{FF2B5EF4-FFF2-40B4-BE49-F238E27FC236}">
+                <a16:creationId xmlns:a16="http://schemas.microsoft.com/office/drawing/2014/main" id="{60674640-7E3E-4B81-B028-73E6E928B2CF}"/>
+              </a:ext>
+            </a:extLst>
+          </p:cNvPr>
+          <p:cNvSpPr/>
+          <p:nvPr/>
+        </p:nvSpPr>
+        <p:spPr>
+          <a:xfrm>
+            <a:off x="774091" y="2995992"/>
+            <a:ext cx="1913467" cy="2074335"/>
+          </a:xfrm>
+          <a:prstGeom prst="rect">
+            <a:avLst/>
+          </a:prstGeom>
+          <a:noFill/>
+          <a:ln>
+            <a:solidFill>
+              <a:schemeClr val="tx1"/>
+            </a:solidFill>
+          </a:ln>
+        </p:spPr>
+        <p:style>
+          <a:lnRef idx="2">
+            <a:schemeClr val="accent1">
+              <a:shade val="50000"/>
+            </a:schemeClr>
+          </a:lnRef>
+          <a:fillRef idx="1">
+            <a:schemeClr val="accent1"/>
+          </a:fillRef>
+          <a:effectRef idx="0">
+            <a:schemeClr val="accent1"/>
+          </a:effectRef>
+          <a:fontRef idx="minor">
+            <a:schemeClr val="lt1"/>
+          </a:fontRef>
+        </p:style>
+        <p:txBody>
+          <a:bodyPr rtlCol="0" anchor="ctr"/>
+          <a:lstStyle/>
+          <a:p>
+            <a:pPr algn="ctr"/>
+            <a:r>
+              <a:rPr lang="en-US" dirty="0">
+                <a:solidFill>
+                  <a:schemeClr val="tx1"/>
+                </a:solidFill>
+              </a:rPr>
+              <a:t>move()</a:t>
+            </a:r>
+          </a:p>
+          <a:p>
+            <a:pPr algn="ctr"/>
+            <a:r>
+              <a:rPr lang="en-US" dirty="0">
+                <a:solidFill>
+                  <a:schemeClr val="tx1"/>
+                </a:solidFill>
+              </a:rPr>
+              <a:t>enter()</a:t>
+            </a:r>
+          </a:p>
+          <a:p>
+            <a:pPr algn="ctr"/>
+            <a:r>
+              <a:rPr lang="en-US" dirty="0">
+                <a:solidFill>
+                  <a:schemeClr val="tx1"/>
+                </a:solidFill>
+              </a:rPr>
+              <a:t>exit()</a:t>
+            </a:r>
+          </a:p>
+        </p:txBody>
+      </p:sp>
+      <p:sp>
+        <p:nvSpPr>
+          <p:cNvPr id="10" name="Rectangle 9">
+            <a:extLst>
+              <a:ext uri="{FF2B5EF4-FFF2-40B4-BE49-F238E27FC236}">
+                <a16:creationId xmlns:a16="http://schemas.microsoft.com/office/drawing/2014/main" id="{CA23B836-B693-4DFB-9AEB-F8B8E5BEC347}"/>
+              </a:ext>
+            </a:extLst>
+          </p:cNvPr>
+          <p:cNvSpPr/>
+          <p:nvPr/>
+        </p:nvSpPr>
+        <p:spPr>
+          <a:xfrm>
+            <a:off x="3282649" y="909561"/>
+            <a:ext cx="1913467" cy="2074335"/>
+          </a:xfrm>
+          <a:prstGeom prst="rect">
+            <a:avLst/>
+          </a:prstGeom>
+          <a:noFill/>
+          <a:ln>
+            <a:solidFill>
+              <a:schemeClr val="tx1"/>
+            </a:solidFill>
+          </a:ln>
+        </p:spPr>
+        <p:style>
+          <a:lnRef idx="2">
+            <a:schemeClr val="accent1">
+              <a:shade val="50000"/>
+            </a:schemeClr>
+          </a:lnRef>
+          <a:fillRef idx="1">
+            <a:schemeClr val="accent1"/>
+          </a:fillRef>
+          <a:effectRef idx="0">
+            <a:schemeClr val="accent1"/>
+          </a:effectRef>
+          <a:fontRef idx="minor">
+            <a:schemeClr val="lt1"/>
+          </a:fontRef>
+        </p:style>
+        <p:txBody>
+          <a:bodyPr rtlCol="0" anchor="ctr"/>
+          <a:lstStyle/>
+          <a:p>
+            <a:pPr algn="ctr"/>
+            <a:r>
+              <a:rPr lang="en-US" dirty="0">
+                <a:solidFill>
+                  <a:schemeClr val="tx1"/>
+                </a:solidFill>
+              </a:rPr>
+              <a:t>maxCapacity</a:t>
+            </a:r>
+          </a:p>
+          <a:p>
+            <a:pPr algn="ctr"/>
+            <a:r>
+              <a:rPr lang="en-US" dirty="0">
+                <a:solidFill>
+                  <a:schemeClr val="tx1"/>
+                </a:solidFill>
+              </a:rPr>
+              <a:t>entranceRate</a:t>
+            </a:r>
+          </a:p>
+          <a:p>
+            <a:pPr algn="ctr"/>
+            <a:r>
+              <a:rPr lang="en-US" dirty="0">
+                <a:solidFill>
+                  <a:schemeClr val="tx1"/>
+                </a:solidFill>
+              </a:rPr>
+              <a:t>entranceLength</a:t>
+            </a:r>
+          </a:p>
+        </p:txBody>
+      </p:sp>
+      <p:sp>
+        <p:nvSpPr>
+          <p:cNvPr id="11" name="Rectangle 10">
+            <a:extLst>
+              <a:ext uri="{FF2B5EF4-FFF2-40B4-BE49-F238E27FC236}">
+                <a16:creationId xmlns:a16="http://schemas.microsoft.com/office/drawing/2014/main" id="{CDEBD324-9725-4446-81B2-EBFAFDDA8B37}"/>
+              </a:ext>
+            </a:extLst>
+          </p:cNvPr>
+          <p:cNvSpPr/>
+          <p:nvPr/>
+        </p:nvSpPr>
+        <p:spPr>
+          <a:xfrm>
+            <a:off x="3282649" y="2989945"/>
+            <a:ext cx="1913467" cy="2074335"/>
+          </a:xfrm>
+          <a:prstGeom prst="rect">
+            <a:avLst/>
+          </a:prstGeom>
+          <a:noFill/>
+          <a:ln>
+            <a:solidFill>
+              <a:schemeClr val="tx1"/>
+            </a:solidFill>
+          </a:ln>
+        </p:spPr>
+        <p:style>
+          <a:lnRef idx="2">
+            <a:schemeClr val="accent1">
+              <a:shade val="50000"/>
+            </a:schemeClr>
+          </a:lnRef>
+          <a:fillRef idx="1">
+            <a:schemeClr val="accent1"/>
+          </a:fillRef>
+          <a:effectRef idx="0">
+            <a:schemeClr val="accent1"/>
+          </a:effectRef>
+          <a:fontRef idx="minor">
+            <a:schemeClr val="lt1"/>
+          </a:fontRef>
+        </p:style>
+        <p:txBody>
+          <a:bodyPr rtlCol="0" anchor="ctr"/>
+          <a:lstStyle/>
+          <a:p>
+            <a:pPr algn="ctr"/>
+            <a:r>
+              <a:rPr lang="en-US" dirty="0">
+                <a:solidFill>
+                  <a:schemeClr val="tx1"/>
+                </a:solidFill>
+              </a:rPr>
+              <a:t>countEntered()</a:t>
+            </a:r>
+          </a:p>
+        </p:txBody>
+      </p:sp>
+      <p:sp>
+        <p:nvSpPr>
+          <p:cNvPr id="12" name="Rectangle 11">
+            <a:extLst>
+              <a:ext uri="{FF2B5EF4-FFF2-40B4-BE49-F238E27FC236}">
+                <a16:creationId xmlns:a16="http://schemas.microsoft.com/office/drawing/2014/main" id="{58E6C1C7-A40B-45EA-AE89-300A1D9853CC}"/>
+              </a:ext>
+            </a:extLst>
+          </p:cNvPr>
+          <p:cNvSpPr/>
+          <p:nvPr/>
+        </p:nvSpPr>
+        <p:spPr>
+          <a:xfrm>
+            <a:off x="5791207" y="924075"/>
+            <a:ext cx="1913467" cy="2074335"/>
+          </a:xfrm>
+          <a:prstGeom prst="rect">
+            <a:avLst/>
+          </a:prstGeom>
+          <a:noFill/>
+          <a:ln>
+            <a:solidFill>
+              <a:schemeClr val="tx1"/>
+            </a:solidFill>
+          </a:ln>
+        </p:spPr>
+        <p:style>
+          <a:lnRef idx="2">
+            <a:schemeClr val="accent1">
+              <a:shade val="50000"/>
+            </a:schemeClr>
+          </a:lnRef>
+          <a:fillRef idx="1">
+            <a:schemeClr val="accent1"/>
+          </a:fillRef>
+          <a:effectRef idx="0">
+            <a:schemeClr val="accent1"/>
+          </a:effectRef>
+          <a:fontRef idx="minor">
+            <a:schemeClr val="lt1"/>
+          </a:fontRef>
+        </p:style>
+        <p:txBody>
+          <a:bodyPr rtlCol="0" anchor="ctr"/>
+          <a:lstStyle/>
+          <a:p>
+            <a:pPr algn="ctr"/>
+            <a:r>
+              <a:rPr lang="en-US" dirty="0">
+                <a:solidFill>
+                  <a:schemeClr val="tx1"/>
+                </a:solidFill>
+              </a:rPr>
+              <a:t>escSpeed</a:t>
+            </a:r>
+          </a:p>
+          <a:p>
+            <a:pPr algn="ctr"/>
+            <a:r>
+              <a:rPr lang="en-US" dirty="0">
+                <a:solidFill>
+                  <a:schemeClr val="tx1"/>
+                </a:solidFill>
+              </a:rPr>
+              <a:t>escLength</a:t>
+            </a:r>
+          </a:p>
+          <a:p>
+            <a:pPr algn="ctr"/>
+            <a:r>
+              <a:rPr lang="en-US" dirty="0">
+                <a:solidFill>
+                  <a:schemeClr val="tx1"/>
+                </a:solidFill>
+              </a:rPr>
+              <a:t>passiveCapacity</a:t>
+            </a:r>
+          </a:p>
+          <a:p>
+            <a:pPr algn="ctr"/>
+            <a:r>
+              <a:rPr lang="en-US" dirty="0">
+                <a:solidFill>
+                  <a:schemeClr val="tx1"/>
+                </a:solidFill>
+              </a:rPr>
+              <a:t>activeCapacity</a:t>
+            </a:r>
+          </a:p>
+        </p:txBody>
+      </p:sp>
+      <p:sp>
+        <p:nvSpPr>
+          <p:cNvPr id="13" name="Rectangle 12">
+            <a:extLst>
+              <a:ext uri="{FF2B5EF4-FFF2-40B4-BE49-F238E27FC236}">
+                <a16:creationId xmlns:a16="http://schemas.microsoft.com/office/drawing/2014/main" id="{51D7E12E-4CA0-416C-BDBE-5627E394FC32}"/>
+              </a:ext>
+            </a:extLst>
+          </p:cNvPr>
+          <p:cNvSpPr/>
+          <p:nvPr/>
+        </p:nvSpPr>
+        <p:spPr>
+          <a:xfrm>
+            <a:off x="5791207" y="2985409"/>
+            <a:ext cx="1913467" cy="2074335"/>
+          </a:xfrm>
+          <a:prstGeom prst="rect">
+            <a:avLst/>
+          </a:prstGeom>
+          <a:noFill/>
+          <a:ln>
+            <a:solidFill>
+              <a:schemeClr val="tx1"/>
+            </a:solidFill>
+          </a:ln>
+        </p:spPr>
+        <p:style>
+          <a:lnRef idx="2">
+            <a:schemeClr val="accent1">
+              <a:shade val="50000"/>
+            </a:schemeClr>
+          </a:lnRef>
+          <a:fillRef idx="1">
+            <a:schemeClr val="accent1"/>
+          </a:fillRef>
+          <a:effectRef idx="0">
+            <a:schemeClr val="accent1"/>
+          </a:effectRef>
+          <a:fontRef idx="minor">
+            <a:schemeClr val="lt1"/>
+          </a:fontRef>
+        </p:style>
+        <p:txBody>
+          <a:bodyPr rtlCol="0" anchor="ctr"/>
+          <a:lstStyle/>
+          <a:p>
+            <a:pPr algn="ctr"/>
+            <a:endParaRPr lang="en-US" dirty="0">
+              <a:solidFill>
+                <a:schemeClr val="tx1"/>
+              </a:solidFill>
+            </a:endParaRPr>
+          </a:p>
+        </p:txBody>
+      </p:sp>
+      <p:sp>
+        <p:nvSpPr>
+          <p:cNvPr id="14" name="Rectangle 13">
+            <a:extLst>
+              <a:ext uri="{FF2B5EF4-FFF2-40B4-BE49-F238E27FC236}">
+                <a16:creationId xmlns:a16="http://schemas.microsoft.com/office/drawing/2014/main" id="{54B483D9-E4D3-47EE-BB13-B7E4951DC651}"/>
+              </a:ext>
+            </a:extLst>
+          </p:cNvPr>
+          <p:cNvSpPr/>
+          <p:nvPr/>
+        </p:nvSpPr>
+        <p:spPr>
+          <a:xfrm>
+            <a:off x="8299765" y="902301"/>
+            <a:ext cx="1913467" cy="2074335"/>
+          </a:xfrm>
+          <a:prstGeom prst="rect">
+            <a:avLst/>
+          </a:prstGeom>
+          <a:noFill/>
+          <a:ln>
+            <a:solidFill>
+              <a:schemeClr val="tx1"/>
+            </a:solidFill>
+          </a:ln>
+        </p:spPr>
+        <p:style>
+          <a:lnRef idx="2">
+            <a:schemeClr val="accent1">
+              <a:shade val="50000"/>
+            </a:schemeClr>
+          </a:lnRef>
+          <a:fillRef idx="1">
+            <a:schemeClr val="accent1"/>
+          </a:fillRef>
+          <a:effectRef idx="0">
+            <a:schemeClr val="accent1"/>
+          </a:effectRef>
+          <a:fontRef idx="minor">
+            <a:schemeClr val="lt1"/>
+          </a:fontRef>
+        </p:style>
+        <p:txBody>
+          <a:bodyPr rtlCol="0" anchor="ctr"/>
+          <a:lstStyle/>
+          <a:p>
+            <a:pPr algn="ctr"/>
+            <a:r>
+              <a:rPr lang="en-US" dirty="0">
+                <a:solidFill>
+                  <a:schemeClr val="tx1"/>
+                </a:solidFill>
+              </a:rPr>
+              <a:t>maxCapacity</a:t>
+            </a:r>
+            <a:br>
+              <a:rPr lang="en-US" dirty="0">
+                <a:solidFill>
+                  <a:schemeClr val="tx1"/>
+                </a:solidFill>
+              </a:rPr>
+            </a:br>
+            <a:r>
+              <a:rPr lang="en-US" dirty="0">
+                <a:solidFill>
+                  <a:schemeClr val="tx1"/>
+                </a:solidFill>
+              </a:rPr>
+              <a:t>exitRate</a:t>
+            </a:r>
+          </a:p>
+          <a:p>
+            <a:pPr algn="ctr"/>
+            <a:r>
+              <a:rPr lang="en-US" dirty="0">
+                <a:solidFill>
+                  <a:schemeClr val="tx1"/>
+                </a:solidFill>
+              </a:rPr>
+              <a:t>exitLength</a:t>
+            </a:r>
+          </a:p>
+        </p:txBody>
+      </p:sp>
+      <p:sp>
+        <p:nvSpPr>
+          <p:cNvPr id="15" name="Rectangle 14">
+            <a:extLst>
+              <a:ext uri="{FF2B5EF4-FFF2-40B4-BE49-F238E27FC236}">
+                <a16:creationId xmlns:a16="http://schemas.microsoft.com/office/drawing/2014/main" id="{728108B2-7A2E-4E41-95CC-4C1624D27CAC}"/>
+              </a:ext>
+            </a:extLst>
+          </p:cNvPr>
+          <p:cNvSpPr/>
+          <p:nvPr/>
+        </p:nvSpPr>
+        <p:spPr>
+          <a:xfrm>
+            <a:off x="8299765" y="2963635"/>
+            <a:ext cx="1913467" cy="2074335"/>
+          </a:xfrm>
+          <a:prstGeom prst="rect">
+            <a:avLst/>
+          </a:prstGeom>
+          <a:noFill/>
+          <a:ln>
+            <a:solidFill>
+              <a:schemeClr val="tx1"/>
+            </a:solidFill>
+          </a:ln>
+        </p:spPr>
+        <p:style>
+          <a:lnRef idx="2">
+            <a:schemeClr val="accent1">
+              <a:shade val="50000"/>
+            </a:schemeClr>
+          </a:lnRef>
+          <a:fillRef idx="1">
+            <a:schemeClr val="accent1"/>
+          </a:fillRef>
+          <a:effectRef idx="0">
+            <a:schemeClr val="accent1"/>
+          </a:effectRef>
+          <a:fontRef idx="minor">
+            <a:schemeClr val="lt1"/>
+          </a:fontRef>
+        </p:style>
+        <p:txBody>
+          <a:bodyPr rtlCol="0" anchor="ctr"/>
+          <a:lstStyle/>
+          <a:p>
+            <a:pPr algn="ctr"/>
+            <a:r>
+              <a:rPr lang="en-US" dirty="0">
+                <a:solidFill>
+                  <a:schemeClr val="tx1"/>
+                </a:solidFill>
+              </a:rPr>
+              <a:t>countExited()</a:t>
+            </a:r>
+          </a:p>
+        </p:txBody>
+      </p:sp>
+    </p:spTree>
+    <p:extLst>
+      <p:ext uri="{BB962C8B-B14F-4D97-AF65-F5344CB8AC3E}">
+        <p14:creationId xmlns:p14="http://schemas.microsoft.com/office/powerpoint/2010/main" val="2418692241"/>
       </p:ext>
     </p:extLst>
   </p:cSld>

--- a/images/Image-Bank.pptx
+++ b/images/Image-Bank.pptx
@@ -278,7 +278,7 @@
           <a:p>
             <a:fld id="{F91AC8E1-66F4-4D62-98DF-EBF70E550C22}" type="datetimeFigureOut">
               <a:rPr lang="en-US" smtClean="0"/>
-              <a:t>9/5/2019</a:t>
+              <a:t>9/7/2019</a:t>
             </a:fld>
             <a:endParaRPr lang="en-US" dirty="0"/>
           </a:p>
@@ -476,7 +476,7 @@
           <a:p>
             <a:fld id="{F91AC8E1-66F4-4D62-98DF-EBF70E550C22}" type="datetimeFigureOut">
               <a:rPr lang="en-US" smtClean="0"/>
-              <a:t>9/5/2019</a:t>
+              <a:t>9/7/2019</a:t>
             </a:fld>
             <a:endParaRPr lang="en-US" dirty="0"/>
           </a:p>
@@ -684,7 +684,7 @@
           <a:p>
             <a:fld id="{F91AC8E1-66F4-4D62-98DF-EBF70E550C22}" type="datetimeFigureOut">
               <a:rPr lang="en-US" smtClean="0"/>
-              <a:t>9/5/2019</a:t>
+              <a:t>9/7/2019</a:t>
             </a:fld>
             <a:endParaRPr lang="en-US" dirty="0"/>
           </a:p>
@@ -882,7 +882,7 @@
           <a:p>
             <a:fld id="{F91AC8E1-66F4-4D62-98DF-EBF70E550C22}" type="datetimeFigureOut">
               <a:rPr lang="en-US" smtClean="0"/>
-              <a:t>9/5/2019</a:t>
+              <a:t>9/7/2019</a:t>
             </a:fld>
             <a:endParaRPr lang="en-US" dirty="0"/>
           </a:p>
@@ -1157,7 +1157,7 @@
           <a:p>
             <a:fld id="{F91AC8E1-66F4-4D62-98DF-EBF70E550C22}" type="datetimeFigureOut">
               <a:rPr lang="en-US" smtClean="0"/>
-              <a:t>9/5/2019</a:t>
+              <a:t>9/7/2019</a:t>
             </a:fld>
             <a:endParaRPr lang="en-US" dirty="0"/>
           </a:p>
@@ -1422,7 +1422,7 @@
           <a:p>
             <a:fld id="{F91AC8E1-66F4-4D62-98DF-EBF70E550C22}" type="datetimeFigureOut">
               <a:rPr lang="en-US" smtClean="0"/>
-              <a:t>9/5/2019</a:t>
+              <a:t>9/7/2019</a:t>
             </a:fld>
             <a:endParaRPr lang="en-US" dirty="0"/>
           </a:p>
@@ -1834,7 +1834,7 @@
           <a:p>
             <a:fld id="{F91AC8E1-66F4-4D62-98DF-EBF70E550C22}" type="datetimeFigureOut">
               <a:rPr lang="en-US" smtClean="0"/>
-              <a:t>9/5/2019</a:t>
+              <a:t>9/7/2019</a:t>
             </a:fld>
             <a:endParaRPr lang="en-US" dirty="0"/>
           </a:p>
@@ -1975,7 +1975,7 @@
           <a:p>
             <a:fld id="{F91AC8E1-66F4-4D62-98DF-EBF70E550C22}" type="datetimeFigureOut">
               <a:rPr lang="en-US" smtClean="0"/>
-              <a:t>9/5/2019</a:t>
+              <a:t>9/7/2019</a:t>
             </a:fld>
             <a:endParaRPr lang="en-US" dirty="0"/>
           </a:p>
@@ -2088,7 +2088,7 @@
           <a:p>
             <a:fld id="{F91AC8E1-66F4-4D62-98DF-EBF70E550C22}" type="datetimeFigureOut">
               <a:rPr lang="en-US" smtClean="0"/>
-              <a:t>9/5/2019</a:t>
+              <a:t>9/7/2019</a:t>
             </a:fld>
             <a:endParaRPr lang="en-US" dirty="0"/>
           </a:p>
@@ -2399,7 +2399,7 @@
           <a:p>
             <a:fld id="{F91AC8E1-66F4-4D62-98DF-EBF70E550C22}" type="datetimeFigureOut">
               <a:rPr lang="en-US" smtClean="0"/>
-              <a:t>9/5/2019</a:t>
+              <a:t>9/7/2019</a:t>
             </a:fld>
             <a:endParaRPr lang="en-US" dirty="0"/>
           </a:p>
@@ -2687,7 +2687,7 @@
           <a:p>
             <a:fld id="{F91AC8E1-66F4-4D62-98DF-EBF70E550C22}" type="datetimeFigureOut">
               <a:rPr lang="en-US" smtClean="0"/>
-              <a:t>9/5/2019</a:t>
+              <a:t>9/7/2019</a:t>
             </a:fld>
             <a:endParaRPr lang="en-US" dirty="0"/>
           </a:p>
@@ -2928,7 +2928,7 @@
           <a:p>
             <a:fld id="{F91AC8E1-66F4-4D62-98DF-EBF70E550C22}" type="datetimeFigureOut">
               <a:rPr lang="en-US" smtClean="0"/>
-              <a:t>9/5/2019</a:t>
+              <a:t>9/7/2019</a:t>
             </a:fld>
             <a:endParaRPr lang="en-US" dirty="0"/>
           </a:p>
@@ -8389,7 +8389,7 @@
         <p:spPr>
           <a:xfrm>
             <a:off x="437091" y="307367"/>
-            <a:ext cx="10078509" cy="2571300"/>
+            <a:ext cx="7792509" cy="4984300"/>
           </a:xfrm>
           <a:prstGeom prst="rect">
             <a:avLst/>
@@ -8503,7 +8503,7 @@
         </p:nvSpPr>
         <p:spPr>
           <a:xfrm>
-            <a:off x="657830" y="1932967"/>
+            <a:off x="657830" y="3179041"/>
             <a:ext cx="1254278" cy="270935"/>
           </a:xfrm>
           <a:prstGeom prst="rect">
@@ -8602,7 +8602,7 @@
                   <a:schemeClr val="tx1"/>
                 </a:solidFill>
               </a:rPr>
-              <a:t>spawnPassenger()</a:t>
+              <a:t>spawnPassenger() @ entry rate</a:t>
             </a:r>
           </a:p>
         </p:txBody>
@@ -8621,7 +8621,7 @@
         </p:nvSpPr>
         <p:spPr>
           <a:xfrm>
-            <a:off x="657830" y="2203902"/>
+            <a:off x="657830" y="3449976"/>
             <a:ext cx="1254278" cy="429232"/>
           </a:xfrm>
           <a:prstGeom prst="rect">
@@ -8661,7 +8661,7 @@
                   <a:schemeClr val="tx1"/>
                 </a:solidFill>
               </a:rPr>
-              <a:t>spawnPassenger()</a:t>
+              <a:t>spawnPassenger() @ exit rate</a:t>
             </a:r>
           </a:p>
         </p:txBody>
@@ -8786,10 +8786,10 @@
       </p:sp>
       <p:sp>
         <p:nvSpPr>
-          <p:cNvPr id="12" name="Rectangle 11">
-            <a:extLst>
-              <a:ext uri="{FF2B5EF4-FFF2-40B4-BE49-F238E27FC236}">
-                <a16:creationId xmlns:a16="http://schemas.microsoft.com/office/drawing/2014/main" id="{FCF45D9D-C8C7-49E4-9660-0A927A9D9E42}"/>
+          <p:cNvPr id="13" name="Rectangle 12">
+            <a:extLst>
+              <a:ext uri="{FF2B5EF4-FFF2-40B4-BE49-F238E27FC236}">
+                <a16:creationId xmlns:a16="http://schemas.microsoft.com/office/drawing/2014/main" id="{91602CE5-D8A3-4684-818F-178499F25C7B}"/>
               </a:ext>
             </a:extLst>
           </p:cNvPr>
@@ -8798,7 +8798,7 @@
         </p:nvSpPr>
         <p:spPr>
           <a:xfrm>
-            <a:off x="5047073" y="1134338"/>
+            <a:off x="3581991" y="2076891"/>
             <a:ext cx="1254278" cy="350085"/>
           </a:xfrm>
           <a:prstGeom prst="rect">
@@ -8838,17 +8838,17 @@
                   <a:schemeClr val="tx1"/>
                 </a:solidFill>
               </a:rPr>
-              <a:t>Board escalator</a:t>
-            </a:r>
-          </a:p>
-        </p:txBody>
-      </p:sp>
-      <p:sp>
-        <p:nvSpPr>
-          <p:cNvPr id="13" name="Rectangle 12">
-            <a:extLst>
-              <a:ext uri="{FF2B5EF4-FFF2-40B4-BE49-F238E27FC236}">
-                <a16:creationId xmlns:a16="http://schemas.microsoft.com/office/drawing/2014/main" id="{91602CE5-D8A3-4684-818F-178499F25C7B}"/>
+              <a:t>Ride escalator</a:t>
+            </a:r>
+          </a:p>
+        </p:txBody>
+      </p:sp>
+      <p:sp>
+        <p:nvSpPr>
+          <p:cNvPr id="14" name="Rectangle 13">
+            <a:extLst>
+              <a:ext uri="{FF2B5EF4-FFF2-40B4-BE49-F238E27FC236}">
+                <a16:creationId xmlns:a16="http://schemas.microsoft.com/office/drawing/2014/main" id="{5D2E12E4-66FB-49DC-AAD0-E8F30367FA3F}"/>
               </a:ext>
             </a:extLst>
           </p:cNvPr>
@@ -8857,7 +8857,7 @@
         </p:nvSpPr>
         <p:spPr>
           <a:xfrm>
-            <a:off x="6495863" y="1134338"/>
+            <a:off x="5030781" y="2076891"/>
             <a:ext cx="1254278" cy="350085"/>
           </a:xfrm>
           <a:prstGeom prst="rect">
@@ -8897,17 +8897,17 @@
                   <a:schemeClr val="tx1"/>
                 </a:solidFill>
               </a:rPr>
-              <a:t>Ride escalator</a:t>
-            </a:r>
-          </a:p>
-        </p:txBody>
-      </p:sp>
-      <p:sp>
-        <p:nvSpPr>
-          <p:cNvPr id="14" name="Rectangle 13">
-            <a:extLst>
-              <a:ext uri="{FF2B5EF4-FFF2-40B4-BE49-F238E27FC236}">
-                <a16:creationId xmlns:a16="http://schemas.microsoft.com/office/drawing/2014/main" id="{5D2E12E4-66FB-49DC-AAD0-E8F30367FA3F}"/>
+              <a:t>Offboard Escalator</a:t>
+            </a:r>
+          </a:p>
+        </p:txBody>
+      </p:sp>
+      <p:sp>
+        <p:nvSpPr>
+          <p:cNvPr id="15" name="Rectangle 14">
+            <a:extLst>
+              <a:ext uri="{FF2B5EF4-FFF2-40B4-BE49-F238E27FC236}">
+                <a16:creationId xmlns:a16="http://schemas.microsoft.com/office/drawing/2014/main" id="{309D0175-6A4F-4B91-AD4A-62445CEEF503}"/>
               </a:ext>
             </a:extLst>
           </p:cNvPr>
@@ -8916,8 +8916,8 @@
         </p:nvSpPr>
         <p:spPr>
           <a:xfrm>
-            <a:off x="7944653" y="1134338"/>
-            <a:ext cx="1254278" cy="350085"/>
+            <a:off x="6522444" y="2070993"/>
+            <a:ext cx="946302" cy="350085"/>
           </a:xfrm>
           <a:prstGeom prst="rect">
             <a:avLst/>
@@ -8956,17 +8956,17 @@
                   <a:schemeClr val="tx1"/>
                 </a:solidFill>
               </a:rPr>
-              <a:t>Offboard Escalator</a:t>
-            </a:r>
-          </a:p>
-        </p:txBody>
-      </p:sp>
-      <p:sp>
-        <p:nvSpPr>
-          <p:cNvPr id="15" name="Rectangle 14">
-            <a:extLst>
-              <a:ext uri="{FF2B5EF4-FFF2-40B4-BE49-F238E27FC236}">
-                <a16:creationId xmlns:a16="http://schemas.microsoft.com/office/drawing/2014/main" id="{309D0175-6A4F-4B91-AD4A-62445CEEF503}"/>
+              <a:t>Exit</a:t>
+            </a:r>
+          </a:p>
+        </p:txBody>
+      </p:sp>
+      <p:sp>
+        <p:nvSpPr>
+          <p:cNvPr id="16" name="Rectangle 15">
+            <a:extLst>
+              <a:ext uri="{FF2B5EF4-FFF2-40B4-BE49-F238E27FC236}">
+                <a16:creationId xmlns:a16="http://schemas.microsoft.com/office/drawing/2014/main" id="{AA72283E-101D-44F1-97FA-38DEB1489EC0}"/>
               </a:ext>
             </a:extLst>
           </p:cNvPr>
@@ -8975,8 +8975,8 @@
         </p:nvSpPr>
         <p:spPr>
           <a:xfrm>
-            <a:off x="9436316" y="1128440"/>
-            <a:ext cx="946302" cy="350085"/>
+            <a:off x="2138365" y="3525988"/>
+            <a:ext cx="1254278" cy="270935"/>
           </a:xfrm>
           <a:prstGeom prst="rect">
             <a:avLst/>
@@ -9015,17 +9015,17 @@
                   <a:schemeClr val="tx1"/>
                 </a:solidFill>
               </a:rPr>
-              <a:t>Exit</a:t>
-            </a:r>
-          </a:p>
-        </p:txBody>
-      </p:sp>
-      <p:sp>
-        <p:nvSpPr>
-          <p:cNvPr id="16" name="Rectangle 15">
-            <a:extLst>
-              <a:ext uri="{FF2B5EF4-FFF2-40B4-BE49-F238E27FC236}">
-                <a16:creationId xmlns:a16="http://schemas.microsoft.com/office/drawing/2014/main" id="{AA72283E-101D-44F1-97FA-38DEB1489EC0}"/>
+              <a:t>Passenger</a:t>
+            </a:r>
+          </a:p>
+        </p:txBody>
+      </p:sp>
+      <p:sp>
+        <p:nvSpPr>
+          <p:cNvPr id="17" name="Rectangle 16">
+            <a:extLst>
+              <a:ext uri="{FF2B5EF4-FFF2-40B4-BE49-F238E27FC236}">
+                <a16:creationId xmlns:a16="http://schemas.microsoft.com/office/drawing/2014/main" id="{E7229BE9-416F-41CE-A44D-1FF05D0470FD}"/>
               </a:ext>
             </a:extLst>
           </p:cNvPr>
@@ -9034,8 +9034,8 @@
         </p:nvSpPr>
         <p:spPr>
           <a:xfrm>
-            <a:off x="2138365" y="2279914"/>
-            <a:ext cx="1254278" cy="270935"/>
+            <a:off x="3581991" y="3486414"/>
+            <a:ext cx="1254278" cy="350085"/>
           </a:xfrm>
           <a:prstGeom prst="rect">
             <a:avLst/>
@@ -9074,17 +9074,17 @@
                   <a:schemeClr val="tx1"/>
                 </a:solidFill>
               </a:rPr>
-              <a:t>Passenger</a:t>
-            </a:r>
-          </a:p>
-        </p:txBody>
-      </p:sp>
-      <p:sp>
-        <p:nvSpPr>
-          <p:cNvPr id="17" name="Rectangle 16">
-            <a:extLst>
-              <a:ext uri="{FF2B5EF4-FFF2-40B4-BE49-F238E27FC236}">
-                <a16:creationId xmlns:a16="http://schemas.microsoft.com/office/drawing/2014/main" id="{E7229BE9-416F-41CE-A44D-1FF05D0470FD}"/>
+              <a:t>Move through exit</a:t>
+            </a:r>
+          </a:p>
+        </p:txBody>
+      </p:sp>
+      <p:sp>
+        <p:nvSpPr>
+          <p:cNvPr id="18" name="Rectangle 17">
+            <a:extLst>
+              <a:ext uri="{FF2B5EF4-FFF2-40B4-BE49-F238E27FC236}">
+                <a16:creationId xmlns:a16="http://schemas.microsoft.com/office/drawing/2014/main" id="{60FE51CA-D7DB-47B9-BEAB-113B87576599}"/>
               </a:ext>
             </a:extLst>
           </p:cNvPr>
@@ -9093,7 +9093,7 @@
         </p:nvSpPr>
         <p:spPr>
           <a:xfrm>
-            <a:off x="3581991" y="2240340"/>
+            <a:off x="6558796" y="3769691"/>
             <a:ext cx="1254278" cy="350085"/>
           </a:xfrm>
           <a:prstGeom prst="rect">
@@ -9133,17 +9133,17 @@
                   <a:schemeClr val="tx1"/>
                 </a:solidFill>
               </a:rPr>
-              <a:t>Move through exit</a:t>
-            </a:r>
-          </a:p>
-        </p:txBody>
-      </p:sp>
-      <p:sp>
-        <p:nvSpPr>
-          <p:cNvPr id="18" name="Rectangle 17">
-            <a:extLst>
-              <a:ext uri="{FF2B5EF4-FFF2-40B4-BE49-F238E27FC236}">
-                <a16:creationId xmlns:a16="http://schemas.microsoft.com/office/drawing/2014/main" id="{60FE51CA-D7DB-47B9-BEAB-113B87576599}"/>
+              <a:t>Board escalator</a:t>
+            </a:r>
+          </a:p>
+        </p:txBody>
+      </p:sp>
+      <p:sp>
+        <p:nvSpPr>
+          <p:cNvPr id="19" name="Rectangle 18">
+            <a:extLst>
+              <a:ext uri="{FF2B5EF4-FFF2-40B4-BE49-F238E27FC236}">
+                <a16:creationId xmlns:a16="http://schemas.microsoft.com/office/drawing/2014/main" id="{491BD4E5-84C7-4974-A601-1590F26F5F77}"/>
               </a:ext>
             </a:extLst>
           </p:cNvPr>
@@ -9152,7 +9152,7 @@
         </p:nvSpPr>
         <p:spPr>
           <a:xfrm>
-            <a:off x="5038606" y="2240338"/>
+            <a:off x="3590458" y="4476559"/>
             <a:ext cx="1254278" cy="350085"/>
           </a:xfrm>
           <a:prstGeom prst="rect">
@@ -9192,17 +9192,17 @@
                   <a:schemeClr val="tx1"/>
                 </a:solidFill>
               </a:rPr>
-              <a:t>Board escalator</a:t>
-            </a:r>
-          </a:p>
-        </p:txBody>
-      </p:sp>
-      <p:sp>
-        <p:nvSpPr>
-          <p:cNvPr id="19" name="Rectangle 18">
-            <a:extLst>
-              <a:ext uri="{FF2B5EF4-FFF2-40B4-BE49-F238E27FC236}">
-                <a16:creationId xmlns:a16="http://schemas.microsoft.com/office/drawing/2014/main" id="{491BD4E5-84C7-4974-A601-1590F26F5F77}"/>
+              <a:t>Ride escalator</a:t>
+            </a:r>
+          </a:p>
+        </p:txBody>
+      </p:sp>
+      <p:sp>
+        <p:nvSpPr>
+          <p:cNvPr id="20" name="Rectangle 19">
+            <a:extLst>
+              <a:ext uri="{FF2B5EF4-FFF2-40B4-BE49-F238E27FC236}">
+                <a16:creationId xmlns:a16="http://schemas.microsoft.com/office/drawing/2014/main" id="{FA7D589F-0859-4107-9107-22E7C8CA25A1}"/>
               </a:ext>
             </a:extLst>
           </p:cNvPr>
@@ -9211,7 +9211,7 @@
         </p:nvSpPr>
         <p:spPr>
           <a:xfrm>
-            <a:off x="6487396" y="2240338"/>
+            <a:off x="5039248" y="4476559"/>
             <a:ext cx="1254278" cy="350085"/>
           </a:xfrm>
           <a:prstGeom prst="rect">
@@ -9251,17 +9251,17 @@
                   <a:schemeClr val="tx1"/>
                 </a:solidFill>
               </a:rPr>
-              <a:t>Ride escalator</a:t>
-            </a:r>
-          </a:p>
-        </p:txBody>
-      </p:sp>
-      <p:sp>
-        <p:nvSpPr>
-          <p:cNvPr id="20" name="Rectangle 19">
-            <a:extLst>
-              <a:ext uri="{FF2B5EF4-FFF2-40B4-BE49-F238E27FC236}">
-                <a16:creationId xmlns:a16="http://schemas.microsoft.com/office/drawing/2014/main" id="{FA7D589F-0859-4107-9107-22E7C8CA25A1}"/>
+              <a:t>Offboard Escalator</a:t>
+            </a:r>
+          </a:p>
+        </p:txBody>
+      </p:sp>
+      <p:sp>
+        <p:nvSpPr>
+          <p:cNvPr id="21" name="Rectangle 20">
+            <a:extLst>
+              <a:ext uri="{FF2B5EF4-FFF2-40B4-BE49-F238E27FC236}">
+                <a16:creationId xmlns:a16="http://schemas.microsoft.com/office/drawing/2014/main" id="{662014EA-5FBE-4A1C-8771-78FACB01F7EA}"/>
               </a:ext>
             </a:extLst>
           </p:cNvPr>
@@ -9270,8 +9270,8 @@
         </p:nvSpPr>
         <p:spPr>
           <a:xfrm>
-            <a:off x="7936186" y="2240338"/>
-            <a:ext cx="1254278" cy="350085"/>
+            <a:off x="6558796" y="4476559"/>
+            <a:ext cx="946302" cy="350085"/>
           </a:xfrm>
           <a:prstGeom prst="rect">
             <a:avLst/>
@@ -9310,17 +9310,356 @@
                   <a:schemeClr val="tx1"/>
                 </a:solidFill>
               </a:rPr>
-              <a:t>Offboard Escalator</a:t>
-            </a:r>
-          </a:p>
-        </p:txBody>
-      </p:sp>
-      <p:sp>
-        <p:nvSpPr>
-          <p:cNvPr id="21" name="Rectangle 20">
-            <a:extLst>
-              <a:ext uri="{FF2B5EF4-FFF2-40B4-BE49-F238E27FC236}">
-                <a16:creationId xmlns:a16="http://schemas.microsoft.com/office/drawing/2014/main" id="{662014EA-5FBE-4A1C-8771-78FACB01F7EA}"/>
+              <a:t>enter</a:t>
+            </a:r>
+          </a:p>
+        </p:txBody>
+      </p:sp>
+      <p:cxnSp>
+        <p:nvCxnSpPr>
+          <p:cNvPr id="23" name="Straight Arrow Connector 22">
+            <a:extLst>
+              <a:ext uri="{FF2B5EF4-FFF2-40B4-BE49-F238E27FC236}">
+                <a16:creationId xmlns:a16="http://schemas.microsoft.com/office/drawing/2014/main" id="{65257630-E061-4717-9B51-56E6F45ED0F7}"/>
+              </a:ext>
+            </a:extLst>
+          </p:cNvPr>
+          <p:cNvCxnSpPr>
+            <a:cxnSpLocks/>
+            <a:stCxn id="8" idx="3"/>
+            <a:endCxn id="10" idx="1"/>
+          </p:cNvCxnSpPr>
+          <p:nvPr/>
+        </p:nvCxnSpPr>
+        <p:spPr>
+          <a:xfrm flipV="1">
+            <a:off x="1912108" y="1309382"/>
+            <a:ext cx="234724" cy="3"/>
+          </a:xfrm>
+          <a:prstGeom prst="straightConnector1">
+            <a:avLst/>
+          </a:prstGeom>
+          <a:ln>
+            <a:prstDash val="lgDashDot"/>
+            <a:tailEnd type="triangle"/>
+          </a:ln>
+        </p:spPr>
+        <p:style>
+          <a:lnRef idx="1">
+            <a:schemeClr val="dk1"/>
+          </a:lnRef>
+          <a:fillRef idx="0">
+            <a:schemeClr val="dk1"/>
+          </a:fillRef>
+          <a:effectRef idx="0">
+            <a:schemeClr val="dk1"/>
+          </a:effectRef>
+          <a:fontRef idx="minor">
+            <a:schemeClr val="tx1"/>
+          </a:fontRef>
+        </p:style>
+      </p:cxnSp>
+      <p:cxnSp>
+        <p:nvCxnSpPr>
+          <p:cNvPr id="25" name="Straight Arrow Connector 24">
+            <a:extLst>
+              <a:ext uri="{FF2B5EF4-FFF2-40B4-BE49-F238E27FC236}">
+                <a16:creationId xmlns:a16="http://schemas.microsoft.com/office/drawing/2014/main" id="{CF84D257-2542-44AB-9D9E-72D888B89824}"/>
+              </a:ext>
+            </a:extLst>
+          </p:cNvPr>
+          <p:cNvCxnSpPr>
+            <a:stCxn id="10" idx="3"/>
+            <a:endCxn id="11" idx="1"/>
+          </p:cNvCxnSpPr>
+          <p:nvPr/>
+        </p:nvCxnSpPr>
+        <p:spPr>
+          <a:xfrm>
+            <a:off x="3401110" y="1309382"/>
+            <a:ext cx="189348" cy="1"/>
+          </a:xfrm>
+          <a:prstGeom prst="straightConnector1">
+            <a:avLst/>
+          </a:prstGeom>
+          <a:ln>
+            <a:tailEnd type="triangle"/>
+          </a:ln>
+        </p:spPr>
+        <p:style>
+          <a:lnRef idx="1">
+            <a:schemeClr val="dk1"/>
+          </a:lnRef>
+          <a:fillRef idx="0">
+            <a:schemeClr val="dk1"/>
+          </a:fillRef>
+          <a:effectRef idx="0">
+            <a:schemeClr val="dk1"/>
+          </a:effectRef>
+          <a:fontRef idx="minor">
+            <a:schemeClr val="tx1"/>
+          </a:fontRef>
+        </p:style>
+      </p:cxnSp>
+      <p:cxnSp>
+        <p:nvCxnSpPr>
+          <p:cNvPr id="31" name="Straight Arrow Connector 30">
+            <a:extLst>
+              <a:ext uri="{FF2B5EF4-FFF2-40B4-BE49-F238E27FC236}">
+                <a16:creationId xmlns:a16="http://schemas.microsoft.com/office/drawing/2014/main" id="{9FF5D665-4C68-4E5F-85EF-5A146C2A4C3E}"/>
+              </a:ext>
+            </a:extLst>
+          </p:cNvPr>
+          <p:cNvCxnSpPr>
+            <a:stCxn id="13" idx="3"/>
+          </p:cNvCxnSpPr>
+          <p:nvPr/>
+        </p:nvCxnSpPr>
+        <p:spPr>
+          <a:xfrm flipV="1">
+            <a:off x="4836269" y="2251933"/>
+            <a:ext cx="237385" cy="1"/>
+          </a:xfrm>
+          <a:prstGeom prst="straightConnector1">
+            <a:avLst/>
+          </a:prstGeom>
+          <a:ln>
+            <a:tailEnd type="triangle"/>
+          </a:ln>
+        </p:spPr>
+        <p:style>
+          <a:lnRef idx="1">
+            <a:schemeClr val="dk1"/>
+          </a:lnRef>
+          <a:fillRef idx="0">
+            <a:schemeClr val="dk1"/>
+          </a:fillRef>
+          <a:effectRef idx="0">
+            <a:schemeClr val="dk1"/>
+          </a:effectRef>
+          <a:fontRef idx="minor">
+            <a:schemeClr val="tx1"/>
+          </a:fontRef>
+        </p:style>
+      </p:cxnSp>
+      <p:cxnSp>
+        <p:nvCxnSpPr>
+          <p:cNvPr id="33" name="Straight Arrow Connector 32">
+            <a:extLst>
+              <a:ext uri="{FF2B5EF4-FFF2-40B4-BE49-F238E27FC236}">
+                <a16:creationId xmlns:a16="http://schemas.microsoft.com/office/drawing/2014/main" id="{93F00D3D-AF51-4590-98F6-04036646F30B}"/>
+              </a:ext>
+            </a:extLst>
+          </p:cNvPr>
+          <p:cNvCxnSpPr>
+            <a:stCxn id="14" idx="3"/>
+            <a:endCxn id="15" idx="1"/>
+          </p:cNvCxnSpPr>
+          <p:nvPr/>
+        </p:nvCxnSpPr>
+        <p:spPr>
+          <a:xfrm flipV="1">
+            <a:off x="6285059" y="2246036"/>
+            <a:ext cx="237385" cy="5898"/>
+          </a:xfrm>
+          <a:prstGeom prst="straightConnector1">
+            <a:avLst/>
+          </a:prstGeom>
+          <a:ln>
+            <a:tailEnd type="triangle"/>
+          </a:ln>
+        </p:spPr>
+        <p:style>
+          <a:lnRef idx="1">
+            <a:schemeClr val="dk1"/>
+          </a:lnRef>
+          <a:fillRef idx="0">
+            <a:schemeClr val="dk1"/>
+          </a:fillRef>
+          <a:effectRef idx="0">
+            <a:schemeClr val="dk1"/>
+          </a:effectRef>
+          <a:fontRef idx="minor">
+            <a:schemeClr val="tx1"/>
+          </a:fontRef>
+        </p:style>
+      </p:cxnSp>
+      <p:cxnSp>
+        <p:nvCxnSpPr>
+          <p:cNvPr id="35" name="Straight Arrow Connector 34">
+            <a:extLst>
+              <a:ext uri="{FF2B5EF4-FFF2-40B4-BE49-F238E27FC236}">
+                <a16:creationId xmlns:a16="http://schemas.microsoft.com/office/drawing/2014/main" id="{476A2254-AEEC-48F7-B26F-8F90AC010212}"/>
+              </a:ext>
+            </a:extLst>
+          </p:cNvPr>
+          <p:cNvCxnSpPr>
+            <a:cxnSpLocks/>
+            <a:stCxn id="9" idx="3"/>
+            <a:endCxn id="16" idx="1"/>
+          </p:cNvCxnSpPr>
+          <p:nvPr/>
+        </p:nvCxnSpPr>
+        <p:spPr>
+          <a:xfrm flipV="1">
+            <a:off x="1912108" y="3661456"/>
+            <a:ext cx="226257" cy="3136"/>
+          </a:xfrm>
+          <a:prstGeom prst="straightConnector1">
+            <a:avLst/>
+          </a:prstGeom>
+          <a:ln>
+            <a:prstDash val="lgDashDot"/>
+            <a:tailEnd type="triangle"/>
+          </a:ln>
+        </p:spPr>
+        <p:style>
+          <a:lnRef idx="1">
+            <a:schemeClr val="dk1"/>
+          </a:lnRef>
+          <a:fillRef idx="0">
+            <a:schemeClr val="dk1"/>
+          </a:fillRef>
+          <a:effectRef idx="0">
+            <a:schemeClr val="dk1"/>
+          </a:effectRef>
+          <a:fontRef idx="minor">
+            <a:schemeClr val="tx1"/>
+          </a:fontRef>
+        </p:style>
+      </p:cxnSp>
+      <p:cxnSp>
+        <p:nvCxnSpPr>
+          <p:cNvPr id="38" name="Straight Arrow Connector 37">
+            <a:extLst>
+              <a:ext uri="{FF2B5EF4-FFF2-40B4-BE49-F238E27FC236}">
+                <a16:creationId xmlns:a16="http://schemas.microsoft.com/office/drawing/2014/main" id="{798D4E6B-762B-4CE0-BF73-182422DB4991}"/>
+              </a:ext>
+            </a:extLst>
+          </p:cNvPr>
+          <p:cNvCxnSpPr>
+            <a:stCxn id="16" idx="3"/>
+            <a:endCxn id="17" idx="1"/>
+          </p:cNvCxnSpPr>
+          <p:nvPr/>
+        </p:nvCxnSpPr>
+        <p:spPr>
+          <a:xfrm>
+            <a:off x="3392643" y="3661456"/>
+            <a:ext cx="189348" cy="1"/>
+          </a:xfrm>
+          <a:prstGeom prst="straightConnector1">
+            <a:avLst/>
+          </a:prstGeom>
+          <a:ln>
+            <a:tailEnd type="triangle"/>
+          </a:ln>
+        </p:spPr>
+        <p:style>
+          <a:lnRef idx="1">
+            <a:schemeClr val="dk1"/>
+          </a:lnRef>
+          <a:fillRef idx="0">
+            <a:schemeClr val="dk1"/>
+          </a:fillRef>
+          <a:effectRef idx="0">
+            <a:schemeClr val="dk1"/>
+          </a:effectRef>
+          <a:fontRef idx="minor">
+            <a:schemeClr val="tx1"/>
+          </a:fontRef>
+        </p:style>
+      </p:cxnSp>
+      <p:cxnSp>
+        <p:nvCxnSpPr>
+          <p:cNvPr id="44" name="Straight Arrow Connector 43">
+            <a:extLst>
+              <a:ext uri="{FF2B5EF4-FFF2-40B4-BE49-F238E27FC236}">
+                <a16:creationId xmlns:a16="http://schemas.microsoft.com/office/drawing/2014/main" id="{6A60667F-06B9-449B-B82A-CAD03BECE36A}"/>
+              </a:ext>
+            </a:extLst>
+          </p:cNvPr>
+          <p:cNvCxnSpPr>
+            <a:stCxn id="19" idx="3"/>
+            <a:endCxn id="20" idx="1"/>
+          </p:cNvCxnSpPr>
+          <p:nvPr/>
+        </p:nvCxnSpPr>
+        <p:spPr>
+          <a:xfrm>
+            <a:off x="4844736" y="4651602"/>
+            <a:ext cx="194512" cy="0"/>
+          </a:xfrm>
+          <a:prstGeom prst="straightConnector1">
+            <a:avLst/>
+          </a:prstGeom>
+          <a:ln>
+            <a:tailEnd type="triangle"/>
+          </a:ln>
+        </p:spPr>
+        <p:style>
+          <a:lnRef idx="1">
+            <a:schemeClr val="dk1"/>
+          </a:lnRef>
+          <a:fillRef idx="0">
+            <a:schemeClr val="dk1"/>
+          </a:fillRef>
+          <a:effectRef idx="0">
+            <a:schemeClr val="dk1"/>
+          </a:effectRef>
+          <a:fontRef idx="minor">
+            <a:schemeClr val="tx1"/>
+          </a:fontRef>
+        </p:style>
+      </p:cxnSp>
+      <p:cxnSp>
+        <p:nvCxnSpPr>
+          <p:cNvPr id="46" name="Straight Arrow Connector 45">
+            <a:extLst>
+              <a:ext uri="{FF2B5EF4-FFF2-40B4-BE49-F238E27FC236}">
+                <a16:creationId xmlns:a16="http://schemas.microsoft.com/office/drawing/2014/main" id="{D30C6E11-0D23-4FF1-B696-B33225C8592E}"/>
+              </a:ext>
+            </a:extLst>
+          </p:cNvPr>
+          <p:cNvCxnSpPr>
+            <a:stCxn id="20" idx="3"/>
+            <a:endCxn id="21" idx="1"/>
+          </p:cNvCxnSpPr>
+          <p:nvPr/>
+        </p:nvCxnSpPr>
+        <p:spPr>
+          <a:xfrm>
+            <a:off x="6293526" y="4651602"/>
+            <a:ext cx="265270" cy="0"/>
+          </a:xfrm>
+          <a:prstGeom prst="straightConnector1">
+            <a:avLst/>
+          </a:prstGeom>
+          <a:ln>
+            <a:tailEnd type="triangle"/>
+          </a:ln>
+        </p:spPr>
+        <p:style>
+          <a:lnRef idx="1">
+            <a:schemeClr val="dk1"/>
+          </a:lnRef>
+          <a:fillRef idx="0">
+            <a:schemeClr val="dk1"/>
+          </a:fillRef>
+          <a:effectRef idx="0">
+            <a:schemeClr val="dk1"/>
+          </a:effectRef>
+          <a:fontRef idx="minor">
+            <a:schemeClr val="tx1"/>
+          </a:fontRef>
+        </p:style>
+      </p:cxnSp>
+      <p:sp>
+        <p:nvSpPr>
+          <p:cNvPr id="41" name="Rectangle 40">
+            <a:extLst>
+              <a:ext uri="{FF2B5EF4-FFF2-40B4-BE49-F238E27FC236}">
+                <a16:creationId xmlns:a16="http://schemas.microsoft.com/office/drawing/2014/main" id="{F5FAF567-B16B-4FE0-AB69-E3348C93BC9C}"/>
               </a:ext>
             </a:extLst>
           </p:cNvPr>
@@ -9329,8 +9668,8 @@
         </p:nvSpPr>
         <p:spPr>
           <a:xfrm>
-            <a:off x="9455734" y="2240338"/>
-            <a:ext cx="946302" cy="350085"/>
+            <a:off x="6558796" y="3170734"/>
+            <a:ext cx="1254278" cy="350085"/>
           </a:xfrm>
           <a:prstGeom prst="rect">
             <a:avLst/>
@@ -9369,30 +9708,30 @@
                   <a:schemeClr val="tx1"/>
                 </a:solidFill>
               </a:rPr>
-              <a:t>enter</a:t>
+              <a:t>Wait for space</a:t>
             </a:r>
           </a:p>
         </p:txBody>
       </p:sp>
       <p:cxnSp>
         <p:nvCxnSpPr>
-          <p:cNvPr id="23" name="Straight Arrow Connector 22">
-            <a:extLst>
-              <a:ext uri="{FF2B5EF4-FFF2-40B4-BE49-F238E27FC236}">
-                <a16:creationId xmlns:a16="http://schemas.microsoft.com/office/drawing/2014/main" id="{65257630-E061-4717-9B51-56E6F45ED0F7}"/>
+          <p:cNvPr id="34" name="Straight Arrow Connector 33">
+            <a:extLst>
+              <a:ext uri="{FF2B5EF4-FFF2-40B4-BE49-F238E27FC236}">
+                <a16:creationId xmlns:a16="http://schemas.microsoft.com/office/drawing/2014/main" id="{0F70DE38-9231-47FF-9EA5-61D7F5E051D8}"/>
               </a:ext>
             </a:extLst>
           </p:cNvPr>
           <p:cNvCxnSpPr>
-            <a:stCxn id="8" idx="3"/>
-            <a:endCxn id="10" idx="1"/>
+            <a:stCxn id="17" idx="3"/>
+            <a:endCxn id="41" idx="1"/>
           </p:cNvCxnSpPr>
           <p:nvPr/>
         </p:nvCxnSpPr>
         <p:spPr>
           <a:xfrm flipV="1">
-            <a:off x="1912108" y="1309382"/>
-            <a:ext cx="234724" cy="3"/>
+            <a:off x="4836269" y="3345777"/>
+            <a:ext cx="1722527" cy="315680"/>
           </a:xfrm>
           <a:prstGeom prst="straightConnector1">
             <a:avLst/>
@@ -9418,302 +9757,10 @@
       </p:cxnSp>
       <p:cxnSp>
         <p:nvCxnSpPr>
-          <p:cNvPr id="25" name="Straight Arrow Connector 24">
-            <a:extLst>
-              <a:ext uri="{FF2B5EF4-FFF2-40B4-BE49-F238E27FC236}">
-                <a16:creationId xmlns:a16="http://schemas.microsoft.com/office/drawing/2014/main" id="{CF84D257-2542-44AB-9D9E-72D888B89824}"/>
-              </a:ext>
-            </a:extLst>
-          </p:cNvPr>
-          <p:cNvCxnSpPr>
-            <a:stCxn id="10" idx="3"/>
-            <a:endCxn id="11" idx="1"/>
-          </p:cNvCxnSpPr>
-          <p:nvPr/>
-        </p:nvCxnSpPr>
-        <p:spPr>
-          <a:xfrm>
-            <a:off x="3401110" y="1309382"/>
-            <a:ext cx="189348" cy="1"/>
-          </a:xfrm>
-          <a:prstGeom prst="straightConnector1">
-            <a:avLst/>
-          </a:prstGeom>
-          <a:ln>
-            <a:tailEnd type="triangle"/>
-          </a:ln>
-        </p:spPr>
-        <p:style>
-          <a:lnRef idx="1">
-            <a:schemeClr val="dk1"/>
-          </a:lnRef>
-          <a:fillRef idx="0">
-            <a:schemeClr val="dk1"/>
-          </a:fillRef>
-          <a:effectRef idx="0">
-            <a:schemeClr val="dk1"/>
-          </a:effectRef>
-          <a:fontRef idx="minor">
-            <a:schemeClr val="tx1"/>
-          </a:fontRef>
-        </p:style>
-      </p:cxnSp>
-      <p:cxnSp>
-        <p:nvCxnSpPr>
-          <p:cNvPr id="27" name="Straight Arrow Connector 26">
-            <a:extLst>
-              <a:ext uri="{FF2B5EF4-FFF2-40B4-BE49-F238E27FC236}">
-                <a16:creationId xmlns:a16="http://schemas.microsoft.com/office/drawing/2014/main" id="{903CAAC8-B363-4877-8372-5B32CC40EE64}"/>
-              </a:ext>
-            </a:extLst>
-          </p:cNvPr>
-          <p:cNvCxnSpPr>
-            <a:stCxn id="11" idx="3"/>
-            <a:endCxn id="12" idx="1"/>
-          </p:cNvCxnSpPr>
-          <p:nvPr/>
-        </p:nvCxnSpPr>
-        <p:spPr>
-          <a:xfrm flipV="1">
-            <a:off x="4844736" y="1309381"/>
-            <a:ext cx="202337" cy="2"/>
-          </a:xfrm>
-          <a:prstGeom prst="straightConnector1">
-            <a:avLst/>
-          </a:prstGeom>
-          <a:ln>
-            <a:tailEnd type="triangle"/>
-          </a:ln>
-        </p:spPr>
-        <p:style>
-          <a:lnRef idx="1">
-            <a:schemeClr val="dk1"/>
-          </a:lnRef>
-          <a:fillRef idx="0">
-            <a:schemeClr val="dk1"/>
-          </a:fillRef>
-          <a:effectRef idx="0">
-            <a:schemeClr val="dk1"/>
-          </a:effectRef>
-          <a:fontRef idx="minor">
-            <a:schemeClr val="tx1"/>
-          </a:fontRef>
-        </p:style>
-      </p:cxnSp>
-      <p:cxnSp>
-        <p:nvCxnSpPr>
-          <p:cNvPr id="29" name="Straight Arrow Connector 28">
-            <a:extLst>
-              <a:ext uri="{FF2B5EF4-FFF2-40B4-BE49-F238E27FC236}">
-                <a16:creationId xmlns:a16="http://schemas.microsoft.com/office/drawing/2014/main" id="{904CE1D2-CB0C-4D43-B4B1-030DD91CC13A}"/>
-              </a:ext>
-            </a:extLst>
-          </p:cNvPr>
-          <p:cNvCxnSpPr>
-            <a:stCxn id="12" idx="3"/>
-          </p:cNvCxnSpPr>
-          <p:nvPr/>
-        </p:nvCxnSpPr>
-        <p:spPr>
-          <a:xfrm>
-            <a:off x="6301351" y="1309381"/>
-            <a:ext cx="229560" cy="1"/>
-          </a:xfrm>
-          <a:prstGeom prst="straightConnector1">
-            <a:avLst/>
-          </a:prstGeom>
-          <a:ln>
-            <a:tailEnd type="triangle"/>
-          </a:ln>
-        </p:spPr>
-        <p:style>
-          <a:lnRef idx="1">
-            <a:schemeClr val="dk1"/>
-          </a:lnRef>
-          <a:fillRef idx="0">
-            <a:schemeClr val="dk1"/>
-          </a:fillRef>
-          <a:effectRef idx="0">
-            <a:schemeClr val="dk1"/>
-          </a:effectRef>
-          <a:fontRef idx="minor">
-            <a:schemeClr val="tx1"/>
-          </a:fontRef>
-        </p:style>
-      </p:cxnSp>
-      <p:cxnSp>
-        <p:nvCxnSpPr>
-          <p:cNvPr id="31" name="Straight Arrow Connector 30">
-            <a:extLst>
-              <a:ext uri="{FF2B5EF4-FFF2-40B4-BE49-F238E27FC236}">
-                <a16:creationId xmlns:a16="http://schemas.microsoft.com/office/drawing/2014/main" id="{9FF5D665-4C68-4E5F-85EF-5A146C2A4C3E}"/>
-              </a:ext>
-            </a:extLst>
-          </p:cNvPr>
-          <p:cNvCxnSpPr>
-            <a:stCxn id="13" idx="3"/>
-          </p:cNvCxnSpPr>
-          <p:nvPr/>
-        </p:nvCxnSpPr>
-        <p:spPr>
-          <a:xfrm flipV="1">
-            <a:off x="7750141" y="1309380"/>
-            <a:ext cx="237385" cy="1"/>
-          </a:xfrm>
-          <a:prstGeom prst="straightConnector1">
-            <a:avLst/>
-          </a:prstGeom>
-          <a:ln>
-            <a:tailEnd type="triangle"/>
-          </a:ln>
-        </p:spPr>
-        <p:style>
-          <a:lnRef idx="1">
-            <a:schemeClr val="dk1"/>
-          </a:lnRef>
-          <a:fillRef idx="0">
-            <a:schemeClr val="dk1"/>
-          </a:fillRef>
-          <a:effectRef idx="0">
-            <a:schemeClr val="dk1"/>
-          </a:effectRef>
-          <a:fontRef idx="minor">
-            <a:schemeClr val="tx1"/>
-          </a:fontRef>
-        </p:style>
-      </p:cxnSp>
-      <p:cxnSp>
-        <p:nvCxnSpPr>
-          <p:cNvPr id="33" name="Straight Arrow Connector 32">
-            <a:extLst>
-              <a:ext uri="{FF2B5EF4-FFF2-40B4-BE49-F238E27FC236}">
-                <a16:creationId xmlns:a16="http://schemas.microsoft.com/office/drawing/2014/main" id="{93F00D3D-AF51-4590-98F6-04036646F30B}"/>
-              </a:ext>
-            </a:extLst>
-          </p:cNvPr>
-          <p:cNvCxnSpPr>
-            <a:stCxn id="14" idx="3"/>
-            <a:endCxn id="15" idx="1"/>
-          </p:cNvCxnSpPr>
-          <p:nvPr/>
-        </p:nvCxnSpPr>
-        <p:spPr>
-          <a:xfrm flipV="1">
-            <a:off x="9198931" y="1303483"/>
-            <a:ext cx="237385" cy="5898"/>
-          </a:xfrm>
-          <a:prstGeom prst="straightConnector1">
-            <a:avLst/>
-          </a:prstGeom>
-          <a:ln>
-            <a:tailEnd type="triangle"/>
-          </a:ln>
-        </p:spPr>
-        <p:style>
-          <a:lnRef idx="1">
-            <a:schemeClr val="dk1"/>
-          </a:lnRef>
-          <a:fillRef idx="0">
-            <a:schemeClr val="dk1"/>
-          </a:fillRef>
-          <a:effectRef idx="0">
-            <a:schemeClr val="dk1"/>
-          </a:effectRef>
-          <a:fontRef idx="minor">
-            <a:schemeClr val="tx1"/>
-          </a:fontRef>
-        </p:style>
-      </p:cxnSp>
-      <p:cxnSp>
-        <p:nvCxnSpPr>
-          <p:cNvPr id="35" name="Straight Arrow Connector 34">
-            <a:extLst>
-              <a:ext uri="{FF2B5EF4-FFF2-40B4-BE49-F238E27FC236}">
-                <a16:creationId xmlns:a16="http://schemas.microsoft.com/office/drawing/2014/main" id="{476A2254-AEEC-48F7-B26F-8F90AC010212}"/>
-              </a:ext>
-            </a:extLst>
-          </p:cNvPr>
-          <p:cNvCxnSpPr>
-            <a:stCxn id="9" idx="3"/>
-            <a:endCxn id="16" idx="1"/>
-          </p:cNvCxnSpPr>
-          <p:nvPr/>
-        </p:nvCxnSpPr>
-        <p:spPr>
-          <a:xfrm flipV="1">
-            <a:off x="1912108" y="2415382"/>
-            <a:ext cx="226257" cy="3136"/>
-          </a:xfrm>
-          <a:prstGeom prst="straightConnector1">
-            <a:avLst/>
-          </a:prstGeom>
-          <a:ln>
-            <a:tailEnd type="triangle"/>
-          </a:ln>
-        </p:spPr>
-        <p:style>
-          <a:lnRef idx="1">
-            <a:schemeClr val="dk1"/>
-          </a:lnRef>
-          <a:fillRef idx="0">
-            <a:schemeClr val="dk1"/>
-          </a:fillRef>
-          <a:effectRef idx="0">
-            <a:schemeClr val="dk1"/>
-          </a:effectRef>
-          <a:fontRef idx="minor">
-            <a:schemeClr val="tx1"/>
-          </a:fontRef>
-        </p:style>
-      </p:cxnSp>
-      <p:cxnSp>
-        <p:nvCxnSpPr>
-          <p:cNvPr id="38" name="Straight Arrow Connector 37">
-            <a:extLst>
-              <a:ext uri="{FF2B5EF4-FFF2-40B4-BE49-F238E27FC236}">
-                <a16:creationId xmlns:a16="http://schemas.microsoft.com/office/drawing/2014/main" id="{798D4E6B-762B-4CE0-BF73-182422DB4991}"/>
-              </a:ext>
-            </a:extLst>
-          </p:cNvPr>
-          <p:cNvCxnSpPr>
-            <a:stCxn id="16" idx="3"/>
-            <a:endCxn id="17" idx="1"/>
-          </p:cNvCxnSpPr>
-          <p:nvPr/>
-        </p:nvCxnSpPr>
-        <p:spPr>
-          <a:xfrm>
-            <a:off x="3392643" y="2415382"/>
-            <a:ext cx="189348" cy="1"/>
-          </a:xfrm>
-          <a:prstGeom prst="straightConnector1">
-            <a:avLst/>
-          </a:prstGeom>
-          <a:ln>
-            <a:tailEnd type="triangle"/>
-          </a:ln>
-        </p:spPr>
-        <p:style>
-          <a:lnRef idx="1">
-            <a:schemeClr val="dk1"/>
-          </a:lnRef>
-          <a:fillRef idx="0">
-            <a:schemeClr val="dk1"/>
-          </a:fillRef>
-          <a:effectRef idx="0">
-            <a:schemeClr val="dk1"/>
-          </a:effectRef>
-          <a:fontRef idx="minor">
-            <a:schemeClr val="tx1"/>
-          </a:fontRef>
-        </p:style>
-      </p:cxnSp>
-      <p:cxnSp>
-        <p:nvCxnSpPr>
-          <p:cNvPr id="40" name="Straight Arrow Connector 39">
-            <a:extLst>
-              <a:ext uri="{FF2B5EF4-FFF2-40B4-BE49-F238E27FC236}">
-                <a16:creationId xmlns:a16="http://schemas.microsoft.com/office/drawing/2014/main" id="{C8C85453-E59C-4DC1-8C27-FDFF9ED81EA1}"/>
+          <p:cNvPr id="37" name="Straight Arrow Connector 36">
+            <a:extLst>
+              <a:ext uri="{FF2B5EF4-FFF2-40B4-BE49-F238E27FC236}">
+                <a16:creationId xmlns:a16="http://schemas.microsoft.com/office/drawing/2014/main" id="{EB0B9DAE-D948-4EF7-AA84-567183887930}"/>
               </a:ext>
             </a:extLst>
           </p:cNvPr>
@@ -9724,9 +9771,238 @@
           <p:nvPr/>
         </p:nvCxnSpPr>
         <p:spPr>
+          <a:xfrm>
+            <a:off x="4836269" y="3661457"/>
+            <a:ext cx="1722527" cy="283277"/>
+          </a:xfrm>
+          <a:prstGeom prst="straightConnector1">
+            <a:avLst/>
+          </a:prstGeom>
+          <a:ln>
+            <a:tailEnd type="triangle"/>
+          </a:ln>
+        </p:spPr>
+        <p:style>
+          <a:lnRef idx="1">
+            <a:schemeClr val="dk1"/>
+          </a:lnRef>
+          <a:fillRef idx="0">
+            <a:schemeClr val="dk1"/>
+          </a:fillRef>
+          <a:effectRef idx="0">
+            <a:schemeClr val="dk1"/>
+          </a:effectRef>
+          <a:fontRef idx="minor">
+            <a:schemeClr val="tx1"/>
+          </a:fontRef>
+        </p:style>
+      </p:cxnSp>
+      <p:sp>
+        <p:nvSpPr>
+          <p:cNvPr id="47" name="TextBox 46">
+            <a:extLst>
+              <a:ext uri="{FF2B5EF4-FFF2-40B4-BE49-F238E27FC236}">
+                <a16:creationId xmlns:a16="http://schemas.microsoft.com/office/drawing/2014/main" id="{15AD53B7-F611-427C-A91F-A7B462B03B60}"/>
+              </a:ext>
+            </a:extLst>
+          </p:cNvPr>
+          <p:cNvSpPr txBox="1"/>
+          <p:nvPr/>
+        </p:nvSpPr>
+        <p:spPr>
+          <a:xfrm rot="548518">
+            <a:off x="5203760" y="3806044"/>
+            <a:ext cx="925253" cy="230832"/>
+          </a:xfrm>
+          <a:prstGeom prst="rect">
+            <a:avLst/>
+          </a:prstGeom>
+          <a:noFill/>
+        </p:spPr>
+        <p:txBody>
+          <a:bodyPr wrap="none" rtlCol="0">
+            <a:spAutoFit/>
+          </a:bodyPr>
+          <a:lstStyle/>
+          <a:p>
+            <a:r>
+              <a:rPr lang="en-US" sz="900" b="1" dirty="0"/>
+              <a:t>Space available</a:t>
+            </a:r>
+          </a:p>
+        </p:txBody>
+      </p:sp>
+      <p:sp>
+        <p:nvSpPr>
+          <p:cNvPr id="48" name="TextBox 47">
+            <a:extLst>
+              <a:ext uri="{FF2B5EF4-FFF2-40B4-BE49-F238E27FC236}">
+                <a16:creationId xmlns:a16="http://schemas.microsoft.com/office/drawing/2014/main" id="{45BC6B9F-DB02-4C20-B324-BA25F832008B}"/>
+              </a:ext>
+            </a:extLst>
+          </p:cNvPr>
+          <p:cNvSpPr txBox="1"/>
+          <p:nvPr/>
+        </p:nvSpPr>
+        <p:spPr>
+          <a:xfrm rot="20964480">
+            <a:off x="5138370" y="3271100"/>
+            <a:ext cx="1050288" cy="230832"/>
+          </a:xfrm>
+          <a:prstGeom prst="rect">
+            <a:avLst/>
+          </a:prstGeom>
+          <a:noFill/>
+        </p:spPr>
+        <p:txBody>
+          <a:bodyPr wrap="none" rtlCol="0">
+            <a:spAutoFit/>
+          </a:bodyPr>
+          <a:lstStyle/>
+          <a:p>
+            <a:r>
+              <a:rPr lang="en-US" sz="900" b="1" dirty="0"/>
+              <a:t>Space unavailable</a:t>
+            </a:r>
+          </a:p>
+        </p:txBody>
+      </p:sp>
+      <p:sp>
+        <p:nvSpPr>
+          <p:cNvPr id="49" name="Rectangle 48">
+            <a:extLst>
+              <a:ext uri="{FF2B5EF4-FFF2-40B4-BE49-F238E27FC236}">
+                <a16:creationId xmlns:a16="http://schemas.microsoft.com/office/drawing/2014/main" id="{A8877239-BE05-443F-B06C-31E414438B33}"/>
+              </a:ext>
+            </a:extLst>
+          </p:cNvPr>
+          <p:cNvSpPr/>
+          <p:nvPr/>
+        </p:nvSpPr>
+        <p:spPr>
+          <a:xfrm>
+            <a:off x="6567263" y="1418664"/>
+            <a:ext cx="1254278" cy="350085"/>
+          </a:xfrm>
+          <a:prstGeom prst="rect">
+            <a:avLst/>
+          </a:prstGeom>
+          <a:noFill/>
+          <a:ln>
+            <a:solidFill>
+              <a:schemeClr val="tx1"/>
+            </a:solidFill>
+          </a:ln>
+        </p:spPr>
+        <p:style>
+          <a:lnRef idx="2">
+            <a:schemeClr val="accent1">
+              <a:shade val="50000"/>
+            </a:schemeClr>
+          </a:lnRef>
+          <a:fillRef idx="1">
+            <a:schemeClr val="accent1"/>
+          </a:fillRef>
+          <a:effectRef idx="0">
+            <a:schemeClr val="accent1"/>
+          </a:effectRef>
+          <a:fontRef idx="minor">
+            <a:schemeClr val="lt1"/>
+          </a:fontRef>
+        </p:style>
+        <p:txBody>
+          <a:bodyPr rtlCol="0" anchor="ctr"/>
+          <a:lstStyle/>
+          <a:p>
+            <a:pPr algn="ctr"/>
+            <a:r>
+              <a:rPr lang="en-US" sz="900" b="1" dirty="0">
+                <a:solidFill>
+                  <a:schemeClr val="tx1"/>
+                </a:solidFill>
+              </a:rPr>
+              <a:t>Board escalator</a:t>
+            </a:r>
+          </a:p>
+        </p:txBody>
+      </p:sp>
+      <p:sp>
+        <p:nvSpPr>
+          <p:cNvPr id="50" name="Rectangle 49">
+            <a:extLst>
+              <a:ext uri="{FF2B5EF4-FFF2-40B4-BE49-F238E27FC236}">
+                <a16:creationId xmlns:a16="http://schemas.microsoft.com/office/drawing/2014/main" id="{BC998AF3-B612-4DE2-A829-62ADC53DF70E}"/>
+              </a:ext>
+            </a:extLst>
+          </p:cNvPr>
+          <p:cNvSpPr/>
+          <p:nvPr/>
+        </p:nvSpPr>
+        <p:spPr>
+          <a:xfrm>
+            <a:off x="6567263" y="819707"/>
+            <a:ext cx="1254278" cy="350085"/>
+          </a:xfrm>
+          <a:prstGeom prst="rect">
+            <a:avLst/>
+          </a:prstGeom>
+          <a:noFill/>
+          <a:ln>
+            <a:solidFill>
+              <a:schemeClr val="tx1"/>
+            </a:solidFill>
+          </a:ln>
+        </p:spPr>
+        <p:style>
+          <a:lnRef idx="2">
+            <a:schemeClr val="accent1">
+              <a:shade val="50000"/>
+            </a:schemeClr>
+          </a:lnRef>
+          <a:fillRef idx="1">
+            <a:schemeClr val="accent1"/>
+          </a:fillRef>
+          <a:effectRef idx="0">
+            <a:schemeClr val="accent1"/>
+          </a:effectRef>
+          <a:fontRef idx="minor">
+            <a:schemeClr val="lt1"/>
+          </a:fontRef>
+        </p:style>
+        <p:txBody>
+          <a:bodyPr rtlCol="0" anchor="ctr"/>
+          <a:lstStyle/>
+          <a:p>
+            <a:pPr algn="ctr"/>
+            <a:r>
+              <a:rPr lang="en-US" sz="900" b="1" dirty="0">
+                <a:solidFill>
+                  <a:schemeClr val="tx1"/>
+                </a:solidFill>
+              </a:rPr>
+              <a:t>Wait for space</a:t>
+            </a:r>
+          </a:p>
+        </p:txBody>
+      </p:sp>
+      <p:cxnSp>
+        <p:nvCxnSpPr>
+          <p:cNvPr id="51" name="Straight Arrow Connector 50">
+            <a:extLst>
+              <a:ext uri="{FF2B5EF4-FFF2-40B4-BE49-F238E27FC236}">
+                <a16:creationId xmlns:a16="http://schemas.microsoft.com/office/drawing/2014/main" id="{D88702F8-8ACF-4F3B-BF00-2858BB0C981E}"/>
+              </a:ext>
+            </a:extLst>
+          </p:cNvPr>
+          <p:cNvCxnSpPr>
+            <a:endCxn id="50" idx="1"/>
+          </p:cNvCxnSpPr>
+          <p:nvPr/>
+        </p:nvCxnSpPr>
+        <p:spPr>
           <a:xfrm flipV="1">
-            <a:off x="4836269" y="2415381"/>
-            <a:ext cx="202337" cy="2"/>
+            <a:off x="4844736" y="994750"/>
+            <a:ext cx="1722527" cy="315680"/>
           </a:xfrm>
           <a:prstGeom prst="straightConnector1">
             <a:avLst/>
@@ -9752,10 +10028,167 @@
       </p:cxnSp>
       <p:cxnSp>
         <p:nvCxnSpPr>
-          <p:cNvPr id="42" name="Straight Arrow Connector 41">
-            <a:extLst>
-              <a:ext uri="{FF2B5EF4-FFF2-40B4-BE49-F238E27FC236}">
-                <a16:creationId xmlns:a16="http://schemas.microsoft.com/office/drawing/2014/main" id="{5370D3B0-4870-4383-B4BB-09B18D19A53E}"/>
+          <p:cNvPr id="52" name="Straight Arrow Connector 51">
+            <a:extLst>
+              <a:ext uri="{FF2B5EF4-FFF2-40B4-BE49-F238E27FC236}">
+                <a16:creationId xmlns:a16="http://schemas.microsoft.com/office/drawing/2014/main" id="{D86EF00D-B79B-4399-8C31-B5CFA08671A6}"/>
+              </a:ext>
+            </a:extLst>
+          </p:cNvPr>
+          <p:cNvCxnSpPr>
+            <a:endCxn id="49" idx="1"/>
+          </p:cNvCxnSpPr>
+          <p:nvPr/>
+        </p:nvCxnSpPr>
+        <p:spPr>
+          <a:xfrm>
+            <a:off x="4844736" y="1310430"/>
+            <a:ext cx="1722527" cy="283277"/>
+          </a:xfrm>
+          <a:prstGeom prst="straightConnector1">
+            <a:avLst/>
+          </a:prstGeom>
+          <a:ln>
+            <a:tailEnd type="triangle"/>
+          </a:ln>
+        </p:spPr>
+        <p:style>
+          <a:lnRef idx="1">
+            <a:schemeClr val="dk1"/>
+          </a:lnRef>
+          <a:fillRef idx="0">
+            <a:schemeClr val="dk1"/>
+          </a:fillRef>
+          <a:effectRef idx="0">
+            <a:schemeClr val="dk1"/>
+          </a:effectRef>
+          <a:fontRef idx="minor">
+            <a:schemeClr val="tx1"/>
+          </a:fontRef>
+        </p:style>
+      </p:cxnSp>
+      <p:sp>
+        <p:nvSpPr>
+          <p:cNvPr id="53" name="TextBox 52">
+            <a:extLst>
+              <a:ext uri="{FF2B5EF4-FFF2-40B4-BE49-F238E27FC236}">
+                <a16:creationId xmlns:a16="http://schemas.microsoft.com/office/drawing/2014/main" id="{AA55B2AA-A57F-43FE-AAEA-E0F3277C688F}"/>
+              </a:ext>
+            </a:extLst>
+          </p:cNvPr>
+          <p:cNvSpPr txBox="1"/>
+          <p:nvPr/>
+        </p:nvSpPr>
+        <p:spPr>
+          <a:xfrm rot="548518">
+            <a:off x="5212227" y="1455017"/>
+            <a:ext cx="925253" cy="230832"/>
+          </a:xfrm>
+          <a:prstGeom prst="rect">
+            <a:avLst/>
+          </a:prstGeom>
+          <a:noFill/>
+        </p:spPr>
+        <p:txBody>
+          <a:bodyPr wrap="none" rtlCol="0">
+            <a:spAutoFit/>
+          </a:bodyPr>
+          <a:lstStyle/>
+          <a:p>
+            <a:r>
+              <a:rPr lang="en-US" sz="900" b="1" dirty="0"/>
+              <a:t>Space available</a:t>
+            </a:r>
+          </a:p>
+        </p:txBody>
+      </p:sp>
+      <p:sp>
+        <p:nvSpPr>
+          <p:cNvPr id="54" name="TextBox 53">
+            <a:extLst>
+              <a:ext uri="{FF2B5EF4-FFF2-40B4-BE49-F238E27FC236}">
+                <a16:creationId xmlns:a16="http://schemas.microsoft.com/office/drawing/2014/main" id="{DE46B9DB-5DAC-4082-ABAA-1E435E0AA5AB}"/>
+              </a:ext>
+            </a:extLst>
+          </p:cNvPr>
+          <p:cNvSpPr txBox="1"/>
+          <p:nvPr/>
+        </p:nvSpPr>
+        <p:spPr>
+          <a:xfrm rot="20964480">
+            <a:off x="5146837" y="920073"/>
+            <a:ext cx="1050288" cy="230832"/>
+          </a:xfrm>
+          <a:prstGeom prst="rect">
+            <a:avLst/>
+          </a:prstGeom>
+          <a:noFill/>
+        </p:spPr>
+        <p:txBody>
+          <a:bodyPr wrap="none" rtlCol="0">
+            <a:spAutoFit/>
+          </a:bodyPr>
+          <a:lstStyle/>
+          <a:p>
+            <a:r>
+              <a:rPr lang="en-US" sz="900" b="1" dirty="0"/>
+              <a:t>Space unavailable</a:t>
+            </a:r>
+          </a:p>
+        </p:txBody>
+      </p:sp>
+      <p:cxnSp>
+        <p:nvCxnSpPr>
+          <p:cNvPr id="56" name="Connector: Elbow 55">
+            <a:extLst>
+              <a:ext uri="{FF2B5EF4-FFF2-40B4-BE49-F238E27FC236}">
+                <a16:creationId xmlns:a16="http://schemas.microsoft.com/office/drawing/2014/main" id="{D202C988-60AE-4296-A09F-FE4EA61BE12A}"/>
+              </a:ext>
+            </a:extLst>
+          </p:cNvPr>
+          <p:cNvCxnSpPr>
+            <a:stCxn id="49" idx="3"/>
+            <a:endCxn id="13" idx="1"/>
+          </p:cNvCxnSpPr>
+          <p:nvPr/>
+        </p:nvCxnSpPr>
+        <p:spPr>
+          <a:xfrm flipH="1">
+            <a:off x="3581991" y="1593707"/>
+            <a:ext cx="4239550" cy="658227"/>
+          </a:xfrm>
+          <a:prstGeom prst="bentConnector5">
+            <a:avLst>
+              <a:gd name="adj1" fmla="val -5392"/>
+              <a:gd name="adj2" fmla="val 50000"/>
+              <a:gd name="adj3" fmla="val 105392"/>
+            </a:avLst>
+          </a:prstGeom>
+          <a:ln>
+            <a:tailEnd type="triangle"/>
+          </a:ln>
+        </p:spPr>
+        <p:style>
+          <a:lnRef idx="1">
+            <a:schemeClr val="dk1"/>
+          </a:lnRef>
+          <a:fillRef idx="0">
+            <a:schemeClr val="dk1"/>
+          </a:fillRef>
+          <a:effectRef idx="0">
+            <a:schemeClr val="dk1"/>
+          </a:effectRef>
+          <a:fontRef idx="minor">
+            <a:schemeClr val="tx1"/>
+          </a:fontRef>
+        </p:style>
+      </p:cxnSp>
+      <p:cxnSp>
+        <p:nvCxnSpPr>
+          <p:cNvPr id="58" name="Connector: Elbow 57">
+            <a:extLst>
+              <a:ext uri="{FF2B5EF4-FFF2-40B4-BE49-F238E27FC236}">
+                <a16:creationId xmlns:a16="http://schemas.microsoft.com/office/drawing/2014/main" id="{FE381CFE-9630-426B-8E61-CFC0996F6892}"/>
               </a:ext>
             </a:extLst>
           </p:cNvPr>
@@ -9766,12 +10199,16 @@
           <p:nvPr/>
         </p:nvCxnSpPr>
         <p:spPr>
-          <a:xfrm>
-            <a:off x="6292884" y="2415381"/>
-            <a:ext cx="194512" cy="0"/>
-          </a:xfrm>
-          <a:prstGeom prst="straightConnector1">
-            <a:avLst/>
+          <a:xfrm flipH="1">
+            <a:off x="3590458" y="3944734"/>
+            <a:ext cx="4222616" cy="706868"/>
+          </a:xfrm>
+          <a:prstGeom prst="bentConnector5">
+            <a:avLst>
+              <a:gd name="adj1" fmla="val -5414"/>
+              <a:gd name="adj2" fmla="val 50000"/>
+              <a:gd name="adj3" fmla="val 105414"/>
+            </a:avLst>
           </a:prstGeom>
           <a:ln>
             <a:tailEnd type="triangle"/>
@@ -9794,23 +10231,23 @@
       </p:cxnSp>
       <p:cxnSp>
         <p:nvCxnSpPr>
-          <p:cNvPr id="44" name="Straight Arrow Connector 43">
-            <a:extLst>
-              <a:ext uri="{FF2B5EF4-FFF2-40B4-BE49-F238E27FC236}">
-                <a16:creationId xmlns:a16="http://schemas.microsoft.com/office/drawing/2014/main" id="{6A60667F-06B9-449B-B82A-CAD03BECE36A}"/>
+          <p:cNvPr id="60" name="Straight Arrow Connector 59">
+            <a:extLst>
+              <a:ext uri="{FF2B5EF4-FFF2-40B4-BE49-F238E27FC236}">
+                <a16:creationId xmlns:a16="http://schemas.microsoft.com/office/drawing/2014/main" id="{E5310F61-BB36-40B2-9470-162BF1CABEB3}"/>
               </a:ext>
             </a:extLst>
           </p:cNvPr>
           <p:cNvCxnSpPr>
-            <a:stCxn id="19" idx="3"/>
-            <a:endCxn id="20" idx="1"/>
+            <a:stCxn id="50" idx="2"/>
+            <a:endCxn id="49" idx="0"/>
           </p:cNvCxnSpPr>
           <p:nvPr/>
         </p:nvCxnSpPr>
         <p:spPr>
           <a:xfrm>
-            <a:off x="7741674" y="2415381"/>
-            <a:ext cx="194512" cy="0"/>
+            <a:off x="7194402" y="1169792"/>
+            <a:ext cx="0" cy="248872"/>
           </a:xfrm>
           <a:prstGeom prst="straightConnector1">
             <a:avLst/>
@@ -9836,23 +10273,23 @@
       </p:cxnSp>
       <p:cxnSp>
         <p:nvCxnSpPr>
-          <p:cNvPr id="46" name="Straight Arrow Connector 45">
-            <a:extLst>
-              <a:ext uri="{FF2B5EF4-FFF2-40B4-BE49-F238E27FC236}">
-                <a16:creationId xmlns:a16="http://schemas.microsoft.com/office/drawing/2014/main" id="{D30C6E11-0D23-4FF1-B696-B33225C8592E}"/>
+          <p:cNvPr id="62" name="Straight Arrow Connector 61">
+            <a:extLst>
+              <a:ext uri="{FF2B5EF4-FFF2-40B4-BE49-F238E27FC236}">
+                <a16:creationId xmlns:a16="http://schemas.microsoft.com/office/drawing/2014/main" id="{2BD781C7-958B-41CE-8394-4618B486B109}"/>
               </a:ext>
             </a:extLst>
           </p:cNvPr>
           <p:cNvCxnSpPr>
-            <a:stCxn id="20" idx="3"/>
-            <a:endCxn id="21" idx="1"/>
+            <a:stCxn id="41" idx="2"/>
+            <a:endCxn id="18" idx="0"/>
           </p:cNvCxnSpPr>
           <p:nvPr/>
         </p:nvCxnSpPr>
         <p:spPr>
           <a:xfrm>
-            <a:off x="9190464" y="2415381"/>
-            <a:ext cx="265270" cy="0"/>
+            <a:off x="7185935" y="3520819"/>
+            <a:ext cx="0" cy="248872"/>
           </a:xfrm>
           <a:prstGeom prst="straightConnector1">
             <a:avLst/>

--- a/images/Image-Bank.pptx
+++ b/images/Image-Bank.pptx
@@ -4,6 +4,9 @@
   <p:sldMasterIdLst>
     <p:sldMasterId id="2147483648" r:id="rId1"/>
   </p:sldMasterIdLst>
+  <p:notesMasterIdLst>
+    <p:notesMasterId r:id="rId11"/>
+  </p:notesMasterIdLst>
   <p:sldIdLst>
     <p:sldId id="256" r:id="rId2"/>
     <p:sldId id="264" r:id="rId3"/>
@@ -13,6 +16,7 @@
     <p:sldId id="267" r:id="rId7"/>
     <p:sldId id="263" r:id="rId8"/>
     <p:sldId id="268" r:id="rId9"/>
+    <p:sldId id="269" r:id="rId10"/>
   </p:sldIdLst>
   <p:sldSz cx="12192000" cy="6858000"/>
   <p:notesSz cx="6858000" cy="9144000"/>
@@ -131,6 +135,439 @@
 </p:cmAuthorLst>
 </file>
 
+<file path=ppt/notesMasters/notesMaster1.xml><?xml version="1.0" encoding="utf-8"?>
+<p:notesMaster xmlns:a="http://schemas.openxmlformats.org/drawingml/2006/main" xmlns:r="http://schemas.openxmlformats.org/officeDocument/2006/relationships" xmlns:p="http://schemas.openxmlformats.org/presentationml/2006/main">
+  <p:cSld>
+    <p:bg>
+      <p:bgRef idx="1001">
+        <a:schemeClr val="bg1"/>
+      </p:bgRef>
+    </p:bg>
+    <p:spTree>
+      <p:nvGrpSpPr>
+        <p:cNvPr id="1" name=""/>
+        <p:cNvGrpSpPr/>
+        <p:nvPr/>
+      </p:nvGrpSpPr>
+      <p:grpSpPr>
+        <a:xfrm>
+          <a:off x="0" y="0"/>
+          <a:ext cx="0" cy="0"/>
+          <a:chOff x="0" y="0"/>
+          <a:chExt cx="0" cy="0"/>
+        </a:xfrm>
+      </p:grpSpPr>
+      <p:sp>
+        <p:nvSpPr>
+          <p:cNvPr id="2" name="Header Placeholder 1"/>
+          <p:cNvSpPr>
+            <a:spLocks noGrp="1"/>
+          </p:cNvSpPr>
+          <p:nvPr>
+            <p:ph type="hdr" sz="quarter"/>
+          </p:nvPr>
+        </p:nvSpPr>
+        <p:spPr>
+          <a:xfrm>
+            <a:off x="0" y="0"/>
+            <a:ext cx="2971800" cy="458788"/>
+          </a:xfrm>
+          <a:prstGeom prst="rect">
+            <a:avLst/>
+          </a:prstGeom>
+        </p:spPr>
+        <p:txBody>
+          <a:bodyPr vert="horz" lIns="91440" tIns="45720" rIns="91440" bIns="45720" rtlCol="0"/>
+          <a:lstStyle>
+            <a:lvl1pPr algn="l">
+              <a:defRPr sz="1200"/>
+            </a:lvl1pPr>
+          </a:lstStyle>
+          <a:p>
+            <a:endParaRPr lang="en-US" dirty="0"/>
+          </a:p>
+        </p:txBody>
+      </p:sp>
+      <p:sp>
+        <p:nvSpPr>
+          <p:cNvPr id="3" name="Date Placeholder 2"/>
+          <p:cNvSpPr>
+            <a:spLocks noGrp="1"/>
+          </p:cNvSpPr>
+          <p:nvPr>
+            <p:ph type="dt" idx="1"/>
+          </p:nvPr>
+        </p:nvSpPr>
+        <p:spPr>
+          <a:xfrm>
+            <a:off x="3884613" y="0"/>
+            <a:ext cx="2971800" cy="458788"/>
+          </a:xfrm>
+          <a:prstGeom prst="rect">
+            <a:avLst/>
+          </a:prstGeom>
+        </p:spPr>
+        <p:txBody>
+          <a:bodyPr vert="horz" lIns="91440" tIns="45720" rIns="91440" bIns="45720" rtlCol="0"/>
+          <a:lstStyle>
+            <a:lvl1pPr algn="r">
+              <a:defRPr sz="1200"/>
+            </a:lvl1pPr>
+          </a:lstStyle>
+          <a:p>
+            <a:fld id="{D68FB3DE-AF6C-4086-8DF5-C0BF94B31E38}" type="datetimeFigureOut">
+              <a:rPr lang="en-US" smtClean="0"/>
+              <a:t>9/21/2019</a:t>
+            </a:fld>
+            <a:endParaRPr lang="en-US" dirty="0"/>
+          </a:p>
+        </p:txBody>
+      </p:sp>
+      <p:sp>
+        <p:nvSpPr>
+          <p:cNvPr id="4" name="Slide Image Placeholder 3"/>
+          <p:cNvSpPr>
+            <a:spLocks noGrp="1" noRot="1" noChangeAspect="1"/>
+          </p:cNvSpPr>
+          <p:nvPr>
+            <p:ph type="sldImg" idx="2"/>
+          </p:nvPr>
+        </p:nvSpPr>
+        <p:spPr>
+          <a:xfrm>
+            <a:off x="685800" y="1143000"/>
+            <a:ext cx="5486400" cy="3086100"/>
+          </a:xfrm>
+          <a:prstGeom prst="rect">
+            <a:avLst/>
+          </a:prstGeom>
+          <a:noFill/>
+          <a:ln w="12700">
+            <a:solidFill>
+              <a:prstClr val="black"/>
+            </a:solidFill>
+          </a:ln>
+        </p:spPr>
+        <p:txBody>
+          <a:bodyPr vert="horz" lIns="91440" tIns="45720" rIns="91440" bIns="45720" rtlCol="0" anchor="ctr"/>
+          <a:lstStyle/>
+          <a:p>
+            <a:endParaRPr lang="en-US" dirty="0"/>
+          </a:p>
+        </p:txBody>
+      </p:sp>
+      <p:sp>
+        <p:nvSpPr>
+          <p:cNvPr id="5" name="Notes Placeholder 4"/>
+          <p:cNvSpPr>
+            <a:spLocks noGrp="1"/>
+          </p:cNvSpPr>
+          <p:nvPr>
+            <p:ph type="body" sz="quarter" idx="3"/>
+          </p:nvPr>
+        </p:nvSpPr>
+        <p:spPr>
+          <a:xfrm>
+            <a:off x="685800" y="4400550"/>
+            <a:ext cx="5486400" cy="3600450"/>
+          </a:xfrm>
+          <a:prstGeom prst="rect">
+            <a:avLst/>
+          </a:prstGeom>
+        </p:spPr>
+        <p:txBody>
+          <a:bodyPr vert="horz" lIns="91440" tIns="45720" rIns="91440" bIns="45720" rtlCol="0"/>
+          <a:lstStyle/>
+          <a:p>
+            <a:pPr lvl="0"/>
+            <a:r>
+              <a:rPr lang="en-US"/>
+              <a:t>Click to edit Master text styles</a:t>
+            </a:r>
+          </a:p>
+          <a:p>
+            <a:pPr lvl="1"/>
+            <a:r>
+              <a:rPr lang="en-US"/>
+              <a:t>Second level</a:t>
+            </a:r>
+          </a:p>
+          <a:p>
+            <a:pPr lvl="2"/>
+            <a:r>
+              <a:rPr lang="en-US"/>
+              <a:t>Third level</a:t>
+            </a:r>
+          </a:p>
+          <a:p>
+            <a:pPr lvl="3"/>
+            <a:r>
+              <a:rPr lang="en-US"/>
+              <a:t>Fourth level</a:t>
+            </a:r>
+          </a:p>
+          <a:p>
+            <a:pPr lvl="4"/>
+            <a:r>
+              <a:rPr lang="en-US"/>
+              <a:t>Fifth level</a:t>
+            </a:r>
+          </a:p>
+        </p:txBody>
+      </p:sp>
+      <p:sp>
+        <p:nvSpPr>
+          <p:cNvPr id="6" name="Footer Placeholder 5"/>
+          <p:cNvSpPr>
+            <a:spLocks noGrp="1"/>
+          </p:cNvSpPr>
+          <p:nvPr>
+            <p:ph type="ftr" sz="quarter" idx="4"/>
+          </p:nvPr>
+        </p:nvSpPr>
+        <p:spPr>
+          <a:xfrm>
+            <a:off x="0" y="8685213"/>
+            <a:ext cx="2971800" cy="458787"/>
+          </a:xfrm>
+          <a:prstGeom prst="rect">
+            <a:avLst/>
+          </a:prstGeom>
+        </p:spPr>
+        <p:txBody>
+          <a:bodyPr vert="horz" lIns="91440" tIns="45720" rIns="91440" bIns="45720" rtlCol="0" anchor="b"/>
+          <a:lstStyle>
+            <a:lvl1pPr algn="l">
+              <a:defRPr sz="1200"/>
+            </a:lvl1pPr>
+          </a:lstStyle>
+          <a:p>
+            <a:endParaRPr lang="en-US" dirty="0"/>
+          </a:p>
+        </p:txBody>
+      </p:sp>
+      <p:sp>
+        <p:nvSpPr>
+          <p:cNvPr id="7" name="Slide Number Placeholder 6"/>
+          <p:cNvSpPr>
+            <a:spLocks noGrp="1"/>
+          </p:cNvSpPr>
+          <p:nvPr>
+            <p:ph type="sldNum" sz="quarter" idx="5"/>
+          </p:nvPr>
+        </p:nvSpPr>
+        <p:spPr>
+          <a:xfrm>
+            <a:off x="3884613" y="8685213"/>
+            <a:ext cx="2971800" cy="458787"/>
+          </a:xfrm>
+          <a:prstGeom prst="rect">
+            <a:avLst/>
+          </a:prstGeom>
+        </p:spPr>
+        <p:txBody>
+          <a:bodyPr vert="horz" lIns="91440" tIns="45720" rIns="91440" bIns="45720" rtlCol="0" anchor="b"/>
+          <a:lstStyle>
+            <a:lvl1pPr algn="r">
+              <a:defRPr sz="1200"/>
+            </a:lvl1pPr>
+          </a:lstStyle>
+          <a:p>
+            <a:fld id="{AF4369F5-CC26-42EC-86EB-B7F581F2BF7A}" type="slidenum">
+              <a:rPr lang="en-US" smtClean="0"/>
+              <a:t>‹#›</a:t>
+            </a:fld>
+            <a:endParaRPr lang="en-US" dirty="0"/>
+          </a:p>
+        </p:txBody>
+      </p:sp>
+    </p:spTree>
+    <p:extLst>
+      <p:ext uri="{BB962C8B-B14F-4D97-AF65-F5344CB8AC3E}">
+        <p14:creationId xmlns:p14="http://schemas.microsoft.com/office/powerpoint/2010/main" val="581515324"/>
+      </p:ext>
+    </p:extLst>
+  </p:cSld>
+  <p:clrMap bg1="lt1" tx1="dk1" bg2="lt2" tx2="dk2" accent1="accent1" accent2="accent2" accent3="accent3" accent4="accent4" accent5="accent5" accent6="accent6" hlink="hlink" folHlink="folHlink"/>
+  <p:notesStyle>
+    <a:lvl1pPr marL="0" algn="l" defTabSz="914400" rtl="0" eaLnBrk="1" latinLnBrk="0" hangingPunct="1">
+      <a:defRPr sz="1200" kern="1200">
+        <a:solidFill>
+          <a:schemeClr val="tx1"/>
+        </a:solidFill>
+        <a:latin typeface="+mn-lt"/>
+        <a:ea typeface="+mn-ea"/>
+        <a:cs typeface="+mn-cs"/>
+      </a:defRPr>
+    </a:lvl1pPr>
+    <a:lvl2pPr marL="457200" algn="l" defTabSz="914400" rtl="0" eaLnBrk="1" latinLnBrk="0" hangingPunct="1">
+      <a:defRPr sz="1200" kern="1200">
+        <a:solidFill>
+          <a:schemeClr val="tx1"/>
+        </a:solidFill>
+        <a:latin typeface="+mn-lt"/>
+        <a:ea typeface="+mn-ea"/>
+        <a:cs typeface="+mn-cs"/>
+      </a:defRPr>
+    </a:lvl2pPr>
+    <a:lvl3pPr marL="914400" algn="l" defTabSz="914400" rtl="0" eaLnBrk="1" latinLnBrk="0" hangingPunct="1">
+      <a:defRPr sz="1200" kern="1200">
+        <a:solidFill>
+          <a:schemeClr val="tx1"/>
+        </a:solidFill>
+        <a:latin typeface="+mn-lt"/>
+        <a:ea typeface="+mn-ea"/>
+        <a:cs typeface="+mn-cs"/>
+      </a:defRPr>
+    </a:lvl3pPr>
+    <a:lvl4pPr marL="1371600" algn="l" defTabSz="914400" rtl="0" eaLnBrk="1" latinLnBrk="0" hangingPunct="1">
+      <a:defRPr sz="1200" kern="1200">
+        <a:solidFill>
+          <a:schemeClr val="tx1"/>
+        </a:solidFill>
+        <a:latin typeface="+mn-lt"/>
+        <a:ea typeface="+mn-ea"/>
+        <a:cs typeface="+mn-cs"/>
+      </a:defRPr>
+    </a:lvl4pPr>
+    <a:lvl5pPr marL="1828800" algn="l" defTabSz="914400" rtl="0" eaLnBrk="1" latinLnBrk="0" hangingPunct="1">
+      <a:defRPr sz="1200" kern="1200">
+        <a:solidFill>
+          <a:schemeClr val="tx1"/>
+        </a:solidFill>
+        <a:latin typeface="+mn-lt"/>
+        <a:ea typeface="+mn-ea"/>
+        <a:cs typeface="+mn-cs"/>
+      </a:defRPr>
+    </a:lvl5pPr>
+    <a:lvl6pPr marL="2286000" algn="l" defTabSz="914400" rtl="0" eaLnBrk="1" latinLnBrk="0" hangingPunct="1">
+      <a:defRPr sz="1200" kern="1200">
+        <a:solidFill>
+          <a:schemeClr val="tx1"/>
+        </a:solidFill>
+        <a:latin typeface="+mn-lt"/>
+        <a:ea typeface="+mn-ea"/>
+        <a:cs typeface="+mn-cs"/>
+      </a:defRPr>
+    </a:lvl6pPr>
+    <a:lvl7pPr marL="2743200" algn="l" defTabSz="914400" rtl="0" eaLnBrk="1" latinLnBrk="0" hangingPunct="1">
+      <a:defRPr sz="1200" kern="1200">
+        <a:solidFill>
+          <a:schemeClr val="tx1"/>
+        </a:solidFill>
+        <a:latin typeface="+mn-lt"/>
+        <a:ea typeface="+mn-ea"/>
+        <a:cs typeface="+mn-cs"/>
+      </a:defRPr>
+    </a:lvl7pPr>
+    <a:lvl8pPr marL="3200400" algn="l" defTabSz="914400" rtl="0" eaLnBrk="1" latinLnBrk="0" hangingPunct="1">
+      <a:defRPr sz="1200" kern="1200">
+        <a:solidFill>
+          <a:schemeClr val="tx1"/>
+        </a:solidFill>
+        <a:latin typeface="+mn-lt"/>
+        <a:ea typeface="+mn-ea"/>
+        <a:cs typeface="+mn-cs"/>
+      </a:defRPr>
+    </a:lvl8pPr>
+    <a:lvl9pPr marL="3657600" algn="l" defTabSz="914400" rtl="0" eaLnBrk="1" latinLnBrk="0" hangingPunct="1">
+      <a:defRPr sz="1200" kern="1200">
+        <a:solidFill>
+          <a:schemeClr val="tx1"/>
+        </a:solidFill>
+        <a:latin typeface="+mn-lt"/>
+        <a:ea typeface="+mn-ea"/>
+        <a:cs typeface="+mn-cs"/>
+      </a:defRPr>
+    </a:lvl9pPr>
+  </p:notesStyle>
+</p:notesMaster>
+</file>
+
+<file path=ppt/notesSlides/notesSlide1.xml><?xml version="1.0" encoding="utf-8"?>
+<p:notes xmlns:a="http://schemas.openxmlformats.org/drawingml/2006/main" xmlns:r="http://schemas.openxmlformats.org/officeDocument/2006/relationships" xmlns:p="http://schemas.openxmlformats.org/presentationml/2006/main">
+  <p:cSld>
+    <p:spTree>
+      <p:nvGrpSpPr>
+        <p:cNvPr id="1" name=""/>
+        <p:cNvGrpSpPr/>
+        <p:nvPr/>
+      </p:nvGrpSpPr>
+      <p:grpSpPr>
+        <a:xfrm>
+          <a:off x="0" y="0"/>
+          <a:ext cx="0" cy="0"/>
+          <a:chOff x="0" y="0"/>
+          <a:chExt cx="0" cy="0"/>
+        </a:xfrm>
+      </p:grpSpPr>
+      <p:sp>
+        <p:nvSpPr>
+          <p:cNvPr id="2" name="Slide Image Placeholder 1"/>
+          <p:cNvSpPr>
+            <a:spLocks noGrp="1" noRot="1" noChangeAspect="1"/>
+          </p:cNvSpPr>
+          <p:nvPr>
+            <p:ph type="sldImg"/>
+          </p:nvPr>
+        </p:nvSpPr>
+        <p:spPr/>
+      </p:sp>
+      <p:sp>
+        <p:nvSpPr>
+          <p:cNvPr id="3" name="Notes Placeholder 2"/>
+          <p:cNvSpPr>
+            <a:spLocks noGrp="1"/>
+          </p:cNvSpPr>
+          <p:nvPr>
+            <p:ph type="body" idx="1"/>
+          </p:nvPr>
+        </p:nvSpPr>
+        <p:spPr/>
+        <p:txBody>
+          <a:bodyPr/>
+          <a:lstStyle/>
+          <a:p>
+            <a:endParaRPr lang="en-US" dirty="0"/>
+          </a:p>
+        </p:txBody>
+      </p:sp>
+      <p:sp>
+        <p:nvSpPr>
+          <p:cNvPr id="4" name="Slide Number Placeholder 3"/>
+          <p:cNvSpPr>
+            <a:spLocks noGrp="1"/>
+          </p:cNvSpPr>
+          <p:nvPr>
+            <p:ph type="sldNum" sz="quarter" idx="5"/>
+          </p:nvPr>
+        </p:nvSpPr>
+        <p:spPr/>
+        <p:txBody>
+          <a:bodyPr/>
+          <a:lstStyle/>
+          <a:p>
+            <a:fld id="{AF4369F5-CC26-42EC-86EB-B7F581F2BF7A}" type="slidenum">
+              <a:rPr lang="en-US" smtClean="0"/>
+              <a:t>9</a:t>
+            </a:fld>
+            <a:endParaRPr lang="en-US" dirty="0"/>
+          </a:p>
+        </p:txBody>
+      </p:sp>
+    </p:spTree>
+    <p:extLst>
+      <p:ext uri="{BB962C8B-B14F-4D97-AF65-F5344CB8AC3E}">
+        <p14:creationId xmlns:p14="http://schemas.microsoft.com/office/powerpoint/2010/main" val="2918582672"/>
+      </p:ext>
+    </p:extLst>
+  </p:cSld>
+  <p:clrMapOvr>
+    <a:masterClrMapping/>
+  </p:clrMapOvr>
+</p:notes>
+</file>
+
 <file path=ppt/slideLayouts/slideLayout1.xml><?xml version="1.0" encoding="utf-8"?>
 <p:sldLayout xmlns:a="http://schemas.openxmlformats.org/drawingml/2006/main" xmlns:r="http://schemas.openxmlformats.org/officeDocument/2006/relationships" xmlns:p="http://schemas.openxmlformats.org/presentationml/2006/main" type="title" preserve="1">
   <p:cSld name="Title Slide">
@@ -278,7 +715,7 @@
           <a:p>
             <a:fld id="{F91AC8E1-66F4-4D62-98DF-EBF70E550C22}" type="datetimeFigureOut">
               <a:rPr lang="en-US" smtClean="0"/>
-              <a:t>9/7/2019</a:t>
+              <a:t>9/21/2019</a:t>
             </a:fld>
             <a:endParaRPr lang="en-US" dirty="0"/>
           </a:p>
@@ -476,7 +913,7 @@
           <a:p>
             <a:fld id="{F91AC8E1-66F4-4D62-98DF-EBF70E550C22}" type="datetimeFigureOut">
               <a:rPr lang="en-US" smtClean="0"/>
-              <a:t>9/7/2019</a:t>
+              <a:t>9/21/2019</a:t>
             </a:fld>
             <a:endParaRPr lang="en-US" dirty="0"/>
           </a:p>
@@ -684,7 +1121,7 @@
           <a:p>
             <a:fld id="{F91AC8E1-66F4-4D62-98DF-EBF70E550C22}" type="datetimeFigureOut">
               <a:rPr lang="en-US" smtClean="0"/>
-              <a:t>9/7/2019</a:t>
+              <a:t>9/21/2019</a:t>
             </a:fld>
             <a:endParaRPr lang="en-US" dirty="0"/>
           </a:p>
@@ -882,7 +1319,7 @@
           <a:p>
             <a:fld id="{F91AC8E1-66F4-4D62-98DF-EBF70E550C22}" type="datetimeFigureOut">
               <a:rPr lang="en-US" smtClean="0"/>
-              <a:t>9/7/2019</a:t>
+              <a:t>9/21/2019</a:t>
             </a:fld>
             <a:endParaRPr lang="en-US" dirty="0"/>
           </a:p>
@@ -1157,7 +1594,7 @@
           <a:p>
             <a:fld id="{F91AC8E1-66F4-4D62-98DF-EBF70E550C22}" type="datetimeFigureOut">
               <a:rPr lang="en-US" smtClean="0"/>
-              <a:t>9/7/2019</a:t>
+              <a:t>9/21/2019</a:t>
             </a:fld>
             <a:endParaRPr lang="en-US" dirty="0"/>
           </a:p>
@@ -1422,7 +1859,7 @@
           <a:p>
             <a:fld id="{F91AC8E1-66F4-4D62-98DF-EBF70E550C22}" type="datetimeFigureOut">
               <a:rPr lang="en-US" smtClean="0"/>
-              <a:t>9/7/2019</a:t>
+              <a:t>9/21/2019</a:t>
             </a:fld>
             <a:endParaRPr lang="en-US" dirty="0"/>
           </a:p>
@@ -1834,7 +2271,7 @@
           <a:p>
             <a:fld id="{F91AC8E1-66F4-4D62-98DF-EBF70E550C22}" type="datetimeFigureOut">
               <a:rPr lang="en-US" smtClean="0"/>
-              <a:t>9/7/2019</a:t>
+              <a:t>9/21/2019</a:t>
             </a:fld>
             <a:endParaRPr lang="en-US" dirty="0"/>
           </a:p>
@@ -1975,7 +2412,7 @@
           <a:p>
             <a:fld id="{F91AC8E1-66F4-4D62-98DF-EBF70E550C22}" type="datetimeFigureOut">
               <a:rPr lang="en-US" smtClean="0"/>
-              <a:t>9/7/2019</a:t>
+              <a:t>9/21/2019</a:t>
             </a:fld>
             <a:endParaRPr lang="en-US" dirty="0"/>
           </a:p>
@@ -2088,7 +2525,7 @@
           <a:p>
             <a:fld id="{F91AC8E1-66F4-4D62-98DF-EBF70E550C22}" type="datetimeFigureOut">
               <a:rPr lang="en-US" smtClean="0"/>
-              <a:t>9/7/2019</a:t>
+              <a:t>9/21/2019</a:t>
             </a:fld>
             <a:endParaRPr lang="en-US" dirty="0"/>
           </a:p>
@@ -2399,7 +2836,7 @@
           <a:p>
             <a:fld id="{F91AC8E1-66F4-4D62-98DF-EBF70E550C22}" type="datetimeFigureOut">
               <a:rPr lang="en-US" smtClean="0"/>
-              <a:t>9/7/2019</a:t>
+              <a:t>9/21/2019</a:t>
             </a:fld>
             <a:endParaRPr lang="en-US" dirty="0"/>
           </a:p>
@@ -2687,7 +3124,7 @@
           <a:p>
             <a:fld id="{F91AC8E1-66F4-4D62-98DF-EBF70E550C22}" type="datetimeFigureOut">
               <a:rPr lang="en-US" smtClean="0"/>
-              <a:t>9/7/2019</a:t>
+              <a:t>9/21/2019</a:t>
             </a:fld>
             <a:endParaRPr lang="en-US" dirty="0"/>
           </a:p>
@@ -2928,7 +3365,7 @@
           <a:p>
             <a:fld id="{F91AC8E1-66F4-4D62-98DF-EBF70E550C22}" type="datetimeFigureOut">
               <a:rPr lang="en-US" smtClean="0"/>
-              <a:t>9/7/2019</a:t>
+              <a:t>9/21/2019</a:t>
             </a:fld>
             <a:endParaRPr lang="en-US" dirty="0"/>
           </a:p>
@@ -17453,6 +17890,3366 @@
 </p:sld>
 </file>
 
+<file path=ppt/slides/slide9.xml><?xml version="1.0" encoding="utf-8"?>
+<p:sld xmlns:a="http://schemas.openxmlformats.org/drawingml/2006/main" xmlns:r="http://schemas.openxmlformats.org/officeDocument/2006/relationships" xmlns:p="http://schemas.openxmlformats.org/presentationml/2006/main">
+  <p:cSld>
+    <p:spTree>
+      <p:nvGrpSpPr>
+        <p:cNvPr id="1" name=""/>
+        <p:cNvGrpSpPr/>
+        <p:nvPr/>
+      </p:nvGrpSpPr>
+      <p:grpSpPr>
+        <a:xfrm>
+          <a:off x="0" y="0"/>
+          <a:ext cx="0" cy="0"/>
+          <a:chOff x="0" y="0"/>
+          <a:chExt cx="0" cy="0"/>
+        </a:xfrm>
+      </p:grpSpPr>
+      <p:sp>
+        <p:nvSpPr>
+          <p:cNvPr id="4" name="Rectangle 3">
+            <a:extLst>
+              <a:ext uri="{FF2B5EF4-FFF2-40B4-BE49-F238E27FC236}">
+                <a16:creationId xmlns:a16="http://schemas.microsoft.com/office/drawing/2014/main" id="{D812F767-A0F3-41FE-B2E1-C1E97B864655}"/>
+              </a:ext>
+            </a:extLst>
+          </p:cNvPr>
+          <p:cNvSpPr/>
+          <p:nvPr/>
+        </p:nvSpPr>
+        <p:spPr>
+          <a:xfrm>
+            <a:off x="351923" y="201530"/>
+            <a:ext cx="1315453" cy="198520"/>
+          </a:xfrm>
+          <a:prstGeom prst="rect">
+            <a:avLst/>
+          </a:prstGeom>
+          <a:noFill/>
+          <a:ln>
+            <a:solidFill>
+              <a:schemeClr val="tx1"/>
+            </a:solidFill>
+          </a:ln>
+        </p:spPr>
+        <p:style>
+          <a:lnRef idx="2">
+            <a:schemeClr val="accent1">
+              <a:shade val="50000"/>
+            </a:schemeClr>
+          </a:lnRef>
+          <a:fillRef idx="1">
+            <a:schemeClr val="accent1"/>
+          </a:fillRef>
+          <a:effectRef idx="0">
+            <a:schemeClr val="accent1"/>
+          </a:effectRef>
+          <a:fontRef idx="minor">
+            <a:schemeClr val="lt1"/>
+          </a:fontRef>
+        </p:style>
+        <p:txBody>
+          <a:bodyPr rtlCol="0" anchor="ctr"/>
+          <a:lstStyle/>
+          <a:p>
+            <a:r>
+              <a:rPr lang="en-US" sz="900" dirty="0">
+                <a:solidFill>
+                  <a:schemeClr val="tx1"/>
+                </a:solidFill>
+              </a:rPr>
+              <a:t>POTS</a:t>
+            </a:r>
+          </a:p>
+        </p:txBody>
+      </p:sp>
+      <p:sp>
+        <p:nvSpPr>
+          <p:cNvPr id="5" name="Rectangle 4">
+            <a:extLst>
+              <a:ext uri="{FF2B5EF4-FFF2-40B4-BE49-F238E27FC236}">
+                <a16:creationId xmlns:a16="http://schemas.microsoft.com/office/drawing/2014/main" id="{D833F6A9-726A-4680-AD89-389E9B59E40C}"/>
+              </a:ext>
+            </a:extLst>
+          </p:cNvPr>
+          <p:cNvSpPr/>
+          <p:nvPr/>
+        </p:nvSpPr>
+        <p:spPr>
+          <a:xfrm>
+            <a:off x="351923" y="400051"/>
+            <a:ext cx="1315453" cy="168441"/>
+          </a:xfrm>
+          <a:prstGeom prst="rect">
+            <a:avLst/>
+          </a:prstGeom>
+          <a:noFill/>
+          <a:ln>
+            <a:solidFill>
+              <a:schemeClr val="tx1"/>
+            </a:solidFill>
+          </a:ln>
+        </p:spPr>
+        <p:style>
+          <a:lnRef idx="2">
+            <a:schemeClr val="accent1">
+              <a:shade val="50000"/>
+            </a:schemeClr>
+          </a:lnRef>
+          <a:fillRef idx="1">
+            <a:schemeClr val="accent1"/>
+          </a:fillRef>
+          <a:effectRef idx="0">
+            <a:schemeClr val="accent1"/>
+          </a:effectRef>
+          <a:fontRef idx="minor">
+            <a:schemeClr val="lt1"/>
+          </a:fontRef>
+        </p:style>
+        <p:txBody>
+          <a:bodyPr rtlCol="0" anchor="ctr"/>
+          <a:lstStyle/>
+          <a:p>
+            <a:endParaRPr lang="en-US" sz="600" dirty="0">
+              <a:solidFill>
+                <a:schemeClr val="tx1"/>
+              </a:solidFill>
+            </a:endParaRPr>
+          </a:p>
+        </p:txBody>
+      </p:sp>
+      <p:sp>
+        <p:nvSpPr>
+          <p:cNvPr id="6" name="Rectangle 5">
+            <a:extLst>
+              <a:ext uri="{FF2B5EF4-FFF2-40B4-BE49-F238E27FC236}">
+                <a16:creationId xmlns:a16="http://schemas.microsoft.com/office/drawing/2014/main" id="{8F9D459E-9F4A-467F-A65A-0B301B58EC56}"/>
+              </a:ext>
+            </a:extLst>
+          </p:cNvPr>
+          <p:cNvSpPr/>
+          <p:nvPr/>
+        </p:nvSpPr>
+        <p:spPr>
+          <a:xfrm>
+            <a:off x="351918" y="568492"/>
+            <a:ext cx="1315453" cy="646700"/>
+          </a:xfrm>
+          <a:prstGeom prst="rect">
+            <a:avLst/>
+          </a:prstGeom>
+          <a:noFill/>
+          <a:ln>
+            <a:solidFill>
+              <a:schemeClr val="tx1"/>
+            </a:solidFill>
+          </a:ln>
+        </p:spPr>
+        <p:style>
+          <a:lnRef idx="2">
+            <a:schemeClr val="accent1">
+              <a:shade val="50000"/>
+            </a:schemeClr>
+          </a:lnRef>
+          <a:fillRef idx="1">
+            <a:schemeClr val="accent1"/>
+          </a:fillRef>
+          <a:effectRef idx="0">
+            <a:schemeClr val="accent1"/>
+          </a:effectRef>
+          <a:fontRef idx="minor">
+            <a:schemeClr val="lt1"/>
+          </a:fontRef>
+        </p:style>
+        <p:txBody>
+          <a:bodyPr rtlCol="0" anchor="ctr"/>
+          <a:lstStyle/>
+          <a:p>
+            <a:r>
+              <a:rPr lang="en-US" sz="600" dirty="0">
+                <a:solidFill>
+                  <a:schemeClr val="tx1"/>
+                </a:solidFill>
+              </a:rPr>
+              <a:t>WaitForKeyPress(): </a:t>
+            </a:r>
+          </a:p>
+          <a:p>
+            <a:r>
+              <a:rPr lang="en-US" sz="600" dirty="0">
+                <a:solidFill>
+                  <a:schemeClr val="tx1"/>
+                </a:solidFill>
+              </a:rPr>
+              <a:t>CreatePlants ():</a:t>
+            </a:r>
+          </a:p>
+          <a:p>
+            <a:r>
+              <a:rPr lang="en-US" sz="600" dirty="0">
+                <a:solidFill>
+                  <a:schemeClr val="tx1"/>
+                </a:solidFill>
+              </a:rPr>
+              <a:t>Simulate():</a:t>
+            </a:r>
+          </a:p>
+          <a:p>
+            <a:r>
+              <a:rPr lang="en-US" sz="600" dirty="0">
+                <a:solidFill>
+                  <a:schemeClr val="tx1"/>
+                </a:solidFill>
+              </a:rPr>
+              <a:t>Main():</a:t>
+            </a:r>
+          </a:p>
+        </p:txBody>
+      </p:sp>
+      <p:sp>
+        <p:nvSpPr>
+          <p:cNvPr id="12" name="Rectangle 11">
+            <a:extLst>
+              <a:ext uri="{FF2B5EF4-FFF2-40B4-BE49-F238E27FC236}">
+                <a16:creationId xmlns:a16="http://schemas.microsoft.com/office/drawing/2014/main" id="{0705B30D-EDF3-4CFB-8634-E3BF0D7E97FE}"/>
+              </a:ext>
+            </a:extLst>
+          </p:cNvPr>
+          <p:cNvSpPr/>
+          <p:nvPr/>
+        </p:nvSpPr>
+        <p:spPr>
+          <a:xfrm>
+            <a:off x="4653379" y="1512378"/>
+            <a:ext cx="750704" cy="198520"/>
+          </a:xfrm>
+          <a:prstGeom prst="rect">
+            <a:avLst/>
+          </a:prstGeom>
+          <a:noFill/>
+          <a:ln>
+            <a:solidFill>
+              <a:schemeClr val="tx1"/>
+            </a:solidFill>
+          </a:ln>
+        </p:spPr>
+        <p:style>
+          <a:lnRef idx="2">
+            <a:schemeClr val="accent1">
+              <a:shade val="50000"/>
+            </a:schemeClr>
+          </a:lnRef>
+          <a:fillRef idx="1">
+            <a:schemeClr val="accent1"/>
+          </a:fillRef>
+          <a:effectRef idx="0">
+            <a:schemeClr val="accent1"/>
+          </a:effectRef>
+          <a:fontRef idx="minor">
+            <a:schemeClr val="lt1"/>
+          </a:fontRef>
+        </p:style>
+        <p:txBody>
+          <a:bodyPr rtlCol="0" anchor="ctr"/>
+          <a:lstStyle/>
+          <a:p>
+            <a:r>
+              <a:rPr lang="en-US" sz="900" dirty="0">
+                <a:solidFill>
+                  <a:schemeClr val="tx1"/>
+                </a:solidFill>
+              </a:rPr>
+              <a:t>Stringbean</a:t>
+            </a:r>
+          </a:p>
+        </p:txBody>
+      </p:sp>
+      <p:sp>
+        <p:nvSpPr>
+          <p:cNvPr id="13" name="Rectangle 12">
+            <a:extLst>
+              <a:ext uri="{FF2B5EF4-FFF2-40B4-BE49-F238E27FC236}">
+                <a16:creationId xmlns:a16="http://schemas.microsoft.com/office/drawing/2014/main" id="{B5B6AE46-753F-4276-A689-4ED57C24362F}"/>
+              </a:ext>
+            </a:extLst>
+          </p:cNvPr>
+          <p:cNvSpPr/>
+          <p:nvPr/>
+        </p:nvSpPr>
+        <p:spPr>
+          <a:xfrm>
+            <a:off x="4653379" y="1710899"/>
+            <a:ext cx="750704" cy="457200"/>
+          </a:xfrm>
+          <a:prstGeom prst="rect">
+            <a:avLst/>
+          </a:prstGeom>
+          <a:noFill/>
+          <a:ln>
+            <a:solidFill>
+              <a:schemeClr val="tx1"/>
+            </a:solidFill>
+          </a:ln>
+        </p:spPr>
+        <p:style>
+          <a:lnRef idx="2">
+            <a:schemeClr val="accent1">
+              <a:shade val="50000"/>
+            </a:schemeClr>
+          </a:lnRef>
+          <a:fillRef idx="1">
+            <a:schemeClr val="accent1"/>
+          </a:fillRef>
+          <a:effectRef idx="0">
+            <a:schemeClr val="accent1"/>
+          </a:effectRef>
+          <a:fontRef idx="minor">
+            <a:schemeClr val="lt1"/>
+          </a:fontRef>
+        </p:style>
+        <p:txBody>
+          <a:bodyPr rtlCol="0" anchor="ctr"/>
+          <a:lstStyle/>
+          <a:p>
+            <a:r>
+              <a:rPr lang="en-US" sz="600" dirty="0">
+                <a:solidFill>
+                  <a:schemeClr val="tx1"/>
+                </a:solidFill>
+              </a:rPr>
+              <a:t>Length(): float</a:t>
+            </a:r>
+          </a:p>
+          <a:p>
+            <a:r>
+              <a:rPr lang="en-US" sz="600" dirty="0">
+                <a:solidFill>
+                  <a:schemeClr val="tx1"/>
+                </a:solidFill>
+              </a:rPr>
+              <a:t>Radius(): float</a:t>
+            </a:r>
+          </a:p>
+        </p:txBody>
+      </p:sp>
+      <p:sp>
+        <p:nvSpPr>
+          <p:cNvPr id="14" name="Rectangle 13">
+            <a:extLst>
+              <a:ext uri="{FF2B5EF4-FFF2-40B4-BE49-F238E27FC236}">
+                <a16:creationId xmlns:a16="http://schemas.microsoft.com/office/drawing/2014/main" id="{FD729147-7BE9-447E-81A3-85F4CC99C6CD}"/>
+              </a:ext>
+            </a:extLst>
+          </p:cNvPr>
+          <p:cNvSpPr/>
+          <p:nvPr/>
+        </p:nvSpPr>
+        <p:spPr>
+          <a:xfrm>
+            <a:off x="4653378" y="2168099"/>
+            <a:ext cx="750704" cy="354931"/>
+          </a:xfrm>
+          <a:prstGeom prst="rect">
+            <a:avLst/>
+          </a:prstGeom>
+          <a:noFill/>
+          <a:ln>
+            <a:solidFill>
+              <a:schemeClr val="tx1"/>
+            </a:solidFill>
+          </a:ln>
+        </p:spPr>
+        <p:style>
+          <a:lnRef idx="2">
+            <a:schemeClr val="accent1">
+              <a:shade val="50000"/>
+            </a:schemeClr>
+          </a:lnRef>
+          <a:fillRef idx="1">
+            <a:schemeClr val="accent1"/>
+          </a:fillRef>
+          <a:effectRef idx="0">
+            <a:schemeClr val="accent1"/>
+          </a:effectRef>
+          <a:fontRef idx="minor">
+            <a:schemeClr val="lt1"/>
+          </a:fontRef>
+        </p:style>
+        <p:txBody>
+          <a:bodyPr rtlCol="0" anchor="ctr"/>
+          <a:lstStyle/>
+          <a:p>
+            <a:r>
+              <a:rPr lang="en-US" sz="600" dirty="0">
+                <a:solidFill>
+                  <a:schemeClr val="tx1"/>
+                </a:solidFill>
+              </a:rPr>
+              <a:t>Volume(): float</a:t>
+            </a:r>
+          </a:p>
+          <a:p>
+            <a:r>
+              <a:rPr lang="en-US" sz="600" dirty="0">
+                <a:solidFill>
+                  <a:schemeClr val="tx1"/>
+                </a:solidFill>
+              </a:rPr>
+              <a:t>Grow(): float</a:t>
+            </a:r>
+          </a:p>
+        </p:txBody>
+      </p:sp>
+      <p:sp>
+        <p:nvSpPr>
+          <p:cNvPr id="15" name="Rectangle 14">
+            <a:extLst>
+              <a:ext uri="{FF2B5EF4-FFF2-40B4-BE49-F238E27FC236}">
+                <a16:creationId xmlns:a16="http://schemas.microsoft.com/office/drawing/2014/main" id="{FF4E14DF-0207-4A16-8463-F888F75E775A}"/>
+              </a:ext>
+            </a:extLst>
+          </p:cNvPr>
+          <p:cNvSpPr/>
+          <p:nvPr/>
+        </p:nvSpPr>
+        <p:spPr>
+          <a:xfrm>
+            <a:off x="1820347" y="1515932"/>
+            <a:ext cx="873241" cy="198520"/>
+          </a:xfrm>
+          <a:prstGeom prst="rect">
+            <a:avLst/>
+          </a:prstGeom>
+          <a:noFill/>
+          <a:ln>
+            <a:solidFill>
+              <a:schemeClr val="tx1"/>
+            </a:solidFill>
+          </a:ln>
+        </p:spPr>
+        <p:style>
+          <a:lnRef idx="2">
+            <a:schemeClr val="accent1">
+              <a:shade val="50000"/>
+            </a:schemeClr>
+          </a:lnRef>
+          <a:fillRef idx="1">
+            <a:schemeClr val="accent1"/>
+          </a:fillRef>
+          <a:effectRef idx="0">
+            <a:schemeClr val="accent1"/>
+          </a:effectRef>
+          <a:fontRef idx="minor">
+            <a:schemeClr val="lt1"/>
+          </a:fontRef>
+        </p:style>
+        <p:txBody>
+          <a:bodyPr rtlCol="0" anchor="ctr"/>
+          <a:lstStyle/>
+          <a:p>
+            <a:r>
+              <a:rPr lang="en-US" sz="900" dirty="0">
+                <a:solidFill>
+                  <a:schemeClr val="tx1"/>
+                </a:solidFill>
+              </a:rPr>
+              <a:t>Pepper</a:t>
+            </a:r>
+          </a:p>
+        </p:txBody>
+      </p:sp>
+      <p:sp>
+        <p:nvSpPr>
+          <p:cNvPr id="16" name="Rectangle 15">
+            <a:extLst>
+              <a:ext uri="{FF2B5EF4-FFF2-40B4-BE49-F238E27FC236}">
+                <a16:creationId xmlns:a16="http://schemas.microsoft.com/office/drawing/2014/main" id="{978388D4-EC6E-4A60-AD88-F6C34FD6B8D2}"/>
+              </a:ext>
+            </a:extLst>
+          </p:cNvPr>
+          <p:cNvSpPr/>
+          <p:nvPr/>
+        </p:nvSpPr>
+        <p:spPr>
+          <a:xfrm>
+            <a:off x="1820347" y="1714453"/>
+            <a:ext cx="873241" cy="457200"/>
+          </a:xfrm>
+          <a:prstGeom prst="rect">
+            <a:avLst/>
+          </a:prstGeom>
+          <a:noFill/>
+          <a:ln>
+            <a:solidFill>
+              <a:schemeClr val="tx1"/>
+            </a:solidFill>
+          </a:ln>
+        </p:spPr>
+        <p:style>
+          <a:lnRef idx="2">
+            <a:schemeClr val="accent1">
+              <a:shade val="50000"/>
+            </a:schemeClr>
+          </a:lnRef>
+          <a:fillRef idx="1">
+            <a:schemeClr val="accent1"/>
+          </a:fillRef>
+          <a:effectRef idx="0">
+            <a:schemeClr val="accent1"/>
+          </a:effectRef>
+          <a:fontRef idx="minor">
+            <a:schemeClr val="lt1"/>
+          </a:fontRef>
+        </p:style>
+        <p:txBody>
+          <a:bodyPr rtlCol="0" anchor="ctr"/>
+          <a:lstStyle/>
+          <a:p>
+            <a:r>
+              <a:rPr lang="en-US" sz="600" dirty="0">
+                <a:solidFill>
+                  <a:schemeClr val="tx1"/>
+                </a:solidFill>
+              </a:rPr>
+              <a:t>Length(): float</a:t>
+            </a:r>
+          </a:p>
+          <a:p>
+            <a:r>
+              <a:rPr lang="en-US" sz="600" dirty="0">
+                <a:solidFill>
+                  <a:schemeClr val="tx1"/>
+                </a:solidFill>
+              </a:rPr>
+              <a:t>Radius(): float</a:t>
+            </a:r>
+          </a:p>
+        </p:txBody>
+      </p:sp>
+      <p:sp>
+        <p:nvSpPr>
+          <p:cNvPr id="17" name="Rectangle 16">
+            <a:extLst>
+              <a:ext uri="{FF2B5EF4-FFF2-40B4-BE49-F238E27FC236}">
+                <a16:creationId xmlns:a16="http://schemas.microsoft.com/office/drawing/2014/main" id="{23F13ECD-EBCB-473D-8726-AA709155D0D9}"/>
+              </a:ext>
+            </a:extLst>
+          </p:cNvPr>
+          <p:cNvSpPr/>
+          <p:nvPr/>
+        </p:nvSpPr>
+        <p:spPr>
+          <a:xfrm>
+            <a:off x="1820346" y="2171653"/>
+            <a:ext cx="873241" cy="354931"/>
+          </a:xfrm>
+          <a:prstGeom prst="rect">
+            <a:avLst/>
+          </a:prstGeom>
+          <a:noFill/>
+          <a:ln>
+            <a:solidFill>
+              <a:schemeClr val="tx1"/>
+            </a:solidFill>
+          </a:ln>
+        </p:spPr>
+        <p:style>
+          <a:lnRef idx="2">
+            <a:schemeClr val="accent1">
+              <a:shade val="50000"/>
+            </a:schemeClr>
+          </a:lnRef>
+          <a:fillRef idx="1">
+            <a:schemeClr val="accent1"/>
+          </a:fillRef>
+          <a:effectRef idx="0">
+            <a:schemeClr val="accent1"/>
+          </a:effectRef>
+          <a:fontRef idx="minor">
+            <a:schemeClr val="lt1"/>
+          </a:fontRef>
+        </p:style>
+        <p:txBody>
+          <a:bodyPr rtlCol="0" anchor="ctr"/>
+          <a:lstStyle/>
+          <a:p>
+            <a:r>
+              <a:rPr lang="en-US" sz="600" dirty="0">
+                <a:solidFill>
+                  <a:schemeClr val="tx1"/>
+                </a:solidFill>
+              </a:rPr>
+              <a:t>Volume(): float</a:t>
+            </a:r>
+          </a:p>
+          <a:p>
+            <a:r>
+              <a:rPr lang="en-US" sz="600" dirty="0">
+                <a:solidFill>
+                  <a:schemeClr val="tx1"/>
+                </a:solidFill>
+              </a:rPr>
+              <a:t>Grow(): float</a:t>
+            </a:r>
+          </a:p>
+        </p:txBody>
+      </p:sp>
+      <p:sp>
+        <p:nvSpPr>
+          <p:cNvPr id="18" name="Rectangle 17">
+            <a:extLst>
+              <a:ext uri="{FF2B5EF4-FFF2-40B4-BE49-F238E27FC236}">
+                <a16:creationId xmlns:a16="http://schemas.microsoft.com/office/drawing/2014/main" id="{01CDAEA5-9C86-4EA5-B9B1-37F5799B0704}"/>
+              </a:ext>
+            </a:extLst>
+          </p:cNvPr>
+          <p:cNvSpPr/>
+          <p:nvPr/>
+        </p:nvSpPr>
+        <p:spPr>
+          <a:xfrm>
+            <a:off x="2869295" y="1512380"/>
+            <a:ext cx="750704" cy="198520"/>
+          </a:xfrm>
+          <a:prstGeom prst="rect">
+            <a:avLst/>
+          </a:prstGeom>
+          <a:noFill/>
+          <a:ln>
+            <a:solidFill>
+              <a:schemeClr val="tx1"/>
+            </a:solidFill>
+          </a:ln>
+        </p:spPr>
+        <p:style>
+          <a:lnRef idx="2">
+            <a:schemeClr val="accent1">
+              <a:shade val="50000"/>
+            </a:schemeClr>
+          </a:lnRef>
+          <a:fillRef idx="1">
+            <a:schemeClr val="accent1"/>
+          </a:fillRef>
+          <a:effectRef idx="0">
+            <a:schemeClr val="accent1"/>
+          </a:effectRef>
+          <a:fontRef idx="minor">
+            <a:schemeClr val="lt1"/>
+          </a:fontRef>
+        </p:style>
+        <p:txBody>
+          <a:bodyPr rtlCol="0" anchor="ctr"/>
+          <a:lstStyle/>
+          <a:p>
+            <a:r>
+              <a:rPr lang="en-US" sz="900" dirty="0">
+                <a:solidFill>
+                  <a:schemeClr val="tx1"/>
+                </a:solidFill>
+              </a:rPr>
+              <a:t>Eggplant</a:t>
+            </a:r>
+          </a:p>
+        </p:txBody>
+      </p:sp>
+      <p:sp>
+        <p:nvSpPr>
+          <p:cNvPr id="19" name="Rectangle 18">
+            <a:extLst>
+              <a:ext uri="{FF2B5EF4-FFF2-40B4-BE49-F238E27FC236}">
+                <a16:creationId xmlns:a16="http://schemas.microsoft.com/office/drawing/2014/main" id="{B5D4C938-7963-4739-9FEC-14A817B9288B}"/>
+              </a:ext>
+            </a:extLst>
+          </p:cNvPr>
+          <p:cNvSpPr/>
+          <p:nvPr/>
+        </p:nvSpPr>
+        <p:spPr>
+          <a:xfrm>
+            <a:off x="2869295" y="1710901"/>
+            <a:ext cx="750704" cy="457200"/>
+          </a:xfrm>
+          <a:prstGeom prst="rect">
+            <a:avLst/>
+          </a:prstGeom>
+          <a:noFill/>
+          <a:ln>
+            <a:solidFill>
+              <a:schemeClr val="tx1"/>
+            </a:solidFill>
+          </a:ln>
+        </p:spPr>
+        <p:style>
+          <a:lnRef idx="2">
+            <a:schemeClr val="accent1">
+              <a:shade val="50000"/>
+            </a:schemeClr>
+          </a:lnRef>
+          <a:fillRef idx="1">
+            <a:schemeClr val="accent1"/>
+          </a:fillRef>
+          <a:effectRef idx="0">
+            <a:schemeClr val="accent1"/>
+          </a:effectRef>
+          <a:fontRef idx="minor">
+            <a:schemeClr val="lt1"/>
+          </a:fontRef>
+        </p:style>
+        <p:txBody>
+          <a:bodyPr rtlCol="0" anchor="ctr"/>
+          <a:lstStyle/>
+          <a:p>
+            <a:r>
+              <a:rPr lang="en-US" sz="600" dirty="0">
+                <a:solidFill>
+                  <a:schemeClr val="tx1"/>
+                </a:solidFill>
+              </a:rPr>
+              <a:t>Length(): float</a:t>
+            </a:r>
+          </a:p>
+          <a:p>
+            <a:r>
+              <a:rPr lang="en-US" sz="600" dirty="0">
+                <a:solidFill>
+                  <a:schemeClr val="tx1"/>
+                </a:solidFill>
+              </a:rPr>
+              <a:t>Radius(): float</a:t>
+            </a:r>
+          </a:p>
+        </p:txBody>
+      </p:sp>
+      <p:sp>
+        <p:nvSpPr>
+          <p:cNvPr id="20" name="Rectangle 19">
+            <a:extLst>
+              <a:ext uri="{FF2B5EF4-FFF2-40B4-BE49-F238E27FC236}">
+                <a16:creationId xmlns:a16="http://schemas.microsoft.com/office/drawing/2014/main" id="{47842E49-2D45-4530-A478-0DAC0558ED30}"/>
+              </a:ext>
+            </a:extLst>
+          </p:cNvPr>
+          <p:cNvSpPr/>
+          <p:nvPr/>
+        </p:nvSpPr>
+        <p:spPr>
+          <a:xfrm>
+            <a:off x="2869294" y="2168101"/>
+            <a:ext cx="750704" cy="354931"/>
+          </a:xfrm>
+          <a:prstGeom prst="rect">
+            <a:avLst/>
+          </a:prstGeom>
+          <a:noFill/>
+          <a:ln>
+            <a:solidFill>
+              <a:schemeClr val="tx1"/>
+            </a:solidFill>
+          </a:ln>
+        </p:spPr>
+        <p:style>
+          <a:lnRef idx="2">
+            <a:schemeClr val="accent1">
+              <a:shade val="50000"/>
+            </a:schemeClr>
+          </a:lnRef>
+          <a:fillRef idx="1">
+            <a:schemeClr val="accent1"/>
+          </a:fillRef>
+          <a:effectRef idx="0">
+            <a:schemeClr val="accent1"/>
+          </a:effectRef>
+          <a:fontRef idx="minor">
+            <a:schemeClr val="lt1"/>
+          </a:fontRef>
+        </p:style>
+        <p:txBody>
+          <a:bodyPr rtlCol="0" anchor="ctr"/>
+          <a:lstStyle/>
+          <a:p>
+            <a:r>
+              <a:rPr lang="en-US" sz="600" dirty="0">
+                <a:solidFill>
+                  <a:schemeClr val="tx1"/>
+                </a:solidFill>
+              </a:rPr>
+              <a:t>Volume(): float</a:t>
+            </a:r>
+          </a:p>
+          <a:p>
+            <a:r>
+              <a:rPr lang="en-US" sz="600" dirty="0">
+                <a:solidFill>
+                  <a:schemeClr val="tx1"/>
+                </a:solidFill>
+              </a:rPr>
+              <a:t>Grow(): float</a:t>
+            </a:r>
+          </a:p>
+        </p:txBody>
+      </p:sp>
+      <p:sp>
+        <p:nvSpPr>
+          <p:cNvPr id="21" name="Rectangle 20">
+            <a:extLst>
+              <a:ext uri="{FF2B5EF4-FFF2-40B4-BE49-F238E27FC236}">
+                <a16:creationId xmlns:a16="http://schemas.microsoft.com/office/drawing/2014/main" id="{87850371-3551-436F-9887-A896B4CFA0A7}"/>
+              </a:ext>
+            </a:extLst>
+          </p:cNvPr>
+          <p:cNvSpPr/>
+          <p:nvPr/>
+        </p:nvSpPr>
+        <p:spPr>
+          <a:xfrm>
+            <a:off x="3761338" y="1512379"/>
+            <a:ext cx="750704" cy="198520"/>
+          </a:xfrm>
+          <a:prstGeom prst="rect">
+            <a:avLst/>
+          </a:prstGeom>
+          <a:noFill/>
+          <a:ln>
+            <a:solidFill>
+              <a:schemeClr val="tx1"/>
+            </a:solidFill>
+          </a:ln>
+        </p:spPr>
+        <p:style>
+          <a:lnRef idx="2">
+            <a:schemeClr val="accent1">
+              <a:shade val="50000"/>
+            </a:schemeClr>
+          </a:lnRef>
+          <a:fillRef idx="1">
+            <a:schemeClr val="accent1"/>
+          </a:fillRef>
+          <a:effectRef idx="0">
+            <a:schemeClr val="accent1"/>
+          </a:effectRef>
+          <a:fontRef idx="minor">
+            <a:schemeClr val="lt1"/>
+          </a:fontRef>
+        </p:style>
+        <p:txBody>
+          <a:bodyPr rtlCol="0" anchor="ctr"/>
+          <a:lstStyle/>
+          <a:p>
+            <a:r>
+              <a:rPr lang="en-US" sz="900" dirty="0">
+                <a:solidFill>
+                  <a:schemeClr val="tx1"/>
+                </a:solidFill>
+              </a:rPr>
+              <a:t>Bokchoy</a:t>
+            </a:r>
+          </a:p>
+        </p:txBody>
+      </p:sp>
+      <p:sp>
+        <p:nvSpPr>
+          <p:cNvPr id="22" name="Rectangle 21">
+            <a:extLst>
+              <a:ext uri="{FF2B5EF4-FFF2-40B4-BE49-F238E27FC236}">
+                <a16:creationId xmlns:a16="http://schemas.microsoft.com/office/drawing/2014/main" id="{023D8076-87E6-4A47-A6B7-F1B45C799664}"/>
+              </a:ext>
+            </a:extLst>
+          </p:cNvPr>
+          <p:cNvSpPr/>
+          <p:nvPr/>
+        </p:nvSpPr>
+        <p:spPr>
+          <a:xfrm>
+            <a:off x="3761338" y="1710900"/>
+            <a:ext cx="750704" cy="457200"/>
+          </a:xfrm>
+          <a:prstGeom prst="rect">
+            <a:avLst/>
+          </a:prstGeom>
+          <a:noFill/>
+          <a:ln>
+            <a:solidFill>
+              <a:schemeClr val="tx1"/>
+            </a:solidFill>
+          </a:ln>
+        </p:spPr>
+        <p:style>
+          <a:lnRef idx="2">
+            <a:schemeClr val="accent1">
+              <a:shade val="50000"/>
+            </a:schemeClr>
+          </a:lnRef>
+          <a:fillRef idx="1">
+            <a:schemeClr val="accent1"/>
+          </a:fillRef>
+          <a:effectRef idx="0">
+            <a:schemeClr val="accent1"/>
+          </a:effectRef>
+          <a:fontRef idx="minor">
+            <a:schemeClr val="lt1"/>
+          </a:fontRef>
+        </p:style>
+        <p:txBody>
+          <a:bodyPr rtlCol="0" anchor="ctr"/>
+          <a:lstStyle/>
+          <a:p>
+            <a:r>
+              <a:rPr lang="en-US" sz="600" dirty="0">
+                <a:solidFill>
+                  <a:schemeClr val="tx1"/>
+                </a:solidFill>
+              </a:rPr>
+              <a:t>Length(): float</a:t>
+            </a:r>
+          </a:p>
+          <a:p>
+            <a:r>
+              <a:rPr lang="en-US" sz="600" dirty="0">
+                <a:solidFill>
+                  <a:schemeClr val="tx1"/>
+                </a:solidFill>
+              </a:rPr>
+              <a:t>Radius(): float</a:t>
+            </a:r>
+          </a:p>
+        </p:txBody>
+      </p:sp>
+      <p:sp>
+        <p:nvSpPr>
+          <p:cNvPr id="23" name="Rectangle 22">
+            <a:extLst>
+              <a:ext uri="{FF2B5EF4-FFF2-40B4-BE49-F238E27FC236}">
+                <a16:creationId xmlns:a16="http://schemas.microsoft.com/office/drawing/2014/main" id="{95051FE9-5C81-4D5B-96AE-6C16B0D40F7D}"/>
+              </a:ext>
+            </a:extLst>
+          </p:cNvPr>
+          <p:cNvSpPr/>
+          <p:nvPr/>
+        </p:nvSpPr>
+        <p:spPr>
+          <a:xfrm>
+            <a:off x="3761337" y="2168100"/>
+            <a:ext cx="750704" cy="354931"/>
+          </a:xfrm>
+          <a:prstGeom prst="rect">
+            <a:avLst/>
+          </a:prstGeom>
+          <a:noFill/>
+          <a:ln>
+            <a:solidFill>
+              <a:schemeClr val="tx1"/>
+            </a:solidFill>
+          </a:ln>
+        </p:spPr>
+        <p:style>
+          <a:lnRef idx="2">
+            <a:schemeClr val="accent1">
+              <a:shade val="50000"/>
+            </a:schemeClr>
+          </a:lnRef>
+          <a:fillRef idx="1">
+            <a:schemeClr val="accent1"/>
+          </a:fillRef>
+          <a:effectRef idx="0">
+            <a:schemeClr val="accent1"/>
+          </a:effectRef>
+          <a:fontRef idx="minor">
+            <a:schemeClr val="lt1"/>
+          </a:fontRef>
+        </p:style>
+        <p:txBody>
+          <a:bodyPr rtlCol="0" anchor="ctr"/>
+          <a:lstStyle/>
+          <a:p>
+            <a:r>
+              <a:rPr lang="en-US" sz="600" dirty="0">
+                <a:solidFill>
+                  <a:schemeClr val="tx1"/>
+                </a:solidFill>
+              </a:rPr>
+              <a:t>Volume(): float</a:t>
+            </a:r>
+          </a:p>
+          <a:p>
+            <a:r>
+              <a:rPr lang="en-US" sz="600" dirty="0">
+                <a:solidFill>
+                  <a:schemeClr val="tx1"/>
+                </a:solidFill>
+              </a:rPr>
+              <a:t>Grow(): float</a:t>
+            </a:r>
+          </a:p>
+        </p:txBody>
+      </p:sp>
+      <p:sp>
+        <p:nvSpPr>
+          <p:cNvPr id="24" name="Rectangle 23">
+            <a:extLst>
+              <a:ext uri="{FF2B5EF4-FFF2-40B4-BE49-F238E27FC236}">
+                <a16:creationId xmlns:a16="http://schemas.microsoft.com/office/drawing/2014/main" id="{2BAAD20C-0737-413D-9B94-4012AB9719B2}"/>
+              </a:ext>
+            </a:extLst>
+          </p:cNvPr>
+          <p:cNvSpPr/>
+          <p:nvPr/>
+        </p:nvSpPr>
+        <p:spPr>
+          <a:xfrm>
+            <a:off x="3619998" y="212592"/>
+            <a:ext cx="1315453" cy="198520"/>
+          </a:xfrm>
+          <a:prstGeom prst="rect">
+            <a:avLst/>
+          </a:prstGeom>
+          <a:noFill/>
+          <a:ln>
+            <a:solidFill>
+              <a:schemeClr val="tx1"/>
+            </a:solidFill>
+          </a:ln>
+        </p:spPr>
+        <p:style>
+          <a:lnRef idx="2">
+            <a:schemeClr val="accent1">
+              <a:shade val="50000"/>
+            </a:schemeClr>
+          </a:lnRef>
+          <a:fillRef idx="1">
+            <a:schemeClr val="accent1"/>
+          </a:fillRef>
+          <a:effectRef idx="0">
+            <a:schemeClr val="accent1"/>
+          </a:effectRef>
+          <a:fontRef idx="minor">
+            <a:schemeClr val="lt1"/>
+          </a:fontRef>
+        </p:style>
+        <p:txBody>
+          <a:bodyPr rtlCol="0" anchor="ctr"/>
+          <a:lstStyle/>
+          <a:p>
+            <a:r>
+              <a:rPr lang="en-US" sz="900" dirty="0">
+                <a:solidFill>
+                  <a:schemeClr val="tx1"/>
+                </a:solidFill>
+              </a:rPr>
+              <a:t>Container</a:t>
+            </a:r>
+          </a:p>
+        </p:txBody>
+      </p:sp>
+      <p:sp>
+        <p:nvSpPr>
+          <p:cNvPr id="25" name="Rectangle 24">
+            <a:extLst>
+              <a:ext uri="{FF2B5EF4-FFF2-40B4-BE49-F238E27FC236}">
+                <a16:creationId xmlns:a16="http://schemas.microsoft.com/office/drawing/2014/main" id="{AEB09094-FB60-4520-B064-11C3FB8CD572}"/>
+              </a:ext>
+            </a:extLst>
+          </p:cNvPr>
+          <p:cNvSpPr/>
+          <p:nvPr/>
+        </p:nvSpPr>
+        <p:spPr>
+          <a:xfrm>
+            <a:off x="3619998" y="411113"/>
+            <a:ext cx="1315453" cy="457200"/>
+          </a:xfrm>
+          <a:prstGeom prst="rect">
+            <a:avLst/>
+          </a:prstGeom>
+          <a:noFill/>
+          <a:ln>
+            <a:solidFill>
+              <a:schemeClr val="tx1"/>
+            </a:solidFill>
+          </a:ln>
+        </p:spPr>
+        <p:style>
+          <a:lnRef idx="2">
+            <a:schemeClr val="accent1">
+              <a:shade val="50000"/>
+            </a:schemeClr>
+          </a:lnRef>
+          <a:fillRef idx="1">
+            <a:schemeClr val="accent1"/>
+          </a:fillRef>
+          <a:effectRef idx="0">
+            <a:schemeClr val="accent1"/>
+          </a:effectRef>
+          <a:fontRef idx="minor">
+            <a:schemeClr val="lt1"/>
+          </a:fontRef>
+        </p:style>
+        <p:txBody>
+          <a:bodyPr rtlCol="0" anchor="ctr"/>
+          <a:lstStyle/>
+          <a:p>
+            <a:r>
+              <a:rPr lang="en-US" sz="600" dirty="0">
+                <a:solidFill>
+                  <a:schemeClr val="tx1"/>
+                </a:solidFill>
+              </a:rPr>
+              <a:t>nutrientReserve(): string</a:t>
+            </a:r>
+          </a:p>
+          <a:p>
+            <a:r>
+              <a:rPr lang="en-US" sz="600" dirty="0">
+                <a:solidFill>
+                  <a:schemeClr val="tx1"/>
+                </a:solidFill>
+              </a:rPr>
+              <a:t>waterReserve(): string</a:t>
+            </a:r>
+          </a:p>
+          <a:p>
+            <a:r>
+              <a:rPr lang="en-US" sz="600" dirty="0">
+                <a:solidFill>
+                  <a:schemeClr val="tx1"/>
+                </a:solidFill>
+              </a:rPr>
+              <a:t>soil(): string</a:t>
+            </a:r>
+          </a:p>
+          <a:p>
+            <a:r>
+              <a:rPr lang="en-US" sz="600" dirty="0">
+                <a:solidFill>
+                  <a:schemeClr val="tx1"/>
+                </a:solidFill>
+              </a:rPr>
+              <a:t>vegtables(): string</a:t>
+            </a:r>
+          </a:p>
+        </p:txBody>
+      </p:sp>
+      <p:sp>
+        <p:nvSpPr>
+          <p:cNvPr id="26" name="Rectangle 25">
+            <a:extLst>
+              <a:ext uri="{FF2B5EF4-FFF2-40B4-BE49-F238E27FC236}">
+                <a16:creationId xmlns:a16="http://schemas.microsoft.com/office/drawing/2014/main" id="{DB425A54-03F4-4084-B06A-A05163CF5161}"/>
+              </a:ext>
+            </a:extLst>
+          </p:cNvPr>
+          <p:cNvSpPr/>
+          <p:nvPr/>
+        </p:nvSpPr>
+        <p:spPr>
+          <a:xfrm>
+            <a:off x="3619997" y="868313"/>
+            <a:ext cx="1315453" cy="354931"/>
+          </a:xfrm>
+          <a:prstGeom prst="rect">
+            <a:avLst/>
+          </a:prstGeom>
+          <a:noFill/>
+          <a:ln>
+            <a:solidFill>
+              <a:schemeClr val="tx1"/>
+            </a:solidFill>
+          </a:ln>
+        </p:spPr>
+        <p:style>
+          <a:lnRef idx="2">
+            <a:schemeClr val="accent1">
+              <a:shade val="50000"/>
+            </a:schemeClr>
+          </a:lnRef>
+          <a:fillRef idx="1">
+            <a:schemeClr val="accent1"/>
+          </a:fillRef>
+          <a:effectRef idx="0">
+            <a:schemeClr val="accent1"/>
+          </a:effectRef>
+          <a:fontRef idx="minor">
+            <a:schemeClr val="lt1"/>
+          </a:fontRef>
+        </p:style>
+        <p:txBody>
+          <a:bodyPr rtlCol="0" anchor="ctr"/>
+          <a:lstStyle/>
+          <a:p>
+            <a:endParaRPr lang="en-US" sz="600" dirty="0">
+              <a:solidFill>
+                <a:schemeClr val="tx1"/>
+              </a:solidFill>
+            </a:endParaRPr>
+          </a:p>
+        </p:txBody>
+      </p:sp>
+      <p:sp>
+        <p:nvSpPr>
+          <p:cNvPr id="27" name="Rectangle 26">
+            <a:extLst>
+              <a:ext uri="{FF2B5EF4-FFF2-40B4-BE49-F238E27FC236}">
+                <a16:creationId xmlns:a16="http://schemas.microsoft.com/office/drawing/2014/main" id="{AAE58209-E141-4531-B054-0C5D464CE1B6}"/>
+              </a:ext>
+            </a:extLst>
+          </p:cNvPr>
+          <p:cNvSpPr/>
+          <p:nvPr/>
+        </p:nvSpPr>
+        <p:spPr>
+          <a:xfrm>
+            <a:off x="1820346" y="2701089"/>
+            <a:ext cx="922830" cy="198520"/>
+          </a:xfrm>
+          <a:prstGeom prst="rect">
+            <a:avLst/>
+          </a:prstGeom>
+          <a:noFill/>
+          <a:ln>
+            <a:solidFill>
+              <a:schemeClr val="tx1"/>
+            </a:solidFill>
+          </a:ln>
+        </p:spPr>
+        <p:style>
+          <a:lnRef idx="2">
+            <a:schemeClr val="accent1">
+              <a:shade val="50000"/>
+            </a:schemeClr>
+          </a:lnRef>
+          <a:fillRef idx="1">
+            <a:schemeClr val="accent1"/>
+          </a:fillRef>
+          <a:effectRef idx="0">
+            <a:schemeClr val="accent1"/>
+          </a:effectRef>
+          <a:fontRef idx="minor">
+            <a:schemeClr val="lt1"/>
+          </a:fontRef>
+        </p:style>
+        <p:txBody>
+          <a:bodyPr rtlCol="0" anchor="ctr"/>
+          <a:lstStyle/>
+          <a:p>
+            <a:r>
+              <a:rPr lang="en-US" sz="900" dirty="0">
+                <a:solidFill>
+                  <a:schemeClr val="tx1"/>
+                </a:solidFill>
+              </a:rPr>
+              <a:t>GardenMixSoil</a:t>
+            </a:r>
+          </a:p>
+        </p:txBody>
+      </p:sp>
+      <p:sp>
+        <p:nvSpPr>
+          <p:cNvPr id="28" name="Rectangle 27">
+            <a:extLst>
+              <a:ext uri="{FF2B5EF4-FFF2-40B4-BE49-F238E27FC236}">
+                <a16:creationId xmlns:a16="http://schemas.microsoft.com/office/drawing/2014/main" id="{D5F7DDBC-C1C6-434D-ACCD-2C6BFF497C6E}"/>
+              </a:ext>
+            </a:extLst>
+          </p:cNvPr>
+          <p:cNvSpPr/>
+          <p:nvPr/>
+        </p:nvSpPr>
+        <p:spPr>
+          <a:xfrm>
+            <a:off x="1820346" y="2899610"/>
+            <a:ext cx="922830" cy="457200"/>
+          </a:xfrm>
+          <a:prstGeom prst="rect">
+            <a:avLst/>
+          </a:prstGeom>
+          <a:noFill/>
+          <a:ln>
+            <a:solidFill>
+              <a:schemeClr val="tx1"/>
+            </a:solidFill>
+          </a:ln>
+        </p:spPr>
+        <p:style>
+          <a:lnRef idx="2">
+            <a:schemeClr val="accent1">
+              <a:shade val="50000"/>
+            </a:schemeClr>
+          </a:lnRef>
+          <a:fillRef idx="1">
+            <a:schemeClr val="accent1"/>
+          </a:fillRef>
+          <a:effectRef idx="0">
+            <a:schemeClr val="accent1"/>
+          </a:effectRef>
+          <a:fontRef idx="minor">
+            <a:schemeClr val="lt1"/>
+          </a:fontRef>
+        </p:style>
+        <p:txBody>
+          <a:bodyPr rtlCol="0" anchor="ctr"/>
+          <a:lstStyle/>
+          <a:p>
+            <a:endParaRPr lang="en-US" sz="600" dirty="0">
+              <a:solidFill>
+                <a:schemeClr val="tx1"/>
+              </a:solidFill>
+            </a:endParaRPr>
+          </a:p>
+        </p:txBody>
+      </p:sp>
+      <p:sp>
+        <p:nvSpPr>
+          <p:cNvPr id="29" name="Rectangle 28">
+            <a:extLst>
+              <a:ext uri="{FF2B5EF4-FFF2-40B4-BE49-F238E27FC236}">
+                <a16:creationId xmlns:a16="http://schemas.microsoft.com/office/drawing/2014/main" id="{43A38B44-90D3-4B93-84FF-7BF1998D0624}"/>
+              </a:ext>
+            </a:extLst>
+          </p:cNvPr>
+          <p:cNvSpPr/>
+          <p:nvPr/>
+        </p:nvSpPr>
+        <p:spPr>
+          <a:xfrm>
+            <a:off x="1820345" y="3356810"/>
+            <a:ext cx="922830" cy="354931"/>
+          </a:xfrm>
+          <a:prstGeom prst="rect">
+            <a:avLst/>
+          </a:prstGeom>
+          <a:noFill/>
+          <a:ln>
+            <a:solidFill>
+              <a:schemeClr val="tx1"/>
+            </a:solidFill>
+          </a:ln>
+        </p:spPr>
+        <p:style>
+          <a:lnRef idx="2">
+            <a:schemeClr val="accent1">
+              <a:shade val="50000"/>
+            </a:schemeClr>
+          </a:lnRef>
+          <a:fillRef idx="1">
+            <a:schemeClr val="accent1"/>
+          </a:fillRef>
+          <a:effectRef idx="0">
+            <a:schemeClr val="accent1"/>
+          </a:effectRef>
+          <a:fontRef idx="minor">
+            <a:schemeClr val="lt1"/>
+          </a:fontRef>
+        </p:style>
+        <p:txBody>
+          <a:bodyPr rtlCol="0" anchor="ctr"/>
+          <a:lstStyle/>
+          <a:p>
+            <a:r>
+              <a:rPr lang="en-US" sz="600" dirty="0">
+                <a:solidFill>
+                  <a:schemeClr val="tx1"/>
+                </a:solidFill>
+              </a:rPr>
+              <a:t>ProvideNutrients(): float</a:t>
+            </a:r>
+          </a:p>
+        </p:txBody>
+      </p:sp>
+      <p:sp>
+        <p:nvSpPr>
+          <p:cNvPr id="30" name="Rectangle 29">
+            <a:extLst>
+              <a:ext uri="{FF2B5EF4-FFF2-40B4-BE49-F238E27FC236}">
+                <a16:creationId xmlns:a16="http://schemas.microsoft.com/office/drawing/2014/main" id="{FB8A57D9-FCC3-453B-95B2-C4F32548B5F0}"/>
+              </a:ext>
+            </a:extLst>
+          </p:cNvPr>
+          <p:cNvSpPr/>
+          <p:nvPr/>
+        </p:nvSpPr>
+        <p:spPr>
+          <a:xfrm>
+            <a:off x="2051707" y="210028"/>
+            <a:ext cx="1315453" cy="198520"/>
+          </a:xfrm>
+          <a:prstGeom prst="rect">
+            <a:avLst/>
+          </a:prstGeom>
+          <a:noFill/>
+          <a:ln>
+            <a:solidFill>
+              <a:schemeClr val="tx1"/>
+            </a:solidFill>
+          </a:ln>
+        </p:spPr>
+        <p:style>
+          <a:lnRef idx="2">
+            <a:schemeClr val="accent1">
+              <a:shade val="50000"/>
+            </a:schemeClr>
+          </a:lnRef>
+          <a:fillRef idx="1">
+            <a:schemeClr val="accent1"/>
+          </a:fillRef>
+          <a:effectRef idx="0">
+            <a:schemeClr val="accent1"/>
+          </a:effectRef>
+          <a:fontRef idx="minor">
+            <a:schemeClr val="lt1"/>
+          </a:fontRef>
+        </p:style>
+        <p:txBody>
+          <a:bodyPr rtlCol="0" anchor="ctr"/>
+          <a:lstStyle/>
+          <a:p>
+            <a:r>
+              <a:rPr lang="en-US" sz="900" dirty="0">
+                <a:solidFill>
+                  <a:schemeClr val="tx1"/>
+                </a:solidFill>
+              </a:rPr>
+              <a:t>Water</a:t>
+            </a:r>
+          </a:p>
+        </p:txBody>
+      </p:sp>
+      <p:sp>
+        <p:nvSpPr>
+          <p:cNvPr id="31" name="Rectangle 30">
+            <a:extLst>
+              <a:ext uri="{FF2B5EF4-FFF2-40B4-BE49-F238E27FC236}">
+                <a16:creationId xmlns:a16="http://schemas.microsoft.com/office/drawing/2014/main" id="{9DC900C2-ED81-4A4E-9668-AA5E5A8B7638}"/>
+              </a:ext>
+            </a:extLst>
+          </p:cNvPr>
+          <p:cNvSpPr/>
+          <p:nvPr/>
+        </p:nvSpPr>
+        <p:spPr>
+          <a:xfrm>
+            <a:off x="2051707" y="408549"/>
+            <a:ext cx="1315453" cy="457200"/>
+          </a:xfrm>
+          <a:prstGeom prst="rect">
+            <a:avLst/>
+          </a:prstGeom>
+          <a:noFill/>
+          <a:ln>
+            <a:solidFill>
+              <a:schemeClr val="tx1"/>
+            </a:solidFill>
+          </a:ln>
+        </p:spPr>
+        <p:style>
+          <a:lnRef idx="2">
+            <a:schemeClr val="accent1">
+              <a:shade val="50000"/>
+            </a:schemeClr>
+          </a:lnRef>
+          <a:fillRef idx="1">
+            <a:schemeClr val="accent1"/>
+          </a:fillRef>
+          <a:effectRef idx="0">
+            <a:schemeClr val="accent1"/>
+          </a:effectRef>
+          <a:fontRef idx="minor">
+            <a:schemeClr val="lt1"/>
+          </a:fontRef>
+        </p:style>
+        <p:txBody>
+          <a:bodyPr rtlCol="0" anchor="ctr"/>
+          <a:lstStyle/>
+          <a:p>
+            <a:r>
+              <a:rPr lang="en-US" sz="600" dirty="0">
+                <a:solidFill>
+                  <a:schemeClr val="tx1"/>
+                </a:solidFill>
+              </a:rPr>
+              <a:t>Water_content(): string</a:t>
+            </a:r>
+          </a:p>
+          <a:p>
+            <a:r>
+              <a:rPr lang="en-US" sz="600" dirty="0">
+                <a:solidFill>
+                  <a:schemeClr val="tx1"/>
+                </a:solidFill>
+              </a:rPr>
+              <a:t>Frequency(): float</a:t>
+            </a:r>
+          </a:p>
+        </p:txBody>
+      </p:sp>
+      <p:sp>
+        <p:nvSpPr>
+          <p:cNvPr id="32" name="Rectangle 31">
+            <a:extLst>
+              <a:ext uri="{FF2B5EF4-FFF2-40B4-BE49-F238E27FC236}">
+                <a16:creationId xmlns:a16="http://schemas.microsoft.com/office/drawing/2014/main" id="{18FC598F-6AA8-4D52-BEC0-9A294CE383C7}"/>
+              </a:ext>
+            </a:extLst>
+          </p:cNvPr>
+          <p:cNvSpPr/>
+          <p:nvPr/>
+        </p:nvSpPr>
+        <p:spPr>
+          <a:xfrm>
+            <a:off x="2051706" y="865749"/>
+            <a:ext cx="1315453" cy="354931"/>
+          </a:xfrm>
+          <a:prstGeom prst="rect">
+            <a:avLst/>
+          </a:prstGeom>
+          <a:noFill/>
+          <a:ln>
+            <a:solidFill>
+              <a:schemeClr val="tx1"/>
+            </a:solidFill>
+          </a:ln>
+        </p:spPr>
+        <p:style>
+          <a:lnRef idx="2">
+            <a:schemeClr val="accent1">
+              <a:shade val="50000"/>
+            </a:schemeClr>
+          </a:lnRef>
+          <a:fillRef idx="1">
+            <a:schemeClr val="accent1"/>
+          </a:fillRef>
+          <a:effectRef idx="0">
+            <a:schemeClr val="accent1"/>
+          </a:effectRef>
+          <a:fontRef idx="minor">
+            <a:schemeClr val="lt1"/>
+          </a:fontRef>
+        </p:style>
+        <p:txBody>
+          <a:bodyPr rtlCol="0" anchor="ctr"/>
+          <a:lstStyle/>
+          <a:p>
+            <a:r>
+              <a:rPr lang="en-US" sz="600" dirty="0">
+                <a:solidFill>
+                  <a:schemeClr val="tx1"/>
+                </a:solidFill>
+              </a:rPr>
+              <a:t>Rain(): float</a:t>
+            </a:r>
+          </a:p>
+          <a:p>
+            <a:r>
+              <a:rPr lang="en-US" sz="600" dirty="0">
+                <a:solidFill>
+                  <a:schemeClr val="tx1"/>
+                </a:solidFill>
+              </a:rPr>
+              <a:t>Evaporate(): float</a:t>
+            </a:r>
+          </a:p>
+          <a:p>
+            <a:r>
+              <a:rPr lang="en-US" sz="600" dirty="0">
+                <a:solidFill>
+                  <a:schemeClr val="tx1"/>
+                </a:solidFill>
+              </a:rPr>
+              <a:t>Snow(): float</a:t>
+            </a:r>
+          </a:p>
+        </p:txBody>
+      </p:sp>
+      <p:sp>
+        <p:nvSpPr>
+          <p:cNvPr id="33" name="Rectangle 32">
+            <a:extLst>
+              <a:ext uri="{FF2B5EF4-FFF2-40B4-BE49-F238E27FC236}">
+                <a16:creationId xmlns:a16="http://schemas.microsoft.com/office/drawing/2014/main" id="{CA895938-5DEC-4441-8E27-4DC6C68CC283}"/>
+              </a:ext>
+            </a:extLst>
+          </p:cNvPr>
+          <p:cNvSpPr/>
+          <p:nvPr/>
+        </p:nvSpPr>
+        <p:spPr>
+          <a:xfrm>
+            <a:off x="351922" y="1515980"/>
+            <a:ext cx="1315453" cy="198520"/>
+          </a:xfrm>
+          <a:prstGeom prst="rect">
+            <a:avLst/>
+          </a:prstGeom>
+          <a:noFill/>
+          <a:ln>
+            <a:solidFill>
+              <a:schemeClr val="tx1"/>
+            </a:solidFill>
+          </a:ln>
+        </p:spPr>
+        <p:style>
+          <a:lnRef idx="2">
+            <a:schemeClr val="accent1">
+              <a:shade val="50000"/>
+            </a:schemeClr>
+          </a:lnRef>
+          <a:fillRef idx="1">
+            <a:schemeClr val="accent1"/>
+          </a:fillRef>
+          <a:effectRef idx="0">
+            <a:schemeClr val="accent1"/>
+          </a:effectRef>
+          <a:fontRef idx="minor">
+            <a:schemeClr val="lt1"/>
+          </a:fontRef>
+        </p:style>
+        <p:txBody>
+          <a:bodyPr rtlCol="0" anchor="ctr"/>
+          <a:lstStyle/>
+          <a:p>
+            <a:r>
+              <a:rPr lang="en-US" sz="900" dirty="0">
+                <a:solidFill>
+                  <a:schemeClr val="tx1"/>
+                </a:solidFill>
+              </a:rPr>
+              <a:t>Vegtable</a:t>
+            </a:r>
+          </a:p>
+        </p:txBody>
+      </p:sp>
+      <p:sp>
+        <p:nvSpPr>
+          <p:cNvPr id="34" name="Rectangle 33">
+            <a:extLst>
+              <a:ext uri="{FF2B5EF4-FFF2-40B4-BE49-F238E27FC236}">
+                <a16:creationId xmlns:a16="http://schemas.microsoft.com/office/drawing/2014/main" id="{F049C6AE-ED2C-446C-BFE9-2F37C24BCE32}"/>
+              </a:ext>
+            </a:extLst>
+          </p:cNvPr>
+          <p:cNvSpPr/>
+          <p:nvPr/>
+        </p:nvSpPr>
+        <p:spPr>
+          <a:xfrm>
+            <a:off x="351922" y="1714501"/>
+            <a:ext cx="1315453" cy="457200"/>
+          </a:xfrm>
+          <a:prstGeom prst="rect">
+            <a:avLst/>
+          </a:prstGeom>
+          <a:noFill/>
+          <a:ln>
+            <a:solidFill>
+              <a:schemeClr val="tx1"/>
+            </a:solidFill>
+          </a:ln>
+        </p:spPr>
+        <p:style>
+          <a:lnRef idx="2">
+            <a:schemeClr val="accent1">
+              <a:shade val="50000"/>
+            </a:schemeClr>
+          </a:lnRef>
+          <a:fillRef idx="1">
+            <a:schemeClr val="accent1"/>
+          </a:fillRef>
+          <a:effectRef idx="0">
+            <a:schemeClr val="accent1"/>
+          </a:effectRef>
+          <a:fontRef idx="minor">
+            <a:schemeClr val="lt1"/>
+          </a:fontRef>
+        </p:style>
+        <p:txBody>
+          <a:bodyPr rtlCol="0" anchor="ctr"/>
+          <a:lstStyle/>
+          <a:p>
+            <a:r>
+              <a:rPr lang="en-US" sz="300" dirty="0">
+                <a:solidFill>
+                  <a:schemeClr val="tx1"/>
+                </a:solidFill>
+              </a:rPr>
+              <a:t>Name(): String</a:t>
+            </a:r>
+          </a:p>
+          <a:p>
+            <a:r>
+              <a:rPr lang="en-US" sz="300" dirty="0">
+                <a:solidFill>
+                  <a:schemeClr val="tx1"/>
+                </a:solidFill>
+              </a:rPr>
+              <a:t>Sun(): String</a:t>
+            </a:r>
+          </a:p>
+          <a:p>
+            <a:r>
+              <a:rPr lang="en-US" sz="300" dirty="0">
+                <a:solidFill>
+                  <a:schemeClr val="tx1"/>
+                </a:solidFill>
+              </a:rPr>
+              <a:t>Weight(): String</a:t>
+            </a:r>
+          </a:p>
+          <a:p>
+            <a:r>
+              <a:rPr lang="en-US" sz="300" dirty="0">
+                <a:solidFill>
+                  <a:schemeClr val="tx1"/>
+                </a:solidFill>
+              </a:rPr>
+              <a:t>Water(): String</a:t>
+            </a:r>
+          </a:p>
+          <a:p>
+            <a:r>
+              <a:rPr lang="en-US" sz="300" dirty="0">
+                <a:solidFill>
+                  <a:schemeClr val="tx1"/>
+                </a:solidFill>
+              </a:rPr>
+              <a:t>vitaminC(): String</a:t>
+            </a:r>
+          </a:p>
+          <a:p>
+            <a:r>
+              <a:rPr lang="en-US" sz="300" dirty="0">
+                <a:solidFill>
+                  <a:schemeClr val="tx1"/>
+                </a:solidFill>
+              </a:rPr>
+              <a:t>vitaminA(): String</a:t>
+            </a:r>
+          </a:p>
+          <a:p>
+            <a:r>
+              <a:rPr lang="en-US" sz="300" dirty="0">
+                <a:solidFill>
+                  <a:schemeClr val="tx1"/>
+                </a:solidFill>
+              </a:rPr>
+              <a:t>vitaminB(): String</a:t>
+            </a:r>
+          </a:p>
+          <a:p>
+            <a:r>
+              <a:rPr lang="en-US" sz="300" dirty="0">
+                <a:solidFill>
+                  <a:schemeClr val="tx1"/>
+                </a:solidFill>
+              </a:rPr>
+              <a:t>Alive(): Boolean</a:t>
+            </a:r>
+          </a:p>
+          <a:p>
+            <a:endParaRPr lang="en-US" sz="300" dirty="0">
+              <a:solidFill>
+                <a:schemeClr val="tx1"/>
+              </a:solidFill>
+            </a:endParaRPr>
+          </a:p>
+        </p:txBody>
+      </p:sp>
+      <p:sp>
+        <p:nvSpPr>
+          <p:cNvPr id="35" name="Rectangle 34">
+            <a:extLst>
+              <a:ext uri="{FF2B5EF4-FFF2-40B4-BE49-F238E27FC236}">
+                <a16:creationId xmlns:a16="http://schemas.microsoft.com/office/drawing/2014/main" id="{7A415C53-B15C-457C-9D06-A28B25109E91}"/>
+              </a:ext>
+            </a:extLst>
+          </p:cNvPr>
+          <p:cNvSpPr/>
+          <p:nvPr/>
+        </p:nvSpPr>
+        <p:spPr>
+          <a:xfrm>
+            <a:off x="351921" y="2171701"/>
+            <a:ext cx="1315453" cy="354931"/>
+          </a:xfrm>
+          <a:prstGeom prst="rect">
+            <a:avLst/>
+          </a:prstGeom>
+          <a:noFill/>
+          <a:ln>
+            <a:solidFill>
+              <a:schemeClr val="tx1"/>
+            </a:solidFill>
+          </a:ln>
+        </p:spPr>
+        <p:style>
+          <a:lnRef idx="2">
+            <a:schemeClr val="accent1">
+              <a:shade val="50000"/>
+            </a:schemeClr>
+          </a:lnRef>
+          <a:fillRef idx="1">
+            <a:schemeClr val="accent1"/>
+          </a:fillRef>
+          <a:effectRef idx="0">
+            <a:schemeClr val="accent1"/>
+          </a:effectRef>
+          <a:fontRef idx="minor">
+            <a:schemeClr val="lt1"/>
+          </a:fontRef>
+        </p:style>
+        <p:txBody>
+          <a:bodyPr rtlCol="0" anchor="ctr"/>
+          <a:lstStyle/>
+          <a:p>
+            <a:r>
+              <a:rPr lang="en-US" sz="300" dirty="0">
+                <a:solidFill>
+                  <a:schemeClr val="tx1"/>
+                </a:solidFill>
+              </a:rPr>
+              <a:t>Grow():</a:t>
+            </a:r>
+          </a:p>
+          <a:p>
+            <a:r>
+              <a:rPr lang="en-US" sz="300" dirty="0">
+                <a:solidFill>
+                  <a:schemeClr val="tx1"/>
+                </a:solidFill>
+              </a:rPr>
+              <a:t>Volume():</a:t>
+            </a:r>
+          </a:p>
+          <a:p>
+            <a:r>
+              <a:rPr lang="en-US" sz="300" dirty="0">
+                <a:solidFill>
+                  <a:schemeClr val="tx1"/>
+                </a:solidFill>
+              </a:rPr>
+              <a:t>Sun(): String</a:t>
+            </a:r>
+          </a:p>
+          <a:p>
+            <a:r>
+              <a:rPr lang="en-US" sz="300" dirty="0">
+                <a:solidFill>
+                  <a:schemeClr val="tx1"/>
+                </a:solidFill>
+              </a:rPr>
+              <a:t>Water(): String</a:t>
+            </a:r>
+          </a:p>
+          <a:p>
+            <a:r>
+              <a:rPr lang="en-US" sz="300" dirty="0">
+                <a:solidFill>
+                  <a:schemeClr val="tx1"/>
+                </a:solidFill>
+              </a:rPr>
+              <a:t>Die(): Boolean</a:t>
+            </a:r>
+          </a:p>
+        </p:txBody>
+      </p:sp>
+      <p:sp>
+        <p:nvSpPr>
+          <p:cNvPr id="36" name="Rectangle 35">
+            <a:extLst>
+              <a:ext uri="{FF2B5EF4-FFF2-40B4-BE49-F238E27FC236}">
+                <a16:creationId xmlns:a16="http://schemas.microsoft.com/office/drawing/2014/main" id="{39662A86-CEA3-4804-A006-5EBD441E21C3}"/>
+              </a:ext>
+            </a:extLst>
+          </p:cNvPr>
+          <p:cNvSpPr/>
+          <p:nvPr/>
+        </p:nvSpPr>
+        <p:spPr>
+          <a:xfrm>
+            <a:off x="361945" y="2701090"/>
+            <a:ext cx="1315453" cy="198520"/>
+          </a:xfrm>
+          <a:prstGeom prst="rect">
+            <a:avLst/>
+          </a:prstGeom>
+          <a:noFill/>
+          <a:ln>
+            <a:solidFill>
+              <a:schemeClr val="tx1"/>
+            </a:solidFill>
+          </a:ln>
+        </p:spPr>
+        <p:style>
+          <a:lnRef idx="2">
+            <a:schemeClr val="accent1">
+              <a:shade val="50000"/>
+            </a:schemeClr>
+          </a:lnRef>
+          <a:fillRef idx="1">
+            <a:schemeClr val="accent1"/>
+          </a:fillRef>
+          <a:effectRef idx="0">
+            <a:schemeClr val="accent1"/>
+          </a:effectRef>
+          <a:fontRef idx="minor">
+            <a:schemeClr val="lt1"/>
+          </a:fontRef>
+        </p:style>
+        <p:txBody>
+          <a:bodyPr rtlCol="0" anchor="ctr"/>
+          <a:lstStyle/>
+          <a:p>
+            <a:r>
+              <a:rPr lang="en-US" sz="900" dirty="0">
+                <a:solidFill>
+                  <a:schemeClr val="tx1"/>
+                </a:solidFill>
+              </a:rPr>
+              <a:t>Soil</a:t>
+            </a:r>
+          </a:p>
+        </p:txBody>
+      </p:sp>
+      <p:sp>
+        <p:nvSpPr>
+          <p:cNvPr id="37" name="Rectangle 36">
+            <a:extLst>
+              <a:ext uri="{FF2B5EF4-FFF2-40B4-BE49-F238E27FC236}">
+                <a16:creationId xmlns:a16="http://schemas.microsoft.com/office/drawing/2014/main" id="{3A5A434B-1A2A-403D-95B5-1C3D1FDCD330}"/>
+              </a:ext>
+            </a:extLst>
+          </p:cNvPr>
+          <p:cNvSpPr/>
+          <p:nvPr/>
+        </p:nvSpPr>
+        <p:spPr>
+          <a:xfrm>
+            <a:off x="361945" y="2899611"/>
+            <a:ext cx="1315453" cy="457200"/>
+          </a:xfrm>
+          <a:prstGeom prst="rect">
+            <a:avLst/>
+          </a:prstGeom>
+          <a:noFill/>
+          <a:ln>
+            <a:solidFill>
+              <a:schemeClr val="tx1"/>
+            </a:solidFill>
+          </a:ln>
+        </p:spPr>
+        <p:style>
+          <a:lnRef idx="2">
+            <a:schemeClr val="accent1">
+              <a:shade val="50000"/>
+            </a:schemeClr>
+          </a:lnRef>
+          <a:fillRef idx="1">
+            <a:schemeClr val="accent1"/>
+          </a:fillRef>
+          <a:effectRef idx="0">
+            <a:schemeClr val="accent1"/>
+          </a:effectRef>
+          <a:fontRef idx="minor">
+            <a:schemeClr val="lt1"/>
+          </a:fontRef>
+        </p:style>
+        <p:txBody>
+          <a:bodyPr rtlCol="0" anchor="ctr"/>
+          <a:lstStyle/>
+          <a:p>
+            <a:r>
+              <a:rPr lang="en-US" sz="600" dirty="0">
+                <a:solidFill>
+                  <a:schemeClr val="tx1"/>
+                </a:solidFill>
+              </a:rPr>
+              <a:t>Name(): string</a:t>
+            </a:r>
+          </a:p>
+          <a:p>
+            <a:r>
+              <a:rPr lang="en-US" sz="600" dirty="0">
+                <a:solidFill>
+                  <a:schemeClr val="tx1"/>
+                </a:solidFill>
+              </a:rPr>
+              <a:t>Weight(): string</a:t>
+            </a:r>
+          </a:p>
+          <a:p>
+            <a:r>
+              <a:rPr lang="en-US" sz="600" dirty="0">
+                <a:solidFill>
+                  <a:schemeClr val="tx1"/>
+                </a:solidFill>
+              </a:rPr>
+              <a:t>Water(): string</a:t>
+            </a:r>
+          </a:p>
+          <a:p>
+            <a:r>
+              <a:rPr lang="en-US" sz="600" dirty="0">
+                <a:solidFill>
+                  <a:schemeClr val="tx1"/>
+                </a:solidFill>
+              </a:rPr>
+              <a:t>Nutrients(): string</a:t>
+            </a:r>
+          </a:p>
+        </p:txBody>
+      </p:sp>
+      <p:sp>
+        <p:nvSpPr>
+          <p:cNvPr id="38" name="Rectangle 37">
+            <a:extLst>
+              <a:ext uri="{FF2B5EF4-FFF2-40B4-BE49-F238E27FC236}">
+                <a16:creationId xmlns:a16="http://schemas.microsoft.com/office/drawing/2014/main" id="{6FB36C79-F0D9-41E7-8BB7-9FB359AD1E6F}"/>
+              </a:ext>
+            </a:extLst>
+          </p:cNvPr>
+          <p:cNvSpPr/>
+          <p:nvPr/>
+        </p:nvSpPr>
+        <p:spPr>
+          <a:xfrm>
+            <a:off x="361944" y="3356811"/>
+            <a:ext cx="1315453" cy="354931"/>
+          </a:xfrm>
+          <a:prstGeom prst="rect">
+            <a:avLst/>
+          </a:prstGeom>
+          <a:noFill/>
+          <a:ln>
+            <a:solidFill>
+              <a:schemeClr val="tx1"/>
+            </a:solidFill>
+          </a:ln>
+        </p:spPr>
+        <p:style>
+          <a:lnRef idx="2">
+            <a:schemeClr val="accent1">
+              <a:shade val="50000"/>
+            </a:schemeClr>
+          </a:lnRef>
+          <a:fillRef idx="1">
+            <a:schemeClr val="accent1"/>
+          </a:fillRef>
+          <a:effectRef idx="0">
+            <a:schemeClr val="accent1"/>
+          </a:effectRef>
+          <a:fontRef idx="minor">
+            <a:schemeClr val="lt1"/>
+          </a:fontRef>
+        </p:style>
+        <p:txBody>
+          <a:bodyPr rtlCol="0" anchor="ctr"/>
+          <a:lstStyle/>
+          <a:p>
+            <a:r>
+              <a:rPr lang="en-US" sz="600" dirty="0">
+                <a:solidFill>
+                  <a:schemeClr val="tx1"/>
+                </a:solidFill>
+              </a:rPr>
+              <a:t>ProvideNutrients():</a:t>
+            </a:r>
+          </a:p>
+        </p:txBody>
+      </p:sp>
+      <p:sp>
+        <p:nvSpPr>
+          <p:cNvPr id="39" name="Rectangle 38">
+            <a:extLst>
+              <a:ext uri="{FF2B5EF4-FFF2-40B4-BE49-F238E27FC236}">
+                <a16:creationId xmlns:a16="http://schemas.microsoft.com/office/drawing/2014/main" id="{CC3BF269-639D-4CDD-8D2C-B096C45DD9DE}"/>
+              </a:ext>
+            </a:extLst>
+          </p:cNvPr>
+          <p:cNvSpPr/>
+          <p:nvPr/>
+        </p:nvSpPr>
+        <p:spPr>
+          <a:xfrm>
+            <a:off x="5188287" y="212592"/>
+            <a:ext cx="776217" cy="198520"/>
+          </a:xfrm>
+          <a:prstGeom prst="rect">
+            <a:avLst/>
+          </a:prstGeom>
+          <a:noFill/>
+          <a:ln>
+            <a:solidFill>
+              <a:schemeClr val="tx1"/>
+            </a:solidFill>
+          </a:ln>
+        </p:spPr>
+        <p:style>
+          <a:lnRef idx="2">
+            <a:schemeClr val="accent1">
+              <a:shade val="50000"/>
+            </a:schemeClr>
+          </a:lnRef>
+          <a:fillRef idx="1">
+            <a:schemeClr val="accent1"/>
+          </a:fillRef>
+          <a:effectRef idx="0">
+            <a:schemeClr val="accent1"/>
+          </a:effectRef>
+          <a:fontRef idx="minor">
+            <a:schemeClr val="lt1"/>
+          </a:fontRef>
+        </p:style>
+        <p:txBody>
+          <a:bodyPr rtlCol="0" anchor="ctr"/>
+          <a:lstStyle/>
+          <a:p>
+            <a:r>
+              <a:rPr lang="en-US" sz="900" dirty="0">
+                <a:solidFill>
+                  <a:schemeClr val="tx1"/>
+                </a:solidFill>
+              </a:rPr>
+              <a:t>Decorative</a:t>
+            </a:r>
+          </a:p>
+        </p:txBody>
+      </p:sp>
+      <p:sp>
+        <p:nvSpPr>
+          <p:cNvPr id="40" name="Rectangle 39">
+            <a:extLst>
+              <a:ext uri="{FF2B5EF4-FFF2-40B4-BE49-F238E27FC236}">
+                <a16:creationId xmlns:a16="http://schemas.microsoft.com/office/drawing/2014/main" id="{C3671D0B-52A7-45EB-81A9-AC156B46FB60}"/>
+              </a:ext>
+            </a:extLst>
+          </p:cNvPr>
+          <p:cNvSpPr/>
+          <p:nvPr/>
+        </p:nvSpPr>
+        <p:spPr>
+          <a:xfrm>
+            <a:off x="5188287" y="411113"/>
+            <a:ext cx="776217" cy="457200"/>
+          </a:xfrm>
+          <a:prstGeom prst="rect">
+            <a:avLst/>
+          </a:prstGeom>
+          <a:noFill/>
+          <a:ln>
+            <a:solidFill>
+              <a:schemeClr val="tx1"/>
+            </a:solidFill>
+          </a:ln>
+        </p:spPr>
+        <p:style>
+          <a:lnRef idx="2">
+            <a:schemeClr val="accent1">
+              <a:shade val="50000"/>
+            </a:schemeClr>
+          </a:lnRef>
+          <a:fillRef idx="1">
+            <a:schemeClr val="accent1"/>
+          </a:fillRef>
+          <a:effectRef idx="0">
+            <a:schemeClr val="accent1"/>
+          </a:effectRef>
+          <a:fontRef idx="minor">
+            <a:schemeClr val="lt1"/>
+          </a:fontRef>
+        </p:style>
+        <p:txBody>
+          <a:bodyPr rtlCol="0" anchor="ctr"/>
+          <a:lstStyle/>
+          <a:p>
+            <a:r>
+              <a:rPr lang="en-US" sz="600" dirty="0">
+                <a:solidFill>
+                  <a:schemeClr val="tx1"/>
+                </a:solidFill>
+              </a:rPr>
+              <a:t>Material: string</a:t>
+            </a:r>
+          </a:p>
+          <a:p>
+            <a:r>
+              <a:rPr lang="en-US" sz="600" dirty="0">
+                <a:solidFill>
+                  <a:schemeClr val="tx1"/>
+                </a:solidFill>
+              </a:rPr>
+              <a:t>Color: string</a:t>
+            </a:r>
+          </a:p>
+        </p:txBody>
+      </p:sp>
+      <p:sp>
+        <p:nvSpPr>
+          <p:cNvPr id="41" name="Rectangle 40">
+            <a:extLst>
+              <a:ext uri="{FF2B5EF4-FFF2-40B4-BE49-F238E27FC236}">
+                <a16:creationId xmlns:a16="http://schemas.microsoft.com/office/drawing/2014/main" id="{DE65F646-E88F-479E-A319-3D920CE101B5}"/>
+              </a:ext>
+            </a:extLst>
+          </p:cNvPr>
+          <p:cNvSpPr/>
+          <p:nvPr/>
+        </p:nvSpPr>
+        <p:spPr>
+          <a:xfrm>
+            <a:off x="5188286" y="868313"/>
+            <a:ext cx="776217" cy="354931"/>
+          </a:xfrm>
+          <a:prstGeom prst="rect">
+            <a:avLst/>
+          </a:prstGeom>
+          <a:noFill/>
+          <a:ln>
+            <a:solidFill>
+              <a:schemeClr val="tx1"/>
+            </a:solidFill>
+          </a:ln>
+        </p:spPr>
+        <p:style>
+          <a:lnRef idx="2">
+            <a:schemeClr val="accent1">
+              <a:shade val="50000"/>
+            </a:schemeClr>
+          </a:lnRef>
+          <a:fillRef idx="1">
+            <a:schemeClr val="accent1"/>
+          </a:fillRef>
+          <a:effectRef idx="0">
+            <a:schemeClr val="accent1"/>
+          </a:effectRef>
+          <a:fontRef idx="minor">
+            <a:schemeClr val="lt1"/>
+          </a:fontRef>
+        </p:style>
+        <p:txBody>
+          <a:bodyPr rtlCol="0" anchor="ctr"/>
+          <a:lstStyle/>
+          <a:p>
+            <a:endParaRPr lang="en-US" sz="600" dirty="0">
+              <a:solidFill>
+                <a:schemeClr val="tx1"/>
+              </a:solidFill>
+            </a:endParaRPr>
+          </a:p>
+        </p:txBody>
+      </p:sp>
+      <p:sp>
+        <p:nvSpPr>
+          <p:cNvPr id="42" name="Rectangle 41">
+            <a:extLst>
+              <a:ext uri="{FF2B5EF4-FFF2-40B4-BE49-F238E27FC236}">
+                <a16:creationId xmlns:a16="http://schemas.microsoft.com/office/drawing/2014/main" id="{B1447D2F-9A47-4EAA-954E-863A828B304A}"/>
+              </a:ext>
+            </a:extLst>
+          </p:cNvPr>
+          <p:cNvSpPr/>
+          <p:nvPr/>
+        </p:nvSpPr>
+        <p:spPr>
+          <a:xfrm>
+            <a:off x="2944796" y="2704101"/>
+            <a:ext cx="1023808" cy="198520"/>
+          </a:xfrm>
+          <a:prstGeom prst="rect">
+            <a:avLst/>
+          </a:prstGeom>
+          <a:noFill/>
+          <a:ln>
+            <a:solidFill>
+              <a:schemeClr val="tx1"/>
+            </a:solidFill>
+          </a:ln>
+        </p:spPr>
+        <p:style>
+          <a:lnRef idx="2">
+            <a:schemeClr val="accent1">
+              <a:shade val="50000"/>
+            </a:schemeClr>
+          </a:lnRef>
+          <a:fillRef idx="1">
+            <a:schemeClr val="accent1"/>
+          </a:fillRef>
+          <a:effectRef idx="0">
+            <a:schemeClr val="accent1"/>
+          </a:effectRef>
+          <a:fontRef idx="minor">
+            <a:schemeClr val="lt1"/>
+          </a:fontRef>
+        </p:style>
+        <p:txBody>
+          <a:bodyPr rtlCol="0" anchor="ctr"/>
+          <a:lstStyle/>
+          <a:p>
+            <a:r>
+              <a:rPr lang="en-US" sz="900" dirty="0">
+                <a:solidFill>
+                  <a:schemeClr val="tx1"/>
+                </a:solidFill>
+              </a:rPr>
+              <a:t>CactusMixSoil</a:t>
+            </a:r>
+          </a:p>
+        </p:txBody>
+      </p:sp>
+      <p:sp>
+        <p:nvSpPr>
+          <p:cNvPr id="43" name="Rectangle 42">
+            <a:extLst>
+              <a:ext uri="{FF2B5EF4-FFF2-40B4-BE49-F238E27FC236}">
+                <a16:creationId xmlns:a16="http://schemas.microsoft.com/office/drawing/2014/main" id="{90A75AF9-66C9-4369-8677-FFAF684DD5B5}"/>
+              </a:ext>
+            </a:extLst>
+          </p:cNvPr>
+          <p:cNvSpPr/>
+          <p:nvPr/>
+        </p:nvSpPr>
+        <p:spPr>
+          <a:xfrm>
+            <a:off x="2944796" y="2902622"/>
+            <a:ext cx="1023808" cy="545430"/>
+          </a:xfrm>
+          <a:prstGeom prst="rect">
+            <a:avLst/>
+          </a:prstGeom>
+          <a:noFill/>
+          <a:ln>
+            <a:solidFill>
+              <a:schemeClr val="tx1"/>
+            </a:solidFill>
+          </a:ln>
+        </p:spPr>
+        <p:style>
+          <a:lnRef idx="2">
+            <a:schemeClr val="accent1">
+              <a:shade val="50000"/>
+            </a:schemeClr>
+          </a:lnRef>
+          <a:fillRef idx="1">
+            <a:schemeClr val="accent1"/>
+          </a:fillRef>
+          <a:effectRef idx="0">
+            <a:schemeClr val="accent1"/>
+          </a:effectRef>
+          <a:fontRef idx="minor">
+            <a:schemeClr val="lt1"/>
+          </a:fontRef>
+        </p:style>
+        <p:txBody>
+          <a:bodyPr rtlCol="0" anchor="ctr"/>
+          <a:lstStyle/>
+          <a:p>
+            <a:endParaRPr lang="en-US" sz="600" dirty="0">
+              <a:solidFill>
+                <a:schemeClr val="tx1"/>
+              </a:solidFill>
+            </a:endParaRPr>
+          </a:p>
+        </p:txBody>
+      </p:sp>
+      <p:sp>
+        <p:nvSpPr>
+          <p:cNvPr id="44" name="Rectangle 43">
+            <a:extLst>
+              <a:ext uri="{FF2B5EF4-FFF2-40B4-BE49-F238E27FC236}">
+                <a16:creationId xmlns:a16="http://schemas.microsoft.com/office/drawing/2014/main" id="{3D1B2F7A-C296-4D33-89B3-08C261733C03}"/>
+              </a:ext>
+            </a:extLst>
+          </p:cNvPr>
+          <p:cNvSpPr/>
+          <p:nvPr/>
+        </p:nvSpPr>
+        <p:spPr>
+          <a:xfrm>
+            <a:off x="2944795" y="3448052"/>
+            <a:ext cx="1023808" cy="266701"/>
+          </a:xfrm>
+          <a:prstGeom prst="rect">
+            <a:avLst/>
+          </a:prstGeom>
+          <a:noFill/>
+          <a:ln>
+            <a:solidFill>
+              <a:schemeClr val="tx1"/>
+            </a:solidFill>
+          </a:ln>
+        </p:spPr>
+        <p:style>
+          <a:lnRef idx="2">
+            <a:schemeClr val="accent1">
+              <a:shade val="50000"/>
+            </a:schemeClr>
+          </a:lnRef>
+          <a:fillRef idx="1">
+            <a:schemeClr val="accent1"/>
+          </a:fillRef>
+          <a:effectRef idx="0">
+            <a:schemeClr val="accent1"/>
+          </a:effectRef>
+          <a:fontRef idx="minor">
+            <a:schemeClr val="lt1"/>
+          </a:fontRef>
+        </p:style>
+        <p:txBody>
+          <a:bodyPr rtlCol="0" anchor="ctr"/>
+          <a:lstStyle/>
+          <a:p>
+            <a:r>
+              <a:rPr lang="en-US" sz="600" dirty="0">
+                <a:solidFill>
+                  <a:schemeClr val="tx1"/>
+                </a:solidFill>
+              </a:rPr>
+              <a:t>provideNutrients(): float </a:t>
+            </a:r>
+          </a:p>
+        </p:txBody>
+      </p:sp>
+      <p:sp>
+        <p:nvSpPr>
+          <p:cNvPr id="45" name="Rectangle 44">
+            <a:extLst>
+              <a:ext uri="{FF2B5EF4-FFF2-40B4-BE49-F238E27FC236}">
+                <a16:creationId xmlns:a16="http://schemas.microsoft.com/office/drawing/2014/main" id="{F860E53D-DC9D-4CF2-BD30-F7999771AB6B}"/>
+              </a:ext>
+            </a:extLst>
+          </p:cNvPr>
+          <p:cNvSpPr/>
+          <p:nvPr/>
+        </p:nvSpPr>
+        <p:spPr>
+          <a:xfrm>
+            <a:off x="4153118" y="2702595"/>
+            <a:ext cx="1023809" cy="198520"/>
+          </a:xfrm>
+          <a:prstGeom prst="rect">
+            <a:avLst/>
+          </a:prstGeom>
+          <a:noFill/>
+          <a:ln>
+            <a:solidFill>
+              <a:schemeClr val="tx1"/>
+            </a:solidFill>
+          </a:ln>
+        </p:spPr>
+        <p:style>
+          <a:lnRef idx="2">
+            <a:schemeClr val="accent1">
+              <a:shade val="50000"/>
+            </a:schemeClr>
+          </a:lnRef>
+          <a:fillRef idx="1">
+            <a:schemeClr val="accent1"/>
+          </a:fillRef>
+          <a:effectRef idx="0">
+            <a:schemeClr val="accent1"/>
+          </a:effectRef>
+          <a:fontRef idx="minor">
+            <a:schemeClr val="lt1"/>
+          </a:fontRef>
+        </p:style>
+        <p:txBody>
+          <a:bodyPr rtlCol="0" anchor="ctr"/>
+          <a:lstStyle/>
+          <a:p>
+            <a:r>
+              <a:rPr lang="en-US" sz="900" dirty="0">
+                <a:solidFill>
+                  <a:schemeClr val="tx1"/>
+                </a:solidFill>
+              </a:rPr>
+              <a:t>Compost</a:t>
+            </a:r>
+          </a:p>
+        </p:txBody>
+      </p:sp>
+      <p:sp>
+        <p:nvSpPr>
+          <p:cNvPr id="46" name="Rectangle 45">
+            <a:extLst>
+              <a:ext uri="{FF2B5EF4-FFF2-40B4-BE49-F238E27FC236}">
+                <a16:creationId xmlns:a16="http://schemas.microsoft.com/office/drawing/2014/main" id="{63651889-A3CE-484E-B959-61EB1CCC78F8}"/>
+              </a:ext>
+            </a:extLst>
+          </p:cNvPr>
+          <p:cNvSpPr/>
+          <p:nvPr/>
+        </p:nvSpPr>
+        <p:spPr>
+          <a:xfrm>
+            <a:off x="4153118" y="2901116"/>
+            <a:ext cx="1023809" cy="545430"/>
+          </a:xfrm>
+          <a:prstGeom prst="rect">
+            <a:avLst/>
+          </a:prstGeom>
+          <a:noFill/>
+          <a:ln>
+            <a:solidFill>
+              <a:schemeClr val="tx1"/>
+            </a:solidFill>
+          </a:ln>
+        </p:spPr>
+        <p:style>
+          <a:lnRef idx="2">
+            <a:schemeClr val="accent1">
+              <a:shade val="50000"/>
+            </a:schemeClr>
+          </a:lnRef>
+          <a:fillRef idx="1">
+            <a:schemeClr val="accent1"/>
+          </a:fillRef>
+          <a:effectRef idx="0">
+            <a:schemeClr val="accent1"/>
+          </a:effectRef>
+          <a:fontRef idx="minor">
+            <a:schemeClr val="lt1"/>
+          </a:fontRef>
+        </p:style>
+        <p:txBody>
+          <a:bodyPr rtlCol="0" anchor="ctr"/>
+          <a:lstStyle/>
+          <a:p>
+            <a:endParaRPr lang="en-US" sz="600" dirty="0">
+              <a:solidFill>
+                <a:schemeClr val="tx1"/>
+              </a:solidFill>
+            </a:endParaRPr>
+          </a:p>
+        </p:txBody>
+      </p:sp>
+      <p:sp>
+        <p:nvSpPr>
+          <p:cNvPr id="47" name="Rectangle 46">
+            <a:extLst>
+              <a:ext uri="{FF2B5EF4-FFF2-40B4-BE49-F238E27FC236}">
+                <a16:creationId xmlns:a16="http://schemas.microsoft.com/office/drawing/2014/main" id="{D355C69A-A70F-4C26-8822-E1B05A094C67}"/>
+              </a:ext>
+            </a:extLst>
+          </p:cNvPr>
+          <p:cNvSpPr/>
+          <p:nvPr/>
+        </p:nvSpPr>
+        <p:spPr>
+          <a:xfrm>
+            <a:off x="4153117" y="3446546"/>
+            <a:ext cx="1023809" cy="266701"/>
+          </a:xfrm>
+          <a:prstGeom prst="rect">
+            <a:avLst/>
+          </a:prstGeom>
+          <a:noFill/>
+          <a:ln>
+            <a:solidFill>
+              <a:schemeClr val="tx1"/>
+            </a:solidFill>
+          </a:ln>
+        </p:spPr>
+        <p:style>
+          <a:lnRef idx="2">
+            <a:schemeClr val="accent1">
+              <a:shade val="50000"/>
+            </a:schemeClr>
+          </a:lnRef>
+          <a:fillRef idx="1">
+            <a:schemeClr val="accent1"/>
+          </a:fillRef>
+          <a:effectRef idx="0">
+            <a:schemeClr val="accent1"/>
+          </a:effectRef>
+          <a:fontRef idx="minor">
+            <a:schemeClr val="lt1"/>
+          </a:fontRef>
+        </p:style>
+        <p:txBody>
+          <a:bodyPr rtlCol="0" anchor="ctr"/>
+          <a:lstStyle/>
+          <a:p>
+            <a:r>
+              <a:rPr lang="en-US" sz="600" dirty="0">
+                <a:solidFill>
+                  <a:schemeClr val="tx1"/>
+                </a:solidFill>
+              </a:rPr>
+              <a:t>provideNutrients(): float </a:t>
+            </a:r>
+          </a:p>
+        </p:txBody>
+      </p:sp>
+      <p:sp>
+        <p:nvSpPr>
+          <p:cNvPr id="51" name="Rectangle 50">
+            <a:extLst>
+              <a:ext uri="{FF2B5EF4-FFF2-40B4-BE49-F238E27FC236}">
+                <a16:creationId xmlns:a16="http://schemas.microsoft.com/office/drawing/2014/main" id="{55C1AA08-7604-4A3F-AF45-3661D7E7B7B9}"/>
+              </a:ext>
+            </a:extLst>
+          </p:cNvPr>
+          <p:cNvSpPr/>
+          <p:nvPr/>
+        </p:nvSpPr>
+        <p:spPr>
+          <a:xfrm>
+            <a:off x="5414108" y="2701089"/>
+            <a:ext cx="918474" cy="198520"/>
+          </a:xfrm>
+          <a:prstGeom prst="rect">
+            <a:avLst/>
+          </a:prstGeom>
+          <a:noFill/>
+          <a:ln>
+            <a:solidFill>
+              <a:schemeClr val="tx1"/>
+            </a:solidFill>
+          </a:ln>
+        </p:spPr>
+        <p:style>
+          <a:lnRef idx="2">
+            <a:schemeClr val="accent1">
+              <a:shade val="50000"/>
+            </a:schemeClr>
+          </a:lnRef>
+          <a:fillRef idx="1">
+            <a:schemeClr val="accent1"/>
+          </a:fillRef>
+          <a:effectRef idx="0">
+            <a:schemeClr val="accent1"/>
+          </a:effectRef>
+          <a:fontRef idx="minor">
+            <a:schemeClr val="lt1"/>
+          </a:fontRef>
+        </p:style>
+        <p:txBody>
+          <a:bodyPr rtlCol="0" anchor="ctr"/>
+          <a:lstStyle/>
+          <a:p>
+            <a:r>
+              <a:rPr lang="en-US" sz="900" dirty="0">
+                <a:solidFill>
+                  <a:schemeClr val="tx1"/>
+                </a:solidFill>
+              </a:rPr>
+              <a:t>FloridiaSand</a:t>
+            </a:r>
+          </a:p>
+        </p:txBody>
+      </p:sp>
+      <p:sp>
+        <p:nvSpPr>
+          <p:cNvPr id="52" name="Rectangle 51">
+            <a:extLst>
+              <a:ext uri="{FF2B5EF4-FFF2-40B4-BE49-F238E27FC236}">
+                <a16:creationId xmlns:a16="http://schemas.microsoft.com/office/drawing/2014/main" id="{9A18DA16-3ED9-46C7-8BF5-DADBB83FF1A5}"/>
+              </a:ext>
+            </a:extLst>
+          </p:cNvPr>
+          <p:cNvSpPr/>
+          <p:nvPr/>
+        </p:nvSpPr>
+        <p:spPr>
+          <a:xfrm>
+            <a:off x="5414108" y="2899610"/>
+            <a:ext cx="918474" cy="545430"/>
+          </a:xfrm>
+          <a:prstGeom prst="rect">
+            <a:avLst/>
+          </a:prstGeom>
+          <a:noFill/>
+          <a:ln>
+            <a:solidFill>
+              <a:schemeClr val="tx1"/>
+            </a:solidFill>
+          </a:ln>
+        </p:spPr>
+        <p:style>
+          <a:lnRef idx="2">
+            <a:schemeClr val="accent1">
+              <a:shade val="50000"/>
+            </a:schemeClr>
+          </a:lnRef>
+          <a:fillRef idx="1">
+            <a:schemeClr val="accent1"/>
+          </a:fillRef>
+          <a:effectRef idx="0">
+            <a:schemeClr val="accent1"/>
+          </a:effectRef>
+          <a:fontRef idx="minor">
+            <a:schemeClr val="lt1"/>
+          </a:fontRef>
+        </p:style>
+        <p:txBody>
+          <a:bodyPr rtlCol="0" anchor="ctr"/>
+          <a:lstStyle/>
+          <a:p>
+            <a:endParaRPr lang="en-US" sz="600" dirty="0">
+              <a:solidFill>
+                <a:schemeClr val="tx1"/>
+              </a:solidFill>
+            </a:endParaRPr>
+          </a:p>
+        </p:txBody>
+      </p:sp>
+      <p:sp>
+        <p:nvSpPr>
+          <p:cNvPr id="53" name="Rectangle 52">
+            <a:extLst>
+              <a:ext uri="{FF2B5EF4-FFF2-40B4-BE49-F238E27FC236}">
+                <a16:creationId xmlns:a16="http://schemas.microsoft.com/office/drawing/2014/main" id="{DE8E69A7-3958-425A-BC71-7A580F8D33E6}"/>
+              </a:ext>
+            </a:extLst>
+          </p:cNvPr>
+          <p:cNvSpPr/>
+          <p:nvPr/>
+        </p:nvSpPr>
+        <p:spPr>
+          <a:xfrm>
+            <a:off x="5414107" y="3445040"/>
+            <a:ext cx="918474" cy="266701"/>
+          </a:xfrm>
+          <a:prstGeom prst="rect">
+            <a:avLst/>
+          </a:prstGeom>
+          <a:noFill/>
+          <a:ln>
+            <a:solidFill>
+              <a:schemeClr val="tx1"/>
+            </a:solidFill>
+          </a:ln>
+        </p:spPr>
+        <p:style>
+          <a:lnRef idx="2">
+            <a:schemeClr val="accent1">
+              <a:shade val="50000"/>
+            </a:schemeClr>
+          </a:lnRef>
+          <a:fillRef idx="1">
+            <a:schemeClr val="accent1"/>
+          </a:fillRef>
+          <a:effectRef idx="0">
+            <a:schemeClr val="accent1"/>
+          </a:effectRef>
+          <a:fontRef idx="minor">
+            <a:schemeClr val="lt1"/>
+          </a:fontRef>
+        </p:style>
+        <p:txBody>
+          <a:bodyPr rtlCol="0" anchor="ctr"/>
+          <a:lstStyle/>
+          <a:p>
+            <a:r>
+              <a:rPr lang="en-US" sz="600" dirty="0">
+                <a:solidFill>
+                  <a:schemeClr val="tx1"/>
+                </a:solidFill>
+              </a:rPr>
+              <a:t>provideNutrients(): float </a:t>
+            </a:r>
+          </a:p>
+        </p:txBody>
+      </p:sp>
+      <p:cxnSp>
+        <p:nvCxnSpPr>
+          <p:cNvPr id="3" name="Connector: Elbow 2">
+            <a:extLst>
+              <a:ext uri="{FF2B5EF4-FFF2-40B4-BE49-F238E27FC236}">
+                <a16:creationId xmlns:a16="http://schemas.microsoft.com/office/drawing/2014/main" id="{7486908B-8604-4976-971B-08F01C6EB2CB}"/>
+              </a:ext>
+            </a:extLst>
+          </p:cNvPr>
+          <p:cNvCxnSpPr>
+            <a:stCxn id="6" idx="1"/>
+            <a:endCxn id="34" idx="1"/>
+          </p:cNvCxnSpPr>
+          <p:nvPr/>
+        </p:nvCxnSpPr>
+        <p:spPr>
+          <a:xfrm rot="10800000" flipH="1" flipV="1">
+            <a:off x="351918" y="891841"/>
+            <a:ext cx="4" cy="1051259"/>
+          </a:xfrm>
+          <a:prstGeom prst="bentConnector3">
+            <a:avLst>
+              <a:gd name="adj1" fmla="val -5715000000"/>
+            </a:avLst>
+          </a:prstGeom>
+          <a:ln>
+            <a:solidFill>
+              <a:schemeClr val="tx1"/>
+            </a:solidFill>
+            <a:headEnd type="diamond"/>
+            <a:tailEnd type="none"/>
+          </a:ln>
+        </p:spPr>
+        <p:style>
+          <a:lnRef idx="1">
+            <a:schemeClr val="accent1"/>
+          </a:lnRef>
+          <a:fillRef idx="0">
+            <a:schemeClr val="accent1"/>
+          </a:fillRef>
+          <a:effectRef idx="0">
+            <a:schemeClr val="accent1"/>
+          </a:effectRef>
+          <a:fontRef idx="minor">
+            <a:schemeClr val="tx1"/>
+          </a:fontRef>
+        </p:style>
+      </p:cxnSp>
+      <p:cxnSp>
+        <p:nvCxnSpPr>
+          <p:cNvPr id="8" name="Connector: Elbow 7">
+            <a:extLst>
+              <a:ext uri="{FF2B5EF4-FFF2-40B4-BE49-F238E27FC236}">
+                <a16:creationId xmlns:a16="http://schemas.microsoft.com/office/drawing/2014/main" id="{6AA509E6-B08E-4815-B45E-2C240DD6DFEE}"/>
+              </a:ext>
+            </a:extLst>
+          </p:cNvPr>
+          <p:cNvCxnSpPr>
+            <a:stCxn id="6" idx="1"/>
+            <a:endCxn id="37" idx="1"/>
+          </p:cNvCxnSpPr>
+          <p:nvPr/>
+        </p:nvCxnSpPr>
+        <p:spPr>
+          <a:xfrm rot="10800000" flipH="1" flipV="1">
+            <a:off x="351917" y="891841"/>
+            <a:ext cx="10027" cy="2236369"/>
+          </a:xfrm>
+          <a:prstGeom prst="bentConnector3">
+            <a:avLst>
+              <a:gd name="adj1" fmla="val -2279844"/>
+            </a:avLst>
+          </a:prstGeom>
+          <a:ln>
+            <a:solidFill>
+              <a:schemeClr val="tx1"/>
+            </a:solidFill>
+            <a:headEnd type="diamond"/>
+            <a:tailEnd type="none"/>
+          </a:ln>
+        </p:spPr>
+        <p:style>
+          <a:lnRef idx="1">
+            <a:schemeClr val="accent1"/>
+          </a:lnRef>
+          <a:fillRef idx="0">
+            <a:schemeClr val="accent1"/>
+          </a:fillRef>
+          <a:effectRef idx="0">
+            <a:schemeClr val="accent1"/>
+          </a:effectRef>
+          <a:fontRef idx="minor">
+            <a:schemeClr val="tx1"/>
+          </a:fontRef>
+        </p:style>
+      </p:cxnSp>
+      <p:cxnSp>
+        <p:nvCxnSpPr>
+          <p:cNvPr id="10" name="Connector: Elbow 9">
+            <a:extLst>
+              <a:ext uri="{FF2B5EF4-FFF2-40B4-BE49-F238E27FC236}">
+                <a16:creationId xmlns:a16="http://schemas.microsoft.com/office/drawing/2014/main" id="{9B153E93-5BBC-4DCC-8B3F-7EE5E8744FBB}"/>
+              </a:ext>
+            </a:extLst>
+          </p:cNvPr>
+          <p:cNvCxnSpPr>
+            <a:stCxn id="6" idx="3"/>
+            <a:endCxn id="31" idx="1"/>
+          </p:cNvCxnSpPr>
+          <p:nvPr/>
+        </p:nvCxnSpPr>
+        <p:spPr>
+          <a:xfrm flipV="1">
+            <a:off x="1667371" y="637149"/>
+            <a:ext cx="384336" cy="254693"/>
+          </a:xfrm>
+          <a:prstGeom prst="bentConnector3">
+            <a:avLst/>
+          </a:prstGeom>
+          <a:ln>
+            <a:solidFill>
+              <a:schemeClr val="tx1"/>
+            </a:solidFill>
+            <a:headEnd type="diamond"/>
+            <a:tailEnd type="none"/>
+          </a:ln>
+        </p:spPr>
+        <p:style>
+          <a:lnRef idx="1">
+            <a:schemeClr val="accent1"/>
+          </a:lnRef>
+          <a:fillRef idx="0">
+            <a:schemeClr val="accent1"/>
+          </a:fillRef>
+          <a:effectRef idx="0">
+            <a:schemeClr val="accent1"/>
+          </a:effectRef>
+          <a:fontRef idx="minor">
+            <a:schemeClr val="tx1"/>
+          </a:fontRef>
+        </p:style>
+      </p:cxnSp>
+      <p:cxnSp>
+        <p:nvCxnSpPr>
+          <p:cNvPr id="54" name="Connector: Elbow 53">
+            <a:extLst>
+              <a:ext uri="{FF2B5EF4-FFF2-40B4-BE49-F238E27FC236}">
+                <a16:creationId xmlns:a16="http://schemas.microsoft.com/office/drawing/2014/main" id="{A92CEC84-5A7E-4488-A5A8-5F81B7B66D93}"/>
+              </a:ext>
+            </a:extLst>
+          </p:cNvPr>
+          <p:cNvCxnSpPr>
+            <a:stCxn id="6" idx="3"/>
+            <a:endCxn id="26" idx="2"/>
+          </p:cNvCxnSpPr>
+          <p:nvPr/>
+        </p:nvCxnSpPr>
+        <p:spPr>
+          <a:xfrm>
+            <a:off x="1667371" y="891842"/>
+            <a:ext cx="2610353" cy="331402"/>
+          </a:xfrm>
+          <a:prstGeom prst="bentConnector4">
+            <a:avLst>
+              <a:gd name="adj1" fmla="val 7454"/>
+              <a:gd name="adj2" fmla="val 137528"/>
+            </a:avLst>
+          </a:prstGeom>
+          <a:ln>
+            <a:solidFill>
+              <a:schemeClr val="tx1"/>
+            </a:solidFill>
+            <a:headEnd type="diamond"/>
+            <a:tailEnd type="none"/>
+          </a:ln>
+        </p:spPr>
+        <p:style>
+          <a:lnRef idx="1">
+            <a:schemeClr val="accent1"/>
+          </a:lnRef>
+          <a:fillRef idx="0">
+            <a:schemeClr val="accent1"/>
+          </a:fillRef>
+          <a:effectRef idx="0">
+            <a:schemeClr val="accent1"/>
+          </a:effectRef>
+          <a:fontRef idx="minor">
+            <a:schemeClr val="tx1"/>
+          </a:fontRef>
+        </p:style>
+      </p:cxnSp>
+      <p:cxnSp>
+        <p:nvCxnSpPr>
+          <p:cNvPr id="58" name="Straight Arrow Connector 57">
+            <a:extLst>
+              <a:ext uri="{FF2B5EF4-FFF2-40B4-BE49-F238E27FC236}">
+                <a16:creationId xmlns:a16="http://schemas.microsoft.com/office/drawing/2014/main" id="{A4527A51-8E12-4109-B8DC-06D1B4289886}"/>
+              </a:ext>
+            </a:extLst>
+          </p:cNvPr>
+          <p:cNvCxnSpPr>
+            <a:stCxn id="40" idx="1"/>
+            <a:endCxn id="25" idx="3"/>
+          </p:cNvCxnSpPr>
+          <p:nvPr/>
+        </p:nvCxnSpPr>
+        <p:spPr>
+          <a:xfrm flipH="1">
+            <a:off x="4935451" y="639713"/>
+            <a:ext cx="252836" cy="0"/>
+          </a:xfrm>
+          <a:prstGeom prst="straightConnector1">
+            <a:avLst/>
+          </a:prstGeom>
+          <a:ln>
+            <a:tailEnd type="triangle"/>
+          </a:ln>
+        </p:spPr>
+        <p:style>
+          <a:lnRef idx="1">
+            <a:schemeClr val="dk1"/>
+          </a:lnRef>
+          <a:fillRef idx="0">
+            <a:schemeClr val="dk1"/>
+          </a:fillRef>
+          <a:effectRef idx="0">
+            <a:schemeClr val="dk1"/>
+          </a:effectRef>
+          <a:fontRef idx="minor">
+            <a:schemeClr val="tx1"/>
+          </a:fontRef>
+        </p:style>
+      </p:cxnSp>
+      <p:cxnSp>
+        <p:nvCxnSpPr>
+          <p:cNvPr id="60" name="Straight Arrow Connector 59">
+            <a:extLst>
+              <a:ext uri="{FF2B5EF4-FFF2-40B4-BE49-F238E27FC236}">
+                <a16:creationId xmlns:a16="http://schemas.microsoft.com/office/drawing/2014/main" id="{013725B4-663F-45BD-AB32-7DB0F78B078B}"/>
+              </a:ext>
+            </a:extLst>
+          </p:cNvPr>
+          <p:cNvCxnSpPr>
+            <a:cxnSpLocks/>
+            <a:stCxn id="16" idx="1"/>
+            <a:endCxn id="34" idx="3"/>
+          </p:cNvCxnSpPr>
+          <p:nvPr/>
+        </p:nvCxnSpPr>
+        <p:spPr>
+          <a:xfrm flipH="1">
+            <a:off x="1667375" y="1943053"/>
+            <a:ext cx="152972" cy="48"/>
+          </a:xfrm>
+          <a:prstGeom prst="straightConnector1">
+            <a:avLst/>
+          </a:prstGeom>
+          <a:ln>
+            <a:tailEnd type="triangle"/>
+          </a:ln>
+        </p:spPr>
+        <p:style>
+          <a:lnRef idx="1">
+            <a:schemeClr val="dk1"/>
+          </a:lnRef>
+          <a:fillRef idx="0">
+            <a:schemeClr val="dk1"/>
+          </a:fillRef>
+          <a:effectRef idx="0">
+            <a:schemeClr val="dk1"/>
+          </a:effectRef>
+          <a:fontRef idx="minor">
+            <a:schemeClr val="tx1"/>
+          </a:fontRef>
+        </p:style>
+      </p:cxnSp>
+      <p:cxnSp>
+        <p:nvCxnSpPr>
+          <p:cNvPr id="63" name="Connector: Elbow 62">
+            <a:extLst>
+              <a:ext uri="{FF2B5EF4-FFF2-40B4-BE49-F238E27FC236}">
+                <a16:creationId xmlns:a16="http://schemas.microsoft.com/office/drawing/2014/main" id="{F9AA4664-C4E8-465A-B7D2-74702A649F3C}"/>
+              </a:ext>
+            </a:extLst>
+          </p:cNvPr>
+          <p:cNvCxnSpPr>
+            <a:stCxn id="20" idx="2"/>
+            <a:endCxn id="34" idx="3"/>
+          </p:cNvCxnSpPr>
+          <p:nvPr/>
+        </p:nvCxnSpPr>
+        <p:spPr>
+          <a:xfrm rot="5400000" flipH="1">
+            <a:off x="2166045" y="1444432"/>
+            <a:ext cx="579931" cy="1577271"/>
+          </a:xfrm>
+          <a:prstGeom prst="bentConnector4">
+            <a:avLst>
+              <a:gd name="adj1" fmla="val -13275"/>
+              <a:gd name="adj2" fmla="val 93139"/>
+            </a:avLst>
+          </a:prstGeom>
+          <a:ln>
+            <a:tailEnd type="triangle"/>
+          </a:ln>
+        </p:spPr>
+        <p:style>
+          <a:lnRef idx="1">
+            <a:schemeClr val="dk1"/>
+          </a:lnRef>
+          <a:fillRef idx="0">
+            <a:schemeClr val="dk1"/>
+          </a:fillRef>
+          <a:effectRef idx="0">
+            <a:schemeClr val="dk1"/>
+          </a:effectRef>
+          <a:fontRef idx="minor">
+            <a:schemeClr val="tx1"/>
+          </a:fontRef>
+        </p:style>
+      </p:cxnSp>
+      <p:cxnSp>
+        <p:nvCxnSpPr>
+          <p:cNvPr id="67" name="Connector: Elbow 66">
+            <a:extLst>
+              <a:ext uri="{FF2B5EF4-FFF2-40B4-BE49-F238E27FC236}">
+                <a16:creationId xmlns:a16="http://schemas.microsoft.com/office/drawing/2014/main" id="{DC662B9D-517C-4EEC-9E20-16C6C5F6AFC3}"/>
+              </a:ext>
+            </a:extLst>
+          </p:cNvPr>
+          <p:cNvCxnSpPr>
+            <a:stCxn id="23" idx="2"/>
+            <a:endCxn id="34" idx="3"/>
+          </p:cNvCxnSpPr>
+          <p:nvPr/>
+        </p:nvCxnSpPr>
+        <p:spPr>
+          <a:xfrm rot="5400000" flipH="1">
+            <a:off x="2612067" y="998409"/>
+            <a:ext cx="579930" cy="2469314"/>
+          </a:xfrm>
+          <a:prstGeom prst="bentConnector4">
+            <a:avLst>
+              <a:gd name="adj1" fmla="val -13276"/>
+              <a:gd name="adj2" fmla="val 95590"/>
+            </a:avLst>
+          </a:prstGeom>
+          <a:ln>
+            <a:tailEnd type="triangle"/>
+          </a:ln>
+        </p:spPr>
+        <p:style>
+          <a:lnRef idx="1">
+            <a:schemeClr val="dk1"/>
+          </a:lnRef>
+          <a:fillRef idx="0">
+            <a:schemeClr val="dk1"/>
+          </a:fillRef>
+          <a:effectRef idx="0">
+            <a:schemeClr val="dk1"/>
+          </a:effectRef>
+          <a:fontRef idx="minor">
+            <a:schemeClr val="tx1"/>
+          </a:fontRef>
+        </p:style>
+      </p:cxnSp>
+      <p:cxnSp>
+        <p:nvCxnSpPr>
+          <p:cNvPr id="71" name="Connector: Elbow 70">
+            <a:extLst>
+              <a:ext uri="{FF2B5EF4-FFF2-40B4-BE49-F238E27FC236}">
+                <a16:creationId xmlns:a16="http://schemas.microsoft.com/office/drawing/2014/main" id="{7A75A829-6B14-4B20-8BAE-9A62CFD6A20B}"/>
+              </a:ext>
+            </a:extLst>
+          </p:cNvPr>
+          <p:cNvCxnSpPr>
+            <a:stCxn id="14" idx="2"/>
+            <a:endCxn id="34" idx="3"/>
+          </p:cNvCxnSpPr>
+          <p:nvPr/>
+        </p:nvCxnSpPr>
+        <p:spPr>
+          <a:xfrm rot="5400000" flipH="1">
+            <a:off x="3058088" y="552389"/>
+            <a:ext cx="579929" cy="3361355"/>
+          </a:xfrm>
+          <a:prstGeom prst="bentConnector4">
+            <a:avLst>
+              <a:gd name="adj1" fmla="val -13276"/>
+              <a:gd name="adj2" fmla="val 96740"/>
+            </a:avLst>
+          </a:prstGeom>
+          <a:ln>
+            <a:tailEnd type="triangle"/>
+          </a:ln>
+        </p:spPr>
+        <p:style>
+          <a:lnRef idx="1">
+            <a:schemeClr val="dk1"/>
+          </a:lnRef>
+          <a:fillRef idx="0">
+            <a:schemeClr val="dk1"/>
+          </a:fillRef>
+          <a:effectRef idx="0">
+            <a:schemeClr val="dk1"/>
+          </a:effectRef>
+          <a:fontRef idx="minor">
+            <a:schemeClr val="tx1"/>
+          </a:fontRef>
+        </p:style>
+      </p:cxnSp>
+      <p:cxnSp>
+        <p:nvCxnSpPr>
+          <p:cNvPr id="75" name="Straight Arrow Connector 74">
+            <a:extLst>
+              <a:ext uri="{FF2B5EF4-FFF2-40B4-BE49-F238E27FC236}">
+                <a16:creationId xmlns:a16="http://schemas.microsoft.com/office/drawing/2014/main" id="{3312F3A0-D534-4EC3-9A04-4C713086F143}"/>
+              </a:ext>
+            </a:extLst>
+          </p:cNvPr>
+          <p:cNvCxnSpPr>
+            <a:stCxn id="28" idx="1"/>
+            <a:endCxn id="37" idx="3"/>
+          </p:cNvCxnSpPr>
+          <p:nvPr/>
+        </p:nvCxnSpPr>
+        <p:spPr>
+          <a:xfrm flipH="1">
+            <a:off x="1677398" y="3128210"/>
+            <a:ext cx="142948" cy="1"/>
+          </a:xfrm>
+          <a:prstGeom prst="straightConnector1">
+            <a:avLst/>
+          </a:prstGeom>
+          <a:ln>
+            <a:tailEnd type="triangle"/>
+          </a:ln>
+        </p:spPr>
+        <p:style>
+          <a:lnRef idx="1">
+            <a:schemeClr val="dk1"/>
+          </a:lnRef>
+          <a:fillRef idx="0">
+            <a:schemeClr val="dk1"/>
+          </a:fillRef>
+          <a:effectRef idx="0">
+            <a:schemeClr val="dk1"/>
+          </a:effectRef>
+          <a:fontRef idx="minor">
+            <a:schemeClr val="tx1"/>
+          </a:fontRef>
+        </p:style>
+      </p:cxnSp>
+      <p:cxnSp>
+        <p:nvCxnSpPr>
+          <p:cNvPr id="77" name="Connector: Elbow 76">
+            <a:extLst>
+              <a:ext uri="{FF2B5EF4-FFF2-40B4-BE49-F238E27FC236}">
+                <a16:creationId xmlns:a16="http://schemas.microsoft.com/office/drawing/2014/main" id="{C765B324-7926-46ED-A0A4-B9120431CE14}"/>
+              </a:ext>
+            </a:extLst>
+          </p:cNvPr>
+          <p:cNvCxnSpPr>
+            <a:stCxn id="44" idx="2"/>
+            <a:endCxn id="37" idx="3"/>
+          </p:cNvCxnSpPr>
+          <p:nvPr/>
+        </p:nvCxnSpPr>
+        <p:spPr>
+          <a:xfrm rot="5400000" flipH="1">
+            <a:off x="2273778" y="2531832"/>
+            <a:ext cx="586542" cy="1779301"/>
+          </a:xfrm>
+          <a:prstGeom prst="bentConnector4">
+            <a:avLst>
+              <a:gd name="adj1" fmla="val -14741"/>
+              <a:gd name="adj2" fmla="val 93941"/>
+            </a:avLst>
+          </a:prstGeom>
+          <a:ln>
+            <a:tailEnd type="triangle"/>
+          </a:ln>
+        </p:spPr>
+        <p:style>
+          <a:lnRef idx="1">
+            <a:schemeClr val="dk1"/>
+          </a:lnRef>
+          <a:fillRef idx="0">
+            <a:schemeClr val="dk1"/>
+          </a:fillRef>
+          <a:effectRef idx="0">
+            <a:schemeClr val="dk1"/>
+          </a:effectRef>
+          <a:fontRef idx="minor">
+            <a:schemeClr val="tx1"/>
+          </a:fontRef>
+        </p:style>
+      </p:cxnSp>
+      <p:cxnSp>
+        <p:nvCxnSpPr>
+          <p:cNvPr id="81" name="Connector: Elbow 80">
+            <a:extLst>
+              <a:ext uri="{FF2B5EF4-FFF2-40B4-BE49-F238E27FC236}">
+                <a16:creationId xmlns:a16="http://schemas.microsoft.com/office/drawing/2014/main" id="{37A3E7F2-17C9-485A-BB0E-333795732A0B}"/>
+              </a:ext>
+            </a:extLst>
+          </p:cNvPr>
+          <p:cNvCxnSpPr>
+            <a:stCxn id="47" idx="2"/>
+            <a:endCxn id="37" idx="3"/>
+          </p:cNvCxnSpPr>
+          <p:nvPr/>
+        </p:nvCxnSpPr>
+        <p:spPr>
+          <a:xfrm rot="5400000" flipH="1">
+            <a:off x="2878692" y="1926917"/>
+            <a:ext cx="585036" cy="2987624"/>
+          </a:xfrm>
+          <a:prstGeom prst="bentConnector4">
+            <a:avLst>
+              <a:gd name="adj1" fmla="val -14780"/>
+              <a:gd name="adj2" fmla="val 96467"/>
+            </a:avLst>
+          </a:prstGeom>
+          <a:ln>
+            <a:tailEnd type="triangle"/>
+          </a:ln>
+        </p:spPr>
+        <p:style>
+          <a:lnRef idx="1">
+            <a:schemeClr val="dk1"/>
+          </a:lnRef>
+          <a:fillRef idx="0">
+            <a:schemeClr val="dk1"/>
+          </a:fillRef>
+          <a:effectRef idx="0">
+            <a:schemeClr val="dk1"/>
+          </a:effectRef>
+          <a:fontRef idx="minor">
+            <a:schemeClr val="tx1"/>
+          </a:fontRef>
+        </p:style>
+      </p:cxnSp>
+      <p:cxnSp>
+        <p:nvCxnSpPr>
+          <p:cNvPr id="85" name="Connector: Elbow 84">
+            <a:extLst>
+              <a:ext uri="{FF2B5EF4-FFF2-40B4-BE49-F238E27FC236}">
+                <a16:creationId xmlns:a16="http://schemas.microsoft.com/office/drawing/2014/main" id="{2A64BDE0-24A6-4805-AEB7-AA76D69DB230}"/>
+              </a:ext>
+            </a:extLst>
+          </p:cNvPr>
+          <p:cNvCxnSpPr>
+            <a:stCxn id="53" idx="2"/>
+            <a:endCxn id="37" idx="3"/>
+          </p:cNvCxnSpPr>
+          <p:nvPr/>
+        </p:nvCxnSpPr>
+        <p:spPr>
+          <a:xfrm rot="5400000" flipH="1">
+            <a:off x="3483606" y="1322003"/>
+            <a:ext cx="583530" cy="4195946"/>
+          </a:xfrm>
+          <a:prstGeom prst="bentConnector4">
+            <a:avLst>
+              <a:gd name="adj1" fmla="val -15629"/>
+              <a:gd name="adj2" fmla="val 97363"/>
+            </a:avLst>
+          </a:prstGeom>
+          <a:ln>
+            <a:tailEnd type="triangle"/>
+          </a:ln>
+        </p:spPr>
+        <p:style>
+          <a:lnRef idx="1">
+            <a:schemeClr val="dk1"/>
+          </a:lnRef>
+          <a:fillRef idx="0">
+            <a:schemeClr val="dk1"/>
+          </a:fillRef>
+          <a:effectRef idx="0">
+            <a:schemeClr val="dk1"/>
+          </a:effectRef>
+          <a:fontRef idx="minor">
+            <a:schemeClr val="tx1"/>
+          </a:fontRef>
+        </p:style>
+      </p:cxnSp>
+    </p:spTree>
+    <p:extLst>
+      <p:ext uri="{BB962C8B-B14F-4D97-AF65-F5344CB8AC3E}">
+        <p14:creationId xmlns:p14="http://schemas.microsoft.com/office/powerpoint/2010/main" val="1425457286"/>
+      </p:ext>
+    </p:extLst>
+  </p:cSld>
+  <p:clrMapOvr>
+    <a:masterClrMapping/>
+  </p:clrMapOvr>
+</p:sld>
+</file>
+
 <file path=ppt/theme/theme1.xml><?xml version="1.0" encoding="utf-8"?>
 <a:theme xmlns:a="http://schemas.openxmlformats.org/drawingml/2006/main" name="Office Theme">
   <a:themeElements>
@@ -17746,4 +21543,299 @@
     </a:ext>
   </a:extLst>
 </a:theme>
+</file>
+
+<file path=ppt/theme/theme2.xml><?xml version="1.0" encoding="utf-8"?>
+<a:theme xmlns:a="http://schemas.openxmlformats.org/drawingml/2006/main" name="Office Theme">
+  <a:themeElements>
+    <a:clrScheme name="Office">
+      <a:dk1>
+        <a:sysClr val="windowText" lastClr="000000"/>
+      </a:dk1>
+      <a:lt1>
+        <a:sysClr val="window" lastClr="FFFFFF"/>
+      </a:lt1>
+      <a:dk2>
+        <a:srgbClr val="44546A"/>
+      </a:dk2>
+      <a:lt2>
+        <a:srgbClr val="E7E6E6"/>
+      </a:lt2>
+      <a:accent1>
+        <a:srgbClr val="4472C4"/>
+      </a:accent1>
+      <a:accent2>
+        <a:srgbClr val="ED7D31"/>
+      </a:accent2>
+      <a:accent3>
+        <a:srgbClr val="A5A5A5"/>
+      </a:accent3>
+      <a:accent4>
+        <a:srgbClr val="FFC000"/>
+      </a:accent4>
+      <a:accent5>
+        <a:srgbClr val="5B9BD5"/>
+      </a:accent5>
+      <a:accent6>
+        <a:srgbClr val="70AD47"/>
+      </a:accent6>
+      <a:hlink>
+        <a:srgbClr val="0563C1"/>
+      </a:hlink>
+      <a:folHlink>
+        <a:srgbClr val="954F72"/>
+      </a:folHlink>
+    </a:clrScheme>
+    <a:fontScheme name="Office">
+      <a:majorFont>
+        <a:latin typeface="Calibri Light" panose="020F0302020204030204"/>
+        <a:ea typeface=""/>
+        <a:cs typeface=""/>
+        <a:font script="Jpan" typeface="游ゴシック Light"/>
+        <a:font script="Hang" typeface="맑은 고딕"/>
+        <a:font script="Hans" typeface="等线 Light"/>
+        <a:font script="Hant" typeface="新細明體"/>
+        <a:font script="Arab" typeface="Times New Roman"/>
+        <a:font script="Hebr" typeface="Times New Roman"/>
+        <a:font script="Thai" typeface="Angsana New"/>
+        <a:font script="Ethi" typeface="Nyala"/>
+        <a:font script="Beng" typeface="Vrinda"/>
+        <a:font script="Gujr" typeface="Shruti"/>
+        <a:font script="Khmr" typeface="MoolBoran"/>
+        <a:font script="Knda" typeface="Tunga"/>
+        <a:font script="Guru" typeface="Raavi"/>
+        <a:font script="Cans" typeface="Euphemia"/>
+        <a:font script="Cher" typeface="Plantagenet Cherokee"/>
+        <a:font script="Yiii" typeface="Microsoft Yi Baiti"/>
+        <a:font script="Tibt" typeface="Microsoft Himalaya"/>
+        <a:font script="Thaa" typeface="MV Boli"/>
+        <a:font script="Deva" typeface="Mangal"/>
+        <a:font script="Telu" typeface="Gautami"/>
+        <a:font script="Taml" typeface="Latha"/>
+        <a:font script="Syrc" typeface="Estrangelo Edessa"/>
+        <a:font script="Orya" typeface="Kalinga"/>
+        <a:font script="Mlym" typeface="Kartika"/>
+        <a:font script="Laoo" typeface="DokChampa"/>
+        <a:font script="Sinh" typeface="Iskoola Pota"/>
+        <a:font script="Mong" typeface="Mongolian Baiti"/>
+        <a:font script="Viet" typeface="Times New Roman"/>
+        <a:font script="Uigh" typeface="Microsoft Uighur"/>
+        <a:font script="Geor" typeface="Sylfaen"/>
+        <a:font script="Armn" typeface="Arial"/>
+        <a:font script="Bugi" typeface="Leelawadee UI"/>
+        <a:font script="Bopo" typeface="Microsoft JhengHei"/>
+        <a:font script="Java" typeface="Javanese Text"/>
+        <a:font script="Lisu" typeface="Segoe UI"/>
+        <a:font script="Mymr" typeface="Myanmar Text"/>
+        <a:font script="Nkoo" typeface="Ebrima"/>
+        <a:font script="Olck" typeface="Nirmala UI"/>
+        <a:font script="Osma" typeface="Ebrima"/>
+        <a:font script="Phag" typeface="Phagspa"/>
+        <a:font script="Syrn" typeface="Estrangelo Edessa"/>
+        <a:font script="Syrj" typeface="Estrangelo Edessa"/>
+        <a:font script="Syre" typeface="Estrangelo Edessa"/>
+        <a:font script="Sora" typeface="Nirmala UI"/>
+        <a:font script="Tale" typeface="Microsoft Tai Le"/>
+        <a:font script="Talu" typeface="Microsoft New Tai Lue"/>
+        <a:font script="Tfng" typeface="Ebrima"/>
+      </a:majorFont>
+      <a:minorFont>
+        <a:latin typeface="Calibri" panose="020F0502020204030204"/>
+        <a:ea typeface=""/>
+        <a:cs typeface=""/>
+        <a:font script="Jpan" typeface="游ゴシック"/>
+        <a:font script="Hang" typeface="맑은 고딕"/>
+        <a:font script="Hans" typeface="等线"/>
+        <a:font script="Hant" typeface="新細明體"/>
+        <a:font script="Arab" typeface="Arial"/>
+        <a:font script="Hebr" typeface="Arial"/>
+        <a:font script="Thai" typeface="Cordia New"/>
+        <a:font script="Ethi" typeface="Nyala"/>
+        <a:font script="Beng" typeface="Vrinda"/>
+        <a:font script="Gujr" typeface="Shruti"/>
+        <a:font script="Khmr" typeface="DaunPenh"/>
+        <a:font script="Knda" typeface="Tunga"/>
+        <a:font script="Guru" typeface="Raavi"/>
+        <a:font script="Cans" typeface="Euphemia"/>
+        <a:font script="Cher" typeface="Plantagenet Cherokee"/>
+        <a:font script="Yiii" typeface="Microsoft Yi Baiti"/>
+        <a:font script="Tibt" typeface="Microsoft Himalaya"/>
+        <a:font script="Thaa" typeface="MV Boli"/>
+        <a:font script="Deva" typeface="Mangal"/>
+        <a:font script="Telu" typeface="Gautami"/>
+        <a:font script="Taml" typeface="Latha"/>
+        <a:font script="Syrc" typeface="Estrangelo Edessa"/>
+        <a:font script="Orya" typeface="Kalinga"/>
+        <a:font script="Mlym" typeface="Kartika"/>
+        <a:font script="Laoo" typeface="DokChampa"/>
+        <a:font script="Sinh" typeface="Iskoola Pota"/>
+        <a:font script="Mong" typeface="Mongolian Baiti"/>
+        <a:font script="Viet" typeface="Arial"/>
+        <a:font script="Uigh" typeface="Microsoft Uighur"/>
+        <a:font script="Geor" typeface="Sylfaen"/>
+        <a:font script="Armn" typeface="Arial"/>
+        <a:font script="Bugi" typeface="Leelawadee UI"/>
+        <a:font script="Bopo" typeface="Microsoft JhengHei"/>
+        <a:font script="Java" typeface="Javanese Text"/>
+        <a:font script="Lisu" typeface="Segoe UI"/>
+        <a:font script="Mymr" typeface="Myanmar Text"/>
+        <a:font script="Nkoo" typeface="Ebrima"/>
+        <a:font script="Olck" typeface="Nirmala UI"/>
+        <a:font script="Osma" typeface="Ebrima"/>
+        <a:font script="Phag" typeface="Phagspa"/>
+        <a:font script="Syrn" typeface="Estrangelo Edessa"/>
+        <a:font script="Syrj" typeface="Estrangelo Edessa"/>
+        <a:font script="Syre" typeface="Estrangelo Edessa"/>
+        <a:font script="Sora" typeface="Nirmala UI"/>
+        <a:font script="Tale" typeface="Microsoft Tai Le"/>
+        <a:font script="Talu" typeface="Microsoft New Tai Lue"/>
+        <a:font script="Tfng" typeface="Ebrima"/>
+      </a:minorFont>
+    </a:fontScheme>
+    <a:fmtScheme name="Office">
+      <a:fillStyleLst>
+        <a:solidFill>
+          <a:schemeClr val="phClr"/>
+        </a:solidFill>
+        <a:gradFill rotWithShape="1">
+          <a:gsLst>
+            <a:gs pos="0">
+              <a:schemeClr val="phClr">
+                <a:lumMod val="110000"/>
+                <a:satMod val="105000"/>
+                <a:tint val="67000"/>
+              </a:schemeClr>
+            </a:gs>
+            <a:gs pos="50000">
+              <a:schemeClr val="phClr">
+                <a:lumMod val="105000"/>
+                <a:satMod val="103000"/>
+                <a:tint val="73000"/>
+              </a:schemeClr>
+            </a:gs>
+            <a:gs pos="100000">
+              <a:schemeClr val="phClr">
+                <a:lumMod val="105000"/>
+                <a:satMod val="109000"/>
+                <a:tint val="81000"/>
+              </a:schemeClr>
+            </a:gs>
+          </a:gsLst>
+          <a:lin ang="5400000" scaled="0"/>
+        </a:gradFill>
+        <a:gradFill rotWithShape="1">
+          <a:gsLst>
+            <a:gs pos="0">
+              <a:schemeClr val="phClr">
+                <a:satMod val="103000"/>
+                <a:lumMod val="102000"/>
+                <a:tint val="94000"/>
+              </a:schemeClr>
+            </a:gs>
+            <a:gs pos="50000">
+              <a:schemeClr val="phClr">
+                <a:satMod val="110000"/>
+                <a:lumMod val="100000"/>
+                <a:shade val="100000"/>
+              </a:schemeClr>
+            </a:gs>
+            <a:gs pos="100000">
+              <a:schemeClr val="phClr">
+                <a:lumMod val="99000"/>
+                <a:satMod val="120000"/>
+                <a:shade val="78000"/>
+              </a:schemeClr>
+            </a:gs>
+          </a:gsLst>
+          <a:lin ang="5400000" scaled="0"/>
+        </a:gradFill>
+      </a:fillStyleLst>
+      <a:lnStyleLst>
+        <a:ln w="6350" cap="flat" cmpd="sng" algn="ctr">
+          <a:solidFill>
+            <a:schemeClr val="phClr"/>
+          </a:solidFill>
+          <a:prstDash val="solid"/>
+          <a:miter lim="800000"/>
+        </a:ln>
+        <a:ln w="12700" cap="flat" cmpd="sng" algn="ctr">
+          <a:solidFill>
+            <a:schemeClr val="phClr"/>
+          </a:solidFill>
+          <a:prstDash val="solid"/>
+          <a:miter lim="800000"/>
+        </a:ln>
+        <a:ln w="19050" cap="flat" cmpd="sng" algn="ctr">
+          <a:solidFill>
+            <a:schemeClr val="phClr"/>
+          </a:solidFill>
+          <a:prstDash val="solid"/>
+          <a:miter lim="800000"/>
+        </a:ln>
+      </a:lnStyleLst>
+      <a:effectStyleLst>
+        <a:effectStyle>
+          <a:effectLst/>
+        </a:effectStyle>
+        <a:effectStyle>
+          <a:effectLst/>
+        </a:effectStyle>
+        <a:effectStyle>
+          <a:effectLst>
+            <a:outerShdw blurRad="57150" dist="19050" dir="5400000" algn="ctr" rotWithShape="0">
+              <a:srgbClr val="000000">
+                <a:alpha val="63000"/>
+              </a:srgbClr>
+            </a:outerShdw>
+          </a:effectLst>
+        </a:effectStyle>
+      </a:effectStyleLst>
+      <a:bgFillStyleLst>
+        <a:solidFill>
+          <a:schemeClr val="phClr"/>
+        </a:solidFill>
+        <a:solidFill>
+          <a:schemeClr val="phClr">
+            <a:tint val="95000"/>
+            <a:satMod val="170000"/>
+          </a:schemeClr>
+        </a:solidFill>
+        <a:gradFill rotWithShape="1">
+          <a:gsLst>
+            <a:gs pos="0">
+              <a:schemeClr val="phClr">
+                <a:tint val="93000"/>
+                <a:satMod val="150000"/>
+                <a:shade val="98000"/>
+                <a:lumMod val="102000"/>
+              </a:schemeClr>
+            </a:gs>
+            <a:gs pos="50000">
+              <a:schemeClr val="phClr">
+                <a:tint val="98000"/>
+                <a:satMod val="130000"/>
+                <a:shade val="90000"/>
+                <a:lumMod val="103000"/>
+              </a:schemeClr>
+            </a:gs>
+            <a:gs pos="100000">
+              <a:schemeClr val="phClr">
+                <a:shade val="63000"/>
+                <a:satMod val="120000"/>
+              </a:schemeClr>
+            </a:gs>
+          </a:gsLst>
+          <a:lin ang="5400000" scaled="0"/>
+        </a:gradFill>
+      </a:bgFillStyleLst>
+    </a:fmtScheme>
+  </a:themeElements>
+  <a:objectDefaults/>
+  <a:extraClrSchemeLst/>
+  <a:extLst>
+    <a:ext uri="{05A4C25C-085E-4340-85A3-A5531E510DB2}">
+      <thm15:themeFamily xmlns:thm15="http://schemas.microsoft.com/office/thememl/2012/main" name="Office Theme" id="{62F939B6-93AF-4DB8-9C6B-D6C7DFDC589F}" vid="{4A3C46E8-61CC-4603-A589-7422A47A8E4A}"/>
+    </a:ext>
+  </a:extLst>
+</a:theme>
 </file>